--- a/AprendizadoMaquina/Tópico 02 - Aprendizado Supervisionado/Ensembles/Tópico 02 - Aprendizado-Supervisionado - Ensembles.pptx
+++ b/AprendizadoMaquina/Tópico 02 - Aprendizado Supervisionado/Ensembles/Tópico 02 - Aprendizado-Supervisionado - Ensembles.pptx
@@ -16,6 +16,11 @@
     <p:sldId id="260" r:id="rId9"/>
     <p:sldId id="261" r:id="rId10"/>
     <p:sldId id="262" r:id="rId11"/>
+    <p:sldId id="263" r:id="rId12"/>
+    <p:sldId id="264" r:id="rId13"/>
+    <p:sldId id="265" r:id="rId14"/>
+    <p:sldId id="266" r:id="rId15"/>
+    <p:sldId id="267" r:id="rId16"/>
   </p:sldIdLst>
   <p:sldSz cx="10080625" cy="7559675"/>
   <p:notesSz cx="7559675" cy="10691813"/>
@@ -74,139 +79,7 @@
               <a:rPr b="0" lang="pt-BR" sz="4400" spc="-1" strike="noStrike">
                 <a:latin typeface="Arial"/>
               </a:rPr>
-              <a:t>C</a:t>
-            </a:r>
-            <a:r>
-              <a:rPr b="0" lang="pt-BR" sz="4400" spc="-1" strike="noStrike">
-                <a:latin typeface="Arial"/>
-              </a:rPr>
-              <a:t>l</a:t>
-            </a:r>
-            <a:r>
-              <a:rPr b="0" lang="pt-BR" sz="4400" spc="-1" strike="noStrike">
-                <a:latin typeface="Arial"/>
-              </a:rPr>
-              <a:t>i</a:t>
-            </a:r>
-            <a:r>
-              <a:rPr b="0" lang="pt-BR" sz="4400" spc="-1" strike="noStrike">
-                <a:latin typeface="Arial"/>
-              </a:rPr>
-              <a:t>c</a:t>
-            </a:r>
-            <a:r>
-              <a:rPr b="0" lang="pt-BR" sz="4400" spc="-1" strike="noStrike">
-                <a:latin typeface="Arial"/>
-              </a:rPr>
-              <a:t>k</a:t>
-            </a:r>
-            <a:r>
-              <a:rPr b="0" lang="pt-BR" sz="4400" spc="-1" strike="noStrike">
-                <a:latin typeface="Arial"/>
-              </a:rPr>
-              <a:t> </a:t>
-            </a:r>
-            <a:r>
-              <a:rPr b="0" lang="pt-BR" sz="4400" spc="-1" strike="noStrike">
-                <a:latin typeface="Arial"/>
-              </a:rPr>
-              <a:t>t</a:t>
-            </a:r>
-            <a:r>
-              <a:rPr b="0" lang="pt-BR" sz="4400" spc="-1" strike="noStrike">
-                <a:latin typeface="Arial"/>
-              </a:rPr>
-              <a:t>o</a:t>
-            </a:r>
-            <a:r>
-              <a:rPr b="0" lang="pt-BR" sz="4400" spc="-1" strike="noStrike">
-                <a:latin typeface="Arial"/>
-              </a:rPr>
-              <a:t> </a:t>
-            </a:r>
-            <a:r>
-              <a:rPr b="0" lang="pt-BR" sz="4400" spc="-1" strike="noStrike">
-                <a:latin typeface="Arial"/>
-              </a:rPr>
-              <a:t>m</a:t>
-            </a:r>
-            <a:r>
-              <a:rPr b="0" lang="pt-BR" sz="4400" spc="-1" strike="noStrike">
-                <a:latin typeface="Arial"/>
-              </a:rPr>
-              <a:t>o</a:t>
-            </a:r>
-            <a:r>
-              <a:rPr b="0" lang="pt-BR" sz="4400" spc="-1" strike="noStrike">
-                <a:latin typeface="Arial"/>
-              </a:rPr>
-              <a:t>v</a:t>
-            </a:r>
-            <a:r>
-              <a:rPr b="0" lang="pt-BR" sz="4400" spc="-1" strike="noStrike">
-                <a:latin typeface="Arial"/>
-              </a:rPr>
-              <a:t>e</a:t>
-            </a:r>
-            <a:r>
-              <a:rPr b="0" lang="pt-BR" sz="4400" spc="-1" strike="noStrike">
-                <a:latin typeface="Arial"/>
-              </a:rPr>
-              <a:t> </a:t>
-            </a:r>
-            <a:r>
-              <a:rPr b="0" lang="pt-BR" sz="4400" spc="-1" strike="noStrike">
-                <a:latin typeface="Arial"/>
-              </a:rPr>
-              <a:t>t</a:t>
-            </a:r>
-            <a:r>
-              <a:rPr b="0" lang="pt-BR" sz="4400" spc="-1" strike="noStrike">
-                <a:latin typeface="Arial"/>
-              </a:rPr>
-              <a:t>h</a:t>
-            </a:r>
-            <a:r>
-              <a:rPr b="0" lang="pt-BR" sz="4400" spc="-1" strike="noStrike">
-                <a:latin typeface="Arial"/>
-              </a:rPr>
-              <a:t>e</a:t>
-            </a:r>
-            <a:r>
-              <a:rPr b="0" lang="pt-BR" sz="4400" spc="-1" strike="noStrike">
-                <a:latin typeface="Arial"/>
-              </a:rPr>
-              <a:t> </a:t>
-            </a:r>
-            <a:r>
-              <a:rPr b="0" lang="pt-BR" sz="4400" spc="-1" strike="noStrike">
-                <a:latin typeface="Arial"/>
-              </a:rPr>
-              <a:t>s</a:t>
-            </a:r>
-            <a:r>
-              <a:rPr b="0" lang="pt-BR" sz="4400" spc="-1" strike="noStrike">
-                <a:latin typeface="Arial"/>
-              </a:rPr>
-              <a:t>l</a:t>
-            </a:r>
-            <a:r>
-              <a:rPr b="0" lang="pt-BR" sz="4400" spc="-1" strike="noStrike">
-                <a:latin typeface="Arial"/>
-              </a:rPr>
-              <a:t>i</a:t>
-            </a:r>
-            <a:r>
-              <a:rPr b="0" lang="pt-BR" sz="4400" spc="-1" strike="noStrike">
-                <a:latin typeface="Arial"/>
-              </a:rPr>
-              <a:t>d</a:t>
-            </a:r>
-            <a:r>
-              <a:rPr b="0" lang="pt-BR" sz="4400" spc="-1" strike="noStrike">
-                <a:latin typeface="Arial"/>
-              </a:rPr>
-              <a:t>e</a:t>
+              <a:t>Click to move the slide</a:t>
             </a:r>
             <a:endParaRPr b="0" lang="pt-BR" sz="4400" spc="-1" strike="noStrike">
               <a:latin typeface="Arial"/>
@@ -431,7 +304,7 @@
             <a:pPr algn="r">
               <a:buNone/>
             </a:pPr>
-            <a:fld id="{76AC456A-E69D-453D-993C-7DF53F67DF81}" type="slidenum">
+            <a:fld id="{DE214F49-9A01-4651-98CA-AD616C6B1043}" type="slidenum">
               <a:rPr b="0" lang="pt-BR" sz="1400" spc="-1" strike="noStrike">
                 <a:latin typeface="Times New Roman"/>
               </a:rPr>
@@ -468,7 +341,7 @@
       </p:grpSpPr>
       <p:sp>
         <p:nvSpPr>
-          <p:cNvPr id="131" name="PlaceHolder 1"/>
+          <p:cNvPr id="159" name="PlaceHolder 1"/>
           <p:cNvSpPr>
             <a:spLocks noGrp="1"/>
           </p:cNvSpPr>
@@ -479,19 +352,19 @@
         <p:spPr>
           <a:xfrm>
             <a:off x="1376280" y="1336680"/>
-            <a:ext cx="4798080" cy="3597840"/>
-          </a:xfrm>
-          <a:prstGeom prst="rect">
-            <a:avLst/>
-          </a:prstGeom>
-          <a:ln w="0">
-            <a:noFill/>
-          </a:ln>
-        </p:spPr>
-      </p:sp>
-      <p:sp>
-        <p:nvSpPr>
-          <p:cNvPr id="132" name="PlaceHolder 2"/>
+            <a:ext cx="4797720" cy="3597480"/>
+          </a:xfrm>
+          <a:prstGeom prst="rect">
+            <a:avLst/>
+          </a:prstGeom>
+          <a:ln w="0">
+            <a:noFill/>
+          </a:ln>
+        </p:spPr>
+      </p:sp>
+      <p:sp>
+        <p:nvSpPr>
+          <p:cNvPr id="160" name="PlaceHolder 2"/>
           <p:cNvSpPr>
             <a:spLocks noGrp="1"/>
           </p:cNvSpPr>
@@ -502,7 +375,7 @@
         <p:spPr>
           <a:xfrm>
             <a:off x="756000" y="5145120"/>
-            <a:ext cx="6038280" cy="4200480"/>
+            <a:ext cx="6037920" cy="4200120"/>
           </a:xfrm>
           <a:prstGeom prst="rect">
             <a:avLst/>
@@ -525,14 +398,587 @@
       </p:sp>
       <p:sp>
         <p:nvSpPr>
-          <p:cNvPr id="133" name="CustomShape 3"/>
+          <p:cNvPr id="161" name="CustomShape 3"/>
           <p:cNvSpPr/>
           <p:nvPr/>
         </p:nvSpPr>
         <p:spPr>
           <a:xfrm>
             <a:off x="0" y="10155240"/>
-            <a:ext cx="3266640" cy="527040"/>
+            <a:ext cx="3266280" cy="526680"/>
+          </a:xfrm>
+          <a:prstGeom prst="rect">
+            <a:avLst/>
+          </a:prstGeom>
+          <a:noFill/>
+          <a:ln w="0">
+            <a:noFill/>
+          </a:ln>
+        </p:spPr>
+        <p:style>
+          <a:lnRef idx="0"/>
+          <a:fillRef idx="0"/>
+          <a:effectRef idx="0"/>
+          <a:fontRef idx="minor"/>
+        </p:style>
+        <p:txBody>
+          <a:bodyPr lIns="90000" rIns="90000" tIns="45000" bIns="45000" anchor="b">
+            <a:noAutofit/>
+          </a:bodyPr>
+          <a:p>
+            <a:pPr>
+              <a:lnSpc>
+                <a:spcPct val="100000"/>
+              </a:lnSpc>
+              <a:buNone/>
+            </a:pPr>
+            <a:r>
+              <a:rPr b="0" lang="pt-BR" sz="1200" spc="-1" strike="noStrike">
+                <a:solidFill>
+                  <a:srgbClr val="000000"/>
+                </a:solidFill>
+                <a:latin typeface="Times New Roman"/>
+                <a:ea typeface="+mn-ea"/>
+              </a:rPr>
+              <a:t>Prof. André Hochuli</a:t>
+            </a:r>
+            <a:endParaRPr b="0" lang="pt-BR" sz="1200" spc="-1" strike="noStrike">
+              <a:latin typeface="Arial"/>
+            </a:endParaRPr>
+          </a:p>
+        </p:txBody>
+      </p:sp>
+    </p:spTree>
+  </p:cSld>
+</p:notes>
+</file>
+
+<file path=ppt/notesSlides/notesSlide10.xml><?xml version="1.0" encoding="utf-8"?>
+<p:notes xmlns:a="http://schemas.openxmlformats.org/drawingml/2006/main" xmlns:p="http://schemas.openxmlformats.org/presentationml/2006/main" xmlns:r="http://schemas.openxmlformats.org/officeDocument/2006/relationships" xmlns:p14="http://schemas.microsoft.com/office/powerpoint/2010/main" xmlns:p15="http://schemas.microsoft.com/office/powerpoint/2012/main" xmlns:mc="http://schemas.openxmlformats.org/markup-compatibility/2006">
+  <p:cSld>
+    <p:spTree>
+      <p:nvGrpSpPr>
+        <p:cNvPr id="1" name=""/>
+        <p:cNvGrpSpPr/>
+        <p:nvPr/>
+      </p:nvGrpSpPr>
+      <p:grpSpPr>
+        <a:xfrm>
+          <a:off x="0" y="0"/>
+          <a:ext cx="0" cy="0"/>
+          <a:chOff x="0" y="0"/>
+          <a:chExt cx="0" cy="0"/>
+        </a:xfrm>
+      </p:grpSpPr>
+      <p:sp>
+        <p:nvSpPr>
+          <p:cNvPr id="186" name="PlaceHolder 1"/>
+          <p:cNvSpPr>
+            <a:spLocks noGrp="1"/>
+          </p:cNvSpPr>
+          <p:nvPr>
+            <p:ph type="sldImg"/>
+          </p:nvPr>
+        </p:nvSpPr>
+        <p:spPr>
+          <a:xfrm>
+            <a:off x="1376280" y="1336680"/>
+            <a:ext cx="4797720" cy="3597480"/>
+          </a:xfrm>
+          <a:prstGeom prst="rect">
+            <a:avLst/>
+          </a:prstGeom>
+          <a:ln w="0">
+            <a:noFill/>
+          </a:ln>
+        </p:spPr>
+      </p:sp>
+      <p:sp>
+        <p:nvSpPr>
+          <p:cNvPr id="187" name="PlaceHolder 2"/>
+          <p:cNvSpPr>
+            <a:spLocks noGrp="1"/>
+          </p:cNvSpPr>
+          <p:nvPr>
+            <p:ph type="body"/>
+          </p:nvPr>
+        </p:nvSpPr>
+        <p:spPr>
+          <a:xfrm>
+            <a:off x="756000" y="5145120"/>
+            <a:ext cx="6037920" cy="4200120"/>
+          </a:xfrm>
+          <a:prstGeom prst="rect">
+            <a:avLst/>
+          </a:prstGeom>
+          <a:noFill/>
+          <a:ln w="0">
+            <a:noFill/>
+          </a:ln>
+        </p:spPr>
+        <p:txBody>
+          <a:bodyPr lIns="0" rIns="0" tIns="0" bIns="0" anchor="t">
+            <a:noAutofit/>
+          </a:bodyPr>
+          <a:p>
+            <a:endParaRPr b="0" lang="pt-BR" sz="2000" spc="-1" strike="noStrike">
+              <a:latin typeface="Arial"/>
+            </a:endParaRPr>
+          </a:p>
+        </p:txBody>
+      </p:sp>
+      <p:sp>
+        <p:nvSpPr>
+          <p:cNvPr id="188" name="CustomShape 44"/>
+          <p:cNvSpPr/>
+          <p:nvPr/>
+        </p:nvSpPr>
+        <p:spPr>
+          <a:xfrm>
+            <a:off x="0" y="10155240"/>
+            <a:ext cx="3266280" cy="526680"/>
+          </a:xfrm>
+          <a:prstGeom prst="rect">
+            <a:avLst/>
+          </a:prstGeom>
+          <a:noFill/>
+          <a:ln w="0">
+            <a:noFill/>
+          </a:ln>
+        </p:spPr>
+        <p:style>
+          <a:lnRef idx="0"/>
+          <a:fillRef idx="0"/>
+          <a:effectRef idx="0"/>
+          <a:fontRef idx="minor"/>
+        </p:style>
+        <p:txBody>
+          <a:bodyPr lIns="90000" rIns="90000" tIns="45000" bIns="45000" anchor="b">
+            <a:noAutofit/>
+          </a:bodyPr>
+          <a:p>
+            <a:pPr>
+              <a:lnSpc>
+                <a:spcPct val="100000"/>
+              </a:lnSpc>
+              <a:buNone/>
+            </a:pPr>
+            <a:r>
+              <a:rPr b="0" lang="pt-BR" sz="1200" spc="-1" strike="noStrike">
+                <a:solidFill>
+                  <a:srgbClr val="000000"/>
+                </a:solidFill>
+                <a:latin typeface="Times New Roman"/>
+                <a:ea typeface="+mn-ea"/>
+              </a:rPr>
+              <a:t>Prof. André Hochuli</a:t>
+            </a:r>
+            <a:endParaRPr b="0" lang="pt-BR" sz="1200" spc="-1" strike="noStrike">
+              <a:latin typeface="Arial"/>
+            </a:endParaRPr>
+          </a:p>
+        </p:txBody>
+      </p:sp>
+    </p:spTree>
+  </p:cSld>
+</p:notes>
+</file>
+
+<file path=ppt/notesSlides/notesSlide11.xml><?xml version="1.0" encoding="utf-8"?>
+<p:notes xmlns:a="http://schemas.openxmlformats.org/drawingml/2006/main" xmlns:p="http://schemas.openxmlformats.org/presentationml/2006/main" xmlns:r="http://schemas.openxmlformats.org/officeDocument/2006/relationships" xmlns:p14="http://schemas.microsoft.com/office/powerpoint/2010/main" xmlns:p15="http://schemas.microsoft.com/office/powerpoint/2012/main" xmlns:mc="http://schemas.openxmlformats.org/markup-compatibility/2006">
+  <p:cSld>
+    <p:spTree>
+      <p:nvGrpSpPr>
+        <p:cNvPr id="1" name=""/>
+        <p:cNvGrpSpPr/>
+        <p:nvPr/>
+      </p:nvGrpSpPr>
+      <p:grpSpPr>
+        <a:xfrm>
+          <a:off x="0" y="0"/>
+          <a:ext cx="0" cy="0"/>
+          <a:chOff x="0" y="0"/>
+          <a:chExt cx="0" cy="0"/>
+        </a:xfrm>
+      </p:grpSpPr>
+      <p:sp>
+        <p:nvSpPr>
+          <p:cNvPr id="189" name="PlaceHolder 1"/>
+          <p:cNvSpPr>
+            <a:spLocks noGrp="1"/>
+          </p:cNvSpPr>
+          <p:nvPr>
+            <p:ph type="sldImg"/>
+          </p:nvPr>
+        </p:nvSpPr>
+        <p:spPr>
+          <a:xfrm>
+            <a:off x="1376280" y="1336680"/>
+            <a:ext cx="4797720" cy="3597480"/>
+          </a:xfrm>
+          <a:prstGeom prst="rect">
+            <a:avLst/>
+          </a:prstGeom>
+          <a:ln w="0">
+            <a:noFill/>
+          </a:ln>
+        </p:spPr>
+      </p:sp>
+      <p:sp>
+        <p:nvSpPr>
+          <p:cNvPr id="190" name="PlaceHolder 2"/>
+          <p:cNvSpPr>
+            <a:spLocks noGrp="1"/>
+          </p:cNvSpPr>
+          <p:nvPr>
+            <p:ph type="body"/>
+          </p:nvPr>
+        </p:nvSpPr>
+        <p:spPr>
+          <a:xfrm>
+            <a:off x="756000" y="5145120"/>
+            <a:ext cx="6037920" cy="4200120"/>
+          </a:xfrm>
+          <a:prstGeom prst="rect">
+            <a:avLst/>
+          </a:prstGeom>
+          <a:noFill/>
+          <a:ln w="0">
+            <a:noFill/>
+          </a:ln>
+        </p:spPr>
+        <p:txBody>
+          <a:bodyPr lIns="0" rIns="0" tIns="0" bIns="0" anchor="t">
+            <a:noAutofit/>
+          </a:bodyPr>
+          <a:p>
+            <a:endParaRPr b="0" lang="pt-BR" sz="2000" spc="-1" strike="noStrike">
+              <a:latin typeface="Arial"/>
+            </a:endParaRPr>
+          </a:p>
+        </p:txBody>
+      </p:sp>
+      <p:sp>
+        <p:nvSpPr>
+          <p:cNvPr id="191" name="CustomShape 49"/>
+          <p:cNvSpPr/>
+          <p:nvPr/>
+        </p:nvSpPr>
+        <p:spPr>
+          <a:xfrm>
+            <a:off x="0" y="10155240"/>
+            <a:ext cx="3266280" cy="526680"/>
+          </a:xfrm>
+          <a:prstGeom prst="rect">
+            <a:avLst/>
+          </a:prstGeom>
+          <a:noFill/>
+          <a:ln w="0">
+            <a:noFill/>
+          </a:ln>
+        </p:spPr>
+        <p:style>
+          <a:lnRef idx="0"/>
+          <a:fillRef idx="0"/>
+          <a:effectRef idx="0"/>
+          <a:fontRef idx="minor"/>
+        </p:style>
+        <p:txBody>
+          <a:bodyPr lIns="90000" rIns="90000" tIns="45000" bIns="45000" anchor="b">
+            <a:noAutofit/>
+          </a:bodyPr>
+          <a:p>
+            <a:pPr>
+              <a:lnSpc>
+                <a:spcPct val="100000"/>
+              </a:lnSpc>
+              <a:buNone/>
+            </a:pPr>
+            <a:r>
+              <a:rPr b="0" lang="pt-BR" sz="1200" spc="-1" strike="noStrike">
+                <a:solidFill>
+                  <a:srgbClr val="000000"/>
+                </a:solidFill>
+                <a:latin typeface="Times New Roman"/>
+                <a:ea typeface="+mn-ea"/>
+              </a:rPr>
+              <a:t>P</a:t>
+            </a:r>
+            <a:r>
+              <a:rPr b="0" lang="pt-BR" sz="1200" spc="-1" strike="noStrike">
+                <a:solidFill>
+                  <a:srgbClr val="000000"/>
+                </a:solidFill>
+                <a:latin typeface="Times New Roman"/>
+                <a:ea typeface="+mn-ea"/>
+              </a:rPr>
+              <a:t>r</a:t>
+            </a:r>
+            <a:r>
+              <a:rPr b="0" lang="pt-BR" sz="1200" spc="-1" strike="noStrike">
+                <a:solidFill>
+                  <a:srgbClr val="000000"/>
+                </a:solidFill>
+                <a:latin typeface="Times New Roman"/>
+                <a:ea typeface="+mn-ea"/>
+              </a:rPr>
+              <a:t>o</a:t>
+            </a:r>
+            <a:r>
+              <a:rPr b="0" lang="pt-BR" sz="1200" spc="-1" strike="noStrike">
+                <a:solidFill>
+                  <a:srgbClr val="000000"/>
+                </a:solidFill>
+                <a:latin typeface="Times New Roman"/>
+                <a:ea typeface="+mn-ea"/>
+              </a:rPr>
+              <a:t>f</a:t>
+            </a:r>
+            <a:r>
+              <a:rPr b="0" lang="pt-BR" sz="1200" spc="-1" strike="noStrike">
+                <a:solidFill>
+                  <a:srgbClr val="000000"/>
+                </a:solidFill>
+                <a:latin typeface="Times New Roman"/>
+                <a:ea typeface="+mn-ea"/>
+              </a:rPr>
+              <a:t>.</a:t>
+            </a:r>
+            <a:r>
+              <a:rPr b="0" lang="pt-BR" sz="1200" spc="-1" strike="noStrike">
+                <a:solidFill>
+                  <a:srgbClr val="000000"/>
+                </a:solidFill>
+                <a:latin typeface="Times New Roman"/>
+                <a:ea typeface="+mn-ea"/>
+              </a:rPr>
+              <a:t> </a:t>
+            </a:r>
+            <a:r>
+              <a:rPr b="0" lang="pt-BR" sz="1200" spc="-1" strike="noStrike">
+                <a:solidFill>
+                  <a:srgbClr val="000000"/>
+                </a:solidFill>
+                <a:latin typeface="Times New Roman"/>
+                <a:ea typeface="+mn-ea"/>
+              </a:rPr>
+              <a:t>A</a:t>
+            </a:r>
+            <a:r>
+              <a:rPr b="0" lang="pt-BR" sz="1200" spc="-1" strike="noStrike">
+                <a:solidFill>
+                  <a:srgbClr val="000000"/>
+                </a:solidFill>
+                <a:latin typeface="Times New Roman"/>
+                <a:ea typeface="+mn-ea"/>
+              </a:rPr>
+              <a:t>n</a:t>
+            </a:r>
+            <a:r>
+              <a:rPr b="0" lang="pt-BR" sz="1200" spc="-1" strike="noStrike">
+                <a:solidFill>
+                  <a:srgbClr val="000000"/>
+                </a:solidFill>
+                <a:latin typeface="Times New Roman"/>
+                <a:ea typeface="+mn-ea"/>
+              </a:rPr>
+              <a:t>d</a:t>
+            </a:r>
+            <a:r>
+              <a:rPr b="0" lang="pt-BR" sz="1200" spc="-1" strike="noStrike">
+                <a:solidFill>
+                  <a:srgbClr val="000000"/>
+                </a:solidFill>
+                <a:latin typeface="Times New Roman"/>
+                <a:ea typeface="+mn-ea"/>
+              </a:rPr>
+              <a:t>r</a:t>
+            </a:r>
+            <a:r>
+              <a:rPr b="0" lang="pt-BR" sz="1200" spc="-1" strike="noStrike">
+                <a:solidFill>
+                  <a:srgbClr val="000000"/>
+                </a:solidFill>
+                <a:latin typeface="Times New Roman"/>
+                <a:ea typeface="+mn-ea"/>
+              </a:rPr>
+              <a:t>é</a:t>
+            </a:r>
+            <a:r>
+              <a:rPr b="0" lang="pt-BR" sz="1200" spc="-1" strike="noStrike">
+                <a:solidFill>
+                  <a:srgbClr val="000000"/>
+                </a:solidFill>
+                <a:latin typeface="Times New Roman"/>
+                <a:ea typeface="+mn-ea"/>
+              </a:rPr>
+              <a:t> </a:t>
+            </a:r>
+            <a:r>
+              <a:rPr b="0" lang="pt-BR" sz="1200" spc="-1" strike="noStrike">
+                <a:solidFill>
+                  <a:srgbClr val="000000"/>
+                </a:solidFill>
+                <a:latin typeface="Times New Roman"/>
+                <a:ea typeface="+mn-ea"/>
+              </a:rPr>
+              <a:t>H</a:t>
+            </a:r>
+            <a:r>
+              <a:rPr b="0" lang="pt-BR" sz="1200" spc="-1" strike="noStrike">
+                <a:solidFill>
+                  <a:srgbClr val="000000"/>
+                </a:solidFill>
+                <a:latin typeface="Times New Roman"/>
+                <a:ea typeface="+mn-ea"/>
+              </a:rPr>
+              <a:t>o</a:t>
+            </a:r>
+            <a:r>
+              <a:rPr b="0" lang="pt-BR" sz="1200" spc="-1" strike="noStrike">
+                <a:solidFill>
+                  <a:srgbClr val="000000"/>
+                </a:solidFill>
+                <a:latin typeface="Times New Roman"/>
+                <a:ea typeface="+mn-ea"/>
+              </a:rPr>
+              <a:t>c</a:t>
+            </a:r>
+            <a:r>
+              <a:rPr b="0" lang="pt-BR" sz="1200" spc="-1" strike="noStrike">
+                <a:solidFill>
+                  <a:srgbClr val="000000"/>
+                </a:solidFill>
+                <a:latin typeface="Times New Roman"/>
+                <a:ea typeface="+mn-ea"/>
+              </a:rPr>
+              <a:t>h</a:t>
+            </a:r>
+            <a:r>
+              <a:rPr b="0" lang="pt-BR" sz="1200" spc="-1" strike="noStrike">
+                <a:solidFill>
+                  <a:srgbClr val="000000"/>
+                </a:solidFill>
+                <a:latin typeface="Times New Roman"/>
+                <a:ea typeface="+mn-ea"/>
+              </a:rPr>
+              <a:t>u</a:t>
+            </a:r>
+            <a:r>
+              <a:rPr b="0" lang="pt-BR" sz="1200" spc="-1" strike="noStrike">
+                <a:solidFill>
+                  <a:srgbClr val="000000"/>
+                </a:solidFill>
+                <a:latin typeface="Times New Roman"/>
+                <a:ea typeface="+mn-ea"/>
+              </a:rPr>
+              <a:t>l</a:t>
+            </a:r>
+            <a:r>
+              <a:rPr b="0" lang="pt-BR" sz="1200" spc="-1" strike="noStrike">
+                <a:solidFill>
+                  <a:srgbClr val="000000"/>
+                </a:solidFill>
+                <a:latin typeface="Times New Roman"/>
+                <a:ea typeface="+mn-ea"/>
+              </a:rPr>
+              <a:t>i</a:t>
+            </a:r>
+            <a:endParaRPr b="0" lang="pt-BR" sz="1200" spc="-1" strike="noStrike">
+              <a:latin typeface="Arial"/>
+            </a:endParaRPr>
+          </a:p>
+        </p:txBody>
+      </p:sp>
+    </p:spTree>
+  </p:cSld>
+</p:notes>
+</file>
+
+<file path=ppt/notesSlides/notesSlide12.xml><?xml version="1.0" encoding="utf-8"?>
+<p:notes xmlns:a="http://schemas.openxmlformats.org/drawingml/2006/main" xmlns:p="http://schemas.openxmlformats.org/presentationml/2006/main" xmlns:r="http://schemas.openxmlformats.org/officeDocument/2006/relationships" xmlns:p14="http://schemas.microsoft.com/office/powerpoint/2010/main" xmlns:p15="http://schemas.microsoft.com/office/powerpoint/2012/main" xmlns:mc="http://schemas.openxmlformats.org/markup-compatibility/2006">
+  <p:cSld>
+    <p:spTree>
+      <p:nvGrpSpPr>
+        <p:cNvPr id="1" name=""/>
+        <p:cNvGrpSpPr/>
+        <p:nvPr/>
+      </p:nvGrpSpPr>
+      <p:grpSpPr>
+        <a:xfrm>
+          <a:off x="0" y="0"/>
+          <a:ext cx="0" cy="0"/>
+          <a:chOff x="0" y="0"/>
+          <a:chExt cx="0" cy="0"/>
+        </a:xfrm>
+      </p:grpSpPr>
+      <p:sp>
+        <p:nvSpPr>
+          <p:cNvPr id="192" name="PlaceHolder 1"/>
+          <p:cNvSpPr>
+            <a:spLocks noGrp="1"/>
+          </p:cNvSpPr>
+          <p:nvPr>
+            <p:ph type="sldImg"/>
+          </p:nvPr>
+        </p:nvSpPr>
+        <p:spPr>
+          <a:xfrm>
+            <a:off x="1376280" y="1336680"/>
+            <a:ext cx="4797720" cy="3597480"/>
+          </a:xfrm>
+          <a:prstGeom prst="rect">
+            <a:avLst/>
+          </a:prstGeom>
+          <a:ln w="0">
+            <a:noFill/>
+          </a:ln>
+        </p:spPr>
+      </p:sp>
+      <p:sp>
+        <p:nvSpPr>
+          <p:cNvPr id="193" name="PlaceHolder 2"/>
+          <p:cNvSpPr>
+            <a:spLocks noGrp="1"/>
+          </p:cNvSpPr>
+          <p:nvPr>
+            <p:ph type="body"/>
+          </p:nvPr>
+        </p:nvSpPr>
+        <p:spPr>
+          <a:xfrm>
+            <a:off x="756000" y="5145120"/>
+            <a:ext cx="6037920" cy="4200120"/>
+          </a:xfrm>
+          <a:prstGeom prst="rect">
+            <a:avLst/>
+          </a:prstGeom>
+          <a:noFill/>
+          <a:ln w="0">
+            <a:noFill/>
+          </a:ln>
+        </p:spPr>
+        <p:txBody>
+          <a:bodyPr lIns="0" rIns="0" tIns="0" bIns="0" anchor="t">
+            <a:noAutofit/>
+          </a:bodyPr>
+          <a:p>
+            <a:endParaRPr b="0" lang="pt-BR" sz="2000" spc="-1" strike="noStrike">
+              <a:latin typeface="Arial"/>
+            </a:endParaRPr>
+          </a:p>
+        </p:txBody>
+      </p:sp>
+      <p:sp>
+        <p:nvSpPr>
+          <p:cNvPr id="194" name="CustomShape 53"/>
+          <p:cNvSpPr/>
+          <p:nvPr/>
+        </p:nvSpPr>
+        <p:spPr>
+          <a:xfrm>
+            <a:off x="0" y="10155240"/>
+            <a:ext cx="3266280" cy="526680"/>
           </a:xfrm>
           <a:prstGeom prst="rect">
             <a:avLst/>
@@ -599,7 +1045,7 @@
       </p:grpSpPr>
       <p:sp>
         <p:nvSpPr>
-          <p:cNvPr id="134" name="PlaceHolder 1"/>
+          <p:cNvPr id="162" name="PlaceHolder 1"/>
           <p:cNvSpPr>
             <a:spLocks noGrp="1"/>
           </p:cNvSpPr>
@@ -610,19 +1056,19 @@
         <p:spPr>
           <a:xfrm>
             <a:off x="1376280" y="1336680"/>
-            <a:ext cx="4798080" cy="3597840"/>
-          </a:xfrm>
-          <a:prstGeom prst="rect">
-            <a:avLst/>
-          </a:prstGeom>
-          <a:ln w="0">
-            <a:noFill/>
-          </a:ln>
-        </p:spPr>
-      </p:sp>
-      <p:sp>
-        <p:nvSpPr>
-          <p:cNvPr id="135" name="PlaceHolder 2"/>
+            <a:ext cx="4797720" cy="3597480"/>
+          </a:xfrm>
+          <a:prstGeom prst="rect">
+            <a:avLst/>
+          </a:prstGeom>
+          <a:ln w="0">
+            <a:noFill/>
+          </a:ln>
+        </p:spPr>
+      </p:sp>
+      <p:sp>
+        <p:nvSpPr>
+          <p:cNvPr id="163" name="PlaceHolder 2"/>
           <p:cNvSpPr>
             <a:spLocks noGrp="1"/>
           </p:cNvSpPr>
@@ -633,7 +1079,7 @@
         <p:spPr>
           <a:xfrm>
             <a:off x="756000" y="5145120"/>
-            <a:ext cx="6038280" cy="4200480"/>
+            <a:ext cx="6037920" cy="4200120"/>
           </a:xfrm>
           <a:prstGeom prst="rect">
             <a:avLst/>
@@ -656,14 +1102,14 @@
       </p:sp>
       <p:sp>
         <p:nvSpPr>
-          <p:cNvPr id="136" name="CustomShape 3"/>
+          <p:cNvPr id="164" name="CustomShape 3"/>
           <p:cNvSpPr/>
           <p:nvPr/>
         </p:nvSpPr>
         <p:spPr>
           <a:xfrm>
             <a:off x="0" y="10155240"/>
-            <a:ext cx="3266640" cy="527040"/>
+            <a:ext cx="3266280" cy="526680"/>
           </a:xfrm>
           <a:prstGeom prst="rect">
             <a:avLst/>
@@ -730,7 +1176,7 @@
       </p:grpSpPr>
       <p:sp>
         <p:nvSpPr>
-          <p:cNvPr id="137" name="PlaceHolder 1"/>
+          <p:cNvPr id="165" name="PlaceHolder 1"/>
           <p:cNvSpPr>
             <a:spLocks noGrp="1"/>
           </p:cNvSpPr>
@@ -741,19 +1187,19 @@
         <p:spPr>
           <a:xfrm>
             <a:off x="1376280" y="1336680"/>
-            <a:ext cx="4798080" cy="3597840"/>
-          </a:xfrm>
-          <a:prstGeom prst="rect">
-            <a:avLst/>
-          </a:prstGeom>
-          <a:ln w="0">
-            <a:noFill/>
-          </a:ln>
-        </p:spPr>
-      </p:sp>
-      <p:sp>
-        <p:nvSpPr>
-          <p:cNvPr id="138" name="PlaceHolder 2"/>
+            <a:ext cx="4797720" cy="3597480"/>
+          </a:xfrm>
+          <a:prstGeom prst="rect">
+            <a:avLst/>
+          </a:prstGeom>
+          <a:ln w="0">
+            <a:noFill/>
+          </a:ln>
+        </p:spPr>
+      </p:sp>
+      <p:sp>
+        <p:nvSpPr>
+          <p:cNvPr id="166" name="PlaceHolder 2"/>
           <p:cNvSpPr>
             <a:spLocks noGrp="1"/>
           </p:cNvSpPr>
@@ -764,7 +1210,7 @@
         <p:spPr>
           <a:xfrm>
             <a:off x="756000" y="5145120"/>
-            <a:ext cx="6038280" cy="4200480"/>
+            <a:ext cx="6037920" cy="4200120"/>
           </a:xfrm>
           <a:prstGeom prst="rect">
             <a:avLst/>
@@ -787,14 +1233,14 @@
       </p:sp>
       <p:sp>
         <p:nvSpPr>
-          <p:cNvPr id="139" name="CustomShape 5"/>
+          <p:cNvPr id="167" name="CustomShape 14"/>
           <p:cNvSpPr/>
           <p:nvPr/>
         </p:nvSpPr>
         <p:spPr>
           <a:xfrm>
             <a:off x="0" y="10155240"/>
-            <a:ext cx="3266640" cy="527040"/>
+            <a:ext cx="3266280" cy="526680"/>
           </a:xfrm>
           <a:prstGeom prst="rect">
             <a:avLst/>
@@ -861,7 +1307,7 @@
       </p:grpSpPr>
       <p:sp>
         <p:nvSpPr>
-          <p:cNvPr id="140" name="PlaceHolder 1"/>
+          <p:cNvPr id="168" name="PlaceHolder 1"/>
           <p:cNvSpPr>
             <a:spLocks noGrp="1"/>
           </p:cNvSpPr>
@@ -872,19 +1318,19 @@
         <p:spPr>
           <a:xfrm>
             <a:off x="1376280" y="1336680"/>
-            <a:ext cx="4798080" cy="3597840"/>
-          </a:xfrm>
-          <a:prstGeom prst="rect">
-            <a:avLst/>
-          </a:prstGeom>
-          <a:ln w="0">
-            <a:noFill/>
-          </a:ln>
-        </p:spPr>
-      </p:sp>
-      <p:sp>
-        <p:nvSpPr>
-          <p:cNvPr id="141" name="PlaceHolder 2"/>
+            <a:ext cx="4797720" cy="3597480"/>
+          </a:xfrm>
+          <a:prstGeom prst="rect">
+            <a:avLst/>
+          </a:prstGeom>
+          <a:ln w="0">
+            <a:noFill/>
+          </a:ln>
+        </p:spPr>
+      </p:sp>
+      <p:sp>
+        <p:nvSpPr>
+          <p:cNvPr id="169" name="PlaceHolder 2"/>
           <p:cNvSpPr>
             <a:spLocks noGrp="1"/>
           </p:cNvSpPr>
@@ -895,7 +1341,7 @@
         <p:spPr>
           <a:xfrm>
             <a:off x="756000" y="5145120"/>
-            <a:ext cx="6038280" cy="4200480"/>
+            <a:ext cx="6037920" cy="4200120"/>
           </a:xfrm>
           <a:prstGeom prst="rect">
             <a:avLst/>
@@ -918,14 +1364,14 @@
       </p:sp>
       <p:sp>
         <p:nvSpPr>
-          <p:cNvPr id="142" name="CustomShape 14"/>
+          <p:cNvPr id="170" name="CustomShape 11"/>
           <p:cNvSpPr/>
           <p:nvPr/>
         </p:nvSpPr>
         <p:spPr>
           <a:xfrm>
             <a:off x="0" y="10155240"/>
-            <a:ext cx="3266640" cy="527040"/>
+            <a:ext cx="3266280" cy="526680"/>
           </a:xfrm>
           <a:prstGeom prst="rect">
             <a:avLst/>
@@ -992,7 +1438,7 @@
       </p:grpSpPr>
       <p:sp>
         <p:nvSpPr>
-          <p:cNvPr id="143" name="PlaceHolder 1"/>
+          <p:cNvPr id="171" name="PlaceHolder 1"/>
           <p:cNvSpPr>
             <a:spLocks noGrp="1"/>
           </p:cNvSpPr>
@@ -1003,19 +1449,19 @@
         <p:spPr>
           <a:xfrm>
             <a:off x="1376280" y="1336680"/>
-            <a:ext cx="4798080" cy="3597840"/>
-          </a:xfrm>
-          <a:prstGeom prst="rect">
-            <a:avLst/>
-          </a:prstGeom>
-          <a:ln w="0">
-            <a:noFill/>
-          </a:ln>
-        </p:spPr>
-      </p:sp>
-      <p:sp>
-        <p:nvSpPr>
-          <p:cNvPr id="144" name="PlaceHolder 2"/>
+            <a:ext cx="4797720" cy="3597480"/>
+          </a:xfrm>
+          <a:prstGeom prst="rect">
+            <a:avLst/>
+          </a:prstGeom>
+          <a:ln w="0">
+            <a:noFill/>
+          </a:ln>
+        </p:spPr>
+      </p:sp>
+      <p:sp>
+        <p:nvSpPr>
+          <p:cNvPr id="172" name="PlaceHolder 2"/>
           <p:cNvSpPr>
             <a:spLocks noGrp="1"/>
           </p:cNvSpPr>
@@ -1026,7 +1472,7 @@
         <p:spPr>
           <a:xfrm>
             <a:off x="756000" y="5145120"/>
-            <a:ext cx="6038280" cy="4200480"/>
+            <a:ext cx="6037920" cy="4200120"/>
           </a:xfrm>
           <a:prstGeom prst="rect">
             <a:avLst/>
@@ -1049,14 +1495,14 @@
       </p:sp>
       <p:sp>
         <p:nvSpPr>
-          <p:cNvPr id="145" name="CustomShape 24"/>
+          <p:cNvPr id="173" name="CustomShape 34"/>
           <p:cNvSpPr/>
           <p:nvPr/>
         </p:nvSpPr>
         <p:spPr>
           <a:xfrm>
             <a:off x="0" y="10155240"/>
-            <a:ext cx="3266640" cy="527040"/>
+            <a:ext cx="3266280" cy="526680"/>
           </a:xfrm>
           <a:prstGeom prst="rect">
             <a:avLst/>
@@ -1123,7 +1569,7 @@
       </p:grpSpPr>
       <p:sp>
         <p:nvSpPr>
-          <p:cNvPr id="146" name="PlaceHolder 1"/>
+          <p:cNvPr id="174" name="PlaceHolder 1"/>
           <p:cNvSpPr>
             <a:spLocks noGrp="1"/>
           </p:cNvSpPr>
@@ -1134,19 +1580,19 @@
         <p:spPr>
           <a:xfrm>
             <a:off x="1376280" y="1336680"/>
-            <a:ext cx="4798080" cy="3597840"/>
-          </a:xfrm>
-          <a:prstGeom prst="rect">
-            <a:avLst/>
-          </a:prstGeom>
-          <a:ln w="0">
-            <a:noFill/>
-          </a:ln>
-        </p:spPr>
-      </p:sp>
-      <p:sp>
-        <p:nvSpPr>
-          <p:cNvPr id="147" name="PlaceHolder 2"/>
+            <a:ext cx="4797720" cy="3597480"/>
+          </a:xfrm>
+          <a:prstGeom prst="rect">
+            <a:avLst/>
+          </a:prstGeom>
+          <a:ln w="0">
+            <a:noFill/>
+          </a:ln>
+        </p:spPr>
+      </p:sp>
+      <p:sp>
+        <p:nvSpPr>
+          <p:cNvPr id="175" name="PlaceHolder 2"/>
           <p:cNvSpPr>
             <a:spLocks noGrp="1"/>
           </p:cNvSpPr>
@@ -1157,7 +1603,7 @@
         <p:spPr>
           <a:xfrm>
             <a:off x="756000" y="5145120"/>
-            <a:ext cx="6038280" cy="4200480"/>
+            <a:ext cx="6037920" cy="4200120"/>
           </a:xfrm>
           <a:prstGeom prst="rect">
             <a:avLst/>
@@ -1180,14 +1626,14 @@
       </p:sp>
       <p:sp>
         <p:nvSpPr>
-          <p:cNvPr id="148" name="CustomShape 19"/>
+          <p:cNvPr id="176" name="CustomShape 39"/>
           <p:cNvSpPr/>
           <p:nvPr/>
         </p:nvSpPr>
         <p:spPr>
           <a:xfrm>
             <a:off x="0" y="10155240"/>
-            <a:ext cx="3266640" cy="527040"/>
+            <a:ext cx="3266280" cy="526680"/>
           </a:xfrm>
           <a:prstGeom prst="rect">
             <a:avLst/>
@@ -1254,7 +1700,7 @@
       </p:grpSpPr>
       <p:sp>
         <p:nvSpPr>
-          <p:cNvPr id="149" name="PlaceHolder 1"/>
+          <p:cNvPr id="177" name="PlaceHolder 1"/>
           <p:cNvSpPr>
             <a:spLocks noGrp="1"/>
           </p:cNvSpPr>
@@ -1265,19 +1711,19 @@
         <p:spPr>
           <a:xfrm>
             <a:off x="1376280" y="1336680"/>
-            <a:ext cx="4798080" cy="3597840"/>
-          </a:xfrm>
-          <a:prstGeom prst="rect">
-            <a:avLst/>
-          </a:prstGeom>
-          <a:ln w="0">
-            <a:noFill/>
-          </a:ln>
-        </p:spPr>
-      </p:sp>
-      <p:sp>
-        <p:nvSpPr>
-          <p:cNvPr id="150" name="PlaceHolder 2"/>
+            <a:ext cx="4797720" cy="3597480"/>
+          </a:xfrm>
+          <a:prstGeom prst="rect">
+            <a:avLst/>
+          </a:prstGeom>
+          <a:ln w="0">
+            <a:noFill/>
+          </a:ln>
+        </p:spPr>
+      </p:sp>
+      <p:sp>
+        <p:nvSpPr>
+          <p:cNvPr id="178" name="PlaceHolder 2"/>
           <p:cNvSpPr>
             <a:spLocks noGrp="1"/>
           </p:cNvSpPr>
@@ -1288,7 +1734,7 @@
         <p:spPr>
           <a:xfrm>
             <a:off x="756000" y="5145120"/>
-            <a:ext cx="6038280" cy="4200480"/>
+            <a:ext cx="6037920" cy="4200120"/>
           </a:xfrm>
           <a:prstGeom prst="rect">
             <a:avLst/>
@@ -1311,14 +1757,276 @@
       </p:sp>
       <p:sp>
         <p:nvSpPr>
-          <p:cNvPr id="151" name="CustomShape 29"/>
+          <p:cNvPr id="179" name="CustomShape 19"/>
           <p:cNvSpPr/>
           <p:nvPr/>
         </p:nvSpPr>
         <p:spPr>
           <a:xfrm>
             <a:off x="0" y="10155240"/>
-            <a:ext cx="3266640" cy="527040"/>
+            <a:ext cx="3266280" cy="526680"/>
+          </a:xfrm>
+          <a:prstGeom prst="rect">
+            <a:avLst/>
+          </a:prstGeom>
+          <a:noFill/>
+          <a:ln w="0">
+            <a:noFill/>
+          </a:ln>
+        </p:spPr>
+        <p:style>
+          <a:lnRef idx="0"/>
+          <a:fillRef idx="0"/>
+          <a:effectRef idx="0"/>
+          <a:fontRef idx="minor"/>
+        </p:style>
+        <p:txBody>
+          <a:bodyPr lIns="90000" rIns="90000" tIns="45000" bIns="45000" anchor="b">
+            <a:noAutofit/>
+          </a:bodyPr>
+          <a:p>
+            <a:pPr>
+              <a:lnSpc>
+                <a:spcPct val="100000"/>
+              </a:lnSpc>
+              <a:buNone/>
+            </a:pPr>
+            <a:r>
+              <a:rPr b="0" lang="pt-BR" sz="1200" spc="-1" strike="noStrike">
+                <a:solidFill>
+                  <a:srgbClr val="000000"/>
+                </a:solidFill>
+                <a:latin typeface="Times New Roman"/>
+                <a:ea typeface="+mn-ea"/>
+              </a:rPr>
+              <a:t>Prof. André Hochuli</a:t>
+            </a:r>
+            <a:endParaRPr b="0" lang="pt-BR" sz="1200" spc="-1" strike="noStrike">
+              <a:latin typeface="Arial"/>
+            </a:endParaRPr>
+          </a:p>
+        </p:txBody>
+      </p:sp>
+    </p:spTree>
+  </p:cSld>
+</p:notes>
+</file>
+
+<file path=ppt/notesSlides/notesSlide8.xml><?xml version="1.0" encoding="utf-8"?>
+<p:notes xmlns:a="http://schemas.openxmlformats.org/drawingml/2006/main" xmlns:p="http://schemas.openxmlformats.org/presentationml/2006/main" xmlns:r="http://schemas.openxmlformats.org/officeDocument/2006/relationships" xmlns:p14="http://schemas.microsoft.com/office/powerpoint/2010/main" xmlns:p15="http://schemas.microsoft.com/office/powerpoint/2012/main" xmlns:mc="http://schemas.openxmlformats.org/markup-compatibility/2006">
+  <p:cSld>
+    <p:spTree>
+      <p:nvGrpSpPr>
+        <p:cNvPr id="1" name=""/>
+        <p:cNvGrpSpPr/>
+        <p:nvPr/>
+      </p:nvGrpSpPr>
+      <p:grpSpPr>
+        <a:xfrm>
+          <a:off x="0" y="0"/>
+          <a:ext cx="0" cy="0"/>
+          <a:chOff x="0" y="0"/>
+          <a:chExt cx="0" cy="0"/>
+        </a:xfrm>
+      </p:grpSpPr>
+      <p:sp>
+        <p:nvSpPr>
+          <p:cNvPr id="180" name="PlaceHolder 1"/>
+          <p:cNvSpPr>
+            <a:spLocks noGrp="1"/>
+          </p:cNvSpPr>
+          <p:nvPr>
+            <p:ph type="sldImg"/>
+          </p:nvPr>
+        </p:nvSpPr>
+        <p:spPr>
+          <a:xfrm>
+            <a:off x="1376280" y="1336680"/>
+            <a:ext cx="4797720" cy="3597480"/>
+          </a:xfrm>
+          <a:prstGeom prst="rect">
+            <a:avLst/>
+          </a:prstGeom>
+          <a:ln w="0">
+            <a:noFill/>
+          </a:ln>
+        </p:spPr>
+      </p:sp>
+      <p:sp>
+        <p:nvSpPr>
+          <p:cNvPr id="181" name="PlaceHolder 2"/>
+          <p:cNvSpPr>
+            <a:spLocks noGrp="1"/>
+          </p:cNvSpPr>
+          <p:nvPr>
+            <p:ph type="body"/>
+          </p:nvPr>
+        </p:nvSpPr>
+        <p:spPr>
+          <a:xfrm>
+            <a:off x="756000" y="5145120"/>
+            <a:ext cx="6037920" cy="4200120"/>
+          </a:xfrm>
+          <a:prstGeom prst="rect">
+            <a:avLst/>
+          </a:prstGeom>
+          <a:noFill/>
+          <a:ln w="0">
+            <a:noFill/>
+          </a:ln>
+        </p:spPr>
+        <p:txBody>
+          <a:bodyPr lIns="0" rIns="0" tIns="0" bIns="0" anchor="t">
+            <a:noAutofit/>
+          </a:bodyPr>
+          <a:p>
+            <a:endParaRPr b="0" lang="pt-BR" sz="2000" spc="-1" strike="noStrike">
+              <a:latin typeface="Arial"/>
+            </a:endParaRPr>
+          </a:p>
+        </p:txBody>
+      </p:sp>
+      <p:sp>
+        <p:nvSpPr>
+          <p:cNvPr id="182" name="CustomShape 24"/>
+          <p:cNvSpPr/>
+          <p:nvPr/>
+        </p:nvSpPr>
+        <p:spPr>
+          <a:xfrm>
+            <a:off x="0" y="10155240"/>
+            <a:ext cx="3266280" cy="526680"/>
+          </a:xfrm>
+          <a:prstGeom prst="rect">
+            <a:avLst/>
+          </a:prstGeom>
+          <a:noFill/>
+          <a:ln w="0">
+            <a:noFill/>
+          </a:ln>
+        </p:spPr>
+        <p:style>
+          <a:lnRef idx="0"/>
+          <a:fillRef idx="0"/>
+          <a:effectRef idx="0"/>
+          <a:fontRef idx="minor"/>
+        </p:style>
+        <p:txBody>
+          <a:bodyPr lIns="90000" rIns="90000" tIns="45000" bIns="45000" anchor="b">
+            <a:noAutofit/>
+          </a:bodyPr>
+          <a:p>
+            <a:pPr>
+              <a:lnSpc>
+                <a:spcPct val="100000"/>
+              </a:lnSpc>
+              <a:buNone/>
+            </a:pPr>
+            <a:r>
+              <a:rPr b="0" lang="pt-BR" sz="1200" spc="-1" strike="noStrike">
+                <a:solidFill>
+                  <a:srgbClr val="000000"/>
+                </a:solidFill>
+                <a:latin typeface="Times New Roman"/>
+                <a:ea typeface="+mn-ea"/>
+              </a:rPr>
+              <a:t>Prof. André Hochuli</a:t>
+            </a:r>
+            <a:endParaRPr b="0" lang="pt-BR" sz="1200" spc="-1" strike="noStrike">
+              <a:latin typeface="Arial"/>
+            </a:endParaRPr>
+          </a:p>
+        </p:txBody>
+      </p:sp>
+    </p:spTree>
+  </p:cSld>
+</p:notes>
+</file>
+
+<file path=ppt/notesSlides/notesSlide9.xml><?xml version="1.0" encoding="utf-8"?>
+<p:notes xmlns:a="http://schemas.openxmlformats.org/drawingml/2006/main" xmlns:p="http://schemas.openxmlformats.org/presentationml/2006/main" xmlns:r="http://schemas.openxmlformats.org/officeDocument/2006/relationships" xmlns:p14="http://schemas.microsoft.com/office/powerpoint/2010/main" xmlns:p15="http://schemas.microsoft.com/office/powerpoint/2012/main" xmlns:mc="http://schemas.openxmlformats.org/markup-compatibility/2006">
+  <p:cSld>
+    <p:spTree>
+      <p:nvGrpSpPr>
+        <p:cNvPr id="1" name=""/>
+        <p:cNvGrpSpPr/>
+        <p:nvPr/>
+      </p:nvGrpSpPr>
+      <p:grpSpPr>
+        <a:xfrm>
+          <a:off x="0" y="0"/>
+          <a:ext cx="0" cy="0"/>
+          <a:chOff x="0" y="0"/>
+          <a:chExt cx="0" cy="0"/>
+        </a:xfrm>
+      </p:grpSpPr>
+      <p:sp>
+        <p:nvSpPr>
+          <p:cNvPr id="183" name="PlaceHolder 1"/>
+          <p:cNvSpPr>
+            <a:spLocks noGrp="1"/>
+          </p:cNvSpPr>
+          <p:nvPr>
+            <p:ph type="sldImg"/>
+          </p:nvPr>
+        </p:nvSpPr>
+        <p:spPr>
+          <a:xfrm>
+            <a:off x="1376280" y="1336680"/>
+            <a:ext cx="4797720" cy="3597480"/>
+          </a:xfrm>
+          <a:prstGeom prst="rect">
+            <a:avLst/>
+          </a:prstGeom>
+          <a:ln w="0">
+            <a:noFill/>
+          </a:ln>
+        </p:spPr>
+      </p:sp>
+      <p:sp>
+        <p:nvSpPr>
+          <p:cNvPr id="184" name="PlaceHolder 2"/>
+          <p:cNvSpPr>
+            <a:spLocks noGrp="1"/>
+          </p:cNvSpPr>
+          <p:nvPr>
+            <p:ph type="body"/>
+          </p:nvPr>
+        </p:nvSpPr>
+        <p:spPr>
+          <a:xfrm>
+            <a:off x="756000" y="5145120"/>
+            <a:ext cx="6037920" cy="4200120"/>
+          </a:xfrm>
+          <a:prstGeom prst="rect">
+            <a:avLst/>
+          </a:prstGeom>
+          <a:noFill/>
+          <a:ln w="0">
+            <a:noFill/>
+          </a:ln>
+        </p:spPr>
+        <p:txBody>
+          <a:bodyPr lIns="0" rIns="0" tIns="0" bIns="0" anchor="t">
+            <a:noAutofit/>
+          </a:bodyPr>
+          <a:p>
+            <a:endParaRPr b="0" lang="pt-BR" sz="2000" spc="-1" strike="noStrike">
+              <a:latin typeface="Arial"/>
+            </a:endParaRPr>
+          </a:p>
+        </p:txBody>
+      </p:sp>
+      <p:sp>
+        <p:nvSpPr>
+          <p:cNvPr id="185" name="CustomShape 29"/>
+          <p:cNvSpPr/>
+          <p:nvPr/>
+        </p:nvSpPr>
+        <p:spPr>
+          <a:xfrm>
+            <a:off x="0" y="10155240"/>
+            <a:ext cx="3266280" cy="526680"/>
           </a:xfrm>
           <a:prstGeom prst="rect">
             <a:avLst/>
@@ -4447,7 +5155,7 @@
         <p:spPr>
           <a:xfrm>
             <a:off x="0" y="3150000"/>
-            <a:ext cx="9710640" cy="1250640"/>
+            <a:ext cx="9710280" cy="1250280"/>
           </a:xfrm>
           <a:prstGeom prst="rect">
             <a:avLst/>
@@ -4745,7 +5453,7 @@
         <p:spPr>
           <a:xfrm>
             <a:off x="0" y="180000"/>
-            <a:ext cx="9710640" cy="1250640"/>
+            <a:ext cx="9710280" cy="1250280"/>
           </a:xfrm>
           <a:prstGeom prst="rect">
             <a:avLst/>
@@ -4773,7 +5481,7 @@
         <p:spPr>
           <a:xfrm>
             <a:off x="7560000" y="6840000"/>
-            <a:ext cx="2510640" cy="530640"/>
+            <a:ext cx="2510280" cy="530280"/>
           </a:xfrm>
           <a:prstGeom prst="rect">
             <a:avLst/>
@@ -4801,7 +5509,7 @@
         <p:spPr>
           <a:xfrm>
             <a:off x="900000" y="6840000"/>
-            <a:ext cx="6470640" cy="530640"/>
+            <a:ext cx="6470280" cy="530280"/>
           </a:xfrm>
           <a:prstGeom prst="rect">
             <a:avLst/>
@@ -4829,7 +5537,7 @@
         <p:spPr>
           <a:xfrm>
             <a:off x="180000" y="6840000"/>
-            <a:ext cx="530640" cy="530640"/>
+            <a:ext cx="530280" cy="530280"/>
           </a:xfrm>
           <a:prstGeom prst="rect">
             <a:avLst/>
@@ -4881,211 +5589,7 @@
               <a:rPr b="0" lang="pt-BR" sz="4400" spc="-1" strike="noStrike">
                 <a:latin typeface="Arial"/>
               </a:rPr>
-              <a:t>C</a:t>
-            </a:r>
-            <a:r>
-              <a:rPr b="0" lang="pt-BR" sz="4400" spc="-1" strike="noStrike">
-                <a:latin typeface="Arial"/>
-              </a:rPr>
-              <a:t>l</a:t>
-            </a:r>
-            <a:r>
-              <a:rPr b="0" lang="pt-BR" sz="4400" spc="-1" strike="noStrike">
-                <a:latin typeface="Arial"/>
-              </a:rPr>
-              <a:t>i</a:t>
-            </a:r>
-            <a:r>
-              <a:rPr b="0" lang="pt-BR" sz="4400" spc="-1" strike="noStrike">
-                <a:latin typeface="Arial"/>
-              </a:rPr>
-              <a:t>c</a:t>
-            </a:r>
-            <a:r>
-              <a:rPr b="0" lang="pt-BR" sz="4400" spc="-1" strike="noStrike">
-                <a:latin typeface="Arial"/>
-              </a:rPr>
-              <a:t>k</a:t>
-            </a:r>
-            <a:r>
-              <a:rPr b="0" lang="pt-BR" sz="4400" spc="-1" strike="noStrike">
-                <a:latin typeface="Arial"/>
-              </a:rPr>
-              <a:t> </a:t>
-            </a:r>
-            <a:r>
-              <a:rPr b="0" lang="pt-BR" sz="4400" spc="-1" strike="noStrike">
-                <a:latin typeface="Arial"/>
-              </a:rPr>
-              <a:t>t</a:t>
-            </a:r>
-            <a:r>
-              <a:rPr b="0" lang="pt-BR" sz="4400" spc="-1" strike="noStrike">
-                <a:latin typeface="Arial"/>
-              </a:rPr>
-              <a:t>o</a:t>
-            </a:r>
-            <a:r>
-              <a:rPr b="0" lang="pt-BR" sz="4400" spc="-1" strike="noStrike">
-                <a:latin typeface="Arial"/>
-              </a:rPr>
-              <a:t> </a:t>
-            </a:r>
-            <a:r>
-              <a:rPr b="0" lang="pt-BR" sz="4400" spc="-1" strike="noStrike">
-                <a:latin typeface="Arial"/>
-              </a:rPr>
-              <a:t>e</a:t>
-            </a:r>
-            <a:r>
-              <a:rPr b="0" lang="pt-BR" sz="4400" spc="-1" strike="noStrike">
-                <a:latin typeface="Arial"/>
-              </a:rPr>
-              <a:t>d</a:t>
-            </a:r>
-            <a:r>
-              <a:rPr b="0" lang="pt-BR" sz="4400" spc="-1" strike="noStrike">
-                <a:latin typeface="Arial"/>
-              </a:rPr>
-              <a:t>i</a:t>
-            </a:r>
-            <a:r>
-              <a:rPr b="0" lang="pt-BR" sz="4400" spc="-1" strike="noStrike">
-                <a:latin typeface="Arial"/>
-              </a:rPr>
-              <a:t>t</a:t>
-            </a:r>
-            <a:r>
-              <a:rPr b="0" lang="pt-BR" sz="4400" spc="-1" strike="noStrike">
-                <a:latin typeface="Arial"/>
-              </a:rPr>
-              <a:t> </a:t>
-            </a:r>
-            <a:r>
-              <a:rPr b="0" lang="pt-BR" sz="4400" spc="-1" strike="noStrike">
-                <a:latin typeface="Arial"/>
-              </a:rPr>
-              <a:t>t</a:t>
-            </a:r>
-            <a:r>
-              <a:rPr b="0" lang="pt-BR" sz="4400" spc="-1" strike="noStrike">
-                <a:latin typeface="Arial"/>
-              </a:rPr>
-              <a:t>h</a:t>
-            </a:r>
-            <a:r>
-              <a:rPr b="0" lang="pt-BR" sz="4400" spc="-1" strike="noStrike">
-                <a:latin typeface="Arial"/>
-              </a:rPr>
-              <a:t>e</a:t>
-            </a:r>
-            <a:r>
-              <a:rPr b="0" lang="pt-BR" sz="4400" spc="-1" strike="noStrike">
-                <a:latin typeface="Arial"/>
-              </a:rPr>
-              <a:t> </a:t>
-            </a:r>
-            <a:r>
-              <a:rPr b="0" lang="pt-BR" sz="4400" spc="-1" strike="noStrike">
-                <a:latin typeface="Arial"/>
-              </a:rPr>
-              <a:t>t</a:t>
-            </a:r>
-            <a:r>
-              <a:rPr b="0" lang="pt-BR" sz="4400" spc="-1" strike="noStrike">
-                <a:latin typeface="Arial"/>
-              </a:rPr>
-              <a:t>i</a:t>
-            </a:r>
-            <a:r>
-              <a:rPr b="0" lang="pt-BR" sz="4400" spc="-1" strike="noStrike">
-                <a:latin typeface="Arial"/>
-              </a:rPr>
-              <a:t>t</a:t>
-            </a:r>
-            <a:r>
-              <a:rPr b="0" lang="pt-BR" sz="4400" spc="-1" strike="noStrike">
-                <a:latin typeface="Arial"/>
-              </a:rPr>
-              <a:t>l</a:t>
-            </a:r>
-            <a:r>
-              <a:rPr b="0" lang="pt-BR" sz="4400" spc="-1" strike="noStrike">
-                <a:latin typeface="Arial"/>
-              </a:rPr>
-              <a:t>e</a:t>
-            </a:r>
-            <a:r>
-              <a:rPr b="0" lang="pt-BR" sz="4400" spc="-1" strike="noStrike">
-                <a:latin typeface="Arial"/>
-              </a:rPr>
-              <a:t> </a:t>
-            </a:r>
-            <a:r>
-              <a:rPr b="0" lang="pt-BR" sz="4400" spc="-1" strike="noStrike">
-                <a:latin typeface="Arial"/>
-              </a:rPr>
-              <a:t>t</a:t>
-            </a:r>
-            <a:r>
-              <a:rPr b="0" lang="pt-BR" sz="4400" spc="-1" strike="noStrike">
-                <a:latin typeface="Arial"/>
-              </a:rPr>
-              <a:t>e</a:t>
-            </a:r>
-            <a:r>
-              <a:rPr b="0" lang="pt-BR" sz="4400" spc="-1" strike="noStrike">
-                <a:latin typeface="Arial"/>
-              </a:rPr>
-              <a:t>x</a:t>
-            </a:r>
-            <a:r>
-              <a:rPr b="0" lang="pt-BR" sz="4400" spc="-1" strike="noStrike">
-                <a:latin typeface="Arial"/>
-              </a:rPr>
-              <a:t>t</a:t>
-            </a:r>
-            <a:r>
-              <a:rPr b="0" lang="pt-BR" sz="4400" spc="-1" strike="noStrike">
-                <a:latin typeface="Arial"/>
-              </a:rPr>
-              <a:t> </a:t>
-            </a:r>
-            <a:r>
-              <a:rPr b="0" lang="pt-BR" sz="4400" spc="-1" strike="noStrike">
-                <a:latin typeface="Arial"/>
-              </a:rPr>
-              <a:t>f</a:t>
-            </a:r>
-            <a:r>
-              <a:rPr b="0" lang="pt-BR" sz="4400" spc="-1" strike="noStrike">
-                <a:latin typeface="Arial"/>
-              </a:rPr>
-              <a:t>o</a:t>
-            </a:r>
-            <a:r>
-              <a:rPr b="0" lang="pt-BR" sz="4400" spc="-1" strike="noStrike">
-                <a:latin typeface="Arial"/>
-              </a:rPr>
-              <a:t>r</a:t>
-            </a:r>
-            <a:r>
-              <a:rPr b="0" lang="pt-BR" sz="4400" spc="-1" strike="noStrike">
-                <a:latin typeface="Arial"/>
-              </a:rPr>
-              <a:t>m</a:t>
-            </a:r>
-            <a:r>
-              <a:rPr b="0" lang="pt-BR" sz="4400" spc="-1" strike="noStrike">
-                <a:latin typeface="Arial"/>
-              </a:rPr>
-              <a:t>a</a:t>
-            </a:r>
-            <a:r>
-              <a:rPr b="0" lang="pt-BR" sz="4400" spc="-1" strike="noStrike">
-                <a:latin typeface="Arial"/>
-              </a:rPr>
-              <a:t>t</a:t>
+              <a:t>Click to edit the title text format</a:t>
             </a:r>
             <a:endParaRPr b="0" lang="pt-BR" sz="4400" spc="-1" strike="noStrike">
               <a:latin typeface="Arial"/>
@@ -5322,7 +5826,7 @@
         <p:spPr>
           <a:xfrm>
             <a:off x="360000" y="3330000"/>
-            <a:ext cx="9350640" cy="890640"/>
+            <a:ext cx="9350280" cy="890280"/>
           </a:xfrm>
           <a:prstGeom prst="rect">
             <a:avLst/>
@@ -5374,7 +5878,7 @@
         <p:spPr>
           <a:xfrm>
             <a:off x="540000" y="4680000"/>
-            <a:ext cx="9170640" cy="2510640"/>
+            <a:ext cx="9170280" cy="2510280"/>
           </a:xfrm>
           <a:prstGeom prst="rect">
             <a:avLst/>
@@ -5569,6 +6073,2659 @@
               <a:buNone/>
             </a:pPr>
             <a:endParaRPr b="0" lang="pt-BR" sz="2200" spc="-1" strike="noStrike">
+              <a:latin typeface="Arial"/>
+            </a:endParaRPr>
+          </a:p>
+        </p:txBody>
+      </p:sp>
+    </p:spTree>
+  </p:cSld>
+  <mc:AlternateContent>
+    <mc:Choice Requires="p14">
+      <p:transition spd="slow" p14:dur="2000"/>
+    </mc:Choice>
+    <mc:Fallback>
+      <p:transition spd="slow"/>
+    </mc:Fallback>
+  </mc:AlternateContent>
+</p:sld>
+</file>
+
+<file path=ppt/slides/slide10.xml><?xml version="1.0" encoding="utf-8"?>
+<p:sld xmlns:a="http://schemas.openxmlformats.org/drawingml/2006/main" xmlns:p="http://schemas.openxmlformats.org/presentationml/2006/main" xmlns:r="http://schemas.openxmlformats.org/officeDocument/2006/relationships" xmlns:p14="http://schemas.microsoft.com/office/powerpoint/2010/main" xmlns:p15="http://schemas.microsoft.com/office/powerpoint/2012/main" xmlns:mc="http://schemas.openxmlformats.org/markup-compatibility/2006">
+  <p:cSld>
+    <p:spTree>
+      <p:nvGrpSpPr>
+        <p:cNvPr id="1" name=""/>
+        <p:cNvGrpSpPr/>
+        <p:nvPr/>
+      </p:nvGrpSpPr>
+      <p:grpSpPr>
+        <a:xfrm>
+          <a:off x="0" y="0"/>
+          <a:ext cx="0" cy="0"/>
+          <a:chOff x="0" y="0"/>
+          <a:chExt cx="0" cy="0"/>
+        </a:xfrm>
+      </p:grpSpPr>
+      <p:pic>
+        <p:nvPicPr>
+          <p:cNvPr id="142" name="" descr=""/>
+          <p:cNvPicPr/>
+          <p:nvPr/>
+        </p:nvPicPr>
+        <p:blipFill>
+          <a:blip r:embed="rId1"/>
+          <a:stretch/>
+        </p:blipFill>
+        <p:spPr>
+          <a:xfrm>
+            <a:off x="4662360" y="1623960"/>
+            <a:ext cx="4931640" cy="5065200"/>
+          </a:xfrm>
+          <a:prstGeom prst="rect">
+            <a:avLst/>
+          </a:prstGeom>
+          <a:ln w="0">
+            <a:noFill/>
+          </a:ln>
+        </p:spPr>
+      </p:pic>
+      <p:sp>
+        <p:nvSpPr>
+          <p:cNvPr id="143" name="CustomShape 40"/>
+          <p:cNvSpPr/>
+          <p:nvPr/>
+        </p:nvSpPr>
+        <p:spPr>
+          <a:xfrm>
+            <a:off x="360000" y="360000"/>
+            <a:ext cx="9350280" cy="890280"/>
+          </a:xfrm>
+          <a:prstGeom prst="rect">
+            <a:avLst/>
+          </a:prstGeom>
+          <a:noFill/>
+          <a:ln w="0">
+            <a:noFill/>
+          </a:ln>
+        </p:spPr>
+        <p:style>
+          <a:lnRef idx="0"/>
+          <a:fillRef idx="0"/>
+          <a:effectRef idx="0"/>
+          <a:fontRef idx="minor"/>
+        </p:style>
+        <p:txBody>
+          <a:bodyPr lIns="0" rIns="0" tIns="0" bIns="0" anchor="b">
+            <a:noAutofit/>
+          </a:bodyPr>
+          <a:p>
+            <a:pPr>
+              <a:lnSpc>
+                <a:spcPct val="100000"/>
+              </a:lnSpc>
+              <a:buNone/>
+            </a:pPr>
+            <a:r>
+              <a:rPr b="1" lang="pt-BR" sz="2600" spc="-1" strike="noStrike">
+                <a:solidFill>
+                  <a:srgbClr val="ffffff"/>
+                </a:solidFill>
+                <a:latin typeface="Source Sans Pro Black"/>
+                <a:ea typeface="DejaVu Sans"/>
+              </a:rPr>
+              <a:t>Random SubSpaces</a:t>
+            </a:r>
+            <a:endParaRPr b="0" lang="pt-BR" sz="2600" spc="-1" strike="noStrike">
+              <a:latin typeface="Arial"/>
+            </a:endParaRPr>
+          </a:p>
+        </p:txBody>
+      </p:sp>
+      <p:sp>
+        <p:nvSpPr>
+          <p:cNvPr id="144" name="CustomShape 42"/>
+          <p:cNvSpPr/>
+          <p:nvPr/>
+        </p:nvSpPr>
+        <p:spPr>
+          <a:xfrm>
+            <a:off x="897120" y="6886080"/>
+            <a:ext cx="6437520" cy="355320"/>
+          </a:xfrm>
+          <a:prstGeom prst="rect">
+            <a:avLst/>
+          </a:prstGeom>
+          <a:noFill/>
+          <a:ln w="0">
+            <a:noFill/>
+          </a:ln>
+        </p:spPr>
+        <p:style>
+          <a:lnRef idx="0"/>
+          <a:fillRef idx="0"/>
+          <a:effectRef idx="0"/>
+          <a:fontRef idx="minor"/>
+        </p:style>
+        <p:txBody>
+          <a:bodyPr lIns="90000" rIns="90000" tIns="45000" bIns="45000" anchor="t">
+            <a:noAutofit/>
+          </a:bodyPr>
+          <a:p>
+            <a:pPr>
+              <a:lnSpc>
+                <a:spcPct val="100000"/>
+              </a:lnSpc>
+              <a:buNone/>
+            </a:pPr>
+            <a:r>
+              <a:rPr b="0" lang="pt-BR" sz="1800" spc="-1" strike="noStrike">
+                <a:solidFill>
+                  <a:srgbClr val="000000"/>
+                </a:solidFill>
+                <a:latin typeface="Arial"/>
+                <a:ea typeface="DejaVu Sans"/>
+              </a:rPr>
+              <a:t>Aprendizado de Máquina - Prof. André Hochuli</a:t>
+            </a:r>
+            <a:endParaRPr b="0" lang="pt-BR" sz="1800" spc="-1" strike="noStrike">
+              <a:latin typeface="Arial"/>
+            </a:endParaRPr>
+          </a:p>
+        </p:txBody>
+      </p:sp>
+      <p:sp>
+        <p:nvSpPr>
+          <p:cNvPr id="145" name="CustomShape 43"/>
+          <p:cNvSpPr/>
+          <p:nvPr/>
+        </p:nvSpPr>
+        <p:spPr>
+          <a:xfrm>
+            <a:off x="7608600" y="6886080"/>
+            <a:ext cx="2275560" cy="355320"/>
+          </a:xfrm>
+          <a:prstGeom prst="rect">
+            <a:avLst/>
+          </a:prstGeom>
+          <a:noFill/>
+          <a:ln w="0">
+            <a:noFill/>
+          </a:ln>
+        </p:spPr>
+        <p:style>
+          <a:lnRef idx="0"/>
+          <a:fillRef idx="0"/>
+          <a:effectRef idx="0"/>
+          <a:fontRef idx="minor"/>
+        </p:style>
+        <p:txBody>
+          <a:bodyPr lIns="90000" rIns="90000" tIns="45000" bIns="45000" anchor="t">
+            <a:noAutofit/>
+          </a:bodyPr>
+          <a:p>
+            <a:pPr>
+              <a:lnSpc>
+                <a:spcPct val="100000"/>
+              </a:lnSpc>
+              <a:buNone/>
+            </a:pPr>
+            <a:r>
+              <a:rPr b="0" lang="pt-BR" sz="1800" spc="-1" strike="noStrike">
+                <a:solidFill>
+                  <a:srgbClr val="000000"/>
+                </a:solidFill>
+                <a:latin typeface="Arial"/>
+                <a:ea typeface="DejaVu Sans"/>
+              </a:rPr>
+              <a:t>C</a:t>
+            </a:r>
+            <a:r>
+              <a:rPr b="0" lang="pt-BR" sz="1800" spc="-1" strike="noStrike">
+                <a:solidFill>
+                  <a:srgbClr val="000000"/>
+                </a:solidFill>
+                <a:latin typeface="Arial"/>
+                <a:ea typeface="DejaVu Sans"/>
+              </a:rPr>
+              <a:t>o</a:t>
+            </a:r>
+            <a:r>
+              <a:rPr b="0" lang="pt-BR" sz="1800" spc="-1" strike="noStrike">
+                <a:solidFill>
+                  <a:srgbClr val="000000"/>
+                </a:solidFill>
+                <a:latin typeface="Arial"/>
+                <a:ea typeface="DejaVu Sans"/>
+              </a:rPr>
+              <a:t>m</a:t>
+            </a:r>
+            <a:r>
+              <a:rPr b="0" lang="pt-BR" sz="1800" spc="-1" strike="noStrike">
+                <a:solidFill>
+                  <a:srgbClr val="000000"/>
+                </a:solidFill>
+                <a:latin typeface="Arial"/>
+                <a:ea typeface="DejaVu Sans"/>
+              </a:rPr>
+              <a:t>b</a:t>
+            </a:r>
+            <a:r>
+              <a:rPr b="0" lang="pt-BR" sz="1800" spc="-1" strike="noStrike">
+                <a:solidFill>
+                  <a:srgbClr val="000000"/>
+                </a:solidFill>
+                <a:latin typeface="Arial"/>
+                <a:ea typeface="DejaVu Sans"/>
+              </a:rPr>
+              <a:t>i</a:t>
+            </a:r>
+            <a:r>
+              <a:rPr b="0" lang="pt-BR" sz="1800" spc="-1" strike="noStrike">
+                <a:solidFill>
+                  <a:srgbClr val="000000"/>
+                </a:solidFill>
+                <a:latin typeface="Arial"/>
+                <a:ea typeface="DejaVu Sans"/>
+              </a:rPr>
+              <a:t>n</a:t>
+            </a:r>
+            <a:r>
+              <a:rPr b="0" lang="pt-BR" sz="1800" spc="-1" strike="noStrike">
+                <a:solidFill>
+                  <a:srgbClr val="000000"/>
+                </a:solidFill>
+                <a:latin typeface="Arial"/>
+                <a:ea typeface="DejaVu Sans"/>
+              </a:rPr>
+              <a:t>a</a:t>
+            </a:r>
+            <a:r>
+              <a:rPr b="0" lang="pt-BR" sz="1800" spc="-1" strike="noStrike">
+                <a:solidFill>
+                  <a:srgbClr val="000000"/>
+                </a:solidFill>
+                <a:latin typeface="Arial"/>
+                <a:ea typeface="DejaVu Sans"/>
+              </a:rPr>
+              <a:t>ç</a:t>
+            </a:r>
+            <a:r>
+              <a:rPr b="0" lang="pt-BR" sz="1800" spc="-1" strike="noStrike">
+                <a:solidFill>
+                  <a:srgbClr val="000000"/>
+                </a:solidFill>
+                <a:latin typeface="Arial"/>
+                <a:ea typeface="DejaVu Sans"/>
+              </a:rPr>
+              <a:t>ã</a:t>
+            </a:r>
+            <a:r>
+              <a:rPr b="0" lang="pt-BR" sz="1800" spc="-1" strike="noStrike">
+                <a:solidFill>
+                  <a:srgbClr val="000000"/>
+                </a:solidFill>
+                <a:latin typeface="Arial"/>
+                <a:ea typeface="DejaVu Sans"/>
+              </a:rPr>
+              <a:t>o</a:t>
+            </a:r>
+            <a:endParaRPr b="0" lang="pt-BR" sz="1800" spc="-1" strike="noStrike">
+              <a:latin typeface="Arial"/>
+            </a:endParaRPr>
+          </a:p>
+        </p:txBody>
+      </p:sp>
+      <p:sp>
+        <p:nvSpPr>
+          <p:cNvPr id="146" name=""/>
+          <p:cNvSpPr/>
+          <p:nvPr/>
+        </p:nvSpPr>
+        <p:spPr>
+          <a:xfrm>
+            <a:off x="342360" y="1529280"/>
+            <a:ext cx="6051240" cy="5360040"/>
+          </a:xfrm>
+          <a:prstGeom prst="rect">
+            <a:avLst/>
+          </a:prstGeom>
+          <a:noFill/>
+          <a:ln w="0">
+            <a:noFill/>
+          </a:ln>
+        </p:spPr>
+        <p:style>
+          <a:lnRef idx="0"/>
+          <a:fillRef idx="0"/>
+          <a:effectRef idx="0"/>
+          <a:fontRef idx="minor"/>
+        </p:style>
+        <p:txBody>
+          <a:bodyPr lIns="90000" rIns="90000" tIns="45000" bIns="45000" anchor="t">
+            <a:noAutofit/>
+          </a:bodyPr>
+          <a:p>
+            <a:pPr>
+              <a:lnSpc>
+                <a:spcPct val="100000"/>
+              </a:lnSpc>
+              <a:buNone/>
+            </a:pPr>
+            <a:endParaRPr b="0" lang="pt-BR" sz="2000" spc="-1" strike="noStrike">
+              <a:latin typeface="Arial"/>
+            </a:endParaRPr>
+          </a:p>
+          <a:p>
+            <a:pPr marL="216000" indent="-216000">
+              <a:lnSpc>
+                <a:spcPct val="150000"/>
+              </a:lnSpc>
+              <a:buClr>
+                <a:srgbClr val="000000"/>
+              </a:buClr>
+              <a:buSzPct val="45000"/>
+              <a:buFont typeface="Wingdings" charset="2"/>
+              <a:buChar char=""/>
+            </a:pPr>
+            <a:r>
+              <a:rPr b="0" lang="pt-BR" sz="1600" spc="-1" strike="noStrike">
+                <a:solidFill>
+                  <a:srgbClr val="1c1c1c"/>
+                </a:solidFill>
+                <a:latin typeface="Latin Modern Sans"/>
+                <a:ea typeface="DejaVu Sans"/>
+              </a:rPr>
+              <a:t>Nível de Atributos:</a:t>
+            </a:r>
+            <a:endParaRPr b="0" lang="pt-BR" sz="1600" spc="-1" strike="noStrike">
+              <a:latin typeface="Arial"/>
+            </a:endParaRPr>
+          </a:p>
+          <a:p>
+            <a:pPr lvl="1" marL="432000" indent="-216000">
+              <a:lnSpc>
+                <a:spcPct val="150000"/>
+              </a:lnSpc>
+              <a:buClr>
+                <a:srgbClr val="000000"/>
+              </a:buClr>
+              <a:buSzPct val="45000"/>
+              <a:buFont typeface="Wingdings" charset="2"/>
+              <a:buChar char=""/>
+            </a:pPr>
+            <a:r>
+              <a:rPr b="0" lang="pt-BR" sz="1600" spc="-1" strike="noStrike">
+                <a:solidFill>
+                  <a:srgbClr val="1c1c1c"/>
+                </a:solidFill>
+                <a:latin typeface="Latin Modern Sans"/>
+                <a:ea typeface="DejaVu Sans"/>
+              </a:rPr>
+              <a:t>K subsets em nível de atributos</a:t>
+            </a:r>
+            <a:endParaRPr b="0" lang="pt-BR" sz="1600" spc="-1" strike="noStrike">
+              <a:latin typeface="Arial"/>
+            </a:endParaRPr>
+          </a:p>
+          <a:p>
+            <a:pPr lvl="1" marL="432000" indent="-216000">
+              <a:lnSpc>
+                <a:spcPct val="150000"/>
+              </a:lnSpc>
+              <a:buClr>
+                <a:srgbClr val="000000"/>
+              </a:buClr>
+              <a:buSzPct val="45000"/>
+              <a:buFont typeface="Wingdings" charset="2"/>
+              <a:buChar char=""/>
+            </a:pPr>
+            <a:r>
+              <a:rPr b="0" lang="pt-BR" sz="1600" spc="-1" strike="noStrike">
+                <a:solidFill>
+                  <a:srgbClr val="1c1c1c"/>
+                </a:solidFill>
+                <a:latin typeface="Latin Modern Sans"/>
+                <a:ea typeface="DejaVu Sans"/>
+              </a:rPr>
+              <a:t>K classificadores</a:t>
+            </a:r>
+            <a:endParaRPr b="0" lang="pt-BR" sz="1600" spc="-1" strike="noStrike">
+              <a:latin typeface="Arial"/>
+            </a:endParaRPr>
+          </a:p>
+          <a:p>
+            <a:pPr lvl="1" marL="432000" indent="-216000">
+              <a:lnSpc>
+                <a:spcPct val="150000"/>
+              </a:lnSpc>
+              <a:buClr>
+                <a:srgbClr val="000000"/>
+              </a:buClr>
+              <a:buSzPct val="45000"/>
+              <a:buFont typeface="Wingdings" charset="2"/>
+              <a:buChar char=""/>
+            </a:pPr>
+            <a:endParaRPr b="0" lang="pt-BR" sz="1600" spc="-1" strike="noStrike">
+              <a:latin typeface="Arial"/>
+            </a:endParaRPr>
+          </a:p>
+          <a:p>
+            <a:pPr marL="216000" indent="-216000">
+              <a:lnSpc>
+                <a:spcPct val="150000"/>
+              </a:lnSpc>
+              <a:buClr>
+                <a:srgbClr val="000000"/>
+              </a:buClr>
+              <a:buSzPct val="45000"/>
+              <a:buFont typeface="Wingdings" charset="2"/>
+              <a:buChar char=""/>
+            </a:pPr>
+            <a:r>
+              <a:rPr b="0" lang="pt-BR" sz="1600" spc="-1" strike="noStrike">
+                <a:solidFill>
+                  <a:srgbClr val="1c1c1c"/>
+                </a:solidFill>
+                <a:latin typeface="Latin Modern Sans"/>
+                <a:ea typeface="DejaVu Sans"/>
+              </a:rPr>
+              <a:t>Diversidade: Distintos atributos</a:t>
+            </a:r>
+            <a:endParaRPr b="0" lang="pt-BR" sz="1600" spc="-1" strike="noStrike">
+              <a:latin typeface="Arial"/>
+            </a:endParaRPr>
+          </a:p>
+          <a:p>
+            <a:pPr marL="216000" indent="-216000">
+              <a:lnSpc>
+                <a:spcPct val="150000"/>
+              </a:lnSpc>
+              <a:buClr>
+                <a:srgbClr val="000000"/>
+              </a:buClr>
+              <a:buSzPct val="45000"/>
+              <a:buFont typeface="Wingdings" charset="2"/>
+              <a:buChar char=""/>
+            </a:pPr>
+            <a:endParaRPr b="0" lang="pt-BR" sz="1600" spc="-1" strike="noStrike">
+              <a:latin typeface="Arial"/>
+            </a:endParaRPr>
+          </a:p>
+          <a:p>
+            <a:pPr lvl="1" marL="432000" indent="-216000">
+              <a:lnSpc>
+                <a:spcPct val="150000"/>
+              </a:lnSpc>
+              <a:buClr>
+                <a:srgbClr val="000000"/>
+              </a:buClr>
+              <a:buSzPct val="45000"/>
+              <a:buFont typeface="Wingdings" charset="2"/>
+              <a:buChar char=""/>
+            </a:pPr>
+            <a:endParaRPr b="0" lang="pt-BR" sz="1600" spc="-1" strike="noStrike">
+              <a:latin typeface="Arial"/>
+            </a:endParaRPr>
+          </a:p>
+          <a:p>
+            <a:pPr marL="216000" indent="-216000">
+              <a:lnSpc>
+                <a:spcPct val="150000"/>
+              </a:lnSpc>
+              <a:buClr>
+                <a:srgbClr val="000000"/>
+              </a:buClr>
+              <a:buSzPct val="45000"/>
+              <a:buFont typeface="Wingdings" charset="2"/>
+              <a:buChar char=""/>
+            </a:pPr>
+            <a:endParaRPr b="0" lang="pt-BR" sz="1600" spc="-1" strike="noStrike">
+              <a:latin typeface="Arial"/>
+            </a:endParaRPr>
+          </a:p>
+          <a:p>
+            <a:pPr lvl="1" marL="432000" indent="-216000">
+              <a:lnSpc>
+                <a:spcPct val="150000"/>
+              </a:lnSpc>
+              <a:buClr>
+                <a:srgbClr val="000000"/>
+              </a:buClr>
+              <a:buSzPct val="45000"/>
+              <a:buFont typeface="Wingdings" charset="2"/>
+              <a:buChar char=""/>
+            </a:pPr>
+            <a:endParaRPr b="0" lang="pt-BR" sz="1600" spc="-1" strike="noStrike">
+              <a:latin typeface="Arial"/>
+            </a:endParaRPr>
+          </a:p>
+          <a:p>
+            <a:pPr>
+              <a:lnSpc>
+                <a:spcPct val="150000"/>
+              </a:lnSpc>
+              <a:buNone/>
+            </a:pPr>
+            <a:endParaRPr b="0" lang="pt-BR" sz="1600" spc="-1" strike="noStrike">
+              <a:latin typeface="Arial"/>
+            </a:endParaRPr>
+          </a:p>
+          <a:p>
+            <a:pPr>
+              <a:lnSpc>
+                <a:spcPct val="150000"/>
+              </a:lnSpc>
+              <a:buNone/>
+            </a:pPr>
+            <a:endParaRPr b="0" lang="pt-BR" sz="1600" spc="-1" strike="noStrike">
+              <a:latin typeface="Arial"/>
+            </a:endParaRPr>
+          </a:p>
+          <a:p>
+            <a:pPr>
+              <a:lnSpc>
+                <a:spcPct val="100000"/>
+              </a:lnSpc>
+              <a:buNone/>
+            </a:pPr>
+            <a:endParaRPr b="0" lang="pt-BR" sz="1600" spc="-1" strike="noStrike">
+              <a:latin typeface="Arial"/>
+            </a:endParaRPr>
+          </a:p>
+          <a:p>
+            <a:pPr>
+              <a:lnSpc>
+                <a:spcPct val="100000"/>
+              </a:lnSpc>
+              <a:buNone/>
+            </a:pPr>
+            <a:endParaRPr b="0" lang="pt-BR" sz="2000" spc="-1" strike="noStrike">
+              <a:latin typeface="Arial"/>
+            </a:endParaRPr>
+          </a:p>
+          <a:p>
+            <a:pPr>
+              <a:lnSpc>
+                <a:spcPct val="100000"/>
+              </a:lnSpc>
+              <a:buNone/>
+            </a:pPr>
+            <a:endParaRPr b="0" lang="pt-BR" sz="2000" spc="-1" strike="noStrike">
+              <a:latin typeface="Arial"/>
+            </a:endParaRPr>
+          </a:p>
+          <a:p>
+            <a:pPr>
+              <a:lnSpc>
+                <a:spcPct val="100000"/>
+              </a:lnSpc>
+              <a:buNone/>
+            </a:pPr>
+            <a:endParaRPr b="0" lang="pt-BR" sz="2000" spc="-1" strike="noStrike">
+              <a:latin typeface="Arial"/>
+            </a:endParaRPr>
+          </a:p>
+          <a:p>
+            <a:pPr>
+              <a:lnSpc>
+                <a:spcPct val="100000"/>
+              </a:lnSpc>
+              <a:buNone/>
+            </a:pPr>
+            <a:endParaRPr b="0" lang="pt-BR" sz="2000" spc="-1" strike="noStrike">
+              <a:latin typeface="Arial"/>
+            </a:endParaRPr>
+          </a:p>
+          <a:p>
+            <a:pPr>
+              <a:lnSpc>
+                <a:spcPct val="100000"/>
+              </a:lnSpc>
+              <a:buNone/>
+            </a:pPr>
+            <a:endParaRPr b="0" lang="pt-BR" sz="2000" spc="-1" strike="noStrike">
+              <a:latin typeface="Arial"/>
+            </a:endParaRPr>
+          </a:p>
+          <a:p>
+            <a:pPr>
+              <a:lnSpc>
+                <a:spcPct val="100000"/>
+              </a:lnSpc>
+              <a:buNone/>
+            </a:pPr>
+            <a:endParaRPr b="0" lang="pt-BR" sz="2000" spc="-1" strike="noStrike">
+              <a:latin typeface="Arial"/>
+            </a:endParaRPr>
+          </a:p>
+          <a:p>
+            <a:pPr>
+              <a:lnSpc>
+                <a:spcPct val="100000"/>
+              </a:lnSpc>
+              <a:buNone/>
+            </a:pPr>
+            <a:endParaRPr b="0" lang="pt-BR" sz="2000" spc="-1" strike="noStrike">
+              <a:latin typeface="Arial"/>
+            </a:endParaRPr>
+          </a:p>
+          <a:p>
+            <a:pPr>
+              <a:lnSpc>
+                <a:spcPct val="100000"/>
+              </a:lnSpc>
+              <a:buNone/>
+            </a:pPr>
+            <a:endParaRPr b="0" lang="pt-BR" sz="2000" spc="-1" strike="noStrike">
+              <a:latin typeface="Arial"/>
+            </a:endParaRPr>
+          </a:p>
+          <a:p>
+            <a:pPr>
+              <a:lnSpc>
+                <a:spcPct val="100000"/>
+              </a:lnSpc>
+              <a:buNone/>
+            </a:pPr>
+            <a:endParaRPr b="0" lang="pt-BR" sz="2000" spc="-1" strike="noStrike">
+              <a:latin typeface="Arial"/>
+            </a:endParaRPr>
+          </a:p>
+          <a:p>
+            <a:pPr>
+              <a:lnSpc>
+                <a:spcPct val="100000"/>
+              </a:lnSpc>
+              <a:buNone/>
+            </a:pPr>
+            <a:endParaRPr b="0" lang="pt-BR" sz="2000" spc="-1" strike="noStrike">
+              <a:latin typeface="Arial"/>
+            </a:endParaRPr>
+          </a:p>
+          <a:p>
+            <a:pPr>
+              <a:lnSpc>
+                <a:spcPct val="100000"/>
+              </a:lnSpc>
+              <a:buNone/>
+            </a:pPr>
+            <a:endParaRPr b="0" lang="pt-BR" sz="2000" spc="-1" strike="noStrike">
+              <a:latin typeface="Arial"/>
+            </a:endParaRPr>
+          </a:p>
+          <a:p>
+            <a:pPr>
+              <a:lnSpc>
+                <a:spcPct val="100000"/>
+              </a:lnSpc>
+              <a:buNone/>
+            </a:pPr>
+            <a:endParaRPr b="0" lang="pt-BR" sz="2000" spc="-1" strike="noStrike">
+              <a:latin typeface="Arial"/>
+            </a:endParaRPr>
+          </a:p>
+          <a:p>
+            <a:pPr>
+              <a:lnSpc>
+                <a:spcPct val="100000"/>
+              </a:lnSpc>
+              <a:buNone/>
+            </a:pPr>
+            <a:endParaRPr b="0" lang="pt-BR" sz="1600" spc="-1" strike="noStrike">
+              <a:latin typeface="Arial"/>
+            </a:endParaRPr>
+          </a:p>
+          <a:p>
+            <a:pPr>
+              <a:lnSpc>
+                <a:spcPct val="100000"/>
+              </a:lnSpc>
+              <a:buNone/>
+            </a:pPr>
+            <a:endParaRPr b="0" lang="pt-BR" sz="2000" spc="-1" strike="noStrike">
+              <a:latin typeface="Arial"/>
+            </a:endParaRPr>
+          </a:p>
+          <a:p>
+            <a:pPr>
+              <a:lnSpc>
+                <a:spcPct val="100000"/>
+              </a:lnSpc>
+              <a:buNone/>
+            </a:pPr>
+            <a:endParaRPr b="0" lang="pt-BR" sz="2000" spc="-1" strike="noStrike">
+              <a:latin typeface="Arial"/>
+            </a:endParaRPr>
+          </a:p>
+          <a:p>
+            <a:pPr>
+              <a:lnSpc>
+                <a:spcPct val="100000"/>
+              </a:lnSpc>
+              <a:buNone/>
+            </a:pPr>
+            <a:endParaRPr b="0" lang="pt-BR" sz="2000" spc="-1" strike="noStrike">
+              <a:latin typeface="Arial"/>
+            </a:endParaRPr>
+          </a:p>
+          <a:p>
+            <a:pPr>
+              <a:lnSpc>
+                <a:spcPct val="100000"/>
+              </a:lnSpc>
+              <a:buNone/>
+            </a:pPr>
+            <a:endParaRPr b="0" lang="pt-BR" sz="2000" spc="-1" strike="noStrike">
+              <a:latin typeface="Arial"/>
+            </a:endParaRPr>
+          </a:p>
+          <a:p>
+            <a:pPr>
+              <a:lnSpc>
+                <a:spcPct val="100000"/>
+              </a:lnSpc>
+              <a:buNone/>
+            </a:pPr>
+            <a:endParaRPr b="0" lang="pt-BR" sz="2000" spc="-1" strike="noStrike">
+              <a:latin typeface="Arial"/>
+            </a:endParaRPr>
+          </a:p>
+          <a:p>
+            <a:pPr>
+              <a:lnSpc>
+                <a:spcPct val="100000"/>
+              </a:lnSpc>
+              <a:buNone/>
+            </a:pPr>
+            <a:endParaRPr b="0" lang="pt-BR" sz="2000" spc="-1" strike="noStrike">
+              <a:latin typeface="Arial"/>
+            </a:endParaRPr>
+          </a:p>
+          <a:p>
+            <a:pPr>
+              <a:lnSpc>
+                <a:spcPct val="100000"/>
+              </a:lnSpc>
+              <a:buNone/>
+            </a:pPr>
+            <a:endParaRPr b="0" lang="pt-BR" sz="2000" spc="-1" strike="noStrike">
+              <a:latin typeface="Arial"/>
+            </a:endParaRPr>
+          </a:p>
+          <a:p>
+            <a:pPr>
+              <a:lnSpc>
+                <a:spcPct val="100000"/>
+              </a:lnSpc>
+              <a:buNone/>
+            </a:pPr>
+            <a:endParaRPr b="0" lang="pt-BR" sz="2000" spc="-1" strike="noStrike">
+              <a:latin typeface="Arial"/>
+            </a:endParaRPr>
+          </a:p>
+          <a:p>
+            <a:pPr>
+              <a:lnSpc>
+                <a:spcPct val="100000"/>
+              </a:lnSpc>
+              <a:buNone/>
+            </a:pPr>
+            <a:endParaRPr b="0" lang="pt-BR" sz="2000" spc="-1" strike="noStrike">
+              <a:latin typeface="Arial"/>
+            </a:endParaRPr>
+          </a:p>
+          <a:p>
+            <a:pPr marL="216000" indent="-216000">
+              <a:lnSpc>
+                <a:spcPct val="100000"/>
+              </a:lnSpc>
+              <a:buNone/>
+              <a:tabLst>
+                <a:tab algn="l" pos="0"/>
+              </a:tabLst>
+            </a:pPr>
+            <a:r>
+              <a:rPr b="0" lang="pt-BR" sz="2000" spc="-1" strike="noStrike">
+                <a:solidFill>
+                  <a:srgbClr val="1c1c1c"/>
+                </a:solidFill>
+                <a:latin typeface="Latin Modern Sans"/>
+                <a:ea typeface="DejaVu Sans"/>
+              </a:rPr>
+              <a:t> </a:t>
+            </a:r>
+            <a:endParaRPr b="0" lang="pt-BR" sz="2000" spc="-1" strike="noStrike">
+              <a:latin typeface="Arial"/>
+            </a:endParaRPr>
+          </a:p>
+          <a:p>
+            <a:pPr marL="216000" indent="-216000">
+              <a:lnSpc>
+                <a:spcPct val="100000"/>
+              </a:lnSpc>
+              <a:buNone/>
+              <a:tabLst>
+                <a:tab algn="l" pos="0"/>
+              </a:tabLst>
+            </a:pPr>
+            <a:endParaRPr b="0" lang="pt-BR" sz="2000" spc="-1" strike="noStrike">
+              <a:latin typeface="Arial"/>
+            </a:endParaRPr>
+          </a:p>
+          <a:p>
+            <a:pPr marL="216000" indent="-216000">
+              <a:lnSpc>
+                <a:spcPct val="100000"/>
+              </a:lnSpc>
+              <a:buNone/>
+              <a:tabLst>
+                <a:tab algn="l" pos="0"/>
+              </a:tabLst>
+            </a:pPr>
+            <a:endParaRPr b="0" lang="pt-BR" sz="2000" spc="-1" strike="noStrike">
+              <a:latin typeface="Arial"/>
+            </a:endParaRPr>
+          </a:p>
+          <a:p>
+            <a:pPr marL="216000" indent="-216000">
+              <a:lnSpc>
+                <a:spcPct val="100000"/>
+              </a:lnSpc>
+              <a:buNone/>
+              <a:tabLst>
+                <a:tab algn="l" pos="0"/>
+              </a:tabLst>
+            </a:pPr>
+            <a:endParaRPr b="0" lang="pt-BR" sz="2000" spc="-1" strike="noStrike">
+              <a:latin typeface="Arial"/>
+            </a:endParaRPr>
+          </a:p>
+        </p:txBody>
+      </p:sp>
+      <p:pic>
+        <p:nvPicPr>
+          <p:cNvPr id="147" name="" descr=""/>
+          <p:cNvPicPr/>
+          <p:nvPr/>
+        </p:nvPicPr>
+        <p:blipFill>
+          <a:blip r:embed="rId2"/>
+          <a:stretch/>
+        </p:blipFill>
+        <p:spPr>
+          <a:xfrm>
+            <a:off x="2025720" y="4066920"/>
+            <a:ext cx="1131840" cy="1940760"/>
+          </a:xfrm>
+          <a:prstGeom prst="rect">
+            <a:avLst/>
+          </a:prstGeom>
+          <a:ln w="0">
+            <a:noFill/>
+          </a:ln>
+        </p:spPr>
+      </p:pic>
+    </p:spTree>
+  </p:cSld>
+  <mc:AlternateContent>
+    <mc:Choice Requires="p14">
+      <p:transition spd="slow" p14:dur="2000"/>
+    </mc:Choice>
+    <mc:Fallback>
+      <p:transition spd="slow"/>
+    </mc:Fallback>
+  </mc:AlternateContent>
+</p:sld>
+</file>
+
+<file path=ppt/slides/slide11.xml><?xml version="1.0" encoding="utf-8"?>
+<p:sld xmlns:a="http://schemas.openxmlformats.org/drawingml/2006/main" xmlns:p="http://schemas.openxmlformats.org/presentationml/2006/main" xmlns:r="http://schemas.openxmlformats.org/officeDocument/2006/relationships" xmlns:p14="http://schemas.microsoft.com/office/powerpoint/2010/main" xmlns:p15="http://schemas.microsoft.com/office/powerpoint/2012/main" xmlns:mc="http://schemas.openxmlformats.org/markup-compatibility/2006">
+  <p:cSld>
+    <p:spTree>
+      <p:nvGrpSpPr>
+        <p:cNvPr id="1" name=""/>
+        <p:cNvGrpSpPr/>
+        <p:nvPr/>
+      </p:nvGrpSpPr>
+      <p:grpSpPr>
+        <a:xfrm>
+          <a:off x="0" y="0"/>
+          <a:ext cx="0" cy="0"/>
+          <a:chOff x="0" y="0"/>
+          <a:chExt cx="0" cy="0"/>
+        </a:xfrm>
+      </p:grpSpPr>
+      <p:sp>
+        <p:nvSpPr>
+          <p:cNvPr id="148" name="CustomShape 45"/>
+          <p:cNvSpPr/>
+          <p:nvPr/>
+        </p:nvSpPr>
+        <p:spPr>
+          <a:xfrm>
+            <a:off x="360000" y="360000"/>
+            <a:ext cx="9350280" cy="890280"/>
+          </a:xfrm>
+          <a:prstGeom prst="rect">
+            <a:avLst/>
+          </a:prstGeom>
+          <a:noFill/>
+          <a:ln w="0">
+            <a:noFill/>
+          </a:ln>
+        </p:spPr>
+        <p:style>
+          <a:lnRef idx="0"/>
+          <a:fillRef idx="0"/>
+          <a:effectRef idx="0"/>
+          <a:fontRef idx="minor"/>
+        </p:style>
+        <p:txBody>
+          <a:bodyPr lIns="0" rIns="0" tIns="0" bIns="0" anchor="b">
+            <a:noAutofit/>
+          </a:bodyPr>
+          <a:p>
+            <a:pPr>
+              <a:lnSpc>
+                <a:spcPct val="100000"/>
+              </a:lnSpc>
+              <a:buNone/>
+            </a:pPr>
+            <a:r>
+              <a:rPr b="1" lang="pt-BR" sz="2600" spc="-1" strike="noStrike">
+                <a:solidFill>
+                  <a:srgbClr val="ffffff"/>
+                </a:solidFill>
+                <a:latin typeface="Source Sans Pro Black"/>
+                <a:ea typeface="DejaVu Sans"/>
+              </a:rPr>
+              <a:t>Random Patches</a:t>
+            </a:r>
+            <a:endParaRPr b="0" lang="pt-BR" sz="2600" spc="-1" strike="noStrike">
+              <a:latin typeface="Arial"/>
+            </a:endParaRPr>
+          </a:p>
+        </p:txBody>
+      </p:sp>
+      <p:sp>
+        <p:nvSpPr>
+          <p:cNvPr id="149" name="CustomShape 46"/>
+          <p:cNvSpPr/>
+          <p:nvPr/>
+        </p:nvSpPr>
+        <p:spPr>
+          <a:xfrm>
+            <a:off x="360000" y="1980000"/>
+            <a:ext cx="9170280" cy="4670280"/>
+          </a:xfrm>
+          <a:prstGeom prst="rect">
+            <a:avLst/>
+          </a:prstGeom>
+          <a:noFill/>
+          <a:ln w="0">
+            <a:noFill/>
+          </a:ln>
+        </p:spPr>
+        <p:style>
+          <a:lnRef idx="0"/>
+          <a:fillRef idx="0"/>
+          <a:effectRef idx="0"/>
+          <a:fontRef idx="minor"/>
+        </p:style>
+        <p:txBody>
+          <a:bodyPr lIns="0" rIns="0" tIns="0" bIns="0" anchor="t">
+            <a:normAutofit/>
+          </a:bodyPr>
+          <a:p>
+            <a:pPr>
+              <a:lnSpc>
+                <a:spcPct val="100000"/>
+              </a:lnSpc>
+              <a:spcAft>
+                <a:spcPts val="1140"/>
+              </a:spcAft>
+              <a:buNone/>
+            </a:pPr>
+            <a:endParaRPr b="0" lang="pt-BR" sz="1600" spc="-1" strike="noStrike">
+              <a:latin typeface="Arial"/>
+            </a:endParaRPr>
+          </a:p>
+          <a:p>
+            <a:pPr>
+              <a:lnSpc>
+                <a:spcPct val="100000"/>
+              </a:lnSpc>
+              <a:spcAft>
+                <a:spcPts val="1140"/>
+              </a:spcAft>
+              <a:buNone/>
+            </a:pPr>
+            <a:endParaRPr b="0" lang="pt-BR" sz="2000" spc="-1" strike="noStrike">
+              <a:latin typeface="Arial"/>
+            </a:endParaRPr>
+          </a:p>
+        </p:txBody>
+      </p:sp>
+      <p:sp>
+        <p:nvSpPr>
+          <p:cNvPr id="150" name="CustomShape 47"/>
+          <p:cNvSpPr/>
+          <p:nvPr/>
+        </p:nvSpPr>
+        <p:spPr>
+          <a:xfrm>
+            <a:off x="897120" y="6886080"/>
+            <a:ext cx="6437520" cy="355320"/>
+          </a:xfrm>
+          <a:prstGeom prst="rect">
+            <a:avLst/>
+          </a:prstGeom>
+          <a:noFill/>
+          <a:ln w="0">
+            <a:noFill/>
+          </a:ln>
+        </p:spPr>
+        <p:style>
+          <a:lnRef idx="0"/>
+          <a:fillRef idx="0"/>
+          <a:effectRef idx="0"/>
+          <a:fontRef idx="minor"/>
+        </p:style>
+        <p:txBody>
+          <a:bodyPr lIns="90000" rIns="90000" tIns="45000" bIns="45000" anchor="t">
+            <a:noAutofit/>
+          </a:bodyPr>
+          <a:p>
+            <a:pPr>
+              <a:lnSpc>
+                <a:spcPct val="100000"/>
+              </a:lnSpc>
+              <a:buNone/>
+            </a:pPr>
+            <a:r>
+              <a:rPr b="0" lang="pt-BR" sz="1800" spc="-1" strike="noStrike">
+                <a:solidFill>
+                  <a:srgbClr val="000000"/>
+                </a:solidFill>
+                <a:latin typeface="Arial"/>
+                <a:ea typeface="DejaVu Sans"/>
+              </a:rPr>
+              <a:t>Aprendizado de Máquina - Prof. André Hochuli</a:t>
+            </a:r>
+            <a:endParaRPr b="0" lang="pt-BR" sz="1800" spc="-1" strike="noStrike">
+              <a:latin typeface="Arial"/>
+            </a:endParaRPr>
+          </a:p>
+        </p:txBody>
+      </p:sp>
+      <p:sp>
+        <p:nvSpPr>
+          <p:cNvPr id="151" name="CustomShape 48"/>
+          <p:cNvSpPr/>
+          <p:nvPr/>
+        </p:nvSpPr>
+        <p:spPr>
+          <a:xfrm>
+            <a:off x="7608600" y="6886080"/>
+            <a:ext cx="2275560" cy="355320"/>
+          </a:xfrm>
+          <a:prstGeom prst="rect">
+            <a:avLst/>
+          </a:prstGeom>
+          <a:noFill/>
+          <a:ln w="0">
+            <a:noFill/>
+          </a:ln>
+        </p:spPr>
+        <p:style>
+          <a:lnRef idx="0"/>
+          <a:fillRef idx="0"/>
+          <a:effectRef idx="0"/>
+          <a:fontRef idx="minor"/>
+        </p:style>
+        <p:txBody>
+          <a:bodyPr lIns="90000" rIns="90000" tIns="45000" bIns="45000" anchor="t">
+            <a:noAutofit/>
+          </a:bodyPr>
+          <a:p>
+            <a:pPr>
+              <a:lnSpc>
+                <a:spcPct val="100000"/>
+              </a:lnSpc>
+              <a:buNone/>
+            </a:pPr>
+            <a:r>
+              <a:rPr b="0" lang="pt-BR" sz="1800" spc="-1" strike="noStrike">
+                <a:solidFill>
+                  <a:srgbClr val="000000"/>
+                </a:solidFill>
+                <a:latin typeface="Arial"/>
+                <a:ea typeface="DejaVu Sans"/>
+              </a:rPr>
+              <a:t>Combinação</a:t>
+            </a:r>
+            <a:endParaRPr b="0" lang="pt-BR" sz="1800" spc="-1" strike="noStrike">
+              <a:latin typeface="Arial"/>
+            </a:endParaRPr>
+          </a:p>
+        </p:txBody>
+      </p:sp>
+      <p:sp>
+        <p:nvSpPr>
+          <p:cNvPr id="152" name=""/>
+          <p:cNvSpPr/>
+          <p:nvPr/>
+        </p:nvSpPr>
+        <p:spPr>
+          <a:xfrm>
+            <a:off x="342360" y="1529280"/>
+            <a:ext cx="9248040" cy="5360040"/>
+          </a:xfrm>
+          <a:prstGeom prst="rect">
+            <a:avLst/>
+          </a:prstGeom>
+          <a:noFill/>
+          <a:ln w="0">
+            <a:noFill/>
+          </a:ln>
+        </p:spPr>
+        <p:style>
+          <a:lnRef idx="0"/>
+          <a:fillRef idx="0"/>
+          <a:effectRef idx="0"/>
+          <a:fontRef idx="minor"/>
+        </p:style>
+        <p:txBody>
+          <a:bodyPr lIns="90000" rIns="90000" tIns="45000" bIns="45000" anchor="t">
+            <a:noAutofit/>
+          </a:bodyPr>
+          <a:p>
+            <a:pPr>
+              <a:lnSpc>
+                <a:spcPct val="100000"/>
+              </a:lnSpc>
+              <a:buNone/>
+            </a:pPr>
+            <a:endParaRPr b="0" lang="pt-BR" sz="2000" spc="-1" strike="noStrike">
+              <a:latin typeface="Arial"/>
+            </a:endParaRPr>
+          </a:p>
+          <a:p>
+            <a:pPr marL="216000" indent="-216000">
+              <a:lnSpc>
+                <a:spcPct val="150000"/>
+              </a:lnSpc>
+              <a:buClr>
+                <a:srgbClr val="000000"/>
+              </a:buClr>
+              <a:buSzPct val="45000"/>
+              <a:buFont typeface="Wingdings" charset="2"/>
+              <a:buChar char=""/>
+            </a:pPr>
+            <a:r>
+              <a:rPr b="0" lang="pt-BR" sz="1600" spc="-1" strike="noStrike">
+                <a:solidFill>
+                  <a:srgbClr val="1c1c1c"/>
+                </a:solidFill>
+                <a:latin typeface="Latin Modern Sans"/>
+                <a:ea typeface="DejaVu Sans"/>
+              </a:rPr>
+              <a:t>T</a:t>
+            </a:r>
+            <a:r>
+              <a:rPr b="0" lang="pt-BR" sz="1600" spc="-1" strike="noStrike">
+                <a:solidFill>
+                  <a:srgbClr val="1c1c1c"/>
+                </a:solidFill>
+                <a:latin typeface="Latin Modern Sans"/>
+                <a:ea typeface="DejaVu Sans"/>
+              </a:rPr>
+              <a:t>u</a:t>
+            </a:r>
+            <a:r>
+              <a:rPr b="0" lang="pt-BR" sz="1600" spc="-1" strike="noStrike">
+                <a:solidFill>
+                  <a:srgbClr val="1c1c1c"/>
+                </a:solidFill>
+                <a:latin typeface="Latin Modern Sans"/>
+                <a:ea typeface="DejaVu Sans"/>
+              </a:rPr>
+              <a:t>d</a:t>
+            </a:r>
+            <a:r>
+              <a:rPr b="0" lang="pt-BR" sz="1600" spc="-1" strike="noStrike">
+                <a:solidFill>
+                  <a:srgbClr val="1c1c1c"/>
+                </a:solidFill>
+                <a:latin typeface="Latin Modern Sans"/>
+                <a:ea typeface="DejaVu Sans"/>
+              </a:rPr>
+              <a:t>o</a:t>
+            </a:r>
+            <a:r>
+              <a:rPr b="0" lang="pt-BR" sz="1600" spc="-1" strike="noStrike">
+                <a:solidFill>
+                  <a:srgbClr val="1c1c1c"/>
+                </a:solidFill>
+                <a:latin typeface="Latin Modern Sans"/>
+                <a:ea typeface="DejaVu Sans"/>
+              </a:rPr>
+              <a:t> </a:t>
+            </a:r>
+            <a:r>
+              <a:rPr b="0" lang="pt-BR" sz="1600" spc="-1" strike="noStrike">
+                <a:solidFill>
+                  <a:srgbClr val="1c1c1c"/>
+                </a:solidFill>
+                <a:latin typeface="Latin Modern Sans"/>
+                <a:ea typeface="DejaVu Sans"/>
+              </a:rPr>
+              <a:t>J</a:t>
+            </a:r>
+            <a:r>
+              <a:rPr b="0" lang="pt-BR" sz="1600" spc="-1" strike="noStrike">
+                <a:solidFill>
+                  <a:srgbClr val="1c1c1c"/>
+                </a:solidFill>
+                <a:latin typeface="Latin Modern Sans"/>
+                <a:ea typeface="DejaVu Sans"/>
+              </a:rPr>
+              <a:t>u</a:t>
+            </a:r>
+            <a:r>
+              <a:rPr b="0" lang="pt-BR" sz="1600" spc="-1" strike="noStrike">
+                <a:solidFill>
+                  <a:srgbClr val="1c1c1c"/>
+                </a:solidFill>
+                <a:latin typeface="Latin Modern Sans"/>
+                <a:ea typeface="DejaVu Sans"/>
+              </a:rPr>
+              <a:t>n</a:t>
+            </a:r>
+            <a:r>
+              <a:rPr b="0" lang="pt-BR" sz="1600" spc="-1" strike="noStrike">
+                <a:solidFill>
+                  <a:srgbClr val="1c1c1c"/>
+                </a:solidFill>
+                <a:latin typeface="Latin Modern Sans"/>
+                <a:ea typeface="DejaVu Sans"/>
+              </a:rPr>
+              <a:t>t</a:t>
+            </a:r>
+            <a:r>
+              <a:rPr b="0" lang="pt-BR" sz="1600" spc="-1" strike="noStrike">
+                <a:solidFill>
+                  <a:srgbClr val="1c1c1c"/>
+                </a:solidFill>
+                <a:latin typeface="Latin Modern Sans"/>
+                <a:ea typeface="DejaVu Sans"/>
+              </a:rPr>
+              <a:t>o</a:t>
+            </a:r>
+            <a:r>
+              <a:rPr b="0" lang="pt-BR" sz="1600" spc="-1" strike="noStrike">
+                <a:solidFill>
+                  <a:srgbClr val="1c1c1c"/>
+                </a:solidFill>
+                <a:latin typeface="Latin Modern Sans"/>
+                <a:ea typeface="DejaVu Sans"/>
+              </a:rPr>
+              <a:t>!</a:t>
+            </a:r>
+            <a:endParaRPr b="0" lang="pt-BR" sz="1600" spc="-1" strike="noStrike">
+              <a:latin typeface="Arial"/>
+            </a:endParaRPr>
+          </a:p>
+          <a:p>
+            <a:pPr marL="216000" indent="-216000">
+              <a:lnSpc>
+                <a:spcPct val="150000"/>
+              </a:lnSpc>
+              <a:buClr>
+                <a:srgbClr val="000000"/>
+              </a:buClr>
+              <a:buSzPct val="45000"/>
+              <a:buFont typeface="Wingdings" charset="2"/>
+              <a:buChar char=""/>
+            </a:pPr>
+            <a:r>
+              <a:rPr b="0" lang="pt-BR" sz="1600" spc="-1" strike="noStrike">
+                <a:solidFill>
+                  <a:srgbClr val="1c1c1c"/>
+                </a:solidFill>
+                <a:latin typeface="Latin Modern Sans"/>
+                <a:ea typeface="DejaVu Sans"/>
+              </a:rPr>
+              <a:t>S</a:t>
+            </a:r>
+            <a:r>
+              <a:rPr b="0" lang="pt-BR" sz="1600" spc="-1" strike="noStrike">
+                <a:solidFill>
+                  <a:srgbClr val="1c1c1c"/>
+                </a:solidFill>
+                <a:latin typeface="Latin Modern Sans"/>
+                <a:ea typeface="DejaVu Sans"/>
+              </a:rPr>
+              <a:t>k</a:t>
+            </a:r>
+            <a:r>
+              <a:rPr b="0" lang="pt-BR" sz="1600" spc="-1" strike="noStrike">
+                <a:solidFill>
+                  <a:srgbClr val="1c1c1c"/>
+                </a:solidFill>
+                <a:latin typeface="Latin Modern Sans"/>
+                <a:ea typeface="DejaVu Sans"/>
+              </a:rPr>
+              <a:t>l</a:t>
+            </a:r>
+            <a:r>
+              <a:rPr b="0" lang="pt-BR" sz="1600" spc="-1" strike="noStrike">
+                <a:solidFill>
+                  <a:srgbClr val="1c1c1c"/>
+                </a:solidFill>
+                <a:latin typeface="Latin Modern Sans"/>
+                <a:ea typeface="DejaVu Sans"/>
+              </a:rPr>
+              <a:t>e</a:t>
+            </a:r>
+            <a:r>
+              <a:rPr b="0" lang="pt-BR" sz="1600" spc="-1" strike="noStrike">
+                <a:solidFill>
+                  <a:srgbClr val="1c1c1c"/>
+                </a:solidFill>
+                <a:latin typeface="Latin Modern Sans"/>
+                <a:ea typeface="DejaVu Sans"/>
+              </a:rPr>
+              <a:t>a</a:t>
+            </a:r>
+            <a:r>
+              <a:rPr b="0" lang="pt-BR" sz="1600" spc="-1" strike="noStrike">
+                <a:solidFill>
+                  <a:srgbClr val="1c1c1c"/>
+                </a:solidFill>
+                <a:latin typeface="Latin Modern Sans"/>
+                <a:ea typeface="DejaVu Sans"/>
+              </a:rPr>
+              <a:t>r</a:t>
+            </a:r>
+            <a:r>
+              <a:rPr b="0" lang="pt-BR" sz="1600" spc="-1" strike="noStrike">
+                <a:solidFill>
+                  <a:srgbClr val="1c1c1c"/>
+                </a:solidFill>
+                <a:latin typeface="Latin Modern Sans"/>
+                <a:ea typeface="DejaVu Sans"/>
+              </a:rPr>
+              <a:t>n</a:t>
+            </a:r>
+            <a:r>
+              <a:rPr b="0" lang="pt-BR" sz="1600" spc="-1" strike="noStrike">
+                <a:solidFill>
+                  <a:srgbClr val="1c1c1c"/>
+                </a:solidFill>
+                <a:latin typeface="Latin Modern Sans"/>
+                <a:ea typeface="DejaVu Sans"/>
+              </a:rPr>
+              <a:t>:</a:t>
+            </a:r>
+            <a:r>
+              <a:rPr b="0" lang="pt-BR" sz="1600" spc="-1" strike="noStrike">
+                <a:solidFill>
+                  <a:srgbClr val="1c1c1c"/>
+                </a:solidFill>
+                <a:latin typeface="Latin Modern Sans"/>
+                <a:ea typeface="DejaVu Sans"/>
+              </a:rPr>
+              <a:t> </a:t>
+            </a:r>
+            <a:r>
+              <a:rPr b="0" lang="pt-BR" sz="1600" spc="-1" strike="noStrike">
+                <a:solidFill>
+                  <a:srgbClr val="1c1c1c"/>
+                </a:solidFill>
+                <a:latin typeface="Latin Modern Sans"/>
+                <a:ea typeface="DejaVu Sans"/>
+              </a:rPr>
+              <a:t>B</a:t>
+            </a:r>
+            <a:r>
+              <a:rPr b="0" lang="pt-BR" sz="1600" spc="-1" strike="noStrike">
+                <a:solidFill>
+                  <a:srgbClr val="1c1c1c"/>
+                </a:solidFill>
+                <a:latin typeface="Latin Modern Sans"/>
+                <a:ea typeface="DejaVu Sans"/>
+              </a:rPr>
+              <a:t>a</a:t>
+            </a:r>
+            <a:r>
+              <a:rPr b="0" lang="pt-BR" sz="1600" spc="-1" strike="noStrike">
+                <a:solidFill>
+                  <a:srgbClr val="1c1c1c"/>
+                </a:solidFill>
+                <a:latin typeface="Latin Modern Sans"/>
+                <a:ea typeface="DejaVu Sans"/>
+              </a:rPr>
+              <a:t>g</a:t>
+            </a:r>
+            <a:r>
+              <a:rPr b="0" lang="pt-BR" sz="1600" spc="-1" strike="noStrike">
+                <a:solidFill>
+                  <a:srgbClr val="1c1c1c"/>
+                </a:solidFill>
+                <a:latin typeface="Latin Modern Sans"/>
+                <a:ea typeface="DejaVu Sans"/>
+              </a:rPr>
+              <a:t>g</a:t>
+            </a:r>
+            <a:r>
+              <a:rPr b="0" lang="pt-BR" sz="1600" spc="-1" strike="noStrike">
+                <a:solidFill>
+                  <a:srgbClr val="1c1c1c"/>
+                </a:solidFill>
+                <a:latin typeface="Latin Modern Sans"/>
+                <a:ea typeface="DejaVu Sans"/>
+              </a:rPr>
+              <a:t>i</a:t>
+            </a:r>
+            <a:r>
+              <a:rPr b="0" lang="pt-BR" sz="1600" spc="-1" strike="noStrike">
+                <a:solidFill>
+                  <a:srgbClr val="1c1c1c"/>
+                </a:solidFill>
+                <a:latin typeface="Latin Modern Sans"/>
+                <a:ea typeface="DejaVu Sans"/>
+              </a:rPr>
+              <a:t>n</a:t>
+            </a:r>
+            <a:r>
+              <a:rPr b="0" lang="pt-BR" sz="1600" spc="-1" strike="noStrike">
+                <a:solidFill>
+                  <a:srgbClr val="1c1c1c"/>
+                </a:solidFill>
+                <a:latin typeface="Latin Modern Sans"/>
+                <a:ea typeface="DejaVu Sans"/>
+              </a:rPr>
+              <a:t>g</a:t>
+            </a:r>
+            <a:r>
+              <a:rPr b="0" lang="pt-BR" sz="1600" spc="-1" strike="noStrike">
+                <a:solidFill>
+                  <a:srgbClr val="1c1c1c"/>
+                </a:solidFill>
+                <a:latin typeface="Latin Modern Sans"/>
+                <a:ea typeface="DejaVu Sans"/>
+              </a:rPr>
+              <a:t>C</a:t>
+            </a:r>
+            <a:r>
+              <a:rPr b="0" lang="pt-BR" sz="1600" spc="-1" strike="noStrike">
+                <a:solidFill>
+                  <a:srgbClr val="1c1c1c"/>
+                </a:solidFill>
+                <a:latin typeface="Latin Modern Sans"/>
+                <a:ea typeface="DejaVu Sans"/>
+              </a:rPr>
+              <a:t>l</a:t>
+            </a:r>
+            <a:r>
+              <a:rPr b="0" lang="pt-BR" sz="1600" spc="-1" strike="noStrike">
+                <a:solidFill>
+                  <a:srgbClr val="1c1c1c"/>
+                </a:solidFill>
+                <a:latin typeface="Latin Modern Sans"/>
+                <a:ea typeface="DejaVu Sans"/>
+              </a:rPr>
+              <a:t>a</a:t>
+            </a:r>
+            <a:r>
+              <a:rPr b="0" lang="pt-BR" sz="1600" spc="-1" strike="noStrike">
+                <a:solidFill>
+                  <a:srgbClr val="1c1c1c"/>
+                </a:solidFill>
+                <a:latin typeface="Latin Modern Sans"/>
+                <a:ea typeface="DejaVu Sans"/>
+              </a:rPr>
+              <a:t>s</a:t>
+            </a:r>
+            <a:r>
+              <a:rPr b="0" lang="pt-BR" sz="1600" spc="-1" strike="noStrike">
+                <a:solidFill>
+                  <a:srgbClr val="1c1c1c"/>
+                </a:solidFill>
+                <a:latin typeface="Latin Modern Sans"/>
+                <a:ea typeface="DejaVu Sans"/>
+              </a:rPr>
+              <a:t>s</a:t>
+            </a:r>
+            <a:r>
+              <a:rPr b="0" lang="pt-BR" sz="1600" spc="-1" strike="noStrike">
+                <a:solidFill>
+                  <a:srgbClr val="1c1c1c"/>
+                </a:solidFill>
+                <a:latin typeface="Latin Modern Sans"/>
+                <a:ea typeface="DejaVu Sans"/>
+              </a:rPr>
+              <a:t>i</a:t>
+            </a:r>
+            <a:r>
+              <a:rPr b="0" lang="pt-BR" sz="1600" spc="-1" strike="noStrike">
+                <a:solidFill>
+                  <a:srgbClr val="1c1c1c"/>
+                </a:solidFill>
+                <a:latin typeface="Latin Modern Sans"/>
+                <a:ea typeface="DejaVu Sans"/>
+              </a:rPr>
+              <a:t>f</a:t>
+            </a:r>
+            <a:r>
+              <a:rPr b="0" lang="pt-BR" sz="1600" spc="-1" strike="noStrike">
+                <a:solidFill>
+                  <a:srgbClr val="1c1c1c"/>
+                </a:solidFill>
+                <a:latin typeface="Latin Modern Sans"/>
+                <a:ea typeface="DejaVu Sans"/>
+              </a:rPr>
+              <a:t>i</a:t>
+            </a:r>
+            <a:r>
+              <a:rPr b="0" lang="pt-BR" sz="1600" spc="-1" strike="noStrike">
+                <a:solidFill>
+                  <a:srgbClr val="1c1c1c"/>
+                </a:solidFill>
+                <a:latin typeface="Latin Modern Sans"/>
+                <a:ea typeface="DejaVu Sans"/>
+              </a:rPr>
+              <a:t>e</a:t>
+            </a:r>
+            <a:r>
+              <a:rPr b="0" lang="pt-BR" sz="1600" spc="-1" strike="noStrike">
+                <a:solidFill>
+                  <a:srgbClr val="1c1c1c"/>
+                </a:solidFill>
+                <a:latin typeface="Latin Modern Sans"/>
+                <a:ea typeface="DejaVu Sans"/>
+              </a:rPr>
+              <a:t>r</a:t>
+            </a:r>
+            <a:r>
+              <a:rPr b="0" lang="pt-BR" sz="1600" spc="-1" strike="noStrike">
+                <a:solidFill>
+                  <a:srgbClr val="1c1c1c"/>
+                </a:solidFill>
+                <a:latin typeface="Latin Modern Sans"/>
+                <a:ea typeface="DejaVu Sans"/>
+              </a:rPr>
+              <a:t>(</a:t>
+            </a:r>
+            <a:r>
+              <a:rPr b="0" lang="pt-BR" sz="1600" spc="-1" strike="noStrike">
+                <a:solidFill>
+                  <a:srgbClr val="1c1c1c"/>
+                </a:solidFill>
+                <a:latin typeface="Latin Modern Sans"/>
+                <a:ea typeface="DejaVu Sans"/>
+              </a:rPr>
+              <a:t>)</a:t>
+            </a:r>
+            <a:endParaRPr b="0" lang="pt-BR" sz="1600" spc="-1" strike="noStrike">
+              <a:latin typeface="Arial"/>
+            </a:endParaRPr>
+          </a:p>
+          <a:p>
+            <a:pPr marL="216000" indent="-216000">
+              <a:lnSpc>
+                <a:spcPct val="150000"/>
+              </a:lnSpc>
+              <a:buClr>
+                <a:srgbClr val="000000"/>
+              </a:buClr>
+              <a:buSzPct val="45000"/>
+              <a:buFont typeface="Wingdings" charset="2"/>
+              <a:buChar char=""/>
+            </a:pPr>
+            <a:endParaRPr b="0" lang="pt-BR" sz="1600" spc="-1" strike="noStrike">
+              <a:latin typeface="Arial"/>
+            </a:endParaRPr>
+          </a:p>
+          <a:p>
+            <a:pPr marL="216000" indent="-216000">
+              <a:lnSpc>
+                <a:spcPct val="150000"/>
+              </a:lnSpc>
+              <a:buClr>
+                <a:srgbClr val="000000"/>
+              </a:buClr>
+              <a:buSzPct val="45000"/>
+              <a:buFont typeface="Wingdings" charset="2"/>
+              <a:buChar char=""/>
+            </a:pPr>
+            <a:endParaRPr b="0" lang="pt-BR" sz="1600" spc="-1" strike="noStrike">
+              <a:latin typeface="Arial"/>
+            </a:endParaRPr>
+          </a:p>
+          <a:p>
+            <a:pPr lvl="1" marL="432000" indent="-216000">
+              <a:lnSpc>
+                <a:spcPct val="150000"/>
+              </a:lnSpc>
+              <a:buClr>
+                <a:srgbClr val="000000"/>
+              </a:buClr>
+              <a:buSzPct val="45000"/>
+              <a:buFont typeface="Wingdings" charset="2"/>
+              <a:buChar char=""/>
+            </a:pPr>
+            <a:endParaRPr b="0" lang="pt-BR" sz="1600" spc="-1" strike="noStrike">
+              <a:latin typeface="Arial"/>
+            </a:endParaRPr>
+          </a:p>
+          <a:p>
+            <a:pPr>
+              <a:lnSpc>
+                <a:spcPct val="150000"/>
+              </a:lnSpc>
+              <a:buNone/>
+            </a:pPr>
+            <a:endParaRPr b="0" lang="pt-BR" sz="1600" spc="-1" strike="noStrike">
+              <a:latin typeface="Arial"/>
+            </a:endParaRPr>
+          </a:p>
+          <a:p>
+            <a:pPr>
+              <a:lnSpc>
+                <a:spcPct val="150000"/>
+              </a:lnSpc>
+              <a:buNone/>
+            </a:pPr>
+            <a:endParaRPr b="0" lang="pt-BR" sz="1600" spc="-1" strike="noStrike">
+              <a:latin typeface="Arial"/>
+            </a:endParaRPr>
+          </a:p>
+          <a:p>
+            <a:pPr>
+              <a:lnSpc>
+                <a:spcPct val="100000"/>
+              </a:lnSpc>
+              <a:buNone/>
+            </a:pPr>
+            <a:endParaRPr b="0" lang="pt-BR" sz="1600" spc="-1" strike="noStrike">
+              <a:latin typeface="Arial"/>
+            </a:endParaRPr>
+          </a:p>
+          <a:p>
+            <a:pPr>
+              <a:lnSpc>
+                <a:spcPct val="100000"/>
+              </a:lnSpc>
+              <a:buNone/>
+            </a:pPr>
+            <a:endParaRPr b="0" lang="pt-BR" sz="2000" spc="-1" strike="noStrike">
+              <a:latin typeface="Arial"/>
+            </a:endParaRPr>
+          </a:p>
+          <a:p>
+            <a:pPr>
+              <a:lnSpc>
+                <a:spcPct val="100000"/>
+              </a:lnSpc>
+              <a:buNone/>
+            </a:pPr>
+            <a:endParaRPr b="0" lang="pt-BR" sz="2000" spc="-1" strike="noStrike">
+              <a:latin typeface="Arial"/>
+            </a:endParaRPr>
+          </a:p>
+          <a:p>
+            <a:pPr>
+              <a:lnSpc>
+                <a:spcPct val="100000"/>
+              </a:lnSpc>
+              <a:buNone/>
+            </a:pPr>
+            <a:endParaRPr b="0" lang="pt-BR" sz="2000" spc="-1" strike="noStrike">
+              <a:latin typeface="Arial"/>
+            </a:endParaRPr>
+          </a:p>
+          <a:p>
+            <a:pPr>
+              <a:lnSpc>
+                <a:spcPct val="100000"/>
+              </a:lnSpc>
+              <a:buNone/>
+            </a:pPr>
+            <a:endParaRPr b="0" lang="pt-BR" sz="2000" spc="-1" strike="noStrike">
+              <a:latin typeface="Arial"/>
+            </a:endParaRPr>
+          </a:p>
+          <a:p>
+            <a:pPr>
+              <a:lnSpc>
+                <a:spcPct val="100000"/>
+              </a:lnSpc>
+              <a:buNone/>
+            </a:pPr>
+            <a:endParaRPr b="0" lang="pt-BR" sz="2000" spc="-1" strike="noStrike">
+              <a:latin typeface="Arial"/>
+            </a:endParaRPr>
+          </a:p>
+          <a:p>
+            <a:pPr>
+              <a:lnSpc>
+                <a:spcPct val="100000"/>
+              </a:lnSpc>
+              <a:buNone/>
+            </a:pPr>
+            <a:endParaRPr b="0" lang="pt-BR" sz="2000" spc="-1" strike="noStrike">
+              <a:latin typeface="Arial"/>
+            </a:endParaRPr>
+          </a:p>
+          <a:p>
+            <a:pPr>
+              <a:lnSpc>
+                <a:spcPct val="100000"/>
+              </a:lnSpc>
+              <a:buNone/>
+            </a:pPr>
+            <a:endParaRPr b="0" lang="pt-BR" sz="2000" spc="-1" strike="noStrike">
+              <a:latin typeface="Arial"/>
+            </a:endParaRPr>
+          </a:p>
+          <a:p>
+            <a:pPr>
+              <a:lnSpc>
+                <a:spcPct val="100000"/>
+              </a:lnSpc>
+              <a:buNone/>
+            </a:pPr>
+            <a:endParaRPr b="0" lang="pt-BR" sz="2000" spc="-1" strike="noStrike">
+              <a:latin typeface="Arial"/>
+            </a:endParaRPr>
+          </a:p>
+          <a:p>
+            <a:pPr>
+              <a:lnSpc>
+                <a:spcPct val="100000"/>
+              </a:lnSpc>
+              <a:buNone/>
+            </a:pPr>
+            <a:endParaRPr b="0" lang="pt-BR" sz="2000" spc="-1" strike="noStrike">
+              <a:latin typeface="Arial"/>
+            </a:endParaRPr>
+          </a:p>
+          <a:p>
+            <a:pPr>
+              <a:lnSpc>
+                <a:spcPct val="100000"/>
+              </a:lnSpc>
+              <a:buNone/>
+            </a:pPr>
+            <a:endParaRPr b="0" lang="pt-BR" sz="2000" spc="-1" strike="noStrike">
+              <a:latin typeface="Arial"/>
+            </a:endParaRPr>
+          </a:p>
+          <a:p>
+            <a:pPr>
+              <a:lnSpc>
+                <a:spcPct val="100000"/>
+              </a:lnSpc>
+              <a:buNone/>
+            </a:pPr>
+            <a:endParaRPr b="0" lang="pt-BR" sz="2000" spc="-1" strike="noStrike">
+              <a:latin typeface="Arial"/>
+            </a:endParaRPr>
+          </a:p>
+          <a:p>
+            <a:pPr>
+              <a:lnSpc>
+                <a:spcPct val="100000"/>
+              </a:lnSpc>
+              <a:buNone/>
+            </a:pPr>
+            <a:endParaRPr b="0" lang="pt-BR" sz="2000" spc="-1" strike="noStrike">
+              <a:latin typeface="Arial"/>
+            </a:endParaRPr>
+          </a:p>
+          <a:p>
+            <a:pPr>
+              <a:lnSpc>
+                <a:spcPct val="100000"/>
+              </a:lnSpc>
+              <a:buNone/>
+            </a:pPr>
+            <a:endParaRPr b="0" lang="pt-BR" sz="1600" spc="-1" strike="noStrike">
+              <a:latin typeface="Arial"/>
+            </a:endParaRPr>
+          </a:p>
+          <a:p>
+            <a:pPr>
+              <a:lnSpc>
+                <a:spcPct val="100000"/>
+              </a:lnSpc>
+              <a:buNone/>
+            </a:pPr>
+            <a:endParaRPr b="0" lang="pt-BR" sz="2000" spc="-1" strike="noStrike">
+              <a:latin typeface="Arial"/>
+            </a:endParaRPr>
+          </a:p>
+          <a:p>
+            <a:pPr>
+              <a:lnSpc>
+                <a:spcPct val="100000"/>
+              </a:lnSpc>
+              <a:buNone/>
+            </a:pPr>
+            <a:endParaRPr b="0" lang="pt-BR" sz="2000" spc="-1" strike="noStrike">
+              <a:latin typeface="Arial"/>
+            </a:endParaRPr>
+          </a:p>
+          <a:p>
+            <a:pPr>
+              <a:lnSpc>
+                <a:spcPct val="100000"/>
+              </a:lnSpc>
+              <a:buNone/>
+            </a:pPr>
+            <a:endParaRPr b="0" lang="pt-BR" sz="2000" spc="-1" strike="noStrike">
+              <a:latin typeface="Arial"/>
+            </a:endParaRPr>
+          </a:p>
+          <a:p>
+            <a:pPr>
+              <a:lnSpc>
+                <a:spcPct val="100000"/>
+              </a:lnSpc>
+              <a:buNone/>
+            </a:pPr>
+            <a:endParaRPr b="0" lang="pt-BR" sz="2000" spc="-1" strike="noStrike">
+              <a:latin typeface="Arial"/>
+            </a:endParaRPr>
+          </a:p>
+          <a:p>
+            <a:pPr>
+              <a:lnSpc>
+                <a:spcPct val="100000"/>
+              </a:lnSpc>
+              <a:buNone/>
+            </a:pPr>
+            <a:endParaRPr b="0" lang="pt-BR" sz="2000" spc="-1" strike="noStrike">
+              <a:latin typeface="Arial"/>
+            </a:endParaRPr>
+          </a:p>
+          <a:p>
+            <a:pPr>
+              <a:lnSpc>
+                <a:spcPct val="100000"/>
+              </a:lnSpc>
+              <a:buNone/>
+            </a:pPr>
+            <a:endParaRPr b="0" lang="pt-BR" sz="2000" spc="-1" strike="noStrike">
+              <a:latin typeface="Arial"/>
+            </a:endParaRPr>
+          </a:p>
+          <a:p>
+            <a:pPr>
+              <a:lnSpc>
+                <a:spcPct val="100000"/>
+              </a:lnSpc>
+              <a:buNone/>
+            </a:pPr>
+            <a:endParaRPr b="0" lang="pt-BR" sz="2000" spc="-1" strike="noStrike">
+              <a:latin typeface="Arial"/>
+            </a:endParaRPr>
+          </a:p>
+          <a:p>
+            <a:pPr>
+              <a:lnSpc>
+                <a:spcPct val="100000"/>
+              </a:lnSpc>
+              <a:buNone/>
+            </a:pPr>
+            <a:endParaRPr b="0" lang="pt-BR" sz="2000" spc="-1" strike="noStrike">
+              <a:latin typeface="Arial"/>
+            </a:endParaRPr>
+          </a:p>
+          <a:p>
+            <a:pPr>
+              <a:lnSpc>
+                <a:spcPct val="100000"/>
+              </a:lnSpc>
+              <a:buNone/>
+            </a:pPr>
+            <a:endParaRPr b="0" lang="pt-BR" sz="2000" spc="-1" strike="noStrike">
+              <a:latin typeface="Arial"/>
+            </a:endParaRPr>
+          </a:p>
+          <a:p>
+            <a:pPr marL="216000" indent="-216000">
+              <a:lnSpc>
+                <a:spcPct val="100000"/>
+              </a:lnSpc>
+              <a:buNone/>
+              <a:tabLst>
+                <a:tab algn="l" pos="0"/>
+              </a:tabLst>
+            </a:pPr>
+            <a:r>
+              <a:rPr b="0" lang="pt-BR" sz="2000" spc="-1" strike="noStrike">
+                <a:solidFill>
+                  <a:srgbClr val="1c1c1c"/>
+                </a:solidFill>
+                <a:latin typeface="Latin Modern Sans"/>
+                <a:ea typeface="DejaVu Sans"/>
+              </a:rPr>
+              <a:t> </a:t>
+            </a:r>
+            <a:endParaRPr b="0" lang="pt-BR" sz="2000" spc="-1" strike="noStrike">
+              <a:latin typeface="Arial"/>
+            </a:endParaRPr>
+          </a:p>
+          <a:p>
+            <a:pPr marL="216000" indent="-216000">
+              <a:lnSpc>
+                <a:spcPct val="100000"/>
+              </a:lnSpc>
+              <a:buNone/>
+              <a:tabLst>
+                <a:tab algn="l" pos="0"/>
+              </a:tabLst>
+            </a:pPr>
+            <a:endParaRPr b="0" lang="pt-BR" sz="2000" spc="-1" strike="noStrike">
+              <a:latin typeface="Arial"/>
+            </a:endParaRPr>
+          </a:p>
+          <a:p>
+            <a:pPr marL="216000" indent="-216000">
+              <a:lnSpc>
+                <a:spcPct val="100000"/>
+              </a:lnSpc>
+              <a:buNone/>
+              <a:tabLst>
+                <a:tab algn="l" pos="0"/>
+              </a:tabLst>
+            </a:pPr>
+            <a:endParaRPr b="0" lang="pt-BR" sz="2000" spc="-1" strike="noStrike">
+              <a:latin typeface="Arial"/>
+            </a:endParaRPr>
+          </a:p>
+          <a:p>
+            <a:pPr marL="216000" indent="-216000">
+              <a:lnSpc>
+                <a:spcPct val="100000"/>
+              </a:lnSpc>
+              <a:buNone/>
+              <a:tabLst>
+                <a:tab algn="l" pos="0"/>
+              </a:tabLst>
+            </a:pPr>
+            <a:endParaRPr b="0" lang="pt-BR" sz="2000" spc="-1" strike="noStrike">
+              <a:latin typeface="Arial"/>
+            </a:endParaRPr>
+          </a:p>
+        </p:txBody>
+      </p:sp>
+      <p:pic>
+        <p:nvPicPr>
+          <p:cNvPr id="153" name="" descr=""/>
+          <p:cNvPicPr/>
+          <p:nvPr/>
+        </p:nvPicPr>
+        <p:blipFill>
+          <a:blip r:embed="rId1"/>
+          <a:stretch/>
+        </p:blipFill>
+        <p:spPr>
+          <a:xfrm>
+            <a:off x="620640" y="3024000"/>
+            <a:ext cx="8709120" cy="1458000"/>
+          </a:xfrm>
+          <a:prstGeom prst="rect">
+            <a:avLst/>
+          </a:prstGeom>
+          <a:ln w="0">
+            <a:noFill/>
+          </a:ln>
+        </p:spPr>
+      </p:pic>
+    </p:spTree>
+  </p:cSld>
+  <mc:AlternateContent>
+    <mc:Choice Requires="p14">
+      <p:transition spd="slow" p14:dur="2000"/>
+    </mc:Choice>
+    <mc:Fallback>
+      <p:transition spd="slow"/>
+    </mc:Fallback>
+  </mc:AlternateContent>
+</p:sld>
+</file>
+
+<file path=ppt/slides/slide12.xml><?xml version="1.0" encoding="utf-8"?>
+<p:sld xmlns:a="http://schemas.openxmlformats.org/drawingml/2006/main" xmlns:p="http://schemas.openxmlformats.org/presentationml/2006/main" xmlns:r="http://schemas.openxmlformats.org/officeDocument/2006/relationships" xmlns:p14="http://schemas.microsoft.com/office/powerpoint/2010/main" xmlns:p15="http://schemas.microsoft.com/office/powerpoint/2012/main" xmlns:mc="http://schemas.openxmlformats.org/markup-compatibility/2006">
+  <p:cSld>
+    <p:spTree>
+      <p:nvGrpSpPr>
+        <p:cNvPr id="1" name=""/>
+        <p:cNvGrpSpPr/>
+        <p:nvPr/>
+      </p:nvGrpSpPr>
+      <p:grpSpPr>
+        <a:xfrm>
+          <a:off x="0" y="0"/>
+          <a:ext cx="0" cy="0"/>
+          <a:chOff x="0" y="0"/>
+          <a:chExt cx="0" cy="0"/>
+        </a:xfrm>
+      </p:grpSpPr>
+      <p:sp>
+        <p:nvSpPr>
+          <p:cNvPr id="154" name="CustomShape 41"/>
+          <p:cNvSpPr/>
+          <p:nvPr/>
+        </p:nvSpPr>
+        <p:spPr>
+          <a:xfrm>
+            <a:off x="360000" y="360000"/>
+            <a:ext cx="9350280" cy="890280"/>
+          </a:xfrm>
+          <a:prstGeom prst="rect">
+            <a:avLst/>
+          </a:prstGeom>
+          <a:noFill/>
+          <a:ln w="0">
+            <a:noFill/>
+          </a:ln>
+        </p:spPr>
+        <p:style>
+          <a:lnRef idx="0"/>
+          <a:fillRef idx="0"/>
+          <a:effectRef idx="0"/>
+          <a:fontRef idx="minor"/>
+        </p:style>
+        <p:txBody>
+          <a:bodyPr lIns="0" rIns="0" tIns="0" bIns="0" anchor="b">
+            <a:noAutofit/>
+          </a:bodyPr>
+          <a:p>
+            <a:pPr>
+              <a:lnSpc>
+                <a:spcPct val="100000"/>
+              </a:lnSpc>
+              <a:buNone/>
+            </a:pPr>
+            <a:r>
+              <a:rPr b="1" lang="pt-BR" sz="2600" spc="-1" strike="noStrike">
+                <a:solidFill>
+                  <a:srgbClr val="ffffff"/>
+                </a:solidFill>
+                <a:latin typeface="Source Sans Pro Black"/>
+                <a:ea typeface="DejaVu Sans"/>
+              </a:rPr>
+              <a:t>Let’s Code!</a:t>
+            </a:r>
+            <a:endParaRPr b="0" lang="pt-BR" sz="2600" spc="-1" strike="noStrike">
+              <a:latin typeface="Arial"/>
+            </a:endParaRPr>
+          </a:p>
+        </p:txBody>
+      </p:sp>
+      <p:sp>
+        <p:nvSpPr>
+          <p:cNvPr id="155" name="CustomShape 50"/>
+          <p:cNvSpPr/>
+          <p:nvPr/>
+        </p:nvSpPr>
+        <p:spPr>
+          <a:xfrm>
+            <a:off x="360000" y="1980000"/>
+            <a:ext cx="9170280" cy="4670280"/>
+          </a:xfrm>
+          <a:prstGeom prst="rect">
+            <a:avLst/>
+          </a:prstGeom>
+          <a:noFill/>
+          <a:ln w="0">
+            <a:noFill/>
+          </a:ln>
+        </p:spPr>
+        <p:style>
+          <a:lnRef idx="0"/>
+          <a:fillRef idx="0"/>
+          <a:effectRef idx="0"/>
+          <a:fontRef idx="minor"/>
+        </p:style>
+        <p:txBody>
+          <a:bodyPr lIns="0" rIns="0" tIns="0" bIns="0" anchor="t">
+            <a:normAutofit/>
+          </a:bodyPr>
+          <a:p>
+            <a:pPr>
+              <a:lnSpc>
+                <a:spcPct val="100000"/>
+              </a:lnSpc>
+              <a:spcAft>
+                <a:spcPts val="1140"/>
+              </a:spcAft>
+              <a:buNone/>
+            </a:pPr>
+            <a:endParaRPr b="0" lang="pt-BR" sz="1600" spc="-1" strike="noStrike">
+              <a:latin typeface="Arial"/>
+            </a:endParaRPr>
+          </a:p>
+          <a:p>
+            <a:pPr>
+              <a:lnSpc>
+                <a:spcPct val="100000"/>
+              </a:lnSpc>
+              <a:spcAft>
+                <a:spcPts val="1140"/>
+              </a:spcAft>
+              <a:buNone/>
+            </a:pPr>
+            <a:endParaRPr b="0" lang="pt-BR" sz="2000" spc="-1" strike="noStrike">
+              <a:latin typeface="Arial"/>
+            </a:endParaRPr>
+          </a:p>
+        </p:txBody>
+      </p:sp>
+      <p:sp>
+        <p:nvSpPr>
+          <p:cNvPr id="156" name="CustomShape 51"/>
+          <p:cNvSpPr/>
+          <p:nvPr/>
+        </p:nvSpPr>
+        <p:spPr>
+          <a:xfrm>
+            <a:off x="897120" y="6886080"/>
+            <a:ext cx="6437520" cy="355320"/>
+          </a:xfrm>
+          <a:prstGeom prst="rect">
+            <a:avLst/>
+          </a:prstGeom>
+          <a:noFill/>
+          <a:ln w="0">
+            <a:noFill/>
+          </a:ln>
+        </p:spPr>
+        <p:style>
+          <a:lnRef idx="0"/>
+          <a:fillRef idx="0"/>
+          <a:effectRef idx="0"/>
+          <a:fontRef idx="minor"/>
+        </p:style>
+        <p:txBody>
+          <a:bodyPr lIns="90000" rIns="90000" tIns="45000" bIns="45000" anchor="t">
+            <a:noAutofit/>
+          </a:bodyPr>
+          <a:p>
+            <a:pPr>
+              <a:lnSpc>
+                <a:spcPct val="100000"/>
+              </a:lnSpc>
+              <a:buNone/>
+            </a:pPr>
+            <a:r>
+              <a:rPr b="0" lang="pt-BR" sz="1800" spc="-1" strike="noStrike">
+                <a:solidFill>
+                  <a:srgbClr val="000000"/>
+                </a:solidFill>
+                <a:latin typeface="Arial"/>
+                <a:ea typeface="DejaVu Sans"/>
+              </a:rPr>
+              <a:t>Aprendizado de Máquina - Prof. André Hochuli</a:t>
+            </a:r>
+            <a:endParaRPr b="0" lang="pt-BR" sz="1800" spc="-1" strike="noStrike">
+              <a:latin typeface="Arial"/>
+            </a:endParaRPr>
+          </a:p>
+        </p:txBody>
+      </p:sp>
+      <p:sp>
+        <p:nvSpPr>
+          <p:cNvPr id="157" name="CustomShape 52"/>
+          <p:cNvSpPr/>
+          <p:nvPr/>
+        </p:nvSpPr>
+        <p:spPr>
+          <a:xfrm>
+            <a:off x="7608600" y="6886080"/>
+            <a:ext cx="2275560" cy="355320"/>
+          </a:xfrm>
+          <a:prstGeom prst="rect">
+            <a:avLst/>
+          </a:prstGeom>
+          <a:noFill/>
+          <a:ln w="0">
+            <a:noFill/>
+          </a:ln>
+        </p:spPr>
+        <p:style>
+          <a:lnRef idx="0"/>
+          <a:fillRef idx="0"/>
+          <a:effectRef idx="0"/>
+          <a:fontRef idx="minor"/>
+        </p:style>
+        <p:txBody>
+          <a:bodyPr lIns="90000" rIns="90000" tIns="45000" bIns="45000" anchor="t">
+            <a:noAutofit/>
+          </a:bodyPr>
+          <a:p>
+            <a:pPr>
+              <a:lnSpc>
+                <a:spcPct val="100000"/>
+              </a:lnSpc>
+              <a:buNone/>
+            </a:pPr>
+            <a:r>
+              <a:rPr b="0" lang="pt-BR" sz="1800" spc="-1" strike="noStrike">
+                <a:solidFill>
+                  <a:srgbClr val="000000"/>
+                </a:solidFill>
+                <a:latin typeface="Arial"/>
+                <a:ea typeface="DejaVu Sans"/>
+              </a:rPr>
+              <a:t>Combinação</a:t>
+            </a:r>
+            <a:endParaRPr b="0" lang="pt-BR" sz="1800" spc="-1" strike="noStrike">
+              <a:latin typeface="Arial"/>
+            </a:endParaRPr>
+          </a:p>
+        </p:txBody>
+      </p:sp>
+      <p:sp>
+        <p:nvSpPr>
+          <p:cNvPr id="158" name=""/>
+          <p:cNvSpPr/>
+          <p:nvPr/>
+        </p:nvSpPr>
+        <p:spPr>
+          <a:xfrm>
+            <a:off x="342360" y="1529280"/>
+            <a:ext cx="9248040" cy="5360040"/>
+          </a:xfrm>
+          <a:prstGeom prst="rect">
+            <a:avLst/>
+          </a:prstGeom>
+          <a:noFill/>
+          <a:ln w="0">
+            <a:noFill/>
+          </a:ln>
+        </p:spPr>
+        <p:style>
+          <a:lnRef idx="0"/>
+          <a:fillRef idx="0"/>
+          <a:effectRef idx="0"/>
+          <a:fontRef idx="minor"/>
+        </p:style>
+        <p:txBody>
+          <a:bodyPr lIns="90000" rIns="90000" tIns="45000" bIns="45000" anchor="t">
+            <a:noAutofit/>
+          </a:bodyPr>
+          <a:p>
+            <a:pPr>
+              <a:lnSpc>
+                <a:spcPct val="100000"/>
+              </a:lnSpc>
+              <a:buNone/>
+            </a:pPr>
+            <a:endParaRPr b="0" lang="pt-BR" sz="2000" spc="-1" strike="noStrike">
+              <a:latin typeface="Arial"/>
+            </a:endParaRPr>
+          </a:p>
+          <a:p>
+            <a:pPr marL="216000" indent="-216000">
+              <a:lnSpc>
+                <a:spcPct val="150000"/>
+              </a:lnSpc>
+              <a:buClr>
+                <a:srgbClr val="000000"/>
+              </a:buClr>
+              <a:buSzPct val="45000"/>
+              <a:buFont typeface="Wingdings" charset="2"/>
+              <a:buChar char=""/>
+            </a:pPr>
+            <a:r>
+              <a:rPr b="0" lang="pt-BR" sz="1600" spc="-1" strike="noStrike">
+                <a:solidFill>
+                  <a:srgbClr val="1c1c1c"/>
+                </a:solidFill>
+                <a:latin typeface="Latin Modern Sans"/>
+                <a:ea typeface="DejaVu Sans"/>
+              </a:rPr>
+              <a:t>Vamos implementar </a:t>
+            </a:r>
+            <a:endParaRPr b="0" lang="pt-BR" sz="1600" spc="-1" strike="noStrike">
+              <a:latin typeface="Arial"/>
+            </a:endParaRPr>
+          </a:p>
+          <a:p>
+            <a:pPr>
+              <a:lnSpc>
+                <a:spcPct val="150000"/>
+              </a:lnSpc>
+              <a:buNone/>
+            </a:pPr>
+            <a:endParaRPr b="0" lang="pt-BR" sz="1600" spc="-1" strike="noStrike">
+              <a:latin typeface="Arial"/>
+            </a:endParaRPr>
+          </a:p>
+          <a:p>
+            <a:pPr>
+              <a:lnSpc>
+                <a:spcPct val="100000"/>
+              </a:lnSpc>
+              <a:buNone/>
+            </a:pPr>
+            <a:endParaRPr b="0" lang="pt-BR" sz="1600" spc="-1" strike="noStrike">
+              <a:latin typeface="Arial"/>
+            </a:endParaRPr>
+          </a:p>
+          <a:p>
+            <a:pPr>
+              <a:lnSpc>
+                <a:spcPct val="100000"/>
+              </a:lnSpc>
+              <a:buNone/>
+            </a:pPr>
+            <a:endParaRPr b="0" lang="pt-BR" sz="2000" spc="-1" strike="noStrike">
+              <a:latin typeface="Arial"/>
+            </a:endParaRPr>
+          </a:p>
+          <a:p>
+            <a:pPr>
+              <a:lnSpc>
+                <a:spcPct val="100000"/>
+              </a:lnSpc>
+              <a:buNone/>
+            </a:pPr>
+            <a:endParaRPr b="0" lang="pt-BR" sz="2000" spc="-1" strike="noStrike">
+              <a:latin typeface="Arial"/>
+            </a:endParaRPr>
+          </a:p>
+          <a:p>
+            <a:pPr>
+              <a:lnSpc>
+                <a:spcPct val="100000"/>
+              </a:lnSpc>
+              <a:buNone/>
+            </a:pPr>
+            <a:endParaRPr b="0" lang="pt-BR" sz="2000" spc="-1" strike="noStrike">
+              <a:latin typeface="Arial"/>
+            </a:endParaRPr>
+          </a:p>
+          <a:p>
+            <a:pPr>
+              <a:lnSpc>
+                <a:spcPct val="100000"/>
+              </a:lnSpc>
+              <a:buNone/>
+            </a:pPr>
+            <a:endParaRPr b="0" lang="pt-BR" sz="2000" spc="-1" strike="noStrike">
+              <a:latin typeface="Arial"/>
+            </a:endParaRPr>
+          </a:p>
+          <a:p>
+            <a:pPr>
+              <a:lnSpc>
+                <a:spcPct val="100000"/>
+              </a:lnSpc>
+              <a:buNone/>
+            </a:pPr>
+            <a:endParaRPr b="0" lang="pt-BR" sz="2000" spc="-1" strike="noStrike">
+              <a:latin typeface="Arial"/>
+            </a:endParaRPr>
+          </a:p>
+          <a:p>
+            <a:pPr>
+              <a:lnSpc>
+                <a:spcPct val="100000"/>
+              </a:lnSpc>
+              <a:buNone/>
+            </a:pPr>
+            <a:endParaRPr b="0" lang="pt-BR" sz="2000" spc="-1" strike="noStrike">
+              <a:latin typeface="Arial"/>
+            </a:endParaRPr>
+          </a:p>
+          <a:p>
+            <a:pPr>
+              <a:lnSpc>
+                <a:spcPct val="100000"/>
+              </a:lnSpc>
+              <a:buNone/>
+            </a:pPr>
+            <a:endParaRPr b="0" lang="pt-BR" sz="2000" spc="-1" strike="noStrike">
+              <a:latin typeface="Arial"/>
+            </a:endParaRPr>
+          </a:p>
+          <a:p>
+            <a:pPr>
+              <a:lnSpc>
+                <a:spcPct val="100000"/>
+              </a:lnSpc>
+              <a:buNone/>
+            </a:pPr>
+            <a:endParaRPr b="0" lang="pt-BR" sz="2000" spc="-1" strike="noStrike">
+              <a:latin typeface="Arial"/>
+            </a:endParaRPr>
+          </a:p>
+          <a:p>
+            <a:pPr>
+              <a:lnSpc>
+                <a:spcPct val="100000"/>
+              </a:lnSpc>
+              <a:buNone/>
+            </a:pPr>
+            <a:endParaRPr b="0" lang="pt-BR" sz="2000" spc="-1" strike="noStrike">
+              <a:latin typeface="Arial"/>
+            </a:endParaRPr>
+          </a:p>
+          <a:p>
+            <a:pPr>
+              <a:lnSpc>
+                <a:spcPct val="100000"/>
+              </a:lnSpc>
+              <a:buNone/>
+            </a:pPr>
+            <a:endParaRPr b="0" lang="pt-BR" sz="2000" spc="-1" strike="noStrike">
+              <a:latin typeface="Arial"/>
+            </a:endParaRPr>
+          </a:p>
+          <a:p>
+            <a:pPr>
+              <a:lnSpc>
+                <a:spcPct val="100000"/>
+              </a:lnSpc>
+              <a:buNone/>
+            </a:pPr>
+            <a:endParaRPr b="0" lang="pt-BR" sz="2000" spc="-1" strike="noStrike">
+              <a:latin typeface="Arial"/>
+            </a:endParaRPr>
+          </a:p>
+          <a:p>
+            <a:pPr>
+              <a:lnSpc>
+                <a:spcPct val="100000"/>
+              </a:lnSpc>
+              <a:buNone/>
+            </a:pPr>
+            <a:endParaRPr b="0" lang="pt-BR" sz="2000" spc="-1" strike="noStrike">
+              <a:latin typeface="Arial"/>
+            </a:endParaRPr>
+          </a:p>
+          <a:p>
+            <a:pPr>
+              <a:lnSpc>
+                <a:spcPct val="100000"/>
+              </a:lnSpc>
+              <a:buNone/>
+            </a:pPr>
+            <a:endParaRPr b="0" lang="pt-BR" sz="1600" spc="-1" strike="noStrike">
+              <a:latin typeface="Arial"/>
+            </a:endParaRPr>
+          </a:p>
+          <a:p>
+            <a:pPr>
+              <a:lnSpc>
+                <a:spcPct val="100000"/>
+              </a:lnSpc>
+              <a:buNone/>
+            </a:pPr>
+            <a:endParaRPr b="0" lang="pt-BR" sz="2000" spc="-1" strike="noStrike">
+              <a:latin typeface="Arial"/>
+            </a:endParaRPr>
+          </a:p>
+          <a:p>
+            <a:pPr>
+              <a:lnSpc>
+                <a:spcPct val="100000"/>
+              </a:lnSpc>
+              <a:buNone/>
+            </a:pPr>
+            <a:endParaRPr b="0" lang="pt-BR" sz="2000" spc="-1" strike="noStrike">
+              <a:latin typeface="Arial"/>
+            </a:endParaRPr>
+          </a:p>
+          <a:p>
+            <a:pPr>
+              <a:lnSpc>
+                <a:spcPct val="100000"/>
+              </a:lnSpc>
+              <a:buNone/>
+            </a:pPr>
+            <a:endParaRPr b="0" lang="pt-BR" sz="2000" spc="-1" strike="noStrike">
+              <a:latin typeface="Arial"/>
+            </a:endParaRPr>
+          </a:p>
+          <a:p>
+            <a:pPr>
+              <a:lnSpc>
+                <a:spcPct val="100000"/>
+              </a:lnSpc>
+              <a:buNone/>
+            </a:pPr>
+            <a:endParaRPr b="0" lang="pt-BR" sz="2000" spc="-1" strike="noStrike">
+              <a:latin typeface="Arial"/>
+            </a:endParaRPr>
+          </a:p>
+          <a:p>
+            <a:pPr>
+              <a:lnSpc>
+                <a:spcPct val="100000"/>
+              </a:lnSpc>
+              <a:buNone/>
+            </a:pPr>
+            <a:endParaRPr b="0" lang="pt-BR" sz="2000" spc="-1" strike="noStrike">
+              <a:latin typeface="Arial"/>
+            </a:endParaRPr>
+          </a:p>
+          <a:p>
+            <a:pPr>
+              <a:lnSpc>
+                <a:spcPct val="100000"/>
+              </a:lnSpc>
+              <a:buNone/>
+            </a:pPr>
+            <a:endParaRPr b="0" lang="pt-BR" sz="2000" spc="-1" strike="noStrike">
+              <a:latin typeface="Arial"/>
+            </a:endParaRPr>
+          </a:p>
+          <a:p>
+            <a:pPr>
+              <a:lnSpc>
+                <a:spcPct val="100000"/>
+              </a:lnSpc>
+              <a:buNone/>
+            </a:pPr>
+            <a:endParaRPr b="0" lang="pt-BR" sz="2000" spc="-1" strike="noStrike">
+              <a:latin typeface="Arial"/>
+            </a:endParaRPr>
+          </a:p>
+          <a:p>
+            <a:pPr>
+              <a:lnSpc>
+                <a:spcPct val="100000"/>
+              </a:lnSpc>
+              <a:buNone/>
+            </a:pPr>
+            <a:endParaRPr b="0" lang="pt-BR" sz="2000" spc="-1" strike="noStrike">
+              <a:latin typeface="Arial"/>
+            </a:endParaRPr>
+          </a:p>
+          <a:p>
+            <a:pPr>
+              <a:lnSpc>
+                <a:spcPct val="100000"/>
+              </a:lnSpc>
+              <a:buNone/>
+            </a:pPr>
+            <a:endParaRPr b="0" lang="pt-BR" sz="2000" spc="-1" strike="noStrike">
+              <a:latin typeface="Arial"/>
+            </a:endParaRPr>
+          </a:p>
+          <a:p>
+            <a:pPr marL="216000" indent="-216000">
+              <a:lnSpc>
+                <a:spcPct val="100000"/>
+              </a:lnSpc>
+              <a:buNone/>
+              <a:tabLst>
+                <a:tab algn="l" pos="0"/>
+              </a:tabLst>
+            </a:pPr>
+            <a:r>
+              <a:rPr b="0" lang="pt-BR" sz="2000" spc="-1" strike="noStrike">
+                <a:solidFill>
+                  <a:srgbClr val="1c1c1c"/>
+                </a:solidFill>
+                <a:latin typeface="Latin Modern Sans"/>
+                <a:ea typeface="DejaVu Sans"/>
+              </a:rPr>
+              <a:t> </a:t>
+            </a:r>
+            <a:endParaRPr b="0" lang="pt-BR" sz="2000" spc="-1" strike="noStrike">
+              <a:latin typeface="Arial"/>
+            </a:endParaRPr>
+          </a:p>
+          <a:p>
+            <a:pPr marL="216000" indent="-216000">
+              <a:lnSpc>
+                <a:spcPct val="100000"/>
+              </a:lnSpc>
+              <a:buNone/>
+              <a:tabLst>
+                <a:tab algn="l" pos="0"/>
+              </a:tabLst>
+            </a:pPr>
+            <a:endParaRPr b="0" lang="pt-BR" sz="2000" spc="-1" strike="noStrike">
+              <a:latin typeface="Arial"/>
+            </a:endParaRPr>
+          </a:p>
+          <a:p>
+            <a:pPr marL="216000" indent="-216000">
+              <a:lnSpc>
+                <a:spcPct val="100000"/>
+              </a:lnSpc>
+              <a:buNone/>
+              <a:tabLst>
+                <a:tab algn="l" pos="0"/>
+              </a:tabLst>
+            </a:pPr>
+            <a:endParaRPr b="0" lang="pt-BR" sz="2000" spc="-1" strike="noStrike">
+              <a:latin typeface="Arial"/>
+            </a:endParaRPr>
+          </a:p>
+          <a:p>
+            <a:pPr marL="216000" indent="-216000">
+              <a:lnSpc>
+                <a:spcPct val="100000"/>
+              </a:lnSpc>
+              <a:buNone/>
+              <a:tabLst>
+                <a:tab algn="l" pos="0"/>
+              </a:tabLst>
+            </a:pPr>
+            <a:endParaRPr b="0" lang="pt-BR" sz="2000" spc="-1" strike="noStrike">
               <a:latin typeface="Arial"/>
             </a:endParaRPr>
           </a:p>
@@ -5604,16 +8761,39 @@
           <a:chExt cx="0" cy="0"/>
         </a:xfrm>
       </p:grpSpPr>
-      <p:sp>
-        <p:nvSpPr>
-          <p:cNvPr id="89" name="CustomShape 1"/>
+      <p:pic>
+        <p:nvPicPr>
+          <p:cNvPr id="89" name="" descr=""/>
+          <p:cNvPicPr/>
+          <p:nvPr/>
+        </p:nvPicPr>
+        <p:blipFill>
+          <a:blip r:embed="rId1"/>
+          <a:stretch/>
+        </p:blipFill>
+        <p:spPr>
+          <a:xfrm>
+            <a:off x="1602000" y="4112280"/>
+            <a:ext cx="7427160" cy="2216880"/>
+          </a:xfrm>
+          <a:prstGeom prst="rect">
+            <a:avLst/>
+          </a:prstGeom>
+          <a:ln w="0">
+            <a:noFill/>
+          </a:ln>
+        </p:spPr>
+      </p:pic>
+      <p:sp>
+        <p:nvSpPr>
+          <p:cNvPr id="90" name="CustomShape 1"/>
           <p:cNvSpPr/>
           <p:nvPr/>
         </p:nvSpPr>
         <p:spPr>
           <a:xfrm>
             <a:off x="360000" y="360000"/>
-            <a:ext cx="9350640" cy="890640"/>
+            <a:ext cx="9350280" cy="890280"/>
           </a:xfrm>
           <a:prstGeom prst="rect">
             <a:avLst/>
@@ -5658,14 +8838,14 @@
       </p:sp>
       <p:sp>
         <p:nvSpPr>
-          <p:cNvPr id="90" name="CustomShape 4"/>
+          <p:cNvPr id="91" name="CustomShape 4"/>
           <p:cNvSpPr/>
           <p:nvPr/>
         </p:nvSpPr>
         <p:spPr>
           <a:xfrm>
             <a:off x="360000" y="1980000"/>
-            <a:ext cx="9170640" cy="4670640"/>
+            <a:ext cx="9170280" cy="4670280"/>
           </a:xfrm>
           <a:prstGeom prst="rect">
             <a:avLst/>
@@ -5744,7 +8924,7 @@
             </a:endParaRPr>
           </a:p>
           <a:p>
-            <a:pPr marL="216000" indent="-212400">
+            <a:pPr lvl="1" marL="432000" indent="-216000">
               <a:lnSpc>
                 <a:spcPct val="100000"/>
               </a:lnSpc>
@@ -5766,38 +8946,154 @@
                 <a:latin typeface="Latin Modern Sans"/>
                 <a:ea typeface="DejaVu Sans"/>
               </a:rPr>
-              <a:t>Exercícios</a:t>
+              <a:t>Bagging</a:t>
             </a:r>
             <a:endParaRPr b="0" lang="pt-BR" sz="1600" spc="-1" strike="noStrike">
               <a:latin typeface="Arial"/>
             </a:endParaRPr>
           </a:p>
           <a:p>
-            <a:pPr>
+            <a:pPr lvl="1" marL="432000" indent="-216000">
               <a:lnSpc>
                 <a:spcPct val="100000"/>
               </a:lnSpc>
               <a:spcAft>
                 <a:spcPts val="1140"/>
               </a:spcAft>
-              <a:buNone/>
-            </a:pPr>
-            <a:endParaRPr b="0" lang="pt-BR" sz="2000" spc="-1" strike="noStrike">
-              <a:latin typeface="Arial"/>
-            </a:endParaRPr>
-          </a:p>
-        </p:txBody>
-      </p:sp>
-      <p:sp>
-        <p:nvSpPr>
-          <p:cNvPr id="91" name="CustomShape 2"/>
+              <a:buClr>
+                <a:srgbClr val="000000"/>
+              </a:buClr>
+              <a:buSzPct val="45000"/>
+              <a:buFont typeface="Wingdings" charset="2"/>
+              <a:buChar char=""/>
+            </a:pPr>
+            <a:r>
+              <a:rPr b="0" lang="pt-BR" sz="1600" spc="-1" strike="noStrike">
+                <a:solidFill>
+                  <a:srgbClr val="1c1c1c"/>
+                </a:solidFill>
+                <a:latin typeface="Latin Modern Sans"/>
+                <a:ea typeface="DejaVu Sans"/>
+              </a:rPr>
+              <a:t>Random Subspaces</a:t>
+            </a:r>
+            <a:endParaRPr b="0" lang="pt-BR" sz="1600" spc="-1" strike="noStrike">
+              <a:latin typeface="Arial"/>
+            </a:endParaRPr>
+          </a:p>
+          <a:p>
+            <a:pPr lvl="1" marL="432000" indent="-216000">
+              <a:lnSpc>
+                <a:spcPct val="100000"/>
+              </a:lnSpc>
+              <a:spcAft>
+                <a:spcPts val="1140"/>
+              </a:spcAft>
+              <a:buClr>
+                <a:srgbClr val="000000"/>
+              </a:buClr>
+              <a:buSzPct val="45000"/>
+              <a:buFont typeface="Wingdings" charset="2"/>
+              <a:buChar char=""/>
+            </a:pPr>
+            <a:r>
+              <a:rPr b="0" lang="pt-BR" sz="1600" spc="-1" strike="noStrike">
+                <a:solidFill>
+                  <a:srgbClr val="1c1c1c"/>
+                </a:solidFill>
+                <a:latin typeface="Latin Modern Sans"/>
+                <a:ea typeface="DejaVu Sans"/>
+              </a:rPr>
+              <a:t>Boosting</a:t>
+            </a:r>
+            <a:endParaRPr b="0" lang="pt-BR" sz="1600" spc="-1" strike="noStrike">
+              <a:latin typeface="Arial"/>
+            </a:endParaRPr>
+          </a:p>
+          <a:p>
+            <a:pPr lvl="1" marL="432000" indent="-216000">
+              <a:lnSpc>
+                <a:spcPct val="100000"/>
+              </a:lnSpc>
+              <a:spcAft>
+                <a:spcPts val="1140"/>
+              </a:spcAft>
+              <a:buClr>
+                <a:srgbClr val="000000"/>
+              </a:buClr>
+              <a:buSzPct val="45000"/>
+              <a:buFont typeface="Wingdings" charset="2"/>
+              <a:buChar char=""/>
+            </a:pPr>
+            <a:r>
+              <a:rPr b="0" lang="pt-BR" sz="1600" spc="-1" strike="noStrike">
+                <a:solidFill>
+                  <a:srgbClr val="1c1c1c"/>
+                </a:solidFill>
+                <a:latin typeface="Latin Modern Sans"/>
+                <a:ea typeface="DejaVu Sans"/>
+              </a:rPr>
+              <a:t>Stacking</a:t>
+            </a:r>
+            <a:endParaRPr b="0" lang="pt-BR" sz="1600" spc="-1" strike="noStrike">
+              <a:latin typeface="Arial"/>
+            </a:endParaRPr>
+          </a:p>
+          <a:p>
+            <a:pPr marL="216000" indent="-212400">
+              <a:lnSpc>
+                <a:spcPct val="100000"/>
+              </a:lnSpc>
+              <a:spcAft>
+                <a:spcPts val="1140"/>
+              </a:spcAft>
+              <a:buClr>
+                <a:srgbClr val="000000"/>
+              </a:buClr>
+              <a:buSzPct val="45000"/>
+              <a:buFont typeface="Wingdings" charset="2"/>
+              <a:buChar char=""/>
+            </a:pPr>
+            <a:r>
+              <a:rPr b="0" lang="pt-BR" sz="1600" spc="-1" strike="noStrike">
+                <a:solidFill>
+                  <a:srgbClr val="1c1c1c"/>
+                </a:solidFill>
+                <a:latin typeface="Latin Modern Sans"/>
+                <a:ea typeface="DejaVu Sans"/>
+              </a:rPr>
+              <a:t>Exercícios</a:t>
+            </a:r>
+            <a:endParaRPr b="0" lang="pt-BR" sz="1600" spc="-1" strike="noStrike">
+              <a:latin typeface="Arial"/>
+            </a:endParaRPr>
+          </a:p>
+          <a:p>
+            <a:pPr>
+              <a:lnSpc>
+                <a:spcPct val="100000"/>
+              </a:lnSpc>
+              <a:spcAft>
+                <a:spcPts val="1140"/>
+              </a:spcAft>
+              <a:buNone/>
+            </a:pPr>
+            <a:endParaRPr b="0" lang="pt-BR" sz="2000" spc="-1" strike="noStrike">
+              <a:latin typeface="Arial"/>
+            </a:endParaRPr>
+          </a:p>
+        </p:txBody>
+      </p:sp>
+      <p:sp>
+        <p:nvSpPr>
+          <p:cNvPr id="92" name="CustomShape 2"/>
           <p:cNvSpPr/>
           <p:nvPr/>
         </p:nvSpPr>
         <p:spPr>
           <a:xfrm>
             <a:off x="897120" y="6886080"/>
-            <a:ext cx="6437880" cy="355680"/>
+            <a:ext cx="6437520" cy="355320"/>
           </a:xfrm>
           <a:prstGeom prst="rect">
             <a:avLst/>
@@ -5842,14 +9138,14 @@
       </p:sp>
       <p:sp>
         <p:nvSpPr>
-          <p:cNvPr id="92" name="CustomShape 3"/>
+          <p:cNvPr id="93" name="CustomShape 3"/>
           <p:cNvSpPr/>
           <p:nvPr/>
         </p:nvSpPr>
         <p:spPr>
           <a:xfrm>
             <a:off x="7608600" y="6886080"/>
-            <a:ext cx="2275920" cy="355680"/>
+            <a:ext cx="2275560" cy="355320"/>
           </a:xfrm>
           <a:prstGeom prst="rect">
             <a:avLst/>
@@ -5892,96 +9188,52 @@
           </a:p>
         </p:txBody>
       </p:sp>
-      <p:sp>
-        <p:nvSpPr>
-          <p:cNvPr id="93" name=""/>
-          <p:cNvSpPr/>
+      <p:pic>
+        <p:nvPicPr>
+          <p:cNvPr id="94" name="" descr=""/>
+          <p:cNvPicPr/>
           <p:nvPr/>
-        </p:nvSpPr>
-        <p:spPr>
-          <a:xfrm>
-            <a:off x="2520360" y="5508360"/>
-            <a:ext cx="265320" cy="265320"/>
-          </a:xfrm>
-          <a:prstGeom prst="ellipse">
-            <a:avLst/>
-          </a:prstGeom>
-          <a:solidFill>
-            <a:srgbClr val="00a933"/>
-          </a:solidFill>
-          <a:ln w="0">
-            <a:solidFill>
-              <a:srgbClr val="3465a4"/>
-            </a:solidFill>
-          </a:ln>
-        </p:spPr>
-        <p:style>
-          <a:lnRef idx="0"/>
-          <a:fillRef idx="0"/>
-          <a:effectRef idx="0"/>
-          <a:fontRef idx="minor"/>
-        </p:style>
-      </p:sp>
-      <p:sp>
-        <p:nvSpPr>
-          <p:cNvPr id="94" name=""/>
-          <p:cNvSpPr/>
+        </p:nvPicPr>
+        <p:blipFill>
+          <a:blip r:embed="rId2"/>
+          <a:stretch/>
+        </p:blipFill>
+        <p:spPr>
+          <a:xfrm>
+            <a:off x="3332880" y="5882760"/>
+            <a:ext cx="417600" cy="446400"/>
+          </a:xfrm>
+          <a:prstGeom prst="rect">
+            <a:avLst/>
+          </a:prstGeom>
+          <a:ln w="0">
+            <a:noFill/>
+          </a:ln>
+        </p:spPr>
+      </p:pic>
+      <p:pic>
+        <p:nvPicPr>
+          <p:cNvPr id="95" name="" descr=""/>
+          <p:cNvPicPr/>
           <p:nvPr/>
-        </p:nvSpPr>
-        <p:spPr>
-          <a:xfrm>
-            <a:off x="2052360" y="5508360"/>
-            <a:ext cx="265320" cy="265320"/>
-          </a:xfrm>
-          <a:prstGeom prst="ellipse">
-            <a:avLst/>
-          </a:prstGeom>
-          <a:solidFill>
-            <a:srgbClr val="00a933"/>
-          </a:solidFill>
-          <a:ln w="0">
-            <a:solidFill>
-              <a:srgbClr val="3465a4"/>
-            </a:solidFill>
-          </a:ln>
-        </p:spPr>
-        <p:style>
-          <a:lnRef idx="0"/>
-          <a:fillRef idx="0"/>
-          <a:effectRef idx="0"/>
-          <a:fontRef idx="minor"/>
-        </p:style>
-      </p:sp>
-      <p:sp>
-        <p:nvSpPr>
-          <p:cNvPr id="95" name=""/>
-          <p:cNvSpPr/>
-          <p:nvPr/>
-        </p:nvSpPr>
-        <p:spPr>
-          <a:xfrm>
-            <a:off x="2988720" y="5508360"/>
-            <a:ext cx="265320" cy="265320"/>
-          </a:xfrm>
-          <a:prstGeom prst="ellipse">
-            <a:avLst/>
-          </a:prstGeom>
-          <a:solidFill>
-            <a:srgbClr val="00a933"/>
-          </a:solidFill>
-          <a:ln w="0">
-            <a:solidFill>
-              <a:srgbClr val="3465a4"/>
-            </a:solidFill>
-          </a:ln>
-        </p:spPr>
-        <p:style>
-          <a:lnRef idx="0"/>
-          <a:fillRef idx="0"/>
-          <a:effectRef idx="0"/>
-          <a:fontRef idx="minor"/>
-        </p:style>
-      </p:sp>
+        </p:nvPicPr>
+        <p:blipFill>
+          <a:blip r:embed="rId3"/>
+          <a:stretch/>
+        </p:blipFill>
+        <p:spPr>
+          <a:xfrm>
+            <a:off x="3837240" y="5883120"/>
+            <a:ext cx="417600" cy="446400"/>
+          </a:xfrm>
+          <a:prstGeom prst="rect">
+            <a:avLst/>
+          </a:prstGeom>
+          <a:ln w="0">
+            <a:noFill/>
+          </a:ln>
+        </p:spPr>
+      </p:pic>
       <p:pic>
         <p:nvPicPr>
           <p:cNvPr id="96" name="" descr=""/>
@@ -5989,13 +9241,13 @@
           <p:nvPr/>
         </p:nvPicPr>
         <p:blipFill>
-          <a:blip r:embed="rId1"/>
+          <a:blip r:embed="rId4"/>
           <a:stretch/>
         </p:blipFill>
         <p:spPr>
           <a:xfrm>
-            <a:off x="1523880" y="3819240"/>
-            <a:ext cx="7427520" cy="2217240"/>
+            <a:off x="4377600" y="5883480"/>
+            <a:ext cx="417600" cy="446400"/>
           </a:xfrm>
           <a:prstGeom prst="rect">
             <a:avLst/>
@@ -6012,82 +9264,13 @@
           <p:nvPr/>
         </p:nvPicPr>
         <p:blipFill>
-          <a:blip r:embed="rId2"/>
-          <a:stretch/>
-        </p:blipFill>
-        <p:spPr>
-          <a:xfrm>
-            <a:off x="3254760" y="5589720"/>
-            <a:ext cx="417960" cy="446760"/>
-          </a:xfrm>
-          <a:prstGeom prst="rect">
-            <a:avLst/>
-          </a:prstGeom>
-          <a:ln w="0">
-            <a:noFill/>
-          </a:ln>
-        </p:spPr>
-      </p:pic>
-      <p:pic>
-        <p:nvPicPr>
-          <p:cNvPr id="98" name="" descr=""/>
-          <p:cNvPicPr/>
-          <p:nvPr/>
-        </p:nvPicPr>
-        <p:blipFill>
-          <a:blip r:embed="rId3"/>
-          <a:stretch/>
-        </p:blipFill>
-        <p:spPr>
-          <a:xfrm>
-            <a:off x="3759120" y="5590080"/>
-            <a:ext cx="417960" cy="446760"/>
-          </a:xfrm>
-          <a:prstGeom prst="rect">
-            <a:avLst/>
-          </a:prstGeom>
-          <a:ln w="0">
-            <a:noFill/>
-          </a:ln>
-        </p:spPr>
-      </p:pic>
-      <p:pic>
-        <p:nvPicPr>
-          <p:cNvPr id="99" name="" descr=""/>
-          <p:cNvPicPr/>
-          <p:nvPr/>
-        </p:nvPicPr>
-        <p:blipFill>
-          <a:blip r:embed="rId4"/>
-          <a:stretch/>
-        </p:blipFill>
-        <p:spPr>
-          <a:xfrm>
-            <a:off x="4299480" y="5590440"/>
-            <a:ext cx="417960" cy="446760"/>
-          </a:xfrm>
-          <a:prstGeom prst="rect">
-            <a:avLst/>
-          </a:prstGeom>
-          <a:ln w="0">
-            <a:noFill/>
-          </a:ln>
-        </p:spPr>
-      </p:pic>
-      <p:pic>
-        <p:nvPicPr>
-          <p:cNvPr id="100" name="" descr=""/>
-          <p:cNvPicPr/>
-          <p:nvPr/>
-        </p:nvPicPr>
-        <p:blipFill>
           <a:blip r:embed="rId5"/>
           <a:stretch/>
         </p:blipFill>
         <p:spPr>
           <a:xfrm>
-            <a:off x="4839840" y="5590800"/>
-            <a:ext cx="417960" cy="446760"/>
+            <a:off x="4917960" y="5883840"/>
+            <a:ext cx="417600" cy="446400"/>
           </a:xfrm>
           <a:prstGeom prst="rect">
             <a:avLst/>
@@ -6129,14 +9312,14 @@
       </p:grpSpPr>
       <p:sp>
         <p:nvSpPr>
-          <p:cNvPr id="101" name="CustomShape 8"/>
+          <p:cNvPr id="98" name="CustomShape 6"/>
           <p:cNvSpPr/>
           <p:nvPr/>
         </p:nvSpPr>
         <p:spPr>
           <a:xfrm>
             <a:off x="360000" y="360000"/>
-            <a:ext cx="9350640" cy="890640"/>
+            <a:ext cx="9350280" cy="890280"/>
           </a:xfrm>
           <a:prstGeom prst="rect">
             <a:avLst/>
@@ -6181,14 +9364,14 @@
       </p:sp>
       <p:sp>
         <p:nvSpPr>
-          <p:cNvPr id="102" name="CustomShape 9"/>
+          <p:cNvPr id="99" name="CustomShape 7"/>
           <p:cNvSpPr/>
           <p:nvPr/>
         </p:nvSpPr>
         <p:spPr>
           <a:xfrm>
             <a:off x="360000" y="1980000"/>
-            <a:ext cx="9170640" cy="4670640"/>
+            <a:ext cx="9170280" cy="4670280"/>
           </a:xfrm>
           <a:prstGeom prst="rect">
             <a:avLst/>
@@ -6240,14 +9423,14 @@
       </p:sp>
       <p:sp>
         <p:nvSpPr>
-          <p:cNvPr id="103" name="CustomShape 10"/>
+          <p:cNvPr id="100" name="CustomShape 12"/>
           <p:cNvSpPr/>
           <p:nvPr/>
         </p:nvSpPr>
         <p:spPr>
           <a:xfrm>
             <a:off x="897120" y="6886080"/>
-            <a:ext cx="6437880" cy="355680"/>
+            <a:ext cx="6437520" cy="355320"/>
           </a:xfrm>
           <a:prstGeom prst="rect">
             <a:avLst/>
@@ -6292,14 +9475,14 @@
       </p:sp>
       <p:sp>
         <p:nvSpPr>
-          <p:cNvPr id="104" name="CustomShape 11"/>
+          <p:cNvPr id="101" name="CustomShape 13"/>
           <p:cNvSpPr/>
           <p:nvPr/>
         </p:nvSpPr>
         <p:spPr>
           <a:xfrm>
             <a:off x="7608600" y="6886080"/>
-            <a:ext cx="2275920" cy="355680"/>
+            <a:ext cx="2275560" cy="355320"/>
           </a:xfrm>
           <a:prstGeom prst="rect">
             <a:avLst/>
@@ -6344,14 +9527,14 @@
       </p:sp>
       <p:sp>
         <p:nvSpPr>
-          <p:cNvPr id="105" name=""/>
+          <p:cNvPr id="102" name=""/>
           <p:cNvSpPr/>
           <p:nvPr/>
         </p:nvSpPr>
         <p:spPr>
           <a:xfrm>
             <a:off x="342360" y="1529280"/>
-            <a:ext cx="9376920" cy="5360400"/>
+            <a:ext cx="9376560" cy="5360040"/>
           </a:xfrm>
           <a:prstGeom prst="rect">
             <a:avLst/>
@@ -6385,7 +9568,7 @@
           <a:p>
             <a:pPr marL="216000" indent="-216000">
               <a:lnSpc>
-                <a:spcPct val="100000"/>
+                <a:spcPct val="150000"/>
               </a:lnSpc>
               <a:buClr>
                 <a:srgbClr val="000000"/>
@@ -6394,146 +9577,24 @@
               <a:buFont typeface="Wingdings" charset="2"/>
               <a:buChar char=""/>
             </a:pPr>
+            <a:r>
+              <a:rPr b="0" lang="pt-BR" sz="1600" spc="-1" strike="noStrike">
+                <a:solidFill>
+                  <a:srgbClr val="1c1c1c"/>
+                </a:solidFill>
+                <a:latin typeface="Latin Modern Sans"/>
+                <a:ea typeface="DejaVu Sans"/>
+              </a:rPr>
+              <a:t>Classificador Único</a:t>
+            </a:r>
             <a:endParaRPr b="0" lang="pt-BR" sz="1600" spc="-1" strike="noStrike">
               <a:latin typeface="Arial"/>
             </a:endParaRPr>
           </a:p>
           <a:p>
-            <a:pPr>
-              <a:lnSpc>
-                <a:spcPct val="100000"/>
-              </a:lnSpc>
-              <a:buNone/>
-            </a:pPr>
-            <a:endParaRPr b="0" lang="pt-BR" sz="2000" spc="-1" strike="noStrike">
-              <a:latin typeface="Arial"/>
-            </a:endParaRPr>
-          </a:p>
-          <a:p>
-            <a:pPr>
-              <a:lnSpc>
-                <a:spcPct val="100000"/>
-              </a:lnSpc>
-              <a:buNone/>
-            </a:pPr>
-            <a:endParaRPr b="0" lang="pt-BR" sz="2000" spc="-1" strike="noStrike">
-              <a:latin typeface="Arial"/>
-            </a:endParaRPr>
-          </a:p>
-          <a:p>
-            <a:pPr>
-              <a:lnSpc>
-                <a:spcPct val="100000"/>
-              </a:lnSpc>
-              <a:buNone/>
-            </a:pPr>
-            <a:endParaRPr b="0" lang="pt-BR" sz="2000" spc="-1" strike="noStrike">
-              <a:latin typeface="Arial"/>
-            </a:endParaRPr>
-          </a:p>
-          <a:p>
-            <a:pPr>
-              <a:lnSpc>
-                <a:spcPct val="100000"/>
-              </a:lnSpc>
-              <a:buNone/>
-            </a:pPr>
-            <a:endParaRPr b="0" lang="pt-BR" sz="2000" spc="-1" strike="noStrike">
-              <a:latin typeface="Arial"/>
-            </a:endParaRPr>
-          </a:p>
-          <a:p>
-            <a:pPr>
-              <a:lnSpc>
-                <a:spcPct val="100000"/>
-              </a:lnSpc>
-              <a:buNone/>
-            </a:pPr>
-            <a:endParaRPr b="0" lang="pt-BR" sz="2000" spc="-1" strike="noStrike">
-              <a:latin typeface="Arial"/>
-            </a:endParaRPr>
-          </a:p>
-          <a:p>
-            <a:pPr>
-              <a:lnSpc>
-                <a:spcPct val="100000"/>
-              </a:lnSpc>
-              <a:buNone/>
-            </a:pPr>
-            <a:endParaRPr b="0" lang="pt-BR" sz="2000" spc="-1" strike="noStrike">
-              <a:latin typeface="Arial"/>
-            </a:endParaRPr>
-          </a:p>
-          <a:p>
-            <a:pPr>
-              <a:lnSpc>
-                <a:spcPct val="100000"/>
-              </a:lnSpc>
-              <a:buNone/>
-            </a:pPr>
-            <a:endParaRPr b="0" lang="pt-BR" sz="2000" spc="-1" strike="noStrike">
-              <a:latin typeface="Arial"/>
-            </a:endParaRPr>
-          </a:p>
-          <a:p>
-            <a:pPr>
-              <a:lnSpc>
-                <a:spcPct val="100000"/>
-              </a:lnSpc>
-              <a:buNone/>
-            </a:pPr>
-            <a:endParaRPr b="0" lang="pt-BR" sz="2000" spc="-1" strike="noStrike">
-              <a:latin typeface="Arial"/>
-            </a:endParaRPr>
-          </a:p>
-          <a:p>
-            <a:pPr>
-              <a:lnSpc>
-                <a:spcPct val="100000"/>
-              </a:lnSpc>
-              <a:buNone/>
-            </a:pPr>
-            <a:endParaRPr b="0" lang="pt-BR" sz="2000" spc="-1" strike="noStrike">
-              <a:latin typeface="Arial"/>
-            </a:endParaRPr>
-          </a:p>
-          <a:p>
-            <a:pPr>
-              <a:lnSpc>
-                <a:spcPct val="100000"/>
-              </a:lnSpc>
-              <a:buNone/>
-            </a:pPr>
-            <a:endParaRPr b="0" lang="pt-BR" sz="2000" spc="-1" strike="noStrike">
-              <a:latin typeface="Arial"/>
-            </a:endParaRPr>
-          </a:p>
-          <a:p>
-            <a:pPr>
-              <a:lnSpc>
-                <a:spcPct val="100000"/>
-              </a:lnSpc>
-              <a:buNone/>
-            </a:pPr>
-            <a:endParaRPr b="0" lang="pt-BR" sz="2000" spc="-1" strike="noStrike">
-              <a:latin typeface="Arial"/>
-            </a:endParaRPr>
-          </a:p>
-          <a:p>
-            <a:pPr>
-              <a:lnSpc>
-                <a:spcPct val="100000"/>
-              </a:lnSpc>
-              <a:buNone/>
-            </a:pPr>
-            <a:endParaRPr b="0" lang="pt-BR" sz="2000" spc="-1" strike="noStrike">
-              <a:latin typeface="Arial"/>
-            </a:endParaRPr>
-          </a:p>
-          <a:p>
             <a:pPr marL="216000" indent="-216000">
               <a:lnSpc>
-                <a:spcPct val="100000"/>
+                <a:spcPct val="150000"/>
               </a:lnSpc>
               <a:buClr>
                 <a:srgbClr val="000000"/>
@@ -6542,6 +9603,203 @@
               <a:buFont typeface="Wingdings" charset="2"/>
               <a:buChar char=""/>
             </a:pPr>
+            <a:r>
+              <a:rPr b="0" lang="pt-BR" sz="1600" spc="-1" strike="noStrike">
+                <a:solidFill>
+                  <a:srgbClr val="1c1c1c"/>
+                </a:solidFill>
+                <a:latin typeface="Latin Modern Sans"/>
+                <a:ea typeface="DejaVu Sans"/>
+              </a:rPr>
+              <a:t>Conjunto de Classificadores</a:t>
+            </a:r>
+            <a:endParaRPr b="0" lang="pt-BR" sz="1600" spc="-1" strike="noStrike">
+              <a:latin typeface="Arial"/>
+            </a:endParaRPr>
+          </a:p>
+          <a:p>
+            <a:pPr>
+              <a:lnSpc>
+                <a:spcPct val="150000"/>
+              </a:lnSpc>
+              <a:buNone/>
+            </a:pPr>
+            <a:endParaRPr b="0" lang="pt-BR" sz="1600" spc="-1" strike="noStrike">
+              <a:latin typeface="Arial"/>
+            </a:endParaRPr>
+          </a:p>
+          <a:p>
+            <a:pPr>
+              <a:lnSpc>
+                <a:spcPct val="150000"/>
+              </a:lnSpc>
+              <a:buNone/>
+            </a:pPr>
+            <a:endParaRPr b="0" lang="pt-BR" sz="1600" spc="-1" strike="noStrike">
+              <a:latin typeface="Arial"/>
+            </a:endParaRPr>
+          </a:p>
+          <a:p>
+            <a:pPr>
+              <a:lnSpc>
+                <a:spcPct val="150000"/>
+              </a:lnSpc>
+              <a:buNone/>
+            </a:pPr>
+            <a:endParaRPr b="0" lang="pt-BR" sz="1600" spc="-1" strike="noStrike">
+              <a:latin typeface="Arial"/>
+            </a:endParaRPr>
+          </a:p>
+          <a:p>
+            <a:pPr>
+              <a:lnSpc>
+                <a:spcPct val="100000"/>
+              </a:lnSpc>
+              <a:buNone/>
+            </a:pPr>
+            <a:endParaRPr b="0" lang="pt-BR" sz="1600" spc="-1" strike="noStrike">
+              <a:latin typeface="Arial"/>
+            </a:endParaRPr>
+          </a:p>
+          <a:p>
+            <a:pPr>
+              <a:lnSpc>
+                <a:spcPct val="100000"/>
+              </a:lnSpc>
+              <a:buNone/>
+            </a:pPr>
+            <a:endParaRPr b="0" lang="pt-BR" sz="2000" spc="-1" strike="noStrike">
+              <a:latin typeface="Arial"/>
+            </a:endParaRPr>
+          </a:p>
+          <a:p>
+            <a:pPr>
+              <a:lnSpc>
+                <a:spcPct val="100000"/>
+              </a:lnSpc>
+              <a:buNone/>
+            </a:pPr>
+            <a:endParaRPr b="0" lang="pt-BR" sz="2000" spc="-1" strike="noStrike">
+              <a:latin typeface="Arial"/>
+            </a:endParaRPr>
+          </a:p>
+          <a:p>
+            <a:pPr>
+              <a:lnSpc>
+                <a:spcPct val="100000"/>
+              </a:lnSpc>
+              <a:buNone/>
+            </a:pPr>
+            <a:endParaRPr b="0" lang="pt-BR" sz="2000" spc="-1" strike="noStrike">
+              <a:latin typeface="Arial"/>
+            </a:endParaRPr>
+          </a:p>
+          <a:p>
+            <a:pPr>
+              <a:lnSpc>
+                <a:spcPct val="100000"/>
+              </a:lnSpc>
+              <a:buNone/>
+            </a:pPr>
+            <a:endParaRPr b="0" lang="pt-BR" sz="2000" spc="-1" strike="noStrike">
+              <a:latin typeface="Arial"/>
+            </a:endParaRPr>
+          </a:p>
+          <a:p>
+            <a:pPr>
+              <a:lnSpc>
+                <a:spcPct val="100000"/>
+              </a:lnSpc>
+              <a:buNone/>
+            </a:pPr>
+            <a:endParaRPr b="0" lang="pt-BR" sz="2000" spc="-1" strike="noStrike">
+              <a:latin typeface="Arial"/>
+            </a:endParaRPr>
+          </a:p>
+          <a:p>
+            <a:pPr>
+              <a:lnSpc>
+                <a:spcPct val="100000"/>
+              </a:lnSpc>
+              <a:buNone/>
+            </a:pPr>
+            <a:endParaRPr b="0" lang="pt-BR" sz="2000" spc="-1" strike="noStrike">
+              <a:latin typeface="Arial"/>
+            </a:endParaRPr>
+          </a:p>
+          <a:p>
+            <a:pPr>
+              <a:lnSpc>
+                <a:spcPct val="100000"/>
+              </a:lnSpc>
+              <a:buNone/>
+            </a:pPr>
+            <a:endParaRPr b="0" lang="pt-BR" sz="2000" spc="-1" strike="noStrike">
+              <a:latin typeface="Arial"/>
+            </a:endParaRPr>
+          </a:p>
+          <a:p>
+            <a:pPr>
+              <a:lnSpc>
+                <a:spcPct val="100000"/>
+              </a:lnSpc>
+              <a:buNone/>
+            </a:pPr>
+            <a:endParaRPr b="0" lang="pt-BR" sz="2000" spc="-1" strike="noStrike">
+              <a:latin typeface="Arial"/>
+            </a:endParaRPr>
+          </a:p>
+          <a:p>
+            <a:pPr>
+              <a:lnSpc>
+                <a:spcPct val="100000"/>
+              </a:lnSpc>
+              <a:buNone/>
+            </a:pPr>
+            <a:endParaRPr b="0" lang="pt-BR" sz="2000" spc="-1" strike="noStrike">
+              <a:latin typeface="Arial"/>
+            </a:endParaRPr>
+          </a:p>
+          <a:p>
+            <a:pPr>
+              <a:lnSpc>
+                <a:spcPct val="100000"/>
+              </a:lnSpc>
+              <a:buNone/>
+            </a:pPr>
+            <a:endParaRPr b="0" lang="pt-BR" sz="2000" spc="-1" strike="noStrike">
+              <a:latin typeface="Arial"/>
+            </a:endParaRPr>
+          </a:p>
+          <a:p>
+            <a:pPr>
+              <a:lnSpc>
+                <a:spcPct val="100000"/>
+              </a:lnSpc>
+              <a:buNone/>
+            </a:pPr>
+            <a:endParaRPr b="0" lang="pt-BR" sz="2000" spc="-1" strike="noStrike">
+              <a:latin typeface="Arial"/>
+            </a:endParaRPr>
+          </a:p>
+          <a:p>
+            <a:pPr>
+              <a:lnSpc>
+                <a:spcPct val="100000"/>
+              </a:lnSpc>
+              <a:buNone/>
+            </a:pPr>
+            <a:endParaRPr b="0" lang="pt-BR" sz="2000" spc="-1" strike="noStrike">
+              <a:latin typeface="Arial"/>
+            </a:endParaRPr>
+          </a:p>
+          <a:p>
+            <a:pPr>
+              <a:lnSpc>
+                <a:spcPct val="100000"/>
+              </a:lnSpc>
+              <a:buNone/>
+            </a:pPr>
             <a:endParaRPr b="0" lang="pt-BR" sz="1600" spc="-1" strike="noStrike">
               <a:latin typeface="Arial"/>
             </a:endParaRPr>
@@ -6715,7 +9973,7 @@
       </p:sp>
       <p:pic>
         <p:nvPicPr>
-          <p:cNvPr id="106" name="" descr=""/>
+          <p:cNvPr id="103" name="" descr=""/>
           <p:cNvPicPr/>
           <p:nvPr/>
         </p:nvPicPr>
@@ -6725,8 +9983,8 @@
         </p:blipFill>
         <p:spPr>
           <a:xfrm>
-            <a:off x="2700000" y="1695960"/>
-            <a:ext cx="4860000" cy="4784040"/>
+            <a:off x="1435320" y="3052080"/>
+            <a:ext cx="7636320" cy="2936880"/>
           </a:xfrm>
           <a:prstGeom prst="rect">
             <a:avLst/>
@@ -6768,14 +10026,14 @@
       </p:grpSpPr>
       <p:sp>
         <p:nvSpPr>
-          <p:cNvPr id="107" name="CustomShape 6"/>
+          <p:cNvPr id="104" name="CustomShape 5"/>
           <p:cNvSpPr/>
           <p:nvPr/>
         </p:nvSpPr>
         <p:spPr>
           <a:xfrm>
             <a:off x="360000" y="360000"/>
-            <a:ext cx="9350640" cy="890640"/>
+            <a:ext cx="9350280" cy="890280"/>
           </a:xfrm>
           <a:prstGeom prst="rect">
             <a:avLst/>
@@ -6820,14 +10078,14 @@
       </p:sp>
       <p:sp>
         <p:nvSpPr>
-          <p:cNvPr id="108" name="CustomShape 7"/>
+          <p:cNvPr id="105" name="CustomShape 8"/>
           <p:cNvSpPr/>
           <p:nvPr/>
         </p:nvSpPr>
         <p:spPr>
           <a:xfrm>
             <a:off x="360000" y="1980000"/>
-            <a:ext cx="9170640" cy="4670640"/>
+            <a:ext cx="9170280" cy="4670280"/>
           </a:xfrm>
           <a:prstGeom prst="rect">
             <a:avLst/>
@@ -6879,14 +10137,14 @@
       </p:sp>
       <p:sp>
         <p:nvSpPr>
-          <p:cNvPr id="109" name="CustomShape 12"/>
+          <p:cNvPr id="106" name="CustomShape 9"/>
           <p:cNvSpPr/>
           <p:nvPr/>
         </p:nvSpPr>
         <p:spPr>
           <a:xfrm>
             <a:off x="897120" y="6886080"/>
-            <a:ext cx="6437880" cy="355680"/>
+            <a:ext cx="6437520" cy="355320"/>
           </a:xfrm>
           <a:prstGeom prst="rect">
             <a:avLst/>
@@ -6931,14 +10189,14 @@
       </p:sp>
       <p:sp>
         <p:nvSpPr>
-          <p:cNvPr id="110" name="CustomShape 13"/>
+          <p:cNvPr id="107" name="CustomShape 10"/>
           <p:cNvSpPr/>
           <p:nvPr/>
         </p:nvSpPr>
         <p:spPr>
           <a:xfrm>
             <a:off x="7608600" y="6886080"/>
-            <a:ext cx="2275920" cy="355680"/>
+            <a:ext cx="2275560" cy="355320"/>
           </a:xfrm>
           <a:prstGeom prst="rect">
             <a:avLst/>
@@ -6983,14 +10241,14 @@
       </p:sp>
       <p:sp>
         <p:nvSpPr>
-          <p:cNvPr id="111" name=""/>
+          <p:cNvPr id="108" name=""/>
           <p:cNvSpPr/>
           <p:nvPr/>
         </p:nvSpPr>
         <p:spPr>
           <a:xfrm>
             <a:off x="342360" y="1529280"/>
-            <a:ext cx="9376920" cy="5360400"/>
+            <a:ext cx="9376560" cy="5360040"/>
           </a:xfrm>
           <a:prstGeom prst="rect">
             <a:avLst/>
@@ -7041,77 +10299,7 @@
                 <a:latin typeface="Latin Modern Sans"/>
                 <a:ea typeface="DejaVu Sans"/>
               </a:rPr>
-              <a:t>Em </a:t>
-            </a:r>
-            <a:r>
-              <a:rPr b="0" lang="pt-BR" sz="1600" spc="-1" strike="noStrike">
-                <a:solidFill>
-                  <a:srgbClr val="1c1c1c"/>
-                </a:solidFill>
-                <a:latin typeface="Latin Modern Sans"/>
-                <a:ea typeface="DejaVu Sans"/>
-              </a:rPr>
-              <a:t>problemas </a:t>
-            </a:r>
-            <a:r>
-              <a:rPr b="0" lang="pt-BR" sz="1600" spc="-1" strike="noStrike">
-                <a:solidFill>
-                  <a:srgbClr val="1c1c1c"/>
-                </a:solidFill>
-                <a:latin typeface="Latin Modern Sans"/>
-                <a:ea typeface="DejaVu Sans"/>
-              </a:rPr>
-              <a:t>complexos, </a:t>
-            </a:r>
-            <a:r>
-              <a:rPr b="0" lang="pt-BR" sz="1600" spc="-1" strike="noStrike">
-                <a:solidFill>
-                  <a:srgbClr val="1c1c1c"/>
-                </a:solidFill>
-                <a:latin typeface="Latin Modern Sans"/>
-                <a:ea typeface="DejaVu Sans"/>
-              </a:rPr>
-              <a:t>um único </a:t>
-            </a:r>
-            <a:r>
-              <a:rPr b="0" lang="pt-BR" sz="1600" spc="-1" strike="noStrike">
-                <a:solidFill>
-                  <a:srgbClr val="1c1c1c"/>
-                </a:solidFill>
-                <a:latin typeface="Latin Modern Sans"/>
-                <a:ea typeface="DejaVu Sans"/>
-              </a:rPr>
-              <a:t>classificador </a:t>
-            </a:r>
-            <a:r>
-              <a:rPr b="0" lang="pt-BR" sz="1600" spc="-1" strike="noStrike">
-                <a:solidFill>
-                  <a:srgbClr val="1c1c1c"/>
-                </a:solidFill>
-                <a:latin typeface="Latin Modern Sans"/>
-                <a:ea typeface="DejaVu Sans"/>
-              </a:rPr>
-              <a:t>pode não </a:t>
-            </a:r>
-            <a:r>
-              <a:rPr b="0" lang="pt-BR" sz="1600" spc="-1" strike="noStrike">
-                <a:solidFill>
-                  <a:srgbClr val="1c1c1c"/>
-                </a:solidFill>
-                <a:latin typeface="Latin Modern Sans"/>
-                <a:ea typeface="DejaVu Sans"/>
-              </a:rPr>
-              <a:t>generalizar o </a:t>
-            </a:r>
-            <a:r>
-              <a:rPr b="0" lang="pt-BR" sz="1600" spc="-1" strike="noStrike">
-                <a:solidFill>
-                  <a:srgbClr val="1c1c1c"/>
-                </a:solidFill>
-                <a:latin typeface="Latin Modern Sans"/>
-                <a:ea typeface="DejaVu Sans"/>
-              </a:rPr>
-              <a:t>problema</a:t>
+              <a:t>Em problemas complexos, um único classificador pode não generalizar adequadamente o problema</a:t>
             </a:r>
             <a:endParaRPr b="0" lang="pt-BR" sz="1600" spc="-1" strike="noStrike">
               <a:latin typeface="Arial"/>
@@ -7137,101 +10325,51 @@
                 <a:latin typeface="Latin Modern Sans"/>
                 <a:ea typeface="DejaVu Sans"/>
               </a:rPr>
-              <a:t>E se </a:t>
-            </a:r>
-            <a:r>
-              <a:rPr b="0" lang="pt-BR" sz="1600" spc="-1" strike="noStrike">
-                <a:solidFill>
-                  <a:srgbClr val="1c1c1c"/>
-                </a:solidFill>
-                <a:latin typeface="Latin Modern Sans"/>
-                <a:ea typeface="DejaVu Sans"/>
-              </a:rPr>
-              <a:t>combinarmos </a:t>
-            </a:r>
-            <a:r>
-              <a:rPr b="0" lang="pt-BR" sz="1600" spc="-1" strike="noStrike">
-                <a:solidFill>
-                  <a:srgbClr val="1c1c1c"/>
-                </a:solidFill>
-                <a:latin typeface="Latin Modern Sans"/>
-                <a:ea typeface="DejaVu Sans"/>
-              </a:rPr>
-              <a:t>classificadore</a:t>
-            </a:r>
-            <a:r>
-              <a:rPr b="0" lang="pt-BR" sz="1600" spc="-1" strike="noStrike">
-                <a:solidFill>
-                  <a:srgbClr val="1c1c1c"/>
-                </a:solidFill>
-                <a:latin typeface="Latin Modern Sans"/>
-                <a:ea typeface="DejaVu Sans"/>
-              </a:rPr>
-              <a:t>s?</a:t>
+              <a:t>E se combinarmos classificadores?</a:t>
             </a:r>
             <a:endParaRPr b="0" lang="pt-BR" sz="1600" spc="-1" strike="noStrike">
               <a:latin typeface="Arial"/>
             </a:endParaRPr>
           </a:p>
           <a:p>
-            <a:pPr marL="216000" indent="-216000">
+            <a:pPr>
               <a:lnSpc>
                 <a:spcPct val="150000"/>
               </a:lnSpc>
-              <a:buClr>
-                <a:srgbClr val="000000"/>
-              </a:buClr>
-              <a:buSzPct val="45000"/>
-              <a:buFont typeface="Wingdings" charset="2"/>
-              <a:buChar char=""/>
+              <a:buNone/>
             </a:pPr>
             <a:endParaRPr b="0" lang="pt-BR" sz="1600" spc="-1" strike="noStrike">
               <a:latin typeface="Arial"/>
             </a:endParaRPr>
           </a:p>
           <a:p>
-            <a:pPr marL="216000" indent="-216000">
+            <a:pPr>
               <a:lnSpc>
                 <a:spcPct val="150000"/>
               </a:lnSpc>
-              <a:buClr>
-                <a:srgbClr val="000000"/>
-              </a:buClr>
-              <a:buSzPct val="45000"/>
-              <a:buFont typeface="Wingdings" charset="2"/>
-              <a:buChar char=""/>
+              <a:buNone/>
             </a:pPr>
             <a:endParaRPr b="0" lang="pt-BR" sz="1600" spc="-1" strike="noStrike">
               <a:latin typeface="Arial"/>
             </a:endParaRPr>
           </a:p>
           <a:p>
-            <a:pPr marL="216000" indent="-216000">
+            <a:pPr>
               <a:lnSpc>
                 <a:spcPct val="150000"/>
               </a:lnSpc>
-              <a:buClr>
-                <a:srgbClr val="000000"/>
-              </a:buClr>
-              <a:buSzPct val="45000"/>
-              <a:buFont typeface="Wingdings" charset="2"/>
-              <a:buChar char=""/>
+              <a:buNone/>
             </a:pPr>
             <a:endParaRPr b="0" lang="pt-BR" sz="1600" spc="-1" strike="noStrike">
               <a:latin typeface="Arial"/>
             </a:endParaRPr>
           </a:p>
           <a:p>
-            <a:pPr marL="216000" indent="-216000">
-              <a:lnSpc>
-                <a:spcPct val="100000"/>
-              </a:lnSpc>
-              <a:buClr>
-                <a:srgbClr val="000000"/>
-              </a:buClr>
-              <a:buSzPct val="45000"/>
-              <a:buFont typeface="Wingdings" charset="2"/>
-              <a:buChar char=""/>
+            <a:pPr>
+              <a:lnSpc>
+                <a:spcPct val="100000"/>
+              </a:lnSpc>
+              <a:buNone/>
             </a:pPr>
             <a:endParaRPr b="0" lang="pt-BR" sz="1600" spc="-1" strike="noStrike">
               <a:latin typeface="Arial"/>
@@ -7370,16 +10508,11 @@
             </a:endParaRPr>
           </a:p>
           <a:p>
-            <a:pPr marL="216000" indent="-216000">
-              <a:lnSpc>
-                <a:spcPct val="100000"/>
-              </a:lnSpc>
-              <a:buClr>
-                <a:srgbClr val="000000"/>
-              </a:buClr>
-              <a:buSzPct val="45000"/>
-              <a:buFont typeface="Wingdings" charset="2"/>
-              <a:buChar char=""/>
+            <a:pPr>
+              <a:lnSpc>
+                <a:spcPct val="100000"/>
+              </a:lnSpc>
+              <a:buNone/>
             </a:pPr>
             <a:endParaRPr b="0" lang="pt-BR" sz="1600" spc="-1" strike="noStrike">
               <a:latin typeface="Arial"/>
@@ -7554,7 +10687,7 @@
       </p:sp>
       <p:pic>
         <p:nvPicPr>
-          <p:cNvPr id="112" name="" descr=""/>
+          <p:cNvPr id="109" name="" descr=""/>
           <p:cNvPicPr/>
           <p:nvPr/>
         </p:nvPicPr>
@@ -7564,8 +10697,8 @@
         </p:blipFill>
         <p:spPr>
           <a:xfrm>
-            <a:off x="2520000" y="2700000"/>
-            <a:ext cx="5107680" cy="4115160"/>
+            <a:off x="3046680" y="3056400"/>
+            <a:ext cx="4619880" cy="3722040"/>
           </a:xfrm>
           <a:prstGeom prst="rect">
             <a:avLst/>
@@ -7607,14 +10740,14 @@
       </p:grpSpPr>
       <p:sp>
         <p:nvSpPr>
-          <p:cNvPr id="113" name="CustomShape 20"/>
+          <p:cNvPr id="110" name="CustomShape 30"/>
           <p:cNvSpPr/>
           <p:nvPr/>
         </p:nvSpPr>
         <p:spPr>
           <a:xfrm>
             <a:off x="360000" y="360000"/>
-            <a:ext cx="9350640" cy="890640"/>
+            <a:ext cx="9350280" cy="890280"/>
           </a:xfrm>
           <a:prstGeom prst="rect">
             <a:avLst/>
@@ -7659,14 +10792,14 @@
       </p:sp>
       <p:sp>
         <p:nvSpPr>
-          <p:cNvPr id="114" name="CustomShape 21"/>
+          <p:cNvPr id="111" name="CustomShape 31"/>
           <p:cNvSpPr/>
           <p:nvPr/>
         </p:nvSpPr>
         <p:spPr>
           <a:xfrm>
             <a:off x="360000" y="1980000"/>
-            <a:ext cx="9170640" cy="4670640"/>
+            <a:ext cx="9170280" cy="4670280"/>
           </a:xfrm>
           <a:prstGeom prst="rect">
             <a:avLst/>
@@ -7718,14 +10851,14 @@
       </p:sp>
       <p:sp>
         <p:nvSpPr>
-          <p:cNvPr id="115" name="CustomShape 22"/>
+          <p:cNvPr id="112" name="CustomShape 32"/>
           <p:cNvSpPr/>
           <p:nvPr/>
         </p:nvSpPr>
         <p:spPr>
           <a:xfrm>
             <a:off x="897120" y="6886080"/>
-            <a:ext cx="6437880" cy="355680"/>
+            <a:ext cx="6437520" cy="355320"/>
           </a:xfrm>
           <a:prstGeom prst="rect">
             <a:avLst/>
@@ -7770,14 +10903,14 @@
       </p:sp>
       <p:sp>
         <p:nvSpPr>
-          <p:cNvPr id="116" name="CustomShape 23"/>
+          <p:cNvPr id="113" name="CustomShape 33"/>
           <p:cNvSpPr/>
           <p:nvPr/>
         </p:nvSpPr>
         <p:spPr>
           <a:xfrm>
             <a:off x="7608600" y="6886080"/>
-            <a:ext cx="2275920" cy="355680"/>
+            <a:ext cx="2275560" cy="355320"/>
           </a:xfrm>
           <a:prstGeom prst="rect">
             <a:avLst/>
@@ -7822,14 +10955,14 @@
       </p:sp>
       <p:sp>
         <p:nvSpPr>
-          <p:cNvPr id="117" name=""/>
+          <p:cNvPr id="114" name=""/>
           <p:cNvSpPr/>
           <p:nvPr/>
         </p:nvSpPr>
         <p:spPr>
           <a:xfrm>
             <a:off x="342360" y="1529280"/>
-            <a:ext cx="9376920" cy="5360400"/>
+            <a:ext cx="9376560" cy="5360040"/>
           </a:xfrm>
           <a:prstGeom prst="rect">
             <a:avLst/>
@@ -7887,48 +11020,33 @@
             </a:endParaRPr>
           </a:p>
           <a:p>
-            <a:pPr marL="216000" indent="-216000">
+            <a:pPr>
               <a:lnSpc>
                 <a:spcPct val="150000"/>
               </a:lnSpc>
-              <a:buClr>
-                <a:srgbClr val="000000"/>
-              </a:buClr>
-              <a:buSzPct val="45000"/>
-              <a:buFont typeface="Wingdings" charset="2"/>
-              <a:buChar char=""/>
+              <a:buNone/>
             </a:pPr>
             <a:endParaRPr b="0" lang="pt-BR" sz="1600" spc="-1" strike="noStrike">
               <a:latin typeface="Arial"/>
             </a:endParaRPr>
           </a:p>
           <a:p>
-            <a:pPr marL="216000" indent="-216000">
+            <a:pPr>
               <a:lnSpc>
                 <a:spcPct val="150000"/>
               </a:lnSpc>
-              <a:buClr>
-                <a:srgbClr val="000000"/>
-              </a:buClr>
-              <a:buSzPct val="45000"/>
-              <a:buFont typeface="Wingdings" charset="2"/>
-              <a:buChar char=""/>
+              <a:buNone/>
             </a:pPr>
             <a:endParaRPr b="0" lang="pt-BR" sz="1600" spc="-1" strike="noStrike">
               <a:latin typeface="Arial"/>
             </a:endParaRPr>
           </a:p>
           <a:p>
-            <a:pPr marL="216000" indent="-216000">
-              <a:lnSpc>
-                <a:spcPct val="100000"/>
-              </a:lnSpc>
-              <a:buClr>
-                <a:srgbClr val="000000"/>
-              </a:buClr>
-              <a:buSzPct val="45000"/>
-              <a:buFont typeface="Wingdings" charset="2"/>
-              <a:buChar char=""/>
+            <a:pPr>
+              <a:lnSpc>
+                <a:spcPct val="100000"/>
+              </a:lnSpc>
+              <a:buNone/>
             </a:pPr>
             <a:endParaRPr b="0" lang="pt-BR" sz="1600" spc="-1" strike="noStrike">
               <a:latin typeface="Arial"/>
@@ -8067,16 +11185,11 @@
             </a:endParaRPr>
           </a:p>
           <a:p>
-            <a:pPr marL="216000" indent="-216000">
-              <a:lnSpc>
-                <a:spcPct val="100000"/>
-              </a:lnSpc>
-              <a:buClr>
-                <a:srgbClr val="000000"/>
-              </a:buClr>
-              <a:buSzPct val="45000"/>
-              <a:buFont typeface="Wingdings" charset="2"/>
-              <a:buChar char=""/>
+            <a:pPr>
+              <a:lnSpc>
+                <a:spcPct val="100000"/>
+              </a:lnSpc>
+              <a:buNone/>
             </a:pPr>
             <a:endParaRPr b="0" lang="pt-BR" sz="1600" spc="-1" strike="noStrike">
               <a:latin typeface="Arial"/>
@@ -8251,7 +11364,7 @@
       </p:sp>
       <p:pic>
         <p:nvPicPr>
-          <p:cNvPr id="118" name="" descr=""/>
+          <p:cNvPr id="115" name="" descr=""/>
           <p:cNvPicPr/>
           <p:nvPr/>
         </p:nvPicPr>
@@ -8261,8 +11374,8 @@
         </p:blipFill>
         <p:spPr>
           <a:xfrm>
-            <a:off x="1913040" y="2792520"/>
-            <a:ext cx="6546960" cy="3507480"/>
+            <a:off x="2332440" y="2633040"/>
+            <a:ext cx="5420880" cy="4068720"/>
           </a:xfrm>
           <a:prstGeom prst="rect">
             <a:avLst/>
@@ -8304,14 +11417,14 @@
       </p:grpSpPr>
       <p:sp>
         <p:nvSpPr>
-          <p:cNvPr id="119" name="CustomShape 15"/>
+          <p:cNvPr id="116" name="CustomShape 35"/>
           <p:cNvSpPr/>
           <p:nvPr/>
         </p:nvSpPr>
         <p:spPr>
           <a:xfrm>
             <a:off x="360000" y="360000"/>
-            <a:ext cx="9350640" cy="890640"/>
+            <a:ext cx="9350280" cy="890280"/>
           </a:xfrm>
           <a:prstGeom prst="rect">
             <a:avLst/>
@@ -8356,14 +11469,14 @@
       </p:sp>
       <p:sp>
         <p:nvSpPr>
-          <p:cNvPr id="120" name="CustomShape 16"/>
+          <p:cNvPr id="117" name="CustomShape 36"/>
           <p:cNvSpPr/>
           <p:nvPr/>
         </p:nvSpPr>
         <p:spPr>
           <a:xfrm>
             <a:off x="360000" y="1980000"/>
-            <a:ext cx="9170640" cy="4670640"/>
+            <a:ext cx="9170280" cy="4670280"/>
           </a:xfrm>
           <a:prstGeom prst="rect">
             <a:avLst/>
@@ -8415,14 +11528,14 @@
       </p:sp>
       <p:sp>
         <p:nvSpPr>
-          <p:cNvPr id="121" name="CustomShape 17"/>
+          <p:cNvPr id="118" name="CustomShape 37"/>
           <p:cNvSpPr/>
           <p:nvPr/>
         </p:nvSpPr>
         <p:spPr>
           <a:xfrm>
             <a:off x="897120" y="6886080"/>
-            <a:ext cx="6437880" cy="355680"/>
+            <a:ext cx="6437520" cy="355320"/>
           </a:xfrm>
           <a:prstGeom prst="rect">
             <a:avLst/>
@@ -8467,14 +11580,14 @@
       </p:sp>
       <p:sp>
         <p:nvSpPr>
-          <p:cNvPr id="122" name="CustomShape 18"/>
+          <p:cNvPr id="119" name="CustomShape 38"/>
           <p:cNvSpPr/>
           <p:nvPr/>
         </p:nvSpPr>
         <p:spPr>
           <a:xfrm>
             <a:off x="7608600" y="6886080"/>
-            <a:ext cx="2275920" cy="355680"/>
+            <a:ext cx="2275560" cy="355320"/>
           </a:xfrm>
           <a:prstGeom prst="rect">
             <a:avLst/>
@@ -8519,14 +11632,14 @@
       </p:sp>
       <p:sp>
         <p:nvSpPr>
-          <p:cNvPr id="123" name=""/>
+          <p:cNvPr id="120" name=""/>
           <p:cNvSpPr/>
           <p:nvPr/>
         </p:nvSpPr>
         <p:spPr>
           <a:xfrm>
             <a:off x="342360" y="1529280"/>
-            <a:ext cx="9376920" cy="5360400"/>
+            <a:ext cx="9376560" cy="5360040"/>
           </a:xfrm>
           <a:prstGeom prst="rect">
             <a:avLst/>
@@ -8558,16 +11671,11 @@
             </a:endParaRPr>
           </a:p>
           <a:p>
-            <a:pPr marL="216000" indent="-216000">
+            <a:pPr>
               <a:lnSpc>
                 <a:spcPct val="150000"/>
               </a:lnSpc>
-              <a:buClr>
-                <a:srgbClr val="000000"/>
-              </a:buClr>
-              <a:buSzPct val="45000"/>
-              <a:buFont typeface="Wingdings" charset="2"/>
-              <a:buChar char=""/>
+              <a:buNone/>
             </a:pPr>
             <a:r>
               <a:rPr b="0" lang="pt-BR" sz="1600" spc="-1" strike="noStrike">
@@ -8577,55 +11685,50 @@
                 <a:latin typeface="Latin Modern Sans"/>
                 <a:ea typeface="DejaVu Sans"/>
               </a:rPr>
-              <a:t>Pergunta: Como gerar generalizações diferentes ?</a:t>
+              <a:t>Porém, apenas treinar N classificadores, pode não gerar </a:t>
+            </a:r>
+            <a:r>
+              <a:rPr b="0" lang="pt-BR" sz="1600" spc="-1" strike="noStrike">
+                <a:solidFill>
+                  <a:srgbClr val="1c1c1c"/>
+                </a:solidFill>
+                <a:latin typeface="Latin Modern Sans"/>
+                <a:ea typeface="DejaVu Sans"/>
+              </a:rPr>
+              <a:t>generalizações distintas</a:t>
             </a:r>
             <a:endParaRPr b="0" lang="pt-BR" sz="1600" spc="-1" strike="noStrike">
               <a:latin typeface="Arial"/>
             </a:endParaRPr>
           </a:p>
           <a:p>
-            <a:pPr marL="216000" indent="-216000">
+            <a:pPr>
               <a:lnSpc>
                 <a:spcPct val="150000"/>
               </a:lnSpc>
-              <a:buClr>
-                <a:srgbClr val="000000"/>
-              </a:buClr>
-              <a:buSzPct val="45000"/>
-              <a:buFont typeface="Wingdings" charset="2"/>
-              <a:buChar char=""/>
+              <a:buNone/>
             </a:pPr>
             <a:endParaRPr b="0" lang="pt-BR" sz="1600" spc="-1" strike="noStrike">
               <a:latin typeface="Arial"/>
             </a:endParaRPr>
           </a:p>
           <a:p>
-            <a:pPr marL="216000" indent="-216000">
+            <a:pPr>
               <a:lnSpc>
                 <a:spcPct val="150000"/>
               </a:lnSpc>
-              <a:buClr>
-                <a:srgbClr val="000000"/>
-              </a:buClr>
-              <a:buSzPct val="45000"/>
-              <a:buFont typeface="Wingdings" charset="2"/>
-              <a:buChar char=""/>
+              <a:buNone/>
             </a:pPr>
             <a:endParaRPr b="0" lang="pt-BR" sz="1600" spc="-1" strike="noStrike">
               <a:latin typeface="Arial"/>
             </a:endParaRPr>
           </a:p>
           <a:p>
-            <a:pPr marL="216000" indent="-216000">
-              <a:lnSpc>
-                <a:spcPct val="100000"/>
-              </a:lnSpc>
-              <a:buClr>
-                <a:srgbClr val="000000"/>
-              </a:buClr>
-              <a:buSzPct val="45000"/>
-              <a:buFont typeface="Wingdings" charset="2"/>
-              <a:buChar char=""/>
+            <a:pPr>
+              <a:lnSpc>
+                <a:spcPct val="100000"/>
+              </a:lnSpc>
+              <a:buNone/>
             </a:pPr>
             <a:endParaRPr b="0" lang="pt-BR" sz="1600" spc="-1" strike="noStrike">
               <a:latin typeface="Arial"/>
@@ -8764,16 +11867,11 @@
             </a:endParaRPr>
           </a:p>
           <a:p>
-            <a:pPr marL="216000" indent="-216000">
-              <a:lnSpc>
-                <a:spcPct val="100000"/>
-              </a:lnSpc>
-              <a:buClr>
-                <a:srgbClr val="000000"/>
-              </a:buClr>
-              <a:buSzPct val="45000"/>
-              <a:buFont typeface="Wingdings" charset="2"/>
-              <a:buChar char=""/>
+            <a:pPr>
+              <a:lnSpc>
+                <a:spcPct val="100000"/>
+              </a:lnSpc>
+              <a:buNone/>
             </a:pPr>
             <a:endParaRPr b="0" lang="pt-BR" sz="1600" spc="-1" strike="noStrike">
               <a:latin typeface="Arial"/>
@@ -8948,7 +12046,7 @@
       </p:sp>
       <p:pic>
         <p:nvPicPr>
-          <p:cNvPr id="124" name="" descr=""/>
+          <p:cNvPr id="121" name="" descr=""/>
           <p:cNvPicPr/>
           <p:nvPr/>
         </p:nvPicPr>
@@ -8958,8 +12056,8 @@
         </p:blipFill>
         <p:spPr>
           <a:xfrm>
-            <a:off x="1397520" y="2413080"/>
-            <a:ext cx="6985080" cy="4114800"/>
+            <a:off x="2286000" y="2409480"/>
+            <a:ext cx="5281920" cy="4255200"/>
           </a:xfrm>
           <a:prstGeom prst="rect">
             <a:avLst/>
@@ -9001,14 +12099,14 @@
       </p:grpSpPr>
       <p:sp>
         <p:nvSpPr>
-          <p:cNvPr id="125" name="CustomShape 25"/>
+          <p:cNvPr id="122" name="CustomShape 15"/>
           <p:cNvSpPr/>
           <p:nvPr/>
         </p:nvSpPr>
         <p:spPr>
           <a:xfrm>
             <a:off x="360000" y="360000"/>
-            <a:ext cx="9350640" cy="890640"/>
+            <a:ext cx="9350280" cy="890280"/>
           </a:xfrm>
           <a:prstGeom prst="rect">
             <a:avLst/>
@@ -9053,14 +12151,14 @@
       </p:sp>
       <p:sp>
         <p:nvSpPr>
-          <p:cNvPr id="126" name="CustomShape 26"/>
+          <p:cNvPr id="123" name="CustomShape 16"/>
           <p:cNvSpPr/>
           <p:nvPr/>
         </p:nvSpPr>
         <p:spPr>
           <a:xfrm>
             <a:off x="360000" y="1980000"/>
-            <a:ext cx="9170640" cy="4670640"/>
+            <a:ext cx="9170280" cy="4670280"/>
           </a:xfrm>
           <a:prstGeom prst="rect">
             <a:avLst/>
@@ -9112,14 +12210,14 @@
       </p:sp>
       <p:sp>
         <p:nvSpPr>
-          <p:cNvPr id="127" name="CustomShape 27"/>
+          <p:cNvPr id="124" name="CustomShape 17"/>
           <p:cNvSpPr/>
           <p:nvPr/>
         </p:nvSpPr>
         <p:spPr>
           <a:xfrm>
             <a:off x="897120" y="6886080"/>
-            <a:ext cx="6437880" cy="355680"/>
+            <a:ext cx="6437520" cy="355320"/>
           </a:xfrm>
           <a:prstGeom prst="rect">
             <a:avLst/>
@@ -9164,14 +12262,14 @@
       </p:sp>
       <p:sp>
         <p:nvSpPr>
-          <p:cNvPr id="128" name="CustomShape 28"/>
+          <p:cNvPr id="125" name="CustomShape 18"/>
           <p:cNvSpPr/>
           <p:nvPr/>
         </p:nvSpPr>
         <p:spPr>
           <a:xfrm>
             <a:off x="7608600" y="6886080"/>
-            <a:ext cx="2275920" cy="355680"/>
+            <a:ext cx="2275560" cy="355320"/>
           </a:xfrm>
           <a:prstGeom prst="rect">
             <a:avLst/>
@@ -9216,14 +12314,14 @@
       </p:sp>
       <p:sp>
         <p:nvSpPr>
-          <p:cNvPr id="129" name=""/>
+          <p:cNvPr id="126" name=""/>
           <p:cNvSpPr/>
           <p:nvPr/>
         </p:nvSpPr>
         <p:spPr>
           <a:xfrm>
             <a:off x="342360" y="1529280"/>
-            <a:ext cx="9376920" cy="5360400"/>
+            <a:ext cx="9376560" cy="5360040"/>
           </a:xfrm>
           <a:prstGeom prst="rect">
             <a:avLst/>
@@ -9274,55 +12372,40 @@
                 <a:latin typeface="Latin Modern Sans"/>
                 <a:ea typeface="DejaVu Sans"/>
               </a:rPr>
-              <a:t>Explicar essas técnicas em slides distintos</a:t>
+              <a:t>Pergunta: Como gerar generalizações diferentes ?</a:t>
             </a:r>
             <a:endParaRPr b="0" lang="pt-BR" sz="1600" spc="-1" strike="noStrike">
               <a:latin typeface="Arial"/>
             </a:endParaRPr>
           </a:p>
           <a:p>
-            <a:pPr marL="216000" indent="-216000">
+            <a:pPr>
               <a:lnSpc>
                 <a:spcPct val="150000"/>
               </a:lnSpc>
-              <a:buClr>
-                <a:srgbClr val="000000"/>
-              </a:buClr>
-              <a:buSzPct val="45000"/>
-              <a:buFont typeface="Wingdings" charset="2"/>
-              <a:buChar char=""/>
+              <a:buNone/>
             </a:pPr>
             <a:endParaRPr b="0" lang="pt-BR" sz="1600" spc="-1" strike="noStrike">
               <a:latin typeface="Arial"/>
             </a:endParaRPr>
           </a:p>
           <a:p>
-            <a:pPr marL="216000" indent="-216000">
+            <a:pPr>
               <a:lnSpc>
                 <a:spcPct val="150000"/>
               </a:lnSpc>
-              <a:buClr>
-                <a:srgbClr val="000000"/>
-              </a:buClr>
-              <a:buSzPct val="45000"/>
-              <a:buFont typeface="Wingdings" charset="2"/>
-              <a:buChar char=""/>
+              <a:buNone/>
             </a:pPr>
             <a:endParaRPr b="0" lang="pt-BR" sz="1600" spc="-1" strike="noStrike">
               <a:latin typeface="Arial"/>
             </a:endParaRPr>
           </a:p>
           <a:p>
-            <a:pPr marL="216000" indent="-216000">
-              <a:lnSpc>
-                <a:spcPct val="100000"/>
-              </a:lnSpc>
-              <a:buClr>
-                <a:srgbClr val="000000"/>
-              </a:buClr>
-              <a:buSzPct val="45000"/>
-              <a:buFont typeface="Wingdings" charset="2"/>
-              <a:buChar char=""/>
+            <a:pPr>
+              <a:lnSpc>
+                <a:spcPct val="100000"/>
+              </a:lnSpc>
+              <a:buNone/>
             </a:pPr>
             <a:endParaRPr b="0" lang="pt-BR" sz="1600" spc="-1" strike="noStrike">
               <a:latin typeface="Arial"/>
@@ -9461,16 +12544,11 @@
             </a:endParaRPr>
           </a:p>
           <a:p>
-            <a:pPr marL="216000" indent="-216000">
-              <a:lnSpc>
-                <a:spcPct val="100000"/>
-              </a:lnSpc>
-              <a:buClr>
-                <a:srgbClr val="000000"/>
-              </a:buClr>
-              <a:buSzPct val="45000"/>
-              <a:buFont typeface="Wingdings" charset="2"/>
-              <a:buChar char=""/>
+            <a:pPr>
+              <a:lnSpc>
+                <a:spcPct val="100000"/>
+              </a:lnSpc>
+              <a:buNone/>
             </a:pPr>
             <a:endParaRPr b="0" lang="pt-BR" sz="1600" spc="-1" strike="noStrike">
               <a:latin typeface="Arial"/>
@@ -9645,7 +12723,7 @@
       </p:sp>
       <p:pic>
         <p:nvPicPr>
-          <p:cNvPr id="130" name="" descr=""/>
+          <p:cNvPr id="127" name="" descr=""/>
           <p:cNvPicPr/>
           <p:nvPr/>
         </p:nvPicPr>
@@ -9655,8 +12733,1879 @@
         </p:blipFill>
         <p:spPr>
           <a:xfrm>
+            <a:off x="2365200" y="2396520"/>
+            <a:ext cx="5287680" cy="4259880"/>
+          </a:xfrm>
+          <a:prstGeom prst="rect">
+            <a:avLst/>
+          </a:prstGeom>
+          <a:ln w="0">
+            <a:noFill/>
+          </a:ln>
+        </p:spPr>
+      </p:pic>
+    </p:spTree>
+  </p:cSld>
+  <mc:AlternateContent>
+    <mc:Choice Requires="p14">
+      <p:transition spd="slow" p14:dur="2000"/>
+    </mc:Choice>
+    <mc:Fallback>
+      <p:transition spd="slow"/>
+    </mc:Fallback>
+  </mc:AlternateContent>
+</p:sld>
+</file>
+
+<file path=ppt/slides/slide8.xml><?xml version="1.0" encoding="utf-8"?>
+<p:sld xmlns:a="http://schemas.openxmlformats.org/drawingml/2006/main" xmlns:p="http://schemas.openxmlformats.org/presentationml/2006/main" xmlns:r="http://schemas.openxmlformats.org/officeDocument/2006/relationships" xmlns:p14="http://schemas.microsoft.com/office/powerpoint/2010/main" xmlns:p15="http://schemas.microsoft.com/office/powerpoint/2012/main" xmlns:mc="http://schemas.openxmlformats.org/markup-compatibility/2006">
+  <p:cSld>
+    <p:spTree>
+      <p:nvGrpSpPr>
+        <p:cNvPr id="1" name=""/>
+        <p:cNvGrpSpPr/>
+        <p:nvPr/>
+      </p:nvGrpSpPr>
+      <p:grpSpPr>
+        <a:xfrm>
+          <a:off x="0" y="0"/>
+          <a:ext cx="0" cy="0"/>
+          <a:chOff x="0" y="0"/>
+          <a:chExt cx="0" cy="0"/>
+        </a:xfrm>
+      </p:grpSpPr>
+      <p:sp>
+        <p:nvSpPr>
+          <p:cNvPr id="128" name="CustomShape 20"/>
+          <p:cNvSpPr/>
+          <p:nvPr/>
+        </p:nvSpPr>
+        <p:spPr>
+          <a:xfrm>
+            <a:off x="360000" y="360000"/>
+            <a:ext cx="9350280" cy="890280"/>
+          </a:xfrm>
+          <a:prstGeom prst="rect">
+            <a:avLst/>
+          </a:prstGeom>
+          <a:noFill/>
+          <a:ln w="0">
+            <a:noFill/>
+          </a:ln>
+        </p:spPr>
+        <p:style>
+          <a:lnRef idx="0"/>
+          <a:fillRef idx="0"/>
+          <a:effectRef idx="0"/>
+          <a:fontRef idx="minor"/>
+        </p:style>
+        <p:txBody>
+          <a:bodyPr lIns="0" rIns="0" tIns="0" bIns="0" anchor="b">
+            <a:noAutofit/>
+          </a:bodyPr>
+          <a:p>
+            <a:pPr>
+              <a:lnSpc>
+                <a:spcPct val="100000"/>
+              </a:lnSpc>
+              <a:buNone/>
+            </a:pPr>
+            <a:r>
+              <a:rPr b="1" lang="pt-BR" sz="2600" spc="-1" strike="noStrike">
+                <a:solidFill>
+                  <a:srgbClr val="ffffff"/>
+                </a:solidFill>
+                <a:latin typeface="Source Sans Pro Black"/>
+                <a:ea typeface="DejaVu Sans"/>
+              </a:rPr>
+              <a:t>C</a:t>
+            </a:r>
+            <a:r>
+              <a:rPr b="1" lang="pt-BR" sz="2600" spc="-1" strike="noStrike">
+                <a:solidFill>
+                  <a:srgbClr val="ffffff"/>
+                </a:solidFill>
+                <a:latin typeface="Source Sans Pro Black"/>
+                <a:ea typeface="DejaVu Sans"/>
+              </a:rPr>
+              <a:t>o</a:t>
+            </a:r>
+            <a:r>
+              <a:rPr b="1" lang="pt-BR" sz="2600" spc="-1" strike="noStrike">
+                <a:solidFill>
+                  <a:srgbClr val="ffffff"/>
+                </a:solidFill>
+                <a:latin typeface="Source Sans Pro Black"/>
+                <a:ea typeface="DejaVu Sans"/>
+              </a:rPr>
+              <a:t>m</a:t>
+            </a:r>
+            <a:r>
+              <a:rPr b="1" lang="pt-BR" sz="2600" spc="-1" strike="noStrike">
+                <a:solidFill>
+                  <a:srgbClr val="ffffff"/>
+                </a:solidFill>
+                <a:latin typeface="Source Sans Pro Black"/>
+                <a:ea typeface="DejaVu Sans"/>
+              </a:rPr>
+              <a:t>b</a:t>
+            </a:r>
+            <a:r>
+              <a:rPr b="1" lang="pt-BR" sz="2600" spc="-1" strike="noStrike">
+                <a:solidFill>
+                  <a:srgbClr val="ffffff"/>
+                </a:solidFill>
+                <a:latin typeface="Source Sans Pro Black"/>
+                <a:ea typeface="DejaVu Sans"/>
+              </a:rPr>
+              <a:t>i</a:t>
+            </a:r>
+            <a:r>
+              <a:rPr b="1" lang="pt-BR" sz="2600" spc="-1" strike="noStrike">
+                <a:solidFill>
+                  <a:srgbClr val="ffffff"/>
+                </a:solidFill>
+                <a:latin typeface="Source Sans Pro Black"/>
+                <a:ea typeface="DejaVu Sans"/>
+              </a:rPr>
+              <a:t>n</a:t>
+            </a:r>
+            <a:r>
+              <a:rPr b="1" lang="pt-BR" sz="2600" spc="-1" strike="noStrike">
+                <a:solidFill>
+                  <a:srgbClr val="ffffff"/>
+                </a:solidFill>
+                <a:latin typeface="Source Sans Pro Black"/>
+                <a:ea typeface="DejaVu Sans"/>
+              </a:rPr>
+              <a:t>a</a:t>
+            </a:r>
+            <a:r>
+              <a:rPr b="1" lang="pt-BR" sz="2600" spc="-1" strike="noStrike">
+                <a:solidFill>
+                  <a:srgbClr val="ffffff"/>
+                </a:solidFill>
+                <a:latin typeface="Source Sans Pro Black"/>
+                <a:ea typeface="DejaVu Sans"/>
+              </a:rPr>
+              <a:t>ç</a:t>
+            </a:r>
+            <a:r>
+              <a:rPr b="1" lang="pt-BR" sz="2600" spc="-1" strike="noStrike">
+                <a:solidFill>
+                  <a:srgbClr val="ffffff"/>
+                </a:solidFill>
+                <a:latin typeface="Source Sans Pro Black"/>
+                <a:ea typeface="DejaVu Sans"/>
+              </a:rPr>
+              <a:t>ã</a:t>
+            </a:r>
+            <a:r>
+              <a:rPr b="1" lang="pt-BR" sz="2600" spc="-1" strike="noStrike">
+                <a:solidFill>
+                  <a:srgbClr val="ffffff"/>
+                </a:solidFill>
+                <a:latin typeface="Source Sans Pro Black"/>
+                <a:ea typeface="DejaVu Sans"/>
+              </a:rPr>
+              <a:t>o</a:t>
+            </a:r>
+            <a:r>
+              <a:rPr b="1" lang="pt-BR" sz="2600" spc="-1" strike="noStrike">
+                <a:solidFill>
+                  <a:srgbClr val="ffffff"/>
+                </a:solidFill>
+                <a:latin typeface="Source Sans Pro Black"/>
+                <a:ea typeface="DejaVu Sans"/>
+              </a:rPr>
+              <a:t> </a:t>
+            </a:r>
+            <a:r>
+              <a:rPr b="1" lang="pt-BR" sz="2600" spc="-1" strike="noStrike">
+                <a:solidFill>
+                  <a:srgbClr val="ffffff"/>
+                </a:solidFill>
+                <a:latin typeface="Source Sans Pro Black"/>
+                <a:ea typeface="DejaVu Sans"/>
+              </a:rPr>
+              <a:t>d</a:t>
+            </a:r>
+            <a:r>
+              <a:rPr b="1" lang="pt-BR" sz="2600" spc="-1" strike="noStrike">
+                <a:solidFill>
+                  <a:srgbClr val="ffffff"/>
+                </a:solidFill>
+                <a:latin typeface="Source Sans Pro Black"/>
+                <a:ea typeface="DejaVu Sans"/>
+              </a:rPr>
+              <a:t>e</a:t>
+            </a:r>
+            <a:r>
+              <a:rPr b="1" lang="pt-BR" sz="2600" spc="-1" strike="noStrike">
+                <a:solidFill>
+                  <a:srgbClr val="ffffff"/>
+                </a:solidFill>
+                <a:latin typeface="Source Sans Pro Black"/>
+                <a:ea typeface="DejaVu Sans"/>
+              </a:rPr>
+              <a:t> </a:t>
+            </a:r>
+            <a:r>
+              <a:rPr b="1" lang="pt-BR" sz="2600" spc="-1" strike="noStrike">
+                <a:solidFill>
+                  <a:srgbClr val="ffffff"/>
+                </a:solidFill>
+                <a:latin typeface="Source Sans Pro Black"/>
+                <a:ea typeface="DejaVu Sans"/>
+              </a:rPr>
+              <a:t>c</a:t>
+            </a:r>
+            <a:r>
+              <a:rPr b="1" lang="pt-BR" sz="2600" spc="-1" strike="noStrike">
+                <a:solidFill>
+                  <a:srgbClr val="ffffff"/>
+                </a:solidFill>
+                <a:latin typeface="Source Sans Pro Black"/>
+                <a:ea typeface="DejaVu Sans"/>
+              </a:rPr>
+              <a:t>l</a:t>
+            </a:r>
+            <a:r>
+              <a:rPr b="1" lang="pt-BR" sz="2600" spc="-1" strike="noStrike">
+                <a:solidFill>
+                  <a:srgbClr val="ffffff"/>
+                </a:solidFill>
+                <a:latin typeface="Source Sans Pro Black"/>
+                <a:ea typeface="DejaVu Sans"/>
+              </a:rPr>
+              <a:t>a</a:t>
+            </a:r>
+            <a:r>
+              <a:rPr b="1" lang="pt-BR" sz="2600" spc="-1" strike="noStrike">
+                <a:solidFill>
+                  <a:srgbClr val="ffffff"/>
+                </a:solidFill>
+                <a:latin typeface="Source Sans Pro Black"/>
+                <a:ea typeface="DejaVu Sans"/>
+              </a:rPr>
+              <a:t>s</a:t>
+            </a:r>
+            <a:r>
+              <a:rPr b="1" lang="pt-BR" sz="2600" spc="-1" strike="noStrike">
+                <a:solidFill>
+                  <a:srgbClr val="ffffff"/>
+                </a:solidFill>
+                <a:latin typeface="Source Sans Pro Black"/>
+                <a:ea typeface="DejaVu Sans"/>
+              </a:rPr>
+              <a:t>s</a:t>
+            </a:r>
+            <a:r>
+              <a:rPr b="1" lang="pt-BR" sz="2600" spc="-1" strike="noStrike">
+                <a:solidFill>
+                  <a:srgbClr val="ffffff"/>
+                </a:solidFill>
+                <a:latin typeface="Source Sans Pro Black"/>
+                <a:ea typeface="DejaVu Sans"/>
+              </a:rPr>
+              <a:t>i</a:t>
+            </a:r>
+            <a:r>
+              <a:rPr b="1" lang="pt-BR" sz="2600" spc="-1" strike="noStrike">
+                <a:solidFill>
+                  <a:srgbClr val="ffffff"/>
+                </a:solidFill>
+                <a:latin typeface="Source Sans Pro Black"/>
+                <a:ea typeface="DejaVu Sans"/>
+              </a:rPr>
+              <a:t>f</a:t>
+            </a:r>
+            <a:r>
+              <a:rPr b="1" lang="pt-BR" sz="2600" spc="-1" strike="noStrike">
+                <a:solidFill>
+                  <a:srgbClr val="ffffff"/>
+                </a:solidFill>
+                <a:latin typeface="Source Sans Pro Black"/>
+                <a:ea typeface="DejaVu Sans"/>
+              </a:rPr>
+              <a:t>i</a:t>
+            </a:r>
+            <a:r>
+              <a:rPr b="1" lang="pt-BR" sz="2600" spc="-1" strike="noStrike">
+                <a:solidFill>
+                  <a:srgbClr val="ffffff"/>
+                </a:solidFill>
+                <a:latin typeface="Source Sans Pro Black"/>
+                <a:ea typeface="DejaVu Sans"/>
+              </a:rPr>
+              <a:t>c</a:t>
+            </a:r>
+            <a:r>
+              <a:rPr b="1" lang="pt-BR" sz="2600" spc="-1" strike="noStrike">
+                <a:solidFill>
+                  <a:srgbClr val="ffffff"/>
+                </a:solidFill>
+                <a:latin typeface="Source Sans Pro Black"/>
+                <a:ea typeface="DejaVu Sans"/>
+              </a:rPr>
+              <a:t>a</a:t>
+            </a:r>
+            <a:r>
+              <a:rPr b="1" lang="pt-BR" sz="2600" spc="-1" strike="noStrike">
+                <a:solidFill>
+                  <a:srgbClr val="ffffff"/>
+                </a:solidFill>
+                <a:latin typeface="Source Sans Pro Black"/>
+                <a:ea typeface="DejaVu Sans"/>
+              </a:rPr>
+              <a:t>d</a:t>
+            </a:r>
+            <a:r>
+              <a:rPr b="1" lang="pt-BR" sz="2600" spc="-1" strike="noStrike">
+                <a:solidFill>
+                  <a:srgbClr val="ffffff"/>
+                </a:solidFill>
+                <a:latin typeface="Source Sans Pro Black"/>
+                <a:ea typeface="DejaVu Sans"/>
+              </a:rPr>
+              <a:t>o</a:t>
+            </a:r>
+            <a:r>
+              <a:rPr b="1" lang="pt-BR" sz="2600" spc="-1" strike="noStrike">
+                <a:solidFill>
+                  <a:srgbClr val="ffffff"/>
+                </a:solidFill>
+                <a:latin typeface="Source Sans Pro Black"/>
+                <a:ea typeface="DejaVu Sans"/>
+              </a:rPr>
+              <a:t>r</a:t>
+            </a:r>
+            <a:r>
+              <a:rPr b="1" lang="pt-BR" sz="2600" spc="-1" strike="noStrike">
+                <a:solidFill>
+                  <a:srgbClr val="ffffff"/>
+                </a:solidFill>
+                <a:latin typeface="Source Sans Pro Black"/>
+                <a:ea typeface="DejaVu Sans"/>
+              </a:rPr>
+              <a:t>e</a:t>
+            </a:r>
+            <a:r>
+              <a:rPr b="1" lang="pt-BR" sz="2600" spc="-1" strike="noStrike">
+                <a:solidFill>
+                  <a:srgbClr val="ffffff"/>
+                </a:solidFill>
+                <a:latin typeface="Source Sans Pro Black"/>
+                <a:ea typeface="DejaVu Sans"/>
+              </a:rPr>
+              <a:t>s</a:t>
+            </a:r>
+            <a:endParaRPr b="0" lang="pt-BR" sz="2600" spc="-1" strike="noStrike">
+              <a:latin typeface="Arial"/>
+            </a:endParaRPr>
+          </a:p>
+        </p:txBody>
+      </p:sp>
+      <p:sp>
+        <p:nvSpPr>
+          <p:cNvPr id="129" name="CustomShape 21"/>
+          <p:cNvSpPr/>
+          <p:nvPr/>
+        </p:nvSpPr>
+        <p:spPr>
+          <a:xfrm>
+            <a:off x="360000" y="1980000"/>
+            <a:ext cx="9170280" cy="4670280"/>
+          </a:xfrm>
+          <a:prstGeom prst="rect">
+            <a:avLst/>
+          </a:prstGeom>
+          <a:noFill/>
+          <a:ln w="0">
+            <a:noFill/>
+          </a:ln>
+        </p:spPr>
+        <p:style>
+          <a:lnRef idx="0"/>
+          <a:fillRef idx="0"/>
+          <a:effectRef idx="0"/>
+          <a:fontRef idx="minor"/>
+        </p:style>
+        <p:txBody>
+          <a:bodyPr lIns="0" rIns="0" tIns="0" bIns="0" anchor="t">
+            <a:normAutofit/>
+          </a:bodyPr>
+          <a:p>
+            <a:pPr>
+              <a:lnSpc>
+                <a:spcPct val="100000"/>
+              </a:lnSpc>
+              <a:spcAft>
+                <a:spcPts val="1140"/>
+              </a:spcAft>
+              <a:buNone/>
+            </a:pPr>
+            <a:endParaRPr b="0" lang="pt-BR" sz="1600" spc="-1" strike="noStrike">
+              <a:latin typeface="Arial"/>
+            </a:endParaRPr>
+          </a:p>
+          <a:p>
+            <a:pPr>
+              <a:lnSpc>
+                <a:spcPct val="100000"/>
+              </a:lnSpc>
+              <a:spcAft>
+                <a:spcPts val="1140"/>
+              </a:spcAft>
+              <a:buNone/>
+            </a:pPr>
+            <a:endParaRPr b="0" lang="pt-BR" sz="2000" spc="-1" strike="noStrike">
+              <a:latin typeface="Arial"/>
+            </a:endParaRPr>
+          </a:p>
+        </p:txBody>
+      </p:sp>
+      <p:sp>
+        <p:nvSpPr>
+          <p:cNvPr id="130" name="CustomShape 22"/>
+          <p:cNvSpPr/>
+          <p:nvPr/>
+        </p:nvSpPr>
+        <p:spPr>
+          <a:xfrm>
+            <a:off x="897120" y="6886080"/>
+            <a:ext cx="6437520" cy="355320"/>
+          </a:xfrm>
+          <a:prstGeom prst="rect">
+            <a:avLst/>
+          </a:prstGeom>
+          <a:noFill/>
+          <a:ln w="0">
+            <a:noFill/>
+          </a:ln>
+        </p:spPr>
+        <p:style>
+          <a:lnRef idx="0"/>
+          <a:fillRef idx="0"/>
+          <a:effectRef idx="0"/>
+          <a:fontRef idx="minor"/>
+        </p:style>
+        <p:txBody>
+          <a:bodyPr lIns="90000" rIns="90000" tIns="45000" bIns="45000" anchor="t">
+            <a:noAutofit/>
+          </a:bodyPr>
+          <a:p>
+            <a:pPr>
+              <a:lnSpc>
+                <a:spcPct val="100000"/>
+              </a:lnSpc>
+              <a:buNone/>
+            </a:pPr>
+            <a:r>
+              <a:rPr b="0" lang="pt-BR" sz="1800" spc="-1" strike="noStrike">
+                <a:solidFill>
+                  <a:srgbClr val="000000"/>
+                </a:solidFill>
+                <a:latin typeface="Arial"/>
+                <a:ea typeface="DejaVu Sans"/>
+              </a:rPr>
+              <a:t>Aprendizado de Máquina - Prof. André Hochuli</a:t>
+            </a:r>
+            <a:endParaRPr b="0" lang="pt-BR" sz="1800" spc="-1" strike="noStrike">
+              <a:latin typeface="Arial"/>
+            </a:endParaRPr>
+          </a:p>
+        </p:txBody>
+      </p:sp>
+      <p:sp>
+        <p:nvSpPr>
+          <p:cNvPr id="131" name="CustomShape 23"/>
+          <p:cNvSpPr/>
+          <p:nvPr/>
+        </p:nvSpPr>
+        <p:spPr>
+          <a:xfrm>
+            <a:off x="7608600" y="6886080"/>
+            <a:ext cx="2275560" cy="355320"/>
+          </a:xfrm>
+          <a:prstGeom prst="rect">
+            <a:avLst/>
+          </a:prstGeom>
+          <a:noFill/>
+          <a:ln w="0">
+            <a:noFill/>
+          </a:ln>
+        </p:spPr>
+        <p:style>
+          <a:lnRef idx="0"/>
+          <a:fillRef idx="0"/>
+          <a:effectRef idx="0"/>
+          <a:fontRef idx="minor"/>
+        </p:style>
+        <p:txBody>
+          <a:bodyPr lIns="90000" rIns="90000" tIns="45000" bIns="45000" anchor="t">
+            <a:noAutofit/>
+          </a:bodyPr>
+          <a:p>
+            <a:pPr>
+              <a:lnSpc>
+                <a:spcPct val="100000"/>
+              </a:lnSpc>
+              <a:buNone/>
+            </a:pPr>
+            <a:r>
+              <a:rPr b="0" lang="pt-BR" sz="1800" spc="-1" strike="noStrike">
+                <a:solidFill>
+                  <a:srgbClr val="000000"/>
+                </a:solidFill>
+                <a:latin typeface="Arial"/>
+                <a:ea typeface="DejaVu Sans"/>
+              </a:rPr>
+              <a:t>Combinação</a:t>
+            </a:r>
+            <a:endParaRPr b="0" lang="pt-BR" sz="1800" spc="-1" strike="noStrike">
+              <a:latin typeface="Arial"/>
+            </a:endParaRPr>
+          </a:p>
+        </p:txBody>
+      </p:sp>
+      <p:sp>
+        <p:nvSpPr>
+          <p:cNvPr id="132" name=""/>
+          <p:cNvSpPr/>
+          <p:nvPr/>
+        </p:nvSpPr>
+        <p:spPr>
+          <a:xfrm>
+            <a:off x="342360" y="1529280"/>
+            <a:ext cx="9376560" cy="5360040"/>
+          </a:xfrm>
+          <a:prstGeom prst="rect">
+            <a:avLst/>
+          </a:prstGeom>
+          <a:noFill/>
+          <a:ln w="0">
+            <a:noFill/>
+          </a:ln>
+        </p:spPr>
+        <p:style>
+          <a:lnRef idx="0"/>
+          <a:fillRef idx="0"/>
+          <a:effectRef idx="0"/>
+          <a:fontRef idx="minor"/>
+        </p:style>
+        <p:txBody>
+          <a:bodyPr lIns="90000" rIns="90000" tIns="45000" bIns="45000" anchor="t">
+            <a:noAutofit/>
+          </a:bodyPr>
+          <a:p>
+            <a:pPr>
+              <a:lnSpc>
+                <a:spcPct val="100000"/>
+              </a:lnSpc>
+              <a:buNone/>
+            </a:pPr>
+            <a:endParaRPr b="0" lang="pt-BR" sz="2000" spc="-1" strike="noStrike">
+              <a:latin typeface="Arial"/>
+            </a:endParaRPr>
+          </a:p>
+          <a:p>
+            <a:pPr marL="216000" indent="-216000">
+              <a:lnSpc>
+                <a:spcPct val="150000"/>
+              </a:lnSpc>
+              <a:buClr>
+                <a:srgbClr val="000000"/>
+              </a:buClr>
+              <a:buSzPct val="45000"/>
+              <a:buFont typeface="Wingdings" charset="2"/>
+              <a:buChar char=""/>
+            </a:pPr>
+            <a:r>
+              <a:rPr b="0" lang="pt-BR" sz="1600" spc="-1" strike="noStrike">
+                <a:solidFill>
+                  <a:srgbClr val="1c1c1c"/>
+                </a:solidFill>
+                <a:latin typeface="Latin Modern Sans"/>
+                <a:ea typeface="DejaVu Sans"/>
+              </a:rPr>
+              <a:t>Pergunta: Como gerar generalizações diferentes ?</a:t>
+            </a:r>
+            <a:endParaRPr b="0" lang="pt-BR" sz="1600" spc="-1" strike="noStrike">
+              <a:latin typeface="Arial"/>
+            </a:endParaRPr>
+          </a:p>
+          <a:p>
+            <a:pPr>
+              <a:lnSpc>
+                <a:spcPct val="150000"/>
+              </a:lnSpc>
+              <a:buNone/>
+            </a:pPr>
+            <a:endParaRPr b="0" lang="pt-BR" sz="1600" spc="-1" strike="noStrike">
+              <a:latin typeface="Arial"/>
+            </a:endParaRPr>
+          </a:p>
+          <a:p>
+            <a:pPr>
+              <a:lnSpc>
+                <a:spcPct val="150000"/>
+              </a:lnSpc>
+              <a:buNone/>
+            </a:pPr>
+            <a:endParaRPr b="0" lang="pt-BR" sz="1600" spc="-1" strike="noStrike">
+              <a:latin typeface="Arial"/>
+            </a:endParaRPr>
+          </a:p>
+          <a:p>
+            <a:pPr>
+              <a:lnSpc>
+                <a:spcPct val="100000"/>
+              </a:lnSpc>
+              <a:buNone/>
+            </a:pPr>
+            <a:endParaRPr b="0" lang="pt-BR" sz="1600" spc="-1" strike="noStrike">
+              <a:latin typeface="Arial"/>
+            </a:endParaRPr>
+          </a:p>
+          <a:p>
+            <a:pPr>
+              <a:lnSpc>
+                <a:spcPct val="100000"/>
+              </a:lnSpc>
+              <a:buNone/>
+            </a:pPr>
+            <a:endParaRPr b="0" lang="pt-BR" sz="2000" spc="-1" strike="noStrike">
+              <a:latin typeface="Arial"/>
+            </a:endParaRPr>
+          </a:p>
+          <a:p>
+            <a:pPr>
+              <a:lnSpc>
+                <a:spcPct val="100000"/>
+              </a:lnSpc>
+              <a:buNone/>
+            </a:pPr>
+            <a:endParaRPr b="0" lang="pt-BR" sz="2000" spc="-1" strike="noStrike">
+              <a:latin typeface="Arial"/>
+            </a:endParaRPr>
+          </a:p>
+          <a:p>
+            <a:pPr>
+              <a:lnSpc>
+                <a:spcPct val="100000"/>
+              </a:lnSpc>
+              <a:buNone/>
+            </a:pPr>
+            <a:endParaRPr b="0" lang="pt-BR" sz="2000" spc="-1" strike="noStrike">
+              <a:latin typeface="Arial"/>
+            </a:endParaRPr>
+          </a:p>
+          <a:p>
+            <a:pPr>
+              <a:lnSpc>
+                <a:spcPct val="100000"/>
+              </a:lnSpc>
+              <a:buNone/>
+            </a:pPr>
+            <a:endParaRPr b="0" lang="pt-BR" sz="2000" spc="-1" strike="noStrike">
+              <a:latin typeface="Arial"/>
+            </a:endParaRPr>
+          </a:p>
+          <a:p>
+            <a:pPr>
+              <a:lnSpc>
+                <a:spcPct val="100000"/>
+              </a:lnSpc>
+              <a:buNone/>
+            </a:pPr>
+            <a:endParaRPr b="0" lang="pt-BR" sz="2000" spc="-1" strike="noStrike">
+              <a:latin typeface="Arial"/>
+            </a:endParaRPr>
+          </a:p>
+          <a:p>
+            <a:pPr>
+              <a:lnSpc>
+                <a:spcPct val="100000"/>
+              </a:lnSpc>
+              <a:buNone/>
+            </a:pPr>
+            <a:endParaRPr b="0" lang="pt-BR" sz="2000" spc="-1" strike="noStrike">
+              <a:latin typeface="Arial"/>
+            </a:endParaRPr>
+          </a:p>
+          <a:p>
+            <a:pPr>
+              <a:lnSpc>
+                <a:spcPct val="100000"/>
+              </a:lnSpc>
+              <a:buNone/>
+            </a:pPr>
+            <a:endParaRPr b="0" lang="pt-BR" sz="2000" spc="-1" strike="noStrike">
+              <a:latin typeface="Arial"/>
+            </a:endParaRPr>
+          </a:p>
+          <a:p>
+            <a:pPr>
+              <a:lnSpc>
+                <a:spcPct val="100000"/>
+              </a:lnSpc>
+              <a:buNone/>
+            </a:pPr>
+            <a:endParaRPr b="0" lang="pt-BR" sz="2000" spc="-1" strike="noStrike">
+              <a:latin typeface="Arial"/>
+            </a:endParaRPr>
+          </a:p>
+          <a:p>
+            <a:pPr>
+              <a:lnSpc>
+                <a:spcPct val="100000"/>
+              </a:lnSpc>
+              <a:buNone/>
+            </a:pPr>
+            <a:endParaRPr b="0" lang="pt-BR" sz="2000" spc="-1" strike="noStrike">
+              <a:latin typeface="Arial"/>
+            </a:endParaRPr>
+          </a:p>
+          <a:p>
+            <a:pPr>
+              <a:lnSpc>
+                <a:spcPct val="100000"/>
+              </a:lnSpc>
+              <a:buNone/>
+            </a:pPr>
+            <a:endParaRPr b="0" lang="pt-BR" sz="2000" spc="-1" strike="noStrike">
+              <a:latin typeface="Arial"/>
+            </a:endParaRPr>
+          </a:p>
+          <a:p>
+            <a:pPr>
+              <a:lnSpc>
+                <a:spcPct val="100000"/>
+              </a:lnSpc>
+              <a:buNone/>
+            </a:pPr>
+            <a:endParaRPr b="0" lang="pt-BR" sz="2000" spc="-1" strike="noStrike">
+              <a:latin typeface="Arial"/>
+            </a:endParaRPr>
+          </a:p>
+          <a:p>
+            <a:pPr>
+              <a:lnSpc>
+                <a:spcPct val="100000"/>
+              </a:lnSpc>
+              <a:buNone/>
+            </a:pPr>
+            <a:endParaRPr b="0" lang="pt-BR" sz="2000" spc="-1" strike="noStrike">
+              <a:latin typeface="Arial"/>
+            </a:endParaRPr>
+          </a:p>
+          <a:p>
+            <a:pPr>
+              <a:lnSpc>
+                <a:spcPct val="100000"/>
+              </a:lnSpc>
+              <a:buNone/>
+            </a:pPr>
+            <a:endParaRPr b="0" lang="pt-BR" sz="1600" spc="-1" strike="noStrike">
+              <a:latin typeface="Arial"/>
+            </a:endParaRPr>
+          </a:p>
+          <a:p>
+            <a:pPr>
+              <a:lnSpc>
+                <a:spcPct val="100000"/>
+              </a:lnSpc>
+              <a:buNone/>
+            </a:pPr>
+            <a:endParaRPr b="0" lang="pt-BR" sz="2000" spc="-1" strike="noStrike">
+              <a:latin typeface="Arial"/>
+            </a:endParaRPr>
+          </a:p>
+          <a:p>
+            <a:pPr>
+              <a:lnSpc>
+                <a:spcPct val="100000"/>
+              </a:lnSpc>
+              <a:buNone/>
+            </a:pPr>
+            <a:endParaRPr b="0" lang="pt-BR" sz="2000" spc="-1" strike="noStrike">
+              <a:latin typeface="Arial"/>
+            </a:endParaRPr>
+          </a:p>
+          <a:p>
+            <a:pPr>
+              <a:lnSpc>
+                <a:spcPct val="100000"/>
+              </a:lnSpc>
+              <a:buNone/>
+            </a:pPr>
+            <a:endParaRPr b="0" lang="pt-BR" sz="2000" spc="-1" strike="noStrike">
+              <a:latin typeface="Arial"/>
+            </a:endParaRPr>
+          </a:p>
+          <a:p>
+            <a:pPr>
+              <a:lnSpc>
+                <a:spcPct val="100000"/>
+              </a:lnSpc>
+              <a:buNone/>
+            </a:pPr>
+            <a:endParaRPr b="0" lang="pt-BR" sz="2000" spc="-1" strike="noStrike">
+              <a:latin typeface="Arial"/>
+            </a:endParaRPr>
+          </a:p>
+          <a:p>
+            <a:pPr>
+              <a:lnSpc>
+                <a:spcPct val="100000"/>
+              </a:lnSpc>
+              <a:buNone/>
+            </a:pPr>
+            <a:endParaRPr b="0" lang="pt-BR" sz="2000" spc="-1" strike="noStrike">
+              <a:latin typeface="Arial"/>
+            </a:endParaRPr>
+          </a:p>
+          <a:p>
+            <a:pPr>
+              <a:lnSpc>
+                <a:spcPct val="100000"/>
+              </a:lnSpc>
+              <a:buNone/>
+            </a:pPr>
+            <a:endParaRPr b="0" lang="pt-BR" sz="2000" spc="-1" strike="noStrike">
+              <a:latin typeface="Arial"/>
+            </a:endParaRPr>
+          </a:p>
+          <a:p>
+            <a:pPr>
+              <a:lnSpc>
+                <a:spcPct val="100000"/>
+              </a:lnSpc>
+              <a:buNone/>
+            </a:pPr>
+            <a:endParaRPr b="0" lang="pt-BR" sz="2000" spc="-1" strike="noStrike">
+              <a:latin typeface="Arial"/>
+            </a:endParaRPr>
+          </a:p>
+          <a:p>
+            <a:pPr>
+              <a:lnSpc>
+                <a:spcPct val="100000"/>
+              </a:lnSpc>
+              <a:buNone/>
+            </a:pPr>
+            <a:endParaRPr b="0" lang="pt-BR" sz="2000" spc="-1" strike="noStrike">
+              <a:latin typeface="Arial"/>
+            </a:endParaRPr>
+          </a:p>
+          <a:p>
+            <a:pPr>
+              <a:lnSpc>
+                <a:spcPct val="100000"/>
+              </a:lnSpc>
+              <a:buNone/>
+            </a:pPr>
+            <a:endParaRPr b="0" lang="pt-BR" sz="2000" spc="-1" strike="noStrike">
+              <a:latin typeface="Arial"/>
+            </a:endParaRPr>
+          </a:p>
+          <a:p>
+            <a:pPr marL="216000" indent="-216000">
+              <a:lnSpc>
+                <a:spcPct val="100000"/>
+              </a:lnSpc>
+              <a:buNone/>
+              <a:tabLst>
+                <a:tab algn="l" pos="0"/>
+              </a:tabLst>
+            </a:pPr>
+            <a:r>
+              <a:rPr b="0" lang="pt-BR" sz="2000" spc="-1" strike="noStrike">
+                <a:solidFill>
+                  <a:srgbClr val="1c1c1c"/>
+                </a:solidFill>
+                <a:latin typeface="Latin Modern Sans"/>
+                <a:ea typeface="DejaVu Sans"/>
+              </a:rPr>
+              <a:t> </a:t>
+            </a:r>
+            <a:endParaRPr b="0" lang="pt-BR" sz="2000" spc="-1" strike="noStrike">
+              <a:latin typeface="Arial"/>
+            </a:endParaRPr>
+          </a:p>
+          <a:p>
+            <a:pPr marL="216000" indent="-216000">
+              <a:lnSpc>
+                <a:spcPct val="100000"/>
+              </a:lnSpc>
+              <a:buNone/>
+              <a:tabLst>
+                <a:tab algn="l" pos="0"/>
+              </a:tabLst>
+            </a:pPr>
+            <a:endParaRPr b="0" lang="pt-BR" sz="2000" spc="-1" strike="noStrike">
+              <a:latin typeface="Arial"/>
+            </a:endParaRPr>
+          </a:p>
+          <a:p>
+            <a:pPr marL="216000" indent="-216000">
+              <a:lnSpc>
+                <a:spcPct val="100000"/>
+              </a:lnSpc>
+              <a:buNone/>
+              <a:tabLst>
+                <a:tab algn="l" pos="0"/>
+              </a:tabLst>
+            </a:pPr>
+            <a:endParaRPr b="0" lang="pt-BR" sz="2000" spc="-1" strike="noStrike">
+              <a:latin typeface="Arial"/>
+            </a:endParaRPr>
+          </a:p>
+          <a:p>
+            <a:pPr marL="216000" indent="-216000">
+              <a:lnSpc>
+                <a:spcPct val="100000"/>
+              </a:lnSpc>
+              <a:buNone/>
+              <a:tabLst>
+                <a:tab algn="l" pos="0"/>
+              </a:tabLst>
+            </a:pPr>
+            <a:endParaRPr b="0" lang="pt-BR" sz="2000" spc="-1" strike="noStrike">
+              <a:latin typeface="Arial"/>
+            </a:endParaRPr>
+          </a:p>
+        </p:txBody>
+      </p:sp>
+      <p:pic>
+        <p:nvPicPr>
+          <p:cNvPr id="133" name="" descr=""/>
+          <p:cNvPicPr/>
+          <p:nvPr/>
+        </p:nvPicPr>
+        <p:blipFill>
+          <a:blip r:embed="rId1"/>
+          <a:stretch/>
+        </p:blipFill>
+        <p:spPr>
+          <a:xfrm>
             <a:off x="1397520" y="2413080"/>
-            <a:ext cx="6985080" cy="4114800"/>
+            <a:ext cx="6984720" cy="4114440"/>
+          </a:xfrm>
+          <a:prstGeom prst="rect">
+            <a:avLst/>
+          </a:prstGeom>
+          <a:ln w="0">
+            <a:noFill/>
+          </a:ln>
+        </p:spPr>
+      </p:pic>
+      <p:pic>
+        <p:nvPicPr>
+          <p:cNvPr id="134" name="" descr=""/>
+          <p:cNvPicPr/>
+          <p:nvPr/>
+        </p:nvPicPr>
+        <p:blipFill>
+          <a:blip r:embed="rId2"/>
+          <a:stretch/>
+        </p:blipFill>
+        <p:spPr>
+          <a:xfrm>
+            <a:off x="1397520" y="2413440"/>
+            <a:ext cx="6984720" cy="4114440"/>
+          </a:xfrm>
+          <a:prstGeom prst="rect">
+            <a:avLst/>
+          </a:prstGeom>
+          <a:ln w="0">
+            <a:noFill/>
+          </a:ln>
+        </p:spPr>
+      </p:pic>
+    </p:spTree>
+  </p:cSld>
+  <mc:AlternateContent>
+    <mc:Choice Requires="p14">
+      <p:transition spd="slow" p14:dur="2000"/>
+    </mc:Choice>
+    <mc:Fallback>
+      <p:transition spd="slow"/>
+    </mc:Fallback>
+  </mc:AlternateContent>
+</p:sld>
+</file>
+
+<file path=ppt/slides/slide9.xml><?xml version="1.0" encoding="utf-8"?>
+<p:sld xmlns:a="http://schemas.openxmlformats.org/drawingml/2006/main" xmlns:p="http://schemas.openxmlformats.org/presentationml/2006/main" xmlns:r="http://schemas.openxmlformats.org/officeDocument/2006/relationships" xmlns:p14="http://schemas.microsoft.com/office/powerpoint/2010/main" xmlns:p15="http://schemas.microsoft.com/office/powerpoint/2012/main" xmlns:mc="http://schemas.openxmlformats.org/markup-compatibility/2006">
+  <p:cSld>
+    <p:spTree>
+      <p:nvGrpSpPr>
+        <p:cNvPr id="1" name=""/>
+        <p:cNvGrpSpPr/>
+        <p:nvPr/>
+      </p:nvGrpSpPr>
+      <p:grpSpPr>
+        <a:xfrm>
+          <a:off x="0" y="0"/>
+          <a:ext cx="0" cy="0"/>
+          <a:chOff x="0" y="0"/>
+          <a:chExt cx="0" cy="0"/>
+        </a:xfrm>
+      </p:grpSpPr>
+      <p:sp>
+        <p:nvSpPr>
+          <p:cNvPr id="135" name="CustomShape 25"/>
+          <p:cNvSpPr/>
+          <p:nvPr/>
+        </p:nvSpPr>
+        <p:spPr>
+          <a:xfrm>
+            <a:off x="360000" y="360000"/>
+            <a:ext cx="9350280" cy="890280"/>
+          </a:xfrm>
+          <a:prstGeom prst="rect">
+            <a:avLst/>
+          </a:prstGeom>
+          <a:noFill/>
+          <a:ln w="0">
+            <a:noFill/>
+          </a:ln>
+        </p:spPr>
+        <p:style>
+          <a:lnRef idx="0"/>
+          <a:fillRef idx="0"/>
+          <a:effectRef idx="0"/>
+          <a:fontRef idx="minor"/>
+        </p:style>
+        <p:txBody>
+          <a:bodyPr lIns="0" rIns="0" tIns="0" bIns="0" anchor="b">
+            <a:noAutofit/>
+          </a:bodyPr>
+          <a:p>
+            <a:pPr>
+              <a:lnSpc>
+                <a:spcPct val="100000"/>
+              </a:lnSpc>
+              <a:buNone/>
+            </a:pPr>
+            <a:r>
+              <a:rPr b="1" lang="pt-BR" sz="2600" spc="-1" strike="noStrike">
+                <a:solidFill>
+                  <a:srgbClr val="ffffff"/>
+                </a:solidFill>
+                <a:latin typeface="Source Sans Pro Black"/>
+                <a:ea typeface="DejaVu Sans"/>
+              </a:rPr>
+              <a:t>Bagging</a:t>
+            </a:r>
+            <a:endParaRPr b="0" lang="pt-BR" sz="2600" spc="-1" strike="noStrike">
+              <a:latin typeface="Arial"/>
+            </a:endParaRPr>
+          </a:p>
+        </p:txBody>
+      </p:sp>
+      <p:sp>
+        <p:nvSpPr>
+          <p:cNvPr id="136" name="CustomShape 26"/>
+          <p:cNvSpPr/>
+          <p:nvPr/>
+        </p:nvSpPr>
+        <p:spPr>
+          <a:xfrm>
+            <a:off x="360000" y="1980000"/>
+            <a:ext cx="9295560" cy="4670280"/>
+          </a:xfrm>
+          <a:prstGeom prst="rect">
+            <a:avLst/>
+          </a:prstGeom>
+          <a:noFill/>
+          <a:ln w="0">
+            <a:noFill/>
+          </a:ln>
+        </p:spPr>
+        <p:style>
+          <a:lnRef idx="0"/>
+          <a:fillRef idx="0"/>
+          <a:effectRef idx="0"/>
+          <a:fontRef idx="minor"/>
+        </p:style>
+        <p:txBody>
+          <a:bodyPr lIns="0" rIns="0" tIns="0" bIns="0" anchor="t">
+            <a:normAutofit/>
+          </a:bodyPr>
+          <a:p>
+            <a:pPr>
+              <a:lnSpc>
+                <a:spcPct val="100000"/>
+              </a:lnSpc>
+              <a:spcAft>
+                <a:spcPts val="1140"/>
+              </a:spcAft>
+              <a:buNone/>
+            </a:pPr>
+            <a:endParaRPr b="0" lang="pt-BR" sz="1600" spc="-1" strike="noStrike">
+              <a:latin typeface="Arial"/>
+            </a:endParaRPr>
+          </a:p>
+          <a:p>
+            <a:pPr>
+              <a:lnSpc>
+                <a:spcPct val="100000"/>
+              </a:lnSpc>
+              <a:spcAft>
+                <a:spcPts val="1140"/>
+              </a:spcAft>
+              <a:buNone/>
+            </a:pPr>
+            <a:endParaRPr b="0" lang="pt-BR" sz="2000" spc="-1" strike="noStrike">
+              <a:latin typeface="Arial"/>
+            </a:endParaRPr>
+          </a:p>
+        </p:txBody>
+      </p:sp>
+      <p:sp>
+        <p:nvSpPr>
+          <p:cNvPr id="137" name="CustomShape 27"/>
+          <p:cNvSpPr/>
+          <p:nvPr/>
+        </p:nvSpPr>
+        <p:spPr>
+          <a:xfrm>
+            <a:off x="897120" y="6886080"/>
+            <a:ext cx="6437520" cy="355320"/>
+          </a:xfrm>
+          <a:prstGeom prst="rect">
+            <a:avLst/>
+          </a:prstGeom>
+          <a:noFill/>
+          <a:ln w="0">
+            <a:noFill/>
+          </a:ln>
+        </p:spPr>
+        <p:style>
+          <a:lnRef idx="0"/>
+          <a:fillRef idx="0"/>
+          <a:effectRef idx="0"/>
+          <a:fontRef idx="minor"/>
+        </p:style>
+        <p:txBody>
+          <a:bodyPr lIns="90000" rIns="90000" tIns="45000" bIns="45000" anchor="t">
+            <a:noAutofit/>
+          </a:bodyPr>
+          <a:p>
+            <a:pPr>
+              <a:lnSpc>
+                <a:spcPct val="100000"/>
+              </a:lnSpc>
+              <a:buNone/>
+            </a:pPr>
+            <a:r>
+              <a:rPr b="0" lang="pt-BR" sz="1800" spc="-1" strike="noStrike">
+                <a:solidFill>
+                  <a:srgbClr val="000000"/>
+                </a:solidFill>
+                <a:latin typeface="Arial"/>
+                <a:ea typeface="DejaVu Sans"/>
+              </a:rPr>
+              <a:t>Aprendizado de Máquina - Prof. André Hochuli</a:t>
+            </a:r>
+            <a:endParaRPr b="0" lang="pt-BR" sz="1800" spc="-1" strike="noStrike">
+              <a:latin typeface="Arial"/>
+            </a:endParaRPr>
+          </a:p>
+        </p:txBody>
+      </p:sp>
+      <p:sp>
+        <p:nvSpPr>
+          <p:cNvPr id="138" name="CustomShape 28"/>
+          <p:cNvSpPr/>
+          <p:nvPr/>
+        </p:nvSpPr>
+        <p:spPr>
+          <a:xfrm>
+            <a:off x="7608600" y="6886080"/>
+            <a:ext cx="2275560" cy="355320"/>
+          </a:xfrm>
+          <a:prstGeom prst="rect">
+            <a:avLst/>
+          </a:prstGeom>
+          <a:noFill/>
+          <a:ln w="0">
+            <a:noFill/>
+          </a:ln>
+        </p:spPr>
+        <p:style>
+          <a:lnRef idx="0"/>
+          <a:fillRef idx="0"/>
+          <a:effectRef idx="0"/>
+          <a:fontRef idx="minor"/>
+        </p:style>
+        <p:txBody>
+          <a:bodyPr lIns="90000" rIns="90000" tIns="45000" bIns="45000" anchor="t">
+            <a:noAutofit/>
+          </a:bodyPr>
+          <a:p>
+            <a:pPr>
+              <a:lnSpc>
+                <a:spcPct val="100000"/>
+              </a:lnSpc>
+              <a:buNone/>
+            </a:pPr>
+            <a:r>
+              <a:rPr b="0" lang="pt-BR" sz="1800" spc="-1" strike="noStrike">
+                <a:solidFill>
+                  <a:srgbClr val="000000"/>
+                </a:solidFill>
+                <a:latin typeface="Arial"/>
+                <a:ea typeface="DejaVu Sans"/>
+              </a:rPr>
+              <a:t>Combinação</a:t>
+            </a:r>
+            <a:endParaRPr b="0" lang="pt-BR" sz="1800" spc="-1" strike="noStrike">
+              <a:latin typeface="Arial"/>
+            </a:endParaRPr>
+          </a:p>
+        </p:txBody>
+      </p:sp>
+      <p:sp>
+        <p:nvSpPr>
+          <p:cNvPr id="139" name=""/>
+          <p:cNvSpPr/>
+          <p:nvPr/>
+        </p:nvSpPr>
+        <p:spPr>
+          <a:xfrm>
+            <a:off x="342360" y="1529280"/>
+            <a:ext cx="6521040" cy="5360040"/>
+          </a:xfrm>
+          <a:prstGeom prst="rect">
+            <a:avLst/>
+          </a:prstGeom>
+          <a:noFill/>
+          <a:ln w="0">
+            <a:noFill/>
+          </a:ln>
+        </p:spPr>
+        <p:style>
+          <a:lnRef idx="0"/>
+          <a:fillRef idx="0"/>
+          <a:effectRef idx="0"/>
+          <a:fontRef idx="minor"/>
+        </p:style>
+        <p:txBody>
+          <a:bodyPr lIns="90000" rIns="90000" tIns="45000" bIns="45000" anchor="t">
+            <a:noAutofit/>
+          </a:bodyPr>
+          <a:p>
+            <a:pPr>
+              <a:lnSpc>
+                <a:spcPct val="100000"/>
+              </a:lnSpc>
+              <a:buNone/>
+            </a:pPr>
+            <a:endParaRPr b="0" lang="pt-BR" sz="2000" spc="-1" strike="noStrike">
+              <a:latin typeface="Arial"/>
+            </a:endParaRPr>
+          </a:p>
+          <a:p>
+            <a:pPr marL="216000" indent="-216000">
+              <a:lnSpc>
+                <a:spcPct val="150000"/>
+              </a:lnSpc>
+              <a:buClr>
+                <a:srgbClr val="000000"/>
+              </a:buClr>
+              <a:buSzPct val="45000"/>
+              <a:buFont typeface="Wingdings" charset="2"/>
+              <a:buChar char=""/>
+            </a:pPr>
+            <a:r>
+              <a:rPr b="0" lang="pt-BR" sz="1600" spc="-1" strike="noStrike">
+                <a:solidFill>
+                  <a:srgbClr val="1c1c1c"/>
+                </a:solidFill>
+                <a:latin typeface="Latin Modern Sans"/>
+                <a:ea typeface="DejaVu Sans"/>
+              </a:rPr>
+              <a:t>Nível de Dados: (Boostrap Aggregating) </a:t>
+            </a:r>
+            <a:endParaRPr b="0" lang="pt-BR" sz="1600" spc="-1" strike="noStrike">
+              <a:latin typeface="Arial"/>
+            </a:endParaRPr>
+          </a:p>
+          <a:p>
+            <a:pPr lvl="1" marL="432000" indent="-216000">
+              <a:lnSpc>
+                <a:spcPct val="150000"/>
+              </a:lnSpc>
+              <a:buClr>
+                <a:srgbClr val="000000"/>
+              </a:buClr>
+              <a:buSzPct val="45000"/>
+              <a:buFont typeface="Wingdings" charset="2"/>
+              <a:buChar char=""/>
+            </a:pPr>
+            <a:r>
+              <a:rPr b="0" lang="pt-BR" sz="1600" spc="-1" strike="noStrike">
+                <a:solidFill>
+                  <a:srgbClr val="1c1c1c"/>
+                </a:solidFill>
+                <a:latin typeface="Latin Modern Sans"/>
+                <a:ea typeface="DejaVu Sans"/>
+              </a:rPr>
+              <a:t>K subsets em nível de instâncias </a:t>
+            </a:r>
+            <a:endParaRPr b="0" lang="pt-BR" sz="1600" spc="-1" strike="noStrike">
+              <a:latin typeface="Arial"/>
+            </a:endParaRPr>
+          </a:p>
+          <a:p>
+            <a:pPr lvl="1" marL="432000" indent="-216000">
+              <a:lnSpc>
+                <a:spcPct val="150000"/>
+              </a:lnSpc>
+              <a:buClr>
+                <a:srgbClr val="000000"/>
+              </a:buClr>
+              <a:buSzPct val="45000"/>
+              <a:buFont typeface="Wingdings" charset="2"/>
+              <a:buChar char=""/>
+            </a:pPr>
+            <a:r>
+              <a:rPr b="0" lang="pt-BR" sz="1600" spc="-1" strike="noStrike">
+                <a:solidFill>
+                  <a:srgbClr val="1c1c1c"/>
+                </a:solidFill>
+                <a:latin typeface="Latin Modern Sans"/>
+                <a:ea typeface="DejaVu Sans"/>
+              </a:rPr>
+              <a:t>K classificadores</a:t>
+            </a:r>
+            <a:endParaRPr b="0" lang="pt-BR" sz="1600" spc="-1" strike="noStrike">
+              <a:latin typeface="Arial"/>
+            </a:endParaRPr>
+          </a:p>
+          <a:p>
+            <a:pPr marL="216000" indent="-216000">
+              <a:lnSpc>
+                <a:spcPct val="150000"/>
+              </a:lnSpc>
+              <a:buClr>
+                <a:srgbClr val="000000"/>
+              </a:buClr>
+              <a:buSzPct val="45000"/>
+              <a:buFont typeface="Wingdings" charset="2"/>
+              <a:buChar char=""/>
+            </a:pPr>
+            <a:r>
+              <a:rPr b="0" lang="pt-BR" sz="1600" spc="-1" strike="noStrike">
+                <a:solidFill>
+                  <a:srgbClr val="1c1c1c"/>
+                </a:solidFill>
+                <a:latin typeface="Latin Modern Sans"/>
+                <a:ea typeface="DejaVu Sans"/>
+              </a:rPr>
+              <a:t>Diversidade é gerada a partir das distintas instâncias</a:t>
+            </a:r>
+            <a:endParaRPr b="0" lang="pt-BR" sz="1600" spc="-1" strike="noStrike">
+              <a:latin typeface="Arial"/>
+            </a:endParaRPr>
+          </a:p>
+          <a:p>
+            <a:pPr marL="216000" indent="-216000">
+              <a:lnSpc>
+                <a:spcPct val="150000"/>
+              </a:lnSpc>
+              <a:buClr>
+                <a:srgbClr val="000000"/>
+              </a:buClr>
+              <a:buSzPct val="45000"/>
+              <a:buFont typeface="Wingdings" charset="2"/>
+              <a:buChar char=""/>
+            </a:pPr>
+            <a:endParaRPr b="0" lang="pt-BR" sz="1600" spc="-1" strike="noStrike">
+              <a:latin typeface="Arial"/>
+            </a:endParaRPr>
+          </a:p>
+          <a:p>
+            <a:pPr marL="216000" indent="-216000">
+              <a:lnSpc>
+                <a:spcPct val="150000"/>
+              </a:lnSpc>
+              <a:buClr>
+                <a:srgbClr val="000000"/>
+              </a:buClr>
+              <a:buSzPct val="45000"/>
+              <a:buFont typeface="Wingdings" charset="2"/>
+              <a:buChar char=""/>
+            </a:pPr>
+            <a:endParaRPr b="0" lang="pt-BR" sz="1600" spc="-1" strike="noStrike">
+              <a:latin typeface="Arial"/>
+            </a:endParaRPr>
+          </a:p>
+          <a:p>
+            <a:pPr marL="216000" indent="-216000">
+              <a:lnSpc>
+                <a:spcPct val="150000"/>
+              </a:lnSpc>
+              <a:buClr>
+                <a:srgbClr val="000000"/>
+              </a:buClr>
+              <a:buSzPct val="45000"/>
+              <a:buFont typeface="Wingdings" charset="2"/>
+              <a:buChar char=""/>
+            </a:pPr>
+            <a:endParaRPr b="0" lang="pt-BR" sz="1600" spc="-1" strike="noStrike">
+              <a:latin typeface="Arial"/>
+            </a:endParaRPr>
+          </a:p>
+          <a:p>
+            <a:pPr marL="216000" indent="-216000">
+              <a:lnSpc>
+                <a:spcPct val="150000"/>
+              </a:lnSpc>
+              <a:buClr>
+                <a:srgbClr val="000000"/>
+              </a:buClr>
+              <a:buSzPct val="45000"/>
+              <a:buFont typeface="Wingdings" charset="2"/>
+              <a:buChar char=""/>
+            </a:pPr>
+            <a:endParaRPr b="0" lang="pt-BR" sz="1600" spc="-1" strike="noStrike">
+              <a:latin typeface="Arial"/>
+            </a:endParaRPr>
+          </a:p>
+          <a:p>
+            <a:pPr lvl="1" marL="432000" indent="-216000">
+              <a:lnSpc>
+                <a:spcPct val="150000"/>
+              </a:lnSpc>
+              <a:buClr>
+                <a:srgbClr val="000000"/>
+              </a:buClr>
+              <a:buSzPct val="45000"/>
+              <a:buFont typeface="Wingdings" charset="2"/>
+              <a:buChar char=""/>
+            </a:pPr>
+            <a:endParaRPr b="0" lang="pt-BR" sz="1600" spc="-1" strike="noStrike">
+              <a:latin typeface="Arial"/>
+            </a:endParaRPr>
+          </a:p>
+          <a:p>
+            <a:pPr marL="216000" indent="-216000">
+              <a:lnSpc>
+                <a:spcPct val="150000"/>
+              </a:lnSpc>
+              <a:buClr>
+                <a:srgbClr val="000000"/>
+              </a:buClr>
+              <a:buSzPct val="45000"/>
+              <a:buFont typeface="Wingdings" charset="2"/>
+              <a:buChar char=""/>
+            </a:pPr>
+            <a:endParaRPr b="0" lang="pt-BR" sz="1600" spc="-1" strike="noStrike">
+              <a:latin typeface="Arial"/>
+            </a:endParaRPr>
+          </a:p>
+          <a:p>
+            <a:pPr lvl="1" marL="432000" indent="-216000">
+              <a:lnSpc>
+                <a:spcPct val="150000"/>
+              </a:lnSpc>
+              <a:buClr>
+                <a:srgbClr val="000000"/>
+              </a:buClr>
+              <a:buSzPct val="45000"/>
+              <a:buFont typeface="Wingdings" charset="2"/>
+              <a:buChar char=""/>
+            </a:pPr>
+            <a:endParaRPr b="0" lang="pt-BR" sz="1600" spc="-1" strike="noStrike">
+              <a:latin typeface="Arial"/>
+            </a:endParaRPr>
+          </a:p>
+          <a:p>
+            <a:pPr>
+              <a:lnSpc>
+                <a:spcPct val="150000"/>
+              </a:lnSpc>
+              <a:buNone/>
+            </a:pPr>
+            <a:endParaRPr b="0" lang="pt-BR" sz="1600" spc="-1" strike="noStrike">
+              <a:latin typeface="Arial"/>
+            </a:endParaRPr>
+          </a:p>
+          <a:p>
+            <a:pPr>
+              <a:lnSpc>
+                <a:spcPct val="150000"/>
+              </a:lnSpc>
+              <a:buNone/>
+            </a:pPr>
+            <a:endParaRPr b="0" lang="pt-BR" sz="1600" spc="-1" strike="noStrike">
+              <a:latin typeface="Arial"/>
+            </a:endParaRPr>
+          </a:p>
+          <a:p>
+            <a:pPr>
+              <a:lnSpc>
+                <a:spcPct val="100000"/>
+              </a:lnSpc>
+              <a:buNone/>
+            </a:pPr>
+            <a:endParaRPr b="0" lang="pt-BR" sz="1600" spc="-1" strike="noStrike">
+              <a:latin typeface="Arial"/>
+            </a:endParaRPr>
+          </a:p>
+          <a:p>
+            <a:pPr>
+              <a:lnSpc>
+                <a:spcPct val="100000"/>
+              </a:lnSpc>
+              <a:buNone/>
+            </a:pPr>
+            <a:endParaRPr b="0" lang="pt-BR" sz="2000" spc="-1" strike="noStrike">
+              <a:latin typeface="Arial"/>
+            </a:endParaRPr>
+          </a:p>
+          <a:p>
+            <a:pPr>
+              <a:lnSpc>
+                <a:spcPct val="100000"/>
+              </a:lnSpc>
+              <a:buNone/>
+            </a:pPr>
+            <a:endParaRPr b="0" lang="pt-BR" sz="2000" spc="-1" strike="noStrike">
+              <a:latin typeface="Arial"/>
+            </a:endParaRPr>
+          </a:p>
+          <a:p>
+            <a:pPr>
+              <a:lnSpc>
+                <a:spcPct val="100000"/>
+              </a:lnSpc>
+              <a:buNone/>
+            </a:pPr>
+            <a:endParaRPr b="0" lang="pt-BR" sz="2000" spc="-1" strike="noStrike">
+              <a:latin typeface="Arial"/>
+            </a:endParaRPr>
+          </a:p>
+          <a:p>
+            <a:pPr>
+              <a:lnSpc>
+                <a:spcPct val="100000"/>
+              </a:lnSpc>
+              <a:buNone/>
+            </a:pPr>
+            <a:endParaRPr b="0" lang="pt-BR" sz="2000" spc="-1" strike="noStrike">
+              <a:latin typeface="Arial"/>
+            </a:endParaRPr>
+          </a:p>
+          <a:p>
+            <a:pPr>
+              <a:lnSpc>
+                <a:spcPct val="100000"/>
+              </a:lnSpc>
+              <a:buNone/>
+            </a:pPr>
+            <a:endParaRPr b="0" lang="pt-BR" sz="2000" spc="-1" strike="noStrike">
+              <a:latin typeface="Arial"/>
+            </a:endParaRPr>
+          </a:p>
+          <a:p>
+            <a:pPr>
+              <a:lnSpc>
+                <a:spcPct val="100000"/>
+              </a:lnSpc>
+              <a:buNone/>
+            </a:pPr>
+            <a:endParaRPr b="0" lang="pt-BR" sz="2000" spc="-1" strike="noStrike">
+              <a:latin typeface="Arial"/>
+            </a:endParaRPr>
+          </a:p>
+          <a:p>
+            <a:pPr>
+              <a:lnSpc>
+                <a:spcPct val="100000"/>
+              </a:lnSpc>
+              <a:buNone/>
+            </a:pPr>
+            <a:endParaRPr b="0" lang="pt-BR" sz="2000" spc="-1" strike="noStrike">
+              <a:latin typeface="Arial"/>
+            </a:endParaRPr>
+          </a:p>
+          <a:p>
+            <a:pPr>
+              <a:lnSpc>
+                <a:spcPct val="100000"/>
+              </a:lnSpc>
+              <a:buNone/>
+            </a:pPr>
+            <a:endParaRPr b="0" lang="pt-BR" sz="2000" spc="-1" strike="noStrike">
+              <a:latin typeface="Arial"/>
+            </a:endParaRPr>
+          </a:p>
+          <a:p>
+            <a:pPr>
+              <a:lnSpc>
+                <a:spcPct val="100000"/>
+              </a:lnSpc>
+              <a:buNone/>
+            </a:pPr>
+            <a:endParaRPr b="0" lang="pt-BR" sz="2000" spc="-1" strike="noStrike">
+              <a:latin typeface="Arial"/>
+            </a:endParaRPr>
+          </a:p>
+          <a:p>
+            <a:pPr>
+              <a:lnSpc>
+                <a:spcPct val="100000"/>
+              </a:lnSpc>
+              <a:buNone/>
+            </a:pPr>
+            <a:endParaRPr b="0" lang="pt-BR" sz="2000" spc="-1" strike="noStrike">
+              <a:latin typeface="Arial"/>
+            </a:endParaRPr>
+          </a:p>
+          <a:p>
+            <a:pPr>
+              <a:lnSpc>
+                <a:spcPct val="100000"/>
+              </a:lnSpc>
+              <a:buNone/>
+            </a:pPr>
+            <a:endParaRPr b="0" lang="pt-BR" sz="2000" spc="-1" strike="noStrike">
+              <a:latin typeface="Arial"/>
+            </a:endParaRPr>
+          </a:p>
+          <a:p>
+            <a:pPr>
+              <a:lnSpc>
+                <a:spcPct val="100000"/>
+              </a:lnSpc>
+              <a:buNone/>
+            </a:pPr>
+            <a:endParaRPr b="0" lang="pt-BR" sz="2000" spc="-1" strike="noStrike">
+              <a:latin typeface="Arial"/>
+            </a:endParaRPr>
+          </a:p>
+          <a:p>
+            <a:pPr>
+              <a:lnSpc>
+                <a:spcPct val="100000"/>
+              </a:lnSpc>
+              <a:buNone/>
+            </a:pPr>
+            <a:endParaRPr b="0" lang="pt-BR" sz="1600" spc="-1" strike="noStrike">
+              <a:latin typeface="Arial"/>
+            </a:endParaRPr>
+          </a:p>
+          <a:p>
+            <a:pPr>
+              <a:lnSpc>
+                <a:spcPct val="100000"/>
+              </a:lnSpc>
+              <a:buNone/>
+            </a:pPr>
+            <a:endParaRPr b="0" lang="pt-BR" sz="2000" spc="-1" strike="noStrike">
+              <a:latin typeface="Arial"/>
+            </a:endParaRPr>
+          </a:p>
+          <a:p>
+            <a:pPr>
+              <a:lnSpc>
+                <a:spcPct val="100000"/>
+              </a:lnSpc>
+              <a:buNone/>
+            </a:pPr>
+            <a:endParaRPr b="0" lang="pt-BR" sz="2000" spc="-1" strike="noStrike">
+              <a:latin typeface="Arial"/>
+            </a:endParaRPr>
+          </a:p>
+          <a:p>
+            <a:pPr>
+              <a:lnSpc>
+                <a:spcPct val="100000"/>
+              </a:lnSpc>
+              <a:buNone/>
+            </a:pPr>
+            <a:endParaRPr b="0" lang="pt-BR" sz="2000" spc="-1" strike="noStrike">
+              <a:latin typeface="Arial"/>
+            </a:endParaRPr>
+          </a:p>
+          <a:p>
+            <a:pPr>
+              <a:lnSpc>
+                <a:spcPct val="100000"/>
+              </a:lnSpc>
+              <a:buNone/>
+            </a:pPr>
+            <a:endParaRPr b="0" lang="pt-BR" sz="2000" spc="-1" strike="noStrike">
+              <a:latin typeface="Arial"/>
+            </a:endParaRPr>
+          </a:p>
+          <a:p>
+            <a:pPr>
+              <a:lnSpc>
+                <a:spcPct val="100000"/>
+              </a:lnSpc>
+              <a:buNone/>
+            </a:pPr>
+            <a:endParaRPr b="0" lang="pt-BR" sz="2000" spc="-1" strike="noStrike">
+              <a:latin typeface="Arial"/>
+            </a:endParaRPr>
+          </a:p>
+          <a:p>
+            <a:pPr>
+              <a:lnSpc>
+                <a:spcPct val="100000"/>
+              </a:lnSpc>
+              <a:buNone/>
+            </a:pPr>
+            <a:endParaRPr b="0" lang="pt-BR" sz="2000" spc="-1" strike="noStrike">
+              <a:latin typeface="Arial"/>
+            </a:endParaRPr>
+          </a:p>
+          <a:p>
+            <a:pPr>
+              <a:lnSpc>
+                <a:spcPct val="100000"/>
+              </a:lnSpc>
+              <a:buNone/>
+            </a:pPr>
+            <a:endParaRPr b="0" lang="pt-BR" sz="2000" spc="-1" strike="noStrike">
+              <a:latin typeface="Arial"/>
+            </a:endParaRPr>
+          </a:p>
+          <a:p>
+            <a:pPr>
+              <a:lnSpc>
+                <a:spcPct val="100000"/>
+              </a:lnSpc>
+              <a:buNone/>
+            </a:pPr>
+            <a:endParaRPr b="0" lang="pt-BR" sz="2000" spc="-1" strike="noStrike">
+              <a:latin typeface="Arial"/>
+            </a:endParaRPr>
+          </a:p>
+          <a:p>
+            <a:pPr>
+              <a:lnSpc>
+                <a:spcPct val="100000"/>
+              </a:lnSpc>
+              <a:buNone/>
+            </a:pPr>
+            <a:endParaRPr b="0" lang="pt-BR" sz="2000" spc="-1" strike="noStrike">
+              <a:latin typeface="Arial"/>
+            </a:endParaRPr>
+          </a:p>
+          <a:p>
+            <a:pPr marL="216000" indent="-216000">
+              <a:lnSpc>
+                <a:spcPct val="100000"/>
+              </a:lnSpc>
+              <a:buNone/>
+              <a:tabLst>
+                <a:tab algn="l" pos="0"/>
+              </a:tabLst>
+            </a:pPr>
+            <a:r>
+              <a:rPr b="0" lang="pt-BR" sz="2000" spc="-1" strike="noStrike">
+                <a:solidFill>
+                  <a:srgbClr val="1c1c1c"/>
+                </a:solidFill>
+                <a:latin typeface="Latin Modern Sans"/>
+                <a:ea typeface="DejaVu Sans"/>
+              </a:rPr>
+              <a:t> </a:t>
+            </a:r>
+            <a:endParaRPr b="0" lang="pt-BR" sz="2000" spc="-1" strike="noStrike">
+              <a:latin typeface="Arial"/>
+            </a:endParaRPr>
+          </a:p>
+          <a:p>
+            <a:pPr marL="216000" indent="-216000">
+              <a:lnSpc>
+                <a:spcPct val="100000"/>
+              </a:lnSpc>
+              <a:buNone/>
+              <a:tabLst>
+                <a:tab algn="l" pos="0"/>
+              </a:tabLst>
+            </a:pPr>
+            <a:endParaRPr b="0" lang="pt-BR" sz="2000" spc="-1" strike="noStrike">
+              <a:latin typeface="Arial"/>
+            </a:endParaRPr>
+          </a:p>
+          <a:p>
+            <a:pPr marL="216000" indent="-216000">
+              <a:lnSpc>
+                <a:spcPct val="100000"/>
+              </a:lnSpc>
+              <a:buNone/>
+              <a:tabLst>
+                <a:tab algn="l" pos="0"/>
+              </a:tabLst>
+            </a:pPr>
+            <a:endParaRPr b="0" lang="pt-BR" sz="2000" spc="-1" strike="noStrike">
+              <a:latin typeface="Arial"/>
+            </a:endParaRPr>
+          </a:p>
+          <a:p>
+            <a:pPr marL="216000" indent="-216000">
+              <a:lnSpc>
+                <a:spcPct val="100000"/>
+              </a:lnSpc>
+              <a:buNone/>
+              <a:tabLst>
+                <a:tab algn="l" pos="0"/>
+              </a:tabLst>
+            </a:pPr>
+            <a:endParaRPr b="0" lang="pt-BR" sz="2000" spc="-1" strike="noStrike">
+              <a:latin typeface="Arial"/>
+            </a:endParaRPr>
+          </a:p>
+        </p:txBody>
+      </p:sp>
+      <p:pic>
+        <p:nvPicPr>
+          <p:cNvPr id="140" name="" descr=""/>
+          <p:cNvPicPr/>
+          <p:nvPr/>
+        </p:nvPicPr>
+        <p:blipFill>
+          <a:blip r:embed="rId1"/>
+          <a:stretch/>
+        </p:blipFill>
+        <p:spPr>
+          <a:xfrm>
+            <a:off x="4653000" y="3444840"/>
+            <a:ext cx="4253400" cy="3170520"/>
+          </a:xfrm>
+          <a:prstGeom prst="rect">
+            <a:avLst/>
+          </a:prstGeom>
+          <a:ln w="0">
+            <a:noFill/>
+          </a:ln>
+        </p:spPr>
+      </p:pic>
+      <p:pic>
+        <p:nvPicPr>
+          <p:cNvPr id="141" name="" descr=""/>
+          <p:cNvPicPr/>
+          <p:nvPr/>
+        </p:nvPicPr>
+        <p:blipFill>
+          <a:blip r:embed="rId2"/>
+          <a:srcRect l="0" t="0" r="88154" b="0"/>
+          <a:stretch/>
+        </p:blipFill>
+        <p:spPr>
+          <a:xfrm>
+            <a:off x="1693080" y="3801600"/>
+            <a:ext cx="1607760" cy="2273760"/>
           </a:xfrm>
           <a:prstGeom prst="rect">
             <a:avLst/>

--- a/AprendizadoMaquina/Tópico 02 - Aprendizado Supervisionado/Ensembles/Tópico 02 - Aprendizado-Supervisionado - Ensembles.pptx
+++ b/AprendizadoMaquina/Tópico 02 - Aprendizado Supervisionado/Ensembles/Tópico 02 - Aprendizado-Supervisionado - Ensembles.pptx
@@ -304,7 +304,7 @@
             <a:pPr algn="r">
               <a:buNone/>
             </a:pPr>
-            <a:fld id="{DE214F49-9A01-4651-98CA-AD616C6B1043}" type="slidenum">
+            <a:fld id="{158381FE-8851-4B36-A796-4F83A1A22CA0}" type="slidenum">
               <a:rPr b="0" lang="pt-BR" sz="1400" spc="-1" strike="noStrike">
                 <a:latin typeface="Times New Roman"/>
               </a:rPr>
@@ -352,7 +352,7 @@
         <p:spPr>
           <a:xfrm>
             <a:off x="1376280" y="1336680"/>
-            <a:ext cx="4797720" cy="3597480"/>
+            <a:ext cx="4797360" cy="3597120"/>
           </a:xfrm>
           <a:prstGeom prst="rect">
             <a:avLst/>
@@ -375,7 +375,7 @@
         <p:spPr>
           <a:xfrm>
             <a:off x="756000" y="5145120"/>
-            <a:ext cx="6037920" cy="4200120"/>
+            <a:ext cx="6037560" cy="4199760"/>
           </a:xfrm>
           <a:prstGeom prst="rect">
             <a:avLst/>
@@ -405,7 +405,7 @@
         <p:spPr>
           <a:xfrm>
             <a:off x="0" y="10155240"/>
-            <a:ext cx="3266280" cy="526680"/>
+            <a:ext cx="3265920" cy="526320"/>
           </a:xfrm>
           <a:prstGeom prst="rect">
             <a:avLst/>
@@ -483,7 +483,7 @@
         <p:spPr>
           <a:xfrm>
             <a:off x="1376280" y="1336680"/>
-            <a:ext cx="4797720" cy="3597480"/>
+            <a:ext cx="4797360" cy="3597120"/>
           </a:xfrm>
           <a:prstGeom prst="rect">
             <a:avLst/>
@@ -506,7 +506,7 @@
         <p:spPr>
           <a:xfrm>
             <a:off x="756000" y="5145120"/>
-            <a:ext cx="6037920" cy="4200120"/>
+            <a:ext cx="6037560" cy="4199760"/>
           </a:xfrm>
           <a:prstGeom prst="rect">
             <a:avLst/>
@@ -536,7 +536,7 @@
         <p:spPr>
           <a:xfrm>
             <a:off x="0" y="10155240"/>
-            <a:ext cx="3266280" cy="526680"/>
+            <a:ext cx="3265920" cy="526320"/>
           </a:xfrm>
           <a:prstGeom prst="rect">
             <a:avLst/>
@@ -614,7 +614,7 @@
         <p:spPr>
           <a:xfrm>
             <a:off x="1376280" y="1336680"/>
-            <a:ext cx="4797720" cy="3597480"/>
+            <a:ext cx="4797360" cy="3597120"/>
           </a:xfrm>
           <a:prstGeom prst="rect">
             <a:avLst/>
@@ -637,7 +637,7 @@
         <p:spPr>
           <a:xfrm>
             <a:off x="756000" y="5145120"/>
-            <a:ext cx="6037920" cy="4200120"/>
+            <a:ext cx="6037560" cy="4199760"/>
           </a:xfrm>
           <a:prstGeom prst="rect">
             <a:avLst/>
@@ -667,7 +667,7 @@
         <p:spPr>
           <a:xfrm>
             <a:off x="0" y="10155240"/>
-            <a:ext cx="3266280" cy="526680"/>
+            <a:ext cx="3265920" cy="526320"/>
           </a:xfrm>
           <a:prstGeom prst="rect">
             <a:avLst/>
@@ -702,187 +702,7 @@
                 <a:latin typeface="Times New Roman"/>
                 <a:ea typeface="+mn-ea"/>
               </a:rPr>
-              <a:t>P</a:t>
-            </a:r>
-            <a:r>
-              <a:rPr b="0" lang="pt-BR" sz="1200" spc="-1" strike="noStrike">
-                <a:solidFill>
-                  <a:srgbClr val="000000"/>
-                </a:solidFill>
-                <a:latin typeface="Times New Roman"/>
-                <a:ea typeface="+mn-ea"/>
-              </a:rPr>
-              <a:t>r</a:t>
-            </a:r>
-            <a:r>
-              <a:rPr b="0" lang="pt-BR" sz="1200" spc="-1" strike="noStrike">
-                <a:solidFill>
-                  <a:srgbClr val="000000"/>
-                </a:solidFill>
-                <a:latin typeface="Times New Roman"/>
-                <a:ea typeface="+mn-ea"/>
-              </a:rPr>
-              <a:t>o</a:t>
-            </a:r>
-            <a:r>
-              <a:rPr b="0" lang="pt-BR" sz="1200" spc="-1" strike="noStrike">
-                <a:solidFill>
-                  <a:srgbClr val="000000"/>
-                </a:solidFill>
-                <a:latin typeface="Times New Roman"/>
-                <a:ea typeface="+mn-ea"/>
-              </a:rPr>
-              <a:t>f</a:t>
-            </a:r>
-            <a:r>
-              <a:rPr b="0" lang="pt-BR" sz="1200" spc="-1" strike="noStrike">
-                <a:solidFill>
-                  <a:srgbClr val="000000"/>
-                </a:solidFill>
-                <a:latin typeface="Times New Roman"/>
-                <a:ea typeface="+mn-ea"/>
-              </a:rPr>
-              <a:t>.</a:t>
-            </a:r>
-            <a:r>
-              <a:rPr b="0" lang="pt-BR" sz="1200" spc="-1" strike="noStrike">
-                <a:solidFill>
-                  <a:srgbClr val="000000"/>
-                </a:solidFill>
-                <a:latin typeface="Times New Roman"/>
-                <a:ea typeface="+mn-ea"/>
-              </a:rPr>
-              <a:t> </a:t>
-            </a:r>
-            <a:r>
-              <a:rPr b="0" lang="pt-BR" sz="1200" spc="-1" strike="noStrike">
-                <a:solidFill>
-                  <a:srgbClr val="000000"/>
-                </a:solidFill>
-                <a:latin typeface="Times New Roman"/>
-                <a:ea typeface="+mn-ea"/>
-              </a:rPr>
-              <a:t>A</a:t>
-            </a:r>
-            <a:r>
-              <a:rPr b="0" lang="pt-BR" sz="1200" spc="-1" strike="noStrike">
-                <a:solidFill>
-                  <a:srgbClr val="000000"/>
-                </a:solidFill>
-                <a:latin typeface="Times New Roman"/>
-                <a:ea typeface="+mn-ea"/>
-              </a:rPr>
-              <a:t>n</a:t>
-            </a:r>
-            <a:r>
-              <a:rPr b="0" lang="pt-BR" sz="1200" spc="-1" strike="noStrike">
-                <a:solidFill>
-                  <a:srgbClr val="000000"/>
-                </a:solidFill>
-                <a:latin typeface="Times New Roman"/>
-                <a:ea typeface="+mn-ea"/>
-              </a:rPr>
-              <a:t>d</a:t>
-            </a:r>
-            <a:r>
-              <a:rPr b="0" lang="pt-BR" sz="1200" spc="-1" strike="noStrike">
-                <a:solidFill>
-                  <a:srgbClr val="000000"/>
-                </a:solidFill>
-                <a:latin typeface="Times New Roman"/>
-                <a:ea typeface="+mn-ea"/>
-              </a:rPr>
-              <a:t>r</a:t>
-            </a:r>
-            <a:r>
-              <a:rPr b="0" lang="pt-BR" sz="1200" spc="-1" strike="noStrike">
-                <a:solidFill>
-                  <a:srgbClr val="000000"/>
-                </a:solidFill>
-                <a:latin typeface="Times New Roman"/>
-                <a:ea typeface="+mn-ea"/>
-              </a:rPr>
-              <a:t>é</a:t>
-            </a:r>
-            <a:r>
-              <a:rPr b="0" lang="pt-BR" sz="1200" spc="-1" strike="noStrike">
-                <a:solidFill>
-                  <a:srgbClr val="000000"/>
-                </a:solidFill>
-                <a:latin typeface="Times New Roman"/>
-                <a:ea typeface="+mn-ea"/>
-              </a:rPr>
-              <a:t> </a:t>
-            </a:r>
-            <a:r>
-              <a:rPr b="0" lang="pt-BR" sz="1200" spc="-1" strike="noStrike">
-                <a:solidFill>
-                  <a:srgbClr val="000000"/>
-                </a:solidFill>
-                <a:latin typeface="Times New Roman"/>
-                <a:ea typeface="+mn-ea"/>
-              </a:rPr>
-              <a:t>H</a:t>
-            </a:r>
-            <a:r>
-              <a:rPr b="0" lang="pt-BR" sz="1200" spc="-1" strike="noStrike">
-                <a:solidFill>
-                  <a:srgbClr val="000000"/>
-                </a:solidFill>
-                <a:latin typeface="Times New Roman"/>
-                <a:ea typeface="+mn-ea"/>
-              </a:rPr>
-              <a:t>o</a:t>
-            </a:r>
-            <a:r>
-              <a:rPr b="0" lang="pt-BR" sz="1200" spc="-1" strike="noStrike">
-                <a:solidFill>
-                  <a:srgbClr val="000000"/>
-                </a:solidFill>
-                <a:latin typeface="Times New Roman"/>
-                <a:ea typeface="+mn-ea"/>
-              </a:rPr>
-              <a:t>c</a:t>
-            </a:r>
-            <a:r>
-              <a:rPr b="0" lang="pt-BR" sz="1200" spc="-1" strike="noStrike">
-                <a:solidFill>
-                  <a:srgbClr val="000000"/>
-                </a:solidFill>
-                <a:latin typeface="Times New Roman"/>
-                <a:ea typeface="+mn-ea"/>
-              </a:rPr>
-              <a:t>h</a:t>
-            </a:r>
-            <a:r>
-              <a:rPr b="0" lang="pt-BR" sz="1200" spc="-1" strike="noStrike">
-                <a:solidFill>
-                  <a:srgbClr val="000000"/>
-                </a:solidFill>
-                <a:latin typeface="Times New Roman"/>
-                <a:ea typeface="+mn-ea"/>
-              </a:rPr>
-              <a:t>u</a:t>
-            </a:r>
-            <a:r>
-              <a:rPr b="0" lang="pt-BR" sz="1200" spc="-1" strike="noStrike">
-                <a:solidFill>
-                  <a:srgbClr val="000000"/>
-                </a:solidFill>
-                <a:latin typeface="Times New Roman"/>
-                <a:ea typeface="+mn-ea"/>
-              </a:rPr>
-              <a:t>l</a:t>
-            </a:r>
-            <a:r>
-              <a:rPr b="0" lang="pt-BR" sz="1200" spc="-1" strike="noStrike">
-                <a:solidFill>
-                  <a:srgbClr val="000000"/>
-                </a:solidFill>
-                <a:latin typeface="Times New Roman"/>
-                <a:ea typeface="+mn-ea"/>
-              </a:rPr>
-              <a:t>i</a:t>
+              <a:t>Prof. André Hochuli</a:t>
             </a:r>
             <a:endParaRPr b="0" lang="pt-BR" sz="1200" spc="-1" strike="noStrike">
               <a:latin typeface="Arial"/>
@@ -925,7 +745,7 @@
         <p:spPr>
           <a:xfrm>
             <a:off x="1376280" y="1336680"/>
-            <a:ext cx="4797720" cy="3597480"/>
+            <a:ext cx="4797360" cy="3597120"/>
           </a:xfrm>
           <a:prstGeom prst="rect">
             <a:avLst/>
@@ -948,7 +768,7 @@
         <p:spPr>
           <a:xfrm>
             <a:off x="756000" y="5145120"/>
-            <a:ext cx="6037920" cy="4200120"/>
+            <a:ext cx="6037560" cy="4199760"/>
           </a:xfrm>
           <a:prstGeom prst="rect">
             <a:avLst/>
@@ -978,7 +798,7 @@
         <p:spPr>
           <a:xfrm>
             <a:off x="0" y="10155240"/>
-            <a:ext cx="3266280" cy="526680"/>
+            <a:ext cx="3265920" cy="526320"/>
           </a:xfrm>
           <a:prstGeom prst="rect">
             <a:avLst/>
@@ -1056,7 +876,7 @@
         <p:spPr>
           <a:xfrm>
             <a:off x="1376280" y="1336680"/>
-            <a:ext cx="4797720" cy="3597480"/>
+            <a:ext cx="4797360" cy="3597120"/>
           </a:xfrm>
           <a:prstGeom prst="rect">
             <a:avLst/>
@@ -1079,7 +899,7 @@
         <p:spPr>
           <a:xfrm>
             <a:off x="756000" y="5145120"/>
-            <a:ext cx="6037920" cy="4200120"/>
+            <a:ext cx="6037560" cy="4199760"/>
           </a:xfrm>
           <a:prstGeom prst="rect">
             <a:avLst/>
@@ -1109,7 +929,7 @@
         <p:spPr>
           <a:xfrm>
             <a:off x="0" y="10155240"/>
-            <a:ext cx="3266280" cy="526680"/>
+            <a:ext cx="3265920" cy="526320"/>
           </a:xfrm>
           <a:prstGeom prst="rect">
             <a:avLst/>
@@ -1187,7 +1007,7 @@
         <p:spPr>
           <a:xfrm>
             <a:off x="1376280" y="1336680"/>
-            <a:ext cx="4797720" cy="3597480"/>
+            <a:ext cx="4797360" cy="3597120"/>
           </a:xfrm>
           <a:prstGeom prst="rect">
             <a:avLst/>
@@ -1210,7 +1030,7 @@
         <p:spPr>
           <a:xfrm>
             <a:off x="756000" y="5145120"/>
-            <a:ext cx="6037920" cy="4200120"/>
+            <a:ext cx="6037560" cy="4199760"/>
           </a:xfrm>
           <a:prstGeom prst="rect">
             <a:avLst/>
@@ -1240,7 +1060,7 @@
         <p:spPr>
           <a:xfrm>
             <a:off x="0" y="10155240"/>
-            <a:ext cx="3266280" cy="526680"/>
+            <a:ext cx="3265920" cy="526320"/>
           </a:xfrm>
           <a:prstGeom prst="rect">
             <a:avLst/>
@@ -1318,7 +1138,7 @@
         <p:spPr>
           <a:xfrm>
             <a:off x="1376280" y="1336680"/>
-            <a:ext cx="4797720" cy="3597480"/>
+            <a:ext cx="4797360" cy="3597120"/>
           </a:xfrm>
           <a:prstGeom prst="rect">
             <a:avLst/>
@@ -1341,7 +1161,7 @@
         <p:spPr>
           <a:xfrm>
             <a:off x="756000" y="5145120"/>
-            <a:ext cx="6037920" cy="4200120"/>
+            <a:ext cx="6037560" cy="4199760"/>
           </a:xfrm>
           <a:prstGeom prst="rect">
             <a:avLst/>
@@ -1371,7 +1191,7 @@
         <p:spPr>
           <a:xfrm>
             <a:off x="0" y="10155240"/>
-            <a:ext cx="3266280" cy="526680"/>
+            <a:ext cx="3265920" cy="526320"/>
           </a:xfrm>
           <a:prstGeom prst="rect">
             <a:avLst/>
@@ -1449,7 +1269,7 @@
         <p:spPr>
           <a:xfrm>
             <a:off x="1376280" y="1336680"/>
-            <a:ext cx="4797720" cy="3597480"/>
+            <a:ext cx="4797360" cy="3597120"/>
           </a:xfrm>
           <a:prstGeom prst="rect">
             <a:avLst/>
@@ -1472,7 +1292,7 @@
         <p:spPr>
           <a:xfrm>
             <a:off x="756000" y="5145120"/>
-            <a:ext cx="6037920" cy="4200120"/>
+            <a:ext cx="6037560" cy="4199760"/>
           </a:xfrm>
           <a:prstGeom prst="rect">
             <a:avLst/>
@@ -1502,7 +1322,7 @@
         <p:spPr>
           <a:xfrm>
             <a:off x="0" y="10155240"/>
-            <a:ext cx="3266280" cy="526680"/>
+            <a:ext cx="3265920" cy="526320"/>
           </a:xfrm>
           <a:prstGeom prst="rect">
             <a:avLst/>
@@ -1580,7 +1400,7 @@
         <p:spPr>
           <a:xfrm>
             <a:off x="1376280" y="1336680"/>
-            <a:ext cx="4797720" cy="3597480"/>
+            <a:ext cx="4797360" cy="3597120"/>
           </a:xfrm>
           <a:prstGeom prst="rect">
             <a:avLst/>
@@ -1603,7 +1423,7 @@
         <p:spPr>
           <a:xfrm>
             <a:off x="756000" y="5145120"/>
-            <a:ext cx="6037920" cy="4200120"/>
+            <a:ext cx="6037560" cy="4199760"/>
           </a:xfrm>
           <a:prstGeom prst="rect">
             <a:avLst/>
@@ -1633,7 +1453,7 @@
         <p:spPr>
           <a:xfrm>
             <a:off x="0" y="10155240"/>
-            <a:ext cx="3266280" cy="526680"/>
+            <a:ext cx="3265920" cy="526320"/>
           </a:xfrm>
           <a:prstGeom prst="rect">
             <a:avLst/>
@@ -1711,7 +1531,7 @@
         <p:spPr>
           <a:xfrm>
             <a:off x="1376280" y="1336680"/>
-            <a:ext cx="4797720" cy="3597480"/>
+            <a:ext cx="4797360" cy="3597120"/>
           </a:xfrm>
           <a:prstGeom prst="rect">
             <a:avLst/>
@@ -1734,7 +1554,7 @@
         <p:spPr>
           <a:xfrm>
             <a:off x="756000" y="5145120"/>
-            <a:ext cx="6037920" cy="4200120"/>
+            <a:ext cx="6037560" cy="4199760"/>
           </a:xfrm>
           <a:prstGeom prst="rect">
             <a:avLst/>
@@ -1764,7 +1584,7 @@
         <p:spPr>
           <a:xfrm>
             <a:off x="0" y="10155240"/>
-            <a:ext cx="3266280" cy="526680"/>
+            <a:ext cx="3265920" cy="526320"/>
           </a:xfrm>
           <a:prstGeom prst="rect">
             <a:avLst/>
@@ -1842,7 +1662,7 @@
         <p:spPr>
           <a:xfrm>
             <a:off x="1376280" y="1336680"/>
-            <a:ext cx="4797720" cy="3597480"/>
+            <a:ext cx="4797360" cy="3597120"/>
           </a:xfrm>
           <a:prstGeom prst="rect">
             <a:avLst/>
@@ -1865,7 +1685,7 @@
         <p:spPr>
           <a:xfrm>
             <a:off x="756000" y="5145120"/>
-            <a:ext cx="6037920" cy="4200120"/>
+            <a:ext cx="6037560" cy="4199760"/>
           </a:xfrm>
           <a:prstGeom prst="rect">
             <a:avLst/>
@@ -1895,7 +1715,7 @@
         <p:spPr>
           <a:xfrm>
             <a:off x="0" y="10155240"/>
-            <a:ext cx="3266280" cy="526680"/>
+            <a:ext cx="3265920" cy="526320"/>
           </a:xfrm>
           <a:prstGeom prst="rect">
             <a:avLst/>
@@ -1973,7 +1793,7 @@
         <p:spPr>
           <a:xfrm>
             <a:off x="1376280" y="1336680"/>
-            <a:ext cx="4797720" cy="3597480"/>
+            <a:ext cx="4797360" cy="3597120"/>
           </a:xfrm>
           <a:prstGeom prst="rect">
             <a:avLst/>
@@ -1996,7 +1816,7 @@
         <p:spPr>
           <a:xfrm>
             <a:off x="756000" y="5145120"/>
-            <a:ext cx="6037920" cy="4200120"/>
+            <a:ext cx="6037560" cy="4199760"/>
           </a:xfrm>
           <a:prstGeom prst="rect">
             <a:avLst/>
@@ -2026,7 +1846,7 @@
         <p:spPr>
           <a:xfrm>
             <a:off x="0" y="10155240"/>
-            <a:ext cx="3266280" cy="526680"/>
+            <a:ext cx="3265920" cy="526320"/>
           </a:xfrm>
           <a:prstGeom prst="rect">
             <a:avLst/>
@@ -5155,7 +4975,7 @@
         <p:spPr>
           <a:xfrm>
             <a:off x="0" y="3150000"/>
-            <a:ext cx="9710280" cy="1250280"/>
+            <a:ext cx="9709920" cy="1249920"/>
           </a:xfrm>
           <a:prstGeom prst="rect">
             <a:avLst/>
@@ -5453,7 +5273,7 @@
         <p:spPr>
           <a:xfrm>
             <a:off x="0" y="180000"/>
-            <a:ext cx="9710280" cy="1250280"/>
+            <a:ext cx="9709920" cy="1249920"/>
           </a:xfrm>
           <a:prstGeom prst="rect">
             <a:avLst/>
@@ -5481,7 +5301,7 @@
         <p:spPr>
           <a:xfrm>
             <a:off x="7560000" y="6840000"/>
-            <a:ext cx="2510280" cy="530280"/>
+            <a:ext cx="2509920" cy="529920"/>
           </a:xfrm>
           <a:prstGeom prst="rect">
             <a:avLst/>
@@ -5509,7 +5329,7 @@
         <p:spPr>
           <a:xfrm>
             <a:off x="900000" y="6840000"/>
-            <a:ext cx="6470280" cy="530280"/>
+            <a:ext cx="6469920" cy="529920"/>
           </a:xfrm>
           <a:prstGeom prst="rect">
             <a:avLst/>
@@ -5537,7 +5357,7 @@
         <p:spPr>
           <a:xfrm>
             <a:off x="180000" y="6840000"/>
-            <a:ext cx="530280" cy="530280"/>
+            <a:ext cx="529920" cy="529920"/>
           </a:xfrm>
           <a:prstGeom prst="rect">
             <a:avLst/>
@@ -5826,7 +5646,7 @@
         <p:spPr>
           <a:xfrm>
             <a:off x="360000" y="3330000"/>
-            <a:ext cx="9350280" cy="890280"/>
+            <a:ext cx="9349920" cy="889920"/>
           </a:xfrm>
           <a:prstGeom prst="rect">
             <a:avLst/>
@@ -5878,7 +5698,7 @@
         <p:spPr>
           <a:xfrm>
             <a:off x="540000" y="4680000"/>
-            <a:ext cx="9170280" cy="2510280"/>
+            <a:ext cx="9169920" cy="2509920"/>
           </a:xfrm>
           <a:prstGeom prst="rect">
             <a:avLst/>
@@ -6121,7 +5941,7 @@
         <p:spPr>
           <a:xfrm>
             <a:off x="4662360" y="1623960"/>
-            <a:ext cx="4931640" cy="5065200"/>
+            <a:ext cx="4931280" cy="5064840"/>
           </a:xfrm>
           <a:prstGeom prst="rect">
             <a:avLst/>
@@ -6140,7 +5960,7 @@
         <p:spPr>
           <a:xfrm>
             <a:off x="360000" y="360000"/>
-            <a:ext cx="9350280" cy="890280"/>
+            <a:ext cx="9349920" cy="889920"/>
           </a:xfrm>
           <a:prstGeom prst="rect">
             <a:avLst/>
@@ -6192,7 +6012,7 @@
         <p:spPr>
           <a:xfrm>
             <a:off x="897120" y="6886080"/>
-            <a:ext cx="6437520" cy="355320"/>
+            <a:ext cx="6437160" cy="354960"/>
           </a:xfrm>
           <a:prstGeom prst="rect">
             <a:avLst/>
@@ -6244,7 +6064,7 @@
         <p:spPr>
           <a:xfrm>
             <a:off x="7608600" y="6886080"/>
-            <a:ext cx="2275560" cy="355320"/>
+            <a:ext cx="2275200" cy="354960"/>
           </a:xfrm>
           <a:prstGeom prst="rect">
             <a:avLst/>
@@ -6279,97 +6099,7 @@
                 <a:latin typeface="Arial"/>
                 <a:ea typeface="DejaVu Sans"/>
               </a:rPr>
-              <a:t>C</a:t>
-            </a:r>
-            <a:r>
-              <a:rPr b="0" lang="pt-BR" sz="1800" spc="-1" strike="noStrike">
-                <a:solidFill>
-                  <a:srgbClr val="000000"/>
-                </a:solidFill>
-                <a:latin typeface="Arial"/>
-                <a:ea typeface="DejaVu Sans"/>
-              </a:rPr>
-              <a:t>o</a:t>
-            </a:r>
-            <a:r>
-              <a:rPr b="0" lang="pt-BR" sz="1800" spc="-1" strike="noStrike">
-                <a:solidFill>
-                  <a:srgbClr val="000000"/>
-                </a:solidFill>
-                <a:latin typeface="Arial"/>
-                <a:ea typeface="DejaVu Sans"/>
-              </a:rPr>
-              <a:t>m</a:t>
-            </a:r>
-            <a:r>
-              <a:rPr b="0" lang="pt-BR" sz="1800" spc="-1" strike="noStrike">
-                <a:solidFill>
-                  <a:srgbClr val="000000"/>
-                </a:solidFill>
-                <a:latin typeface="Arial"/>
-                <a:ea typeface="DejaVu Sans"/>
-              </a:rPr>
-              <a:t>b</a:t>
-            </a:r>
-            <a:r>
-              <a:rPr b="0" lang="pt-BR" sz="1800" spc="-1" strike="noStrike">
-                <a:solidFill>
-                  <a:srgbClr val="000000"/>
-                </a:solidFill>
-                <a:latin typeface="Arial"/>
-                <a:ea typeface="DejaVu Sans"/>
-              </a:rPr>
-              <a:t>i</a:t>
-            </a:r>
-            <a:r>
-              <a:rPr b="0" lang="pt-BR" sz="1800" spc="-1" strike="noStrike">
-                <a:solidFill>
-                  <a:srgbClr val="000000"/>
-                </a:solidFill>
-                <a:latin typeface="Arial"/>
-                <a:ea typeface="DejaVu Sans"/>
-              </a:rPr>
-              <a:t>n</a:t>
-            </a:r>
-            <a:r>
-              <a:rPr b="0" lang="pt-BR" sz="1800" spc="-1" strike="noStrike">
-                <a:solidFill>
-                  <a:srgbClr val="000000"/>
-                </a:solidFill>
-                <a:latin typeface="Arial"/>
-                <a:ea typeface="DejaVu Sans"/>
-              </a:rPr>
-              <a:t>a</a:t>
-            </a:r>
-            <a:r>
-              <a:rPr b="0" lang="pt-BR" sz="1800" spc="-1" strike="noStrike">
-                <a:solidFill>
-                  <a:srgbClr val="000000"/>
-                </a:solidFill>
-                <a:latin typeface="Arial"/>
-                <a:ea typeface="DejaVu Sans"/>
-              </a:rPr>
-              <a:t>ç</a:t>
-            </a:r>
-            <a:r>
-              <a:rPr b="0" lang="pt-BR" sz="1800" spc="-1" strike="noStrike">
-                <a:solidFill>
-                  <a:srgbClr val="000000"/>
-                </a:solidFill>
-                <a:latin typeface="Arial"/>
-                <a:ea typeface="DejaVu Sans"/>
-              </a:rPr>
-              <a:t>ã</a:t>
-            </a:r>
-            <a:r>
-              <a:rPr b="0" lang="pt-BR" sz="1800" spc="-1" strike="noStrike">
-                <a:solidFill>
-                  <a:srgbClr val="000000"/>
-                </a:solidFill>
-                <a:latin typeface="Arial"/>
-                <a:ea typeface="DejaVu Sans"/>
-              </a:rPr>
-              <a:t>o</a:t>
+              <a:t>Combinação</a:t>
             </a:r>
             <a:endParaRPr b="0" lang="pt-BR" sz="1800" spc="-1" strike="noStrike">
               <a:latin typeface="Arial"/>
@@ -6386,7 +6116,7 @@
         <p:spPr>
           <a:xfrm>
             <a:off x="342360" y="1529280"/>
-            <a:ext cx="6051240" cy="5360040"/>
+            <a:ext cx="6050880" cy="5359680"/>
           </a:xfrm>
           <a:prstGeom prst="rect">
             <a:avLst/>
@@ -6496,16 +6226,11 @@
             </a:endParaRPr>
           </a:p>
           <a:p>
-            <a:pPr lvl="1" marL="432000" indent="-216000">
+            <a:pPr>
               <a:lnSpc>
                 <a:spcPct val="150000"/>
               </a:lnSpc>
-              <a:buClr>
-                <a:srgbClr val="000000"/>
-              </a:buClr>
-              <a:buSzPct val="45000"/>
-              <a:buFont typeface="Wingdings" charset="2"/>
-              <a:buChar char=""/>
+              <a:buNone/>
             </a:pPr>
             <a:endParaRPr b="0" lang="pt-BR" sz="1600" spc="-1" strike="noStrike">
               <a:latin typeface="Arial"/>
@@ -6538,64 +6263,44 @@
             </a:endParaRPr>
           </a:p>
           <a:p>
-            <a:pPr marL="216000" indent="-216000">
+            <a:pPr>
               <a:lnSpc>
                 <a:spcPct val="150000"/>
               </a:lnSpc>
-              <a:buClr>
-                <a:srgbClr val="000000"/>
-              </a:buClr>
-              <a:buSzPct val="45000"/>
-              <a:buFont typeface="Wingdings" charset="2"/>
-              <a:buChar char=""/>
+              <a:buNone/>
             </a:pPr>
             <a:endParaRPr b="0" lang="pt-BR" sz="1600" spc="-1" strike="noStrike">
               <a:latin typeface="Arial"/>
             </a:endParaRPr>
           </a:p>
           <a:p>
-            <a:pPr lvl="1" marL="432000" indent="-216000">
+            <a:pPr>
               <a:lnSpc>
                 <a:spcPct val="150000"/>
               </a:lnSpc>
-              <a:buClr>
-                <a:srgbClr val="000000"/>
-              </a:buClr>
-              <a:buSzPct val="45000"/>
-              <a:buFont typeface="Wingdings" charset="2"/>
-              <a:buChar char=""/>
+              <a:buNone/>
             </a:pPr>
             <a:endParaRPr b="0" lang="pt-BR" sz="1600" spc="-1" strike="noStrike">
               <a:latin typeface="Arial"/>
             </a:endParaRPr>
           </a:p>
           <a:p>
-            <a:pPr marL="216000" indent="-216000">
+            <a:pPr>
               <a:lnSpc>
                 <a:spcPct val="150000"/>
               </a:lnSpc>
-              <a:buClr>
-                <a:srgbClr val="000000"/>
-              </a:buClr>
-              <a:buSzPct val="45000"/>
-              <a:buFont typeface="Wingdings" charset="2"/>
-              <a:buChar char=""/>
+              <a:buNone/>
             </a:pPr>
             <a:endParaRPr b="0" lang="pt-BR" sz="1600" spc="-1" strike="noStrike">
               <a:latin typeface="Arial"/>
             </a:endParaRPr>
           </a:p>
           <a:p>
-            <a:pPr lvl="1" marL="432000" indent="-216000">
+            <a:pPr>
               <a:lnSpc>
                 <a:spcPct val="150000"/>
               </a:lnSpc>
-              <a:buClr>
-                <a:srgbClr val="000000"/>
-              </a:buClr>
-              <a:buSzPct val="45000"/>
-              <a:buFont typeface="Wingdings" charset="2"/>
-              <a:buChar char=""/>
+              <a:buNone/>
             </a:pPr>
             <a:endParaRPr b="0" lang="pt-BR" sz="1600" spc="-1" strike="noStrike">
               <a:latin typeface="Arial"/>
@@ -6957,7 +6662,7 @@
         <p:spPr>
           <a:xfrm>
             <a:off x="2025720" y="4066920"/>
-            <a:ext cx="1131840" cy="1940760"/>
+            <a:ext cx="1131480" cy="1940400"/>
           </a:xfrm>
           <a:prstGeom prst="rect">
             <a:avLst/>
@@ -7006,7 +6711,7 @@
         <p:spPr>
           <a:xfrm>
             <a:off x="360000" y="360000"/>
-            <a:ext cx="9350280" cy="890280"/>
+            <a:ext cx="9349920" cy="889920"/>
           </a:xfrm>
           <a:prstGeom prst="rect">
             <a:avLst/>
@@ -7058,7 +6763,7 @@
         <p:spPr>
           <a:xfrm>
             <a:off x="360000" y="1980000"/>
-            <a:ext cx="9170280" cy="4670280"/>
+            <a:ext cx="9169920" cy="4669920"/>
           </a:xfrm>
           <a:prstGeom prst="rect">
             <a:avLst/>
@@ -7117,7 +6822,7 @@
         <p:spPr>
           <a:xfrm>
             <a:off x="897120" y="6886080"/>
-            <a:ext cx="6437520" cy="355320"/>
+            <a:ext cx="6437160" cy="354960"/>
           </a:xfrm>
           <a:prstGeom prst="rect">
             <a:avLst/>
@@ -7169,7 +6874,7 @@
         <p:spPr>
           <a:xfrm>
             <a:off x="7608600" y="6886080"/>
-            <a:ext cx="2275560" cy="355320"/>
+            <a:ext cx="2275200" cy="354960"/>
           </a:xfrm>
           <a:prstGeom prst="rect">
             <a:avLst/>
@@ -7221,7 +6926,7 @@
         <p:spPr>
           <a:xfrm>
             <a:off x="342360" y="1529280"/>
-            <a:ext cx="9248040" cy="5360040"/>
+            <a:ext cx="9247680" cy="5359680"/>
           </a:xfrm>
           <a:prstGeom prst="rect">
             <a:avLst/>
@@ -7272,8 +6977,24 @@
                 <a:latin typeface="Latin Modern Sans"/>
                 <a:ea typeface="DejaVu Sans"/>
               </a:rPr>
-              <a:t>T</a:t>
+              <a:t>Tudo Junto!</a:t>
             </a:r>
+            <a:endParaRPr b="0" lang="pt-BR" sz="1600" spc="-1" strike="noStrike">
+              <a:latin typeface="Arial"/>
+            </a:endParaRPr>
+          </a:p>
+          <a:p>
+            <a:pPr marL="216000" indent="-216000">
+              <a:lnSpc>
+                <a:spcPct val="150000"/>
+              </a:lnSpc>
+              <a:buClr>
+                <a:srgbClr val="000000"/>
+              </a:buClr>
+              <a:buSzPct val="45000"/>
+              <a:buFont typeface="Wingdings" charset="2"/>
+              <a:buChar char=""/>
+            </a:pPr>
             <a:r>
               <a:rPr b="0" lang="pt-BR" sz="1600" spc="-1" strike="noStrike">
                 <a:solidFill>
@@ -7282,441 +7003,40 @@
                 <a:latin typeface="Latin Modern Sans"/>
                 <a:ea typeface="DejaVu Sans"/>
               </a:rPr>
-              <a:t>u</a:t>
-            </a:r>
-            <a:r>
-              <a:rPr b="0" lang="pt-BR" sz="1600" spc="-1" strike="noStrike">
-                <a:solidFill>
-                  <a:srgbClr val="1c1c1c"/>
-                </a:solidFill>
-                <a:latin typeface="Latin Modern Sans"/>
-                <a:ea typeface="DejaVu Sans"/>
-              </a:rPr>
-              <a:t>d</a:t>
-            </a:r>
-            <a:r>
-              <a:rPr b="0" lang="pt-BR" sz="1600" spc="-1" strike="noStrike">
-                <a:solidFill>
-                  <a:srgbClr val="1c1c1c"/>
-                </a:solidFill>
-                <a:latin typeface="Latin Modern Sans"/>
-                <a:ea typeface="DejaVu Sans"/>
-              </a:rPr>
-              <a:t>o</a:t>
-            </a:r>
-            <a:r>
-              <a:rPr b="0" lang="pt-BR" sz="1600" spc="-1" strike="noStrike">
-                <a:solidFill>
-                  <a:srgbClr val="1c1c1c"/>
-                </a:solidFill>
-                <a:latin typeface="Latin Modern Sans"/>
-                <a:ea typeface="DejaVu Sans"/>
-              </a:rPr>
-              <a:t> </a:t>
-            </a:r>
-            <a:r>
-              <a:rPr b="0" lang="pt-BR" sz="1600" spc="-1" strike="noStrike">
-                <a:solidFill>
-                  <a:srgbClr val="1c1c1c"/>
-                </a:solidFill>
-                <a:latin typeface="Latin Modern Sans"/>
-                <a:ea typeface="DejaVu Sans"/>
-              </a:rPr>
-              <a:t>J</a:t>
-            </a:r>
-            <a:r>
-              <a:rPr b="0" lang="pt-BR" sz="1600" spc="-1" strike="noStrike">
-                <a:solidFill>
-                  <a:srgbClr val="1c1c1c"/>
-                </a:solidFill>
-                <a:latin typeface="Latin Modern Sans"/>
-                <a:ea typeface="DejaVu Sans"/>
-              </a:rPr>
-              <a:t>u</a:t>
-            </a:r>
-            <a:r>
-              <a:rPr b="0" lang="pt-BR" sz="1600" spc="-1" strike="noStrike">
-                <a:solidFill>
-                  <a:srgbClr val="1c1c1c"/>
-                </a:solidFill>
-                <a:latin typeface="Latin Modern Sans"/>
-                <a:ea typeface="DejaVu Sans"/>
-              </a:rPr>
-              <a:t>n</a:t>
-            </a:r>
-            <a:r>
-              <a:rPr b="0" lang="pt-BR" sz="1600" spc="-1" strike="noStrike">
-                <a:solidFill>
-                  <a:srgbClr val="1c1c1c"/>
-                </a:solidFill>
-                <a:latin typeface="Latin Modern Sans"/>
-                <a:ea typeface="DejaVu Sans"/>
-              </a:rPr>
-              <a:t>t</a:t>
-            </a:r>
-            <a:r>
-              <a:rPr b="0" lang="pt-BR" sz="1600" spc="-1" strike="noStrike">
-                <a:solidFill>
-                  <a:srgbClr val="1c1c1c"/>
-                </a:solidFill>
-                <a:latin typeface="Latin Modern Sans"/>
-                <a:ea typeface="DejaVu Sans"/>
-              </a:rPr>
-              <a:t>o</a:t>
-            </a:r>
-            <a:r>
-              <a:rPr b="0" lang="pt-BR" sz="1600" spc="-1" strike="noStrike">
-                <a:solidFill>
-                  <a:srgbClr val="1c1c1c"/>
-                </a:solidFill>
-                <a:latin typeface="Latin Modern Sans"/>
-                <a:ea typeface="DejaVu Sans"/>
-              </a:rPr>
-              <a:t>!</a:t>
+              <a:t>Sklearn: BaggingClassifier()</a:t>
             </a:r>
             <a:endParaRPr b="0" lang="pt-BR" sz="1600" spc="-1" strike="noStrike">
               <a:latin typeface="Arial"/>
             </a:endParaRPr>
           </a:p>
           <a:p>
-            <a:pPr marL="216000" indent="-216000">
+            <a:pPr>
               <a:lnSpc>
                 <a:spcPct val="150000"/>
               </a:lnSpc>
-              <a:buClr>
-                <a:srgbClr val="000000"/>
-              </a:buClr>
-              <a:buSzPct val="45000"/>
-              <a:buFont typeface="Wingdings" charset="2"/>
-              <a:buChar char=""/>
-            </a:pPr>
-            <a:r>
-              <a:rPr b="0" lang="pt-BR" sz="1600" spc="-1" strike="noStrike">
-                <a:solidFill>
-                  <a:srgbClr val="1c1c1c"/>
-                </a:solidFill>
-                <a:latin typeface="Latin Modern Sans"/>
-                <a:ea typeface="DejaVu Sans"/>
-              </a:rPr>
-              <a:t>S</a:t>
-            </a:r>
-            <a:r>
-              <a:rPr b="0" lang="pt-BR" sz="1600" spc="-1" strike="noStrike">
-                <a:solidFill>
-                  <a:srgbClr val="1c1c1c"/>
-                </a:solidFill>
-                <a:latin typeface="Latin Modern Sans"/>
-                <a:ea typeface="DejaVu Sans"/>
-              </a:rPr>
-              <a:t>k</a:t>
-            </a:r>
-            <a:r>
-              <a:rPr b="0" lang="pt-BR" sz="1600" spc="-1" strike="noStrike">
-                <a:solidFill>
-                  <a:srgbClr val="1c1c1c"/>
-                </a:solidFill>
-                <a:latin typeface="Latin Modern Sans"/>
-                <a:ea typeface="DejaVu Sans"/>
-              </a:rPr>
-              <a:t>l</a:t>
-            </a:r>
-            <a:r>
-              <a:rPr b="0" lang="pt-BR" sz="1600" spc="-1" strike="noStrike">
-                <a:solidFill>
-                  <a:srgbClr val="1c1c1c"/>
-                </a:solidFill>
-                <a:latin typeface="Latin Modern Sans"/>
-                <a:ea typeface="DejaVu Sans"/>
-              </a:rPr>
-              <a:t>e</a:t>
-            </a:r>
-            <a:r>
-              <a:rPr b="0" lang="pt-BR" sz="1600" spc="-1" strike="noStrike">
-                <a:solidFill>
-                  <a:srgbClr val="1c1c1c"/>
-                </a:solidFill>
-                <a:latin typeface="Latin Modern Sans"/>
-                <a:ea typeface="DejaVu Sans"/>
-              </a:rPr>
-              <a:t>a</a:t>
-            </a:r>
-            <a:r>
-              <a:rPr b="0" lang="pt-BR" sz="1600" spc="-1" strike="noStrike">
-                <a:solidFill>
-                  <a:srgbClr val="1c1c1c"/>
-                </a:solidFill>
-                <a:latin typeface="Latin Modern Sans"/>
-                <a:ea typeface="DejaVu Sans"/>
-              </a:rPr>
-              <a:t>r</a:t>
-            </a:r>
-            <a:r>
-              <a:rPr b="0" lang="pt-BR" sz="1600" spc="-1" strike="noStrike">
-                <a:solidFill>
-                  <a:srgbClr val="1c1c1c"/>
-                </a:solidFill>
-                <a:latin typeface="Latin Modern Sans"/>
-                <a:ea typeface="DejaVu Sans"/>
-              </a:rPr>
-              <a:t>n</a:t>
-            </a:r>
-            <a:r>
-              <a:rPr b="0" lang="pt-BR" sz="1600" spc="-1" strike="noStrike">
-                <a:solidFill>
-                  <a:srgbClr val="1c1c1c"/>
-                </a:solidFill>
-                <a:latin typeface="Latin Modern Sans"/>
-                <a:ea typeface="DejaVu Sans"/>
-              </a:rPr>
-              <a:t>:</a:t>
-            </a:r>
-            <a:r>
-              <a:rPr b="0" lang="pt-BR" sz="1600" spc="-1" strike="noStrike">
-                <a:solidFill>
-                  <a:srgbClr val="1c1c1c"/>
-                </a:solidFill>
-                <a:latin typeface="Latin Modern Sans"/>
-                <a:ea typeface="DejaVu Sans"/>
-              </a:rPr>
-              <a:t> </a:t>
-            </a:r>
-            <a:r>
-              <a:rPr b="0" lang="pt-BR" sz="1600" spc="-1" strike="noStrike">
-                <a:solidFill>
-                  <a:srgbClr val="1c1c1c"/>
-                </a:solidFill>
-                <a:latin typeface="Latin Modern Sans"/>
-                <a:ea typeface="DejaVu Sans"/>
-              </a:rPr>
-              <a:t>B</a:t>
-            </a:r>
-            <a:r>
-              <a:rPr b="0" lang="pt-BR" sz="1600" spc="-1" strike="noStrike">
-                <a:solidFill>
-                  <a:srgbClr val="1c1c1c"/>
-                </a:solidFill>
-                <a:latin typeface="Latin Modern Sans"/>
-                <a:ea typeface="DejaVu Sans"/>
-              </a:rPr>
-              <a:t>a</a:t>
-            </a:r>
-            <a:r>
-              <a:rPr b="0" lang="pt-BR" sz="1600" spc="-1" strike="noStrike">
-                <a:solidFill>
-                  <a:srgbClr val="1c1c1c"/>
-                </a:solidFill>
-                <a:latin typeface="Latin Modern Sans"/>
-                <a:ea typeface="DejaVu Sans"/>
-              </a:rPr>
-              <a:t>g</a:t>
-            </a:r>
-            <a:r>
-              <a:rPr b="0" lang="pt-BR" sz="1600" spc="-1" strike="noStrike">
-                <a:solidFill>
-                  <a:srgbClr val="1c1c1c"/>
-                </a:solidFill>
-                <a:latin typeface="Latin Modern Sans"/>
-                <a:ea typeface="DejaVu Sans"/>
-              </a:rPr>
-              <a:t>g</a:t>
-            </a:r>
-            <a:r>
-              <a:rPr b="0" lang="pt-BR" sz="1600" spc="-1" strike="noStrike">
-                <a:solidFill>
-                  <a:srgbClr val="1c1c1c"/>
-                </a:solidFill>
-                <a:latin typeface="Latin Modern Sans"/>
-                <a:ea typeface="DejaVu Sans"/>
-              </a:rPr>
-              <a:t>i</a:t>
-            </a:r>
-            <a:r>
-              <a:rPr b="0" lang="pt-BR" sz="1600" spc="-1" strike="noStrike">
-                <a:solidFill>
-                  <a:srgbClr val="1c1c1c"/>
-                </a:solidFill>
-                <a:latin typeface="Latin Modern Sans"/>
-                <a:ea typeface="DejaVu Sans"/>
-              </a:rPr>
-              <a:t>n</a:t>
-            </a:r>
-            <a:r>
-              <a:rPr b="0" lang="pt-BR" sz="1600" spc="-1" strike="noStrike">
-                <a:solidFill>
-                  <a:srgbClr val="1c1c1c"/>
-                </a:solidFill>
-                <a:latin typeface="Latin Modern Sans"/>
-                <a:ea typeface="DejaVu Sans"/>
-              </a:rPr>
-              <a:t>g</a:t>
-            </a:r>
-            <a:r>
-              <a:rPr b="0" lang="pt-BR" sz="1600" spc="-1" strike="noStrike">
-                <a:solidFill>
-                  <a:srgbClr val="1c1c1c"/>
-                </a:solidFill>
-                <a:latin typeface="Latin Modern Sans"/>
-                <a:ea typeface="DejaVu Sans"/>
-              </a:rPr>
-              <a:t>C</a:t>
-            </a:r>
-            <a:r>
-              <a:rPr b="0" lang="pt-BR" sz="1600" spc="-1" strike="noStrike">
-                <a:solidFill>
-                  <a:srgbClr val="1c1c1c"/>
-                </a:solidFill>
-                <a:latin typeface="Latin Modern Sans"/>
-                <a:ea typeface="DejaVu Sans"/>
-              </a:rPr>
-              <a:t>l</a:t>
-            </a:r>
-            <a:r>
-              <a:rPr b="0" lang="pt-BR" sz="1600" spc="-1" strike="noStrike">
-                <a:solidFill>
-                  <a:srgbClr val="1c1c1c"/>
-                </a:solidFill>
-                <a:latin typeface="Latin Modern Sans"/>
-                <a:ea typeface="DejaVu Sans"/>
-              </a:rPr>
-              <a:t>a</a:t>
-            </a:r>
-            <a:r>
-              <a:rPr b="0" lang="pt-BR" sz="1600" spc="-1" strike="noStrike">
-                <a:solidFill>
-                  <a:srgbClr val="1c1c1c"/>
-                </a:solidFill>
-                <a:latin typeface="Latin Modern Sans"/>
-                <a:ea typeface="DejaVu Sans"/>
-              </a:rPr>
-              <a:t>s</a:t>
-            </a:r>
-            <a:r>
-              <a:rPr b="0" lang="pt-BR" sz="1600" spc="-1" strike="noStrike">
-                <a:solidFill>
-                  <a:srgbClr val="1c1c1c"/>
-                </a:solidFill>
-                <a:latin typeface="Latin Modern Sans"/>
-                <a:ea typeface="DejaVu Sans"/>
-              </a:rPr>
-              <a:t>s</a:t>
-            </a:r>
-            <a:r>
-              <a:rPr b="0" lang="pt-BR" sz="1600" spc="-1" strike="noStrike">
-                <a:solidFill>
-                  <a:srgbClr val="1c1c1c"/>
-                </a:solidFill>
-                <a:latin typeface="Latin Modern Sans"/>
-                <a:ea typeface="DejaVu Sans"/>
-              </a:rPr>
-              <a:t>i</a:t>
-            </a:r>
-            <a:r>
-              <a:rPr b="0" lang="pt-BR" sz="1600" spc="-1" strike="noStrike">
-                <a:solidFill>
-                  <a:srgbClr val="1c1c1c"/>
-                </a:solidFill>
-                <a:latin typeface="Latin Modern Sans"/>
-                <a:ea typeface="DejaVu Sans"/>
-              </a:rPr>
-              <a:t>f</a:t>
-            </a:r>
-            <a:r>
-              <a:rPr b="0" lang="pt-BR" sz="1600" spc="-1" strike="noStrike">
-                <a:solidFill>
-                  <a:srgbClr val="1c1c1c"/>
-                </a:solidFill>
-                <a:latin typeface="Latin Modern Sans"/>
-                <a:ea typeface="DejaVu Sans"/>
-              </a:rPr>
-              <a:t>i</a:t>
-            </a:r>
-            <a:r>
-              <a:rPr b="0" lang="pt-BR" sz="1600" spc="-1" strike="noStrike">
-                <a:solidFill>
-                  <a:srgbClr val="1c1c1c"/>
-                </a:solidFill>
-                <a:latin typeface="Latin Modern Sans"/>
-                <a:ea typeface="DejaVu Sans"/>
-              </a:rPr>
-              <a:t>e</a:t>
-            </a:r>
-            <a:r>
-              <a:rPr b="0" lang="pt-BR" sz="1600" spc="-1" strike="noStrike">
-                <a:solidFill>
-                  <a:srgbClr val="1c1c1c"/>
-                </a:solidFill>
-                <a:latin typeface="Latin Modern Sans"/>
-                <a:ea typeface="DejaVu Sans"/>
-              </a:rPr>
-              <a:t>r</a:t>
-            </a:r>
-            <a:r>
-              <a:rPr b="0" lang="pt-BR" sz="1600" spc="-1" strike="noStrike">
-                <a:solidFill>
-                  <a:srgbClr val="1c1c1c"/>
-                </a:solidFill>
-                <a:latin typeface="Latin Modern Sans"/>
-                <a:ea typeface="DejaVu Sans"/>
-              </a:rPr>
-              <a:t>(</a:t>
-            </a:r>
-            <a:r>
-              <a:rPr b="0" lang="pt-BR" sz="1600" spc="-1" strike="noStrike">
-                <a:solidFill>
-                  <a:srgbClr val="1c1c1c"/>
-                </a:solidFill>
-                <a:latin typeface="Latin Modern Sans"/>
-                <a:ea typeface="DejaVu Sans"/>
-              </a:rPr>
-              <a:t>)</a:t>
-            </a:r>
+              <a:buNone/>
+            </a:pPr>
             <a:endParaRPr b="0" lang="pt-BR" sz="1600" spc="-1" strike="noStrike">
               <a:latin typeface="Arial"/>
             </a:endParaRPr>
           </a:p>
           <a:p>
-            <a:pPr marL="216000" indent="-216000">
+            <a:pPr>
               <a:lnSpc>
                 <a:spcPct val="150000"/>
               </a:lnSpc>
-              <a:buClr>
-                <a:srgbClr val="000000"/>
-              </a:buClr>
-              <a:buSzPct val="45000"/>
-              <a:buFont typeface="Wingdings" charset="2"/>
-              <a:buChar char=""/>
+              <a:buNone/>
             </a:pPr>
             <a:endParaRPr b="0" lang="pt-BR" sz="1600" spc="-1" strike="noStrike">
               <a:latin typeface="Arial"/>
             </a:endParaRPr>
           </a:p>
           <a:p>
-            <a:pPr marL="216000" indent="-216000">
+            <a:pPr>
               <a:lnSpc>
                 <a:spcPct val="150000"/>
               </a:lnSpc>
-              <a:buClr>
-                <a:srgbClr val="000000"/>
-              </a:buClr>
-              <a:buSzPct val="45000"/>
-              <a:buFont typeface="Wingdings" charset="2"/>
-              <a:buChar char=""/>
-            </a:pPr>
-            <a:endParaRPr b="0" lang="pt-BR" sz="1600" spc="-1" strike="noStrike">
-              <a:latin typeface="Arial"/>
-            </a:endParaRPr>
-          </a:p>
-          <a:p>
-            <a:pPr lvl="1" marL="432000" indent="-216000">
-              <a:lnSpc>
-                <a:spcPct val="150000"/>
-              </a:lnSpc>
-              <a:buClr>
-                <a:srgbClr val="000000"/>
-              </a:buClr>
-              <a:buSzPct val="45000"/>
-              <a:buFont typeface="Wingdings" charset="2"/>
-              <a:buChar char=""/>
+              <a:buNone/>
             </a:pPr>
             <a:endParaRPr b="0" lang="pt-BR" sz="1600" spc="-1" strike="noStrike">
               <a:latin typeface="Arial"/>
@@ -8078,7 +7398,7 @@
         <p:spPr>
           <a:xfrm>
             <a:off x="620640" y="3024000"/>
-            <a:ext cx="8709120" cy="1458000"/>
+            <a:ext cx="8708760" cy="1457640"/>
           </a:xfrm>
           <a:prstGeom prst="rect">
             <a:avLst/>
@@ -8127,7 +7447,7 @@
         <p:spPr>
           <a:xfrm>
             <a:off x="360000" y="360000"/>
-            <a:ext cx="9350280" cy="890280"/>
+            <a:ext cx="9349920" cy="889920"/>
           </a:xfrm>
           <a:prstGeom prst="rect">
             <a:avLst/>
@@ -8179,7 +7499,7 @@
         <p:spPr>
           <a:xfrm>
             <a:off x="360000" y="1980000"/>
-            <a:ext cx="9170280" cy="4670280"/>
+            <a:ext cx="9169920" cy="4669920"/>
           </a:xfrm>
           <a:prstGeom prst="rect">
             <a:avLst/>
@@ -8238,7 +7558,7 @@
         <p:spPr>
           <a:xfrm>
             <a:off x="897120" y="6886080"/>
-            <a:ext cx="6437520" cy="355320"/>
+            <a:ext cx="6437160" cy="354960"/>
           </a:xfrm>
           <a:prstGeom prst="rect">
             <a:avLst/>
@@ -8290,7 +7610,7 @@
         <p:spPr>
           <a:xfrm>
             <a:off x="7608600" y="6886080"/>
-            <a:ext cx="2275560" cy="355320"/>
+            <a:ext cx="2275200" cy="354960"/>
           </a:xfrm>
           <a:prstGeom prst="rect">
             <a:avLst/>
@@ -8342,7 +7662,7 @@
         <p:spPr>
           <a:xfrm>
             <a:off x="342360" y="1529280"/>
-            <a:ext cx="9248040" cy="5360040"/>
+            <a:ext cx="9247680" cy="5359680"/>
           </a:xfrm>
           <a:prstGeom prst="rect">
             <a:avLst/>
@@ -8393,8 +7713,51 @@
                 <a:latin typeface="Latin Modern Sans"/>
                 <a:ea typeface="DejaVu Sans"/>
               </a:rPr>
-              <a:t>Vamos implementar </a:t>
+              <a:t>No tutorial abaixo, exploraremos os conceitos abordados até o momento:</a:t>
             </a:r>
+            <a:endParaRPr b="0" lang="pt-BR" sz="1600" spc="-1" strike="noStrike">
+              <a:latin typeface="Arial"/>
+            </a:endParaRPr>
+          </a:p>
+          <a:p>
+            <a:pPr>
+              <a:lnSpc>
+                <a:spcPct val="150000"/>
+              </a:lnSpc>
+              <a:buNone/>
+            </a:pPr>
+            <a:r>
+              <a:rPr b="0" lang="pt-BR" sz="1600" spc="-1" strike="noStrike">
+                <a:solidFill>
+                  <a:srgbClr val="1c1c1c"/>
+                </a:solidFill>
+                <a:latin typeface="Latin Modern Sans"/>
+                <a:ea typeface="DejaVu Sans"/>
+              </a:rPr>
+              <a:t>LINK: </a:t>
+            </a:r>
+            <a:r>
+              <a:rPr b="0" lang="pt-BR" sz="1600" spc="-1" strike="noStrike">
+                <a:solidFill>
+                  <a:srgbClr val="1c1c1c"/>
+                </a:solidFill>
+                <a:latin typeface="Latin Modern Sans"/>
+                <a:ea typeface="DejaVu Sans"/>
+                <a:hlinkClick r:id="rId1"/>
+              </a:rPr>
+              <a:t>Tópico 02 - Aprendizado-Supervisionado - Ensembles.ipynb</a:t>
+            </a:r>
+            <a:endParaRPr b="0" lang="pt-BR" sz="1600" spc="-1" strike="noStrike">
+              <a:latin typeface="Arial"/>
+            </a:endParaRPr>
+          </a:p>
+          <a:p>
+            <a:pPr>
+              <a:lnSpc>
+                <a:spcPct val="150000"/>
+              </a:lnSpc>
+              <a:buNone/>
+            </a:pPr>
             <a:endParaRPr b="0" lang="pt-BR" sz="1600" spc="-1" strike="noStrike">
               <a:latin typeface="Arial"/>
             </a:endParaRPr>
@@ -8774,7 +8137,7 @@
         <p:spPr>
           <a:xfrm>
             <a:off x="1602000" y="4112280"/>
-            <a:ext cx="7427160" cy="2216880"/>
+            <a:ext cx="7426800" cy="2216520"/>
           </a:xfrm>
           <a:prstGeom prst="rect">
             <a:avLst/>
@@ -8793,7 +8156,7 @@
         <p:spPr>
           <a:xfrm>
             <a:off x="360000" y="360000"/>
-            <a:ext cx="9350280" cy="890280"/>
+            <a:ext cx="9349920" cy="889920"/>
           </a:xfrm>
           <a:prstGeom prst="rect">
             <a:avLst/>
@@ -8845,7 +8208,7 @@
         <p:spPr>
           <a:xfrm>
             <a:off x="360000" y="1980000"/>
-            <a:ext cx="9170280" cy="4670280"/>
+            <a:ext cx="9169920" cy="4669920"/>
           </a:xfrm>
           <a:prstGeom prst="rect">
             <a:avLst/>
@@ -9093,7 +8456,7 @@
         <p:spPr>
           <a:xfrm>
             <a:off x="897120" y="6886080"/>
-            <a:ext cx="6437520" cy="355320"/>
+            <a:ext cx="6437160" cy="354960"/>
           </a:xfrm>
           <a:prstGeom prst="rect">
             <a:avLst/>
@@ -9145,7 +8508,7 @@
         <p:spPr>
           <a:xfrm>
             <a:off x="7608600" y="6886080"/>
-            <a:ext cx="2275560" cy="355320"/>
+            <a:ext cx="2275200" cy="354960"/>
           </a:xfrm>
           <a:prstGeom prst="rect">
             <a:avLst/>
@@ -9201,7 +8564,7 @@
         <p:spPr>
           <a:xfrm>
             <a:off x="3332880" y="5882760"/>
-            <a:ext cx="417600" cy="446400"/>
+            <a:ext cx="417240" cy="446040"/>
           </a:xfrm>
           <a:prstGeom prst="rect">
             <a:avLst/>
@@ -9224,7 +8587,7 @@
         <p:spPr>
           <a:xfrm>
             <a:off x="3837240" y="5883120"/>
-            <a:ext cx="417600" cy="446400"/>
+            <a:ext cx="417240" cy="446040"/>
           </a:xfrm>
           <a:prstGeom prst="rect">
             <a:avLst/>
@@ -9247,7 +8610,7 @@
         <p:spPr>
           <a:xfrm>
             <a:off x="4377600" y="5883480"/>
-            <a:ext cx="417600" cy="446400"/>
+            <a:ext cx="417240" cy="446040"/>
           </a:xfrm>
           <a:prstGeom prst="rect">
             <a:avLst/>
@@ -9270,7 +8633,7 @@
         <p:spPr>
           <a:xfrm>
             <a:off x="4917960" y="5883840"/>
-            <a:ext cx="417600" cy="446400"/>
+            <a:ext cx="417240" cy="446040"/>
           </a:xfrm>
           <a:prstGeom prst="rect">
             <a:avLst/>
@@ -9319,7 +8682,7 @@
         <p:spPr>
           <a:xfrm>
             <a:off x="360000" y="360000"/>
-            <a:ext cx="9350280" cy="890280"/>
+            <a:ext cx="9349920" cy="889920"/>
           </a:xfrm>
           <a:prstGeom prst="rect">
             <a:avLst/>
@@ -9371,7 +8734,7 @@
         <p:spPr>
           <a:xfrm>
             <a:off x="360000" y="1980000"/>
-            <a:ext cx="9170280" cy="4670280"/>
+            <a:ext cx="9169920" cy="4669920"/>
           </a:xfrm>
           <a:prstGeom prst="rect">
             <a:avLst/>
@@ -9430,7 +8793,7 @@
         <p:spPr>
           <a:xfrm>
             <a:off x="897120" y="6886080"/>
-            <a:ext cx="6437520" cy="355320"/>
+            <a:ext cx="6437160" cy="354960"/>
           </a:xfrm>
           <a:prstGeom prst="rect">
             <a:avLst/>
@@ -9482,7 +8845,7 @@
         <p:spPr>
           <a:xfrm>
             <a:off x="7608600" y="6886080"/>
-            <a:ext cx="2275560" cy="355320"/>
+            <a:ext cx="2275200" cy="354960"/>
           </a:xfrm>
           <a:prstGeom prst="rect">
             <a:avLst/>
@@ -9534,7 +8897,7 @@
         <p:spPr>
           <a:xfrm>
             <a:off x="342360" y="1529280"/>
-            <a:ext cx="9376560" cy="5360040"/>
+            <a:ext cx="9376200" cy="5359680"/>
           </a:xfrm>
           <a:prstGeom prst="rect">
             <a:avLst/>
@@ -9984,7 +9347,7 @@
         <p:spPr>
           <a:xfrm>
             <a:off x="1435320" y="3052080"/>
-            <a:ext cx="7636320" cy="2936880"/>
+            <a:ext cx="7635960" cy="2936520"/>
           </a:xfrm>
           <a:prstGeom prst="rect">
             <a:avLst/>
@@ -10033,7 +9396,7 @@
         <p:spPr>
           <a:xfrm>
             <a:off x="360000" y="360000"/>
-            <a:ext cx="9350280" cy="890280"/>
+            <a:ext cx="9349920" cy="889920"/>
           </a:xfrm>
           <a:prstGeom prst="rect">
             <a:avLst/>
@@ -10085,7 +9448,7 @@
         <p:spPr>
           <a:xfrm>
             <a:off x="360000" y="1980000"/>
-            <a:ext cx="9170280" cy="4670280"/>
+            <a:ext cx="9169920" cy="4669920"/>
           </a:xfrm>
           <a:prstGeom prst="rect">
             <a:avLst/>
@@ -10144,7 +9507,7 @@
         <p:spPr>
           <a:xfrm>
             <a:off x="897120" y="6886080"/>
-            <a:ext cx="6437520" cy="355320"/>
+            <a:ext cx="6437160" cy="354960"/>
           </a:xfrm>
           <a:prstGeom prst="rect">
             <a:avLst/>
@@ -10196,7 +9559,7 @@
         <p:spPr>
           <a:xfrm>
             <a:off x="7608600" y="6886080"/>
-            <a:ext cx="2275560" cy="355320"/>
+            <a:ext cx="2275200" cy="354960"/>
           </a:xfrm>
           <a:prstGeom prst="rect">
             <a:avLst/>
@@ -10248,7 +9611,7 @@
         <p:spPr>
           <a:xfrm>
             <a:off x="342360" y="1529280"/>
-            <a:ext cx="9376560" cy="5360040"/>
+            <a:ext cx="9376200" cy="5359680"/>
           </a:xfrm>
           <a:prstGeom prst="rect">
             <a:avLst/>
@@ -10698,7 +10061,7 @@
         <p:spPr>
           <a:xfrm>
             <a:off x="3046680" y="3056400"/>
-            <a:ext cx="4619880" cy="3722040"/>
+            <a:ext cx="4619520" cy="3721680"/>
           </a:xfrm>
           <a:prstGeom prst="rect">
             <a:avLst/>
@@ -10747,7 +10110,7 @@
         <p:spPr>
           <a:xfrm>
             <a:off x="360000" y="360000"/>
-            <a:ext cx="9350280" cy="890280"/>
+            <a:ext cx="9349920" cy="889920"/>
           </a:xfrm>
           <a:prstGeom prst="rect">
             <a:avLst/>
@@ -10799,7 +10162,7 @@
         <p:spPr>
           <a:xfrm>
             <a:off x="360000" y="1980000"/>
-            <a:ext cx="9170280" cy="4670280"/>
+            <a:ext cx="9169920" cy="4669920"/>
           </a:xfrm>
           <a:prstGeom prst="rect">
             <a:avLst/>
@@ -10858,7 +10221,7 @@
         <p:spPr>
           <a:xfrm>
             <a:off x="897120" y="6886080"/>
-            <a:ext cx="6437520" cy="355320"/>
+            <a:ext cx="6437160" cy="354960"/>
           </a:xfrm>
           <a:prstGeom prst="rect">
             <a:avLst/>
@@ -10910,7 +10273,7 @@
         <p:spPr>
           <a:xfrm>
             <a:off x="7608600" y="6886080"/>
-            <a:ext cx="2275560" cy="355320"/>
+            <a:ext cx="2275200" cy="354960"/>
           </a:xfrm>
           <a:prstGeom prst="rect">
             <a:avLst/>
@@ -10962,7 +10325,7 @@
         <p:spPr>
           <a:xfrm>
             <a:off x="342360" y="1529280"/>
-            <a:ext cx="9376560" cy="5360040"/>
+            <a:ext cx="9376200" cy="5359680"/>
           </a:xfrm>
           <a:prstGeom prst="rect">
             <a:avLst/>
@@ -11375,7 +10738,7 @@
         <p:spPr>
           <a:xfrm>
             <a:off x="2332440" y="2633040"/>
-            <a:ext cx="5420880" cy="4068720"/>
+            <a:ext cx="5420520" cy="4068360"/>
           </a:xfrm>
           <a:prstGeom prst="rect">
             <a:avLst/>
@@ -11424,7 +10787,7 @@
         <p:spPr>
           <a:xfrm>
             <a:off x="360000" y="360000"/>
-            <a:ext cx="9350280" cy="890280"/>
+            <a:ext cx="9349920" cy="889920"/>
           </a:xfrm>
           <a:prstGeom prst="rect">
             <a:avLst/>
@@ -11476,7 +10839,7 @@
         <p:spPr>
           <a:xfrm>
             <a:off x="360000" y="1980000"/>
-            <a:ext cx="9170280" cy="4670280"/>
+            <a:ext cx="9169920" cy="4669920"/>
           </a:xfrm>
           <a:prstGeom prst="rect">
             <a:avLst/>
@@ -11535,7 +10898,7 @@
         <p:spPr>
           <a:xfrm>
             <a:off x="897120" y="6886080"/>
-            <a:ext cx="6437520" cy="355320"/>
+            <a:ext cx="6437160" cy="354960"/>
           </a:xfrm>
           <a:prstGeom prst="rect">
             <a:avLst/>
@@ -11587,7 +10950,7 @@
         <p:spPr>
           <a:xfrm>
             <a:off x="7608600" y="6886080"/>
-            <a:ext cx="2275560" cy="355320"/>
+            <a:ext cx="2275200" cy="354960"/>
           </a:xfrm>
           <a:prstGeom prst="rect">
             <a:avLst/>
@@ -11639,7 +11002,7 @@
         <p:spPr>
           <a:xfrm>
             <a:off x="342360" y="1529280"/>
-            <a:ext cx="9376560" cy="5360040"/>
+            <a:ext cx="9376200" cy="5359680"/>
           </a:xfrm>
           <a:prstGeom prst="rect">
             <a:avLst/>
@@ -11685,17 +11048,7 @@
                 <a:latin typeface="Latin Modern Sans"/>
                 <a:ea typeface="DejaVu Sans"/>
               </a:rPr>
-              <a:t>Porém, apenas treinar N classificadores, pode não gerar </a:t>
-            </a:r>
-            <a:r>
-              <a:rPr b="0" lang="pt-BR" sz="1600" spc="-1" strike="noStrike">
-                <a:solidFill>
-                  <a:srgbClr val="1c1c1c"/>
-                </a:solidFill>
-                <a:latin typeface="Latin Modern Sans"/>
-                <a:ea typeface="DejaVu Sans"/>
-              </a:rPr>
-              <a:t>generalizações distintas</a:t>
+              <a:t>Porém, apenas treinar N classificadores, pode não gerar generalizações distintas</a:t>
             </a:r>
             <a:endParaRPr b="0" lang="pt-BR" sz="1600" spc="-1" strike="noStrike">
               <a:latin typeface="Arial"/>
@@ -12057,7 +11410,7 @@
         <p:spPr>
           <a:xfrm>
             <a:off x="2286000" y="2409480"/>
-            <a:ext cx="5281920" cy="4255200"/>
+            <a:ext cx="5281560" cy="4254840"/>
           </a:xfrm>
           <a:prstGeom prst="rect">
             <a:avLst/>
@@ -12106,7 +11459,7 @@
         <p:spPr>
           <a:xfrm>
             <a:off x="360000" y="360000"/>
-            <a:ext cx="9350280" cy="890280"/>
+            <a:ext cx="9349920" cy="889920"/>
           </a:xfrm>
           <a:prstGeom prst="rect">
             <a:avLst/>
@@ -12158,7 +11511,7 @@
         <p:spPr>
           <a:xfrm>
             <a:off x="360000" y="1980000"/>
-            <a:ext cx="9170280" cy="4670280"/>
+            <a:ext cx="9169920" cy="4669920"/>
           </a:xfrm>
           <a:prstGeom prst="rect">
             <a:avLst/>
@@ -12217,7 +11570,7 @@
         <p:spPr>
           <a:xfrm>
             <a:off x="897120" y="6886080"/>
-            <a:ext cx="6437520" cy="355320"/>
+            <a:ext cx="6437160" cy="354960"/>
           </a:xfrm>
           <a:prstGeom prst="rect">
             <a:avLst/>
@@ -12269,7 +11622,7 @@
         <p:spPr>
           <a:xfrm>
             <a:off x="7608600" y="6886080"/>
-            <a:ext cx="2275560" cy="355320"/>
+            <a:ext cx="2275200" cy="354960"/>
           </a:xfrm>
           <a:prstGeom prst="rect">
             <a:avLst/>
@@ -12321,7 +11674,7 @@
         <p:spPr>
           <a:xfrm>
             <a:off x="342360" y="1529280"/>
-            <a:ext cx="9376560" cy="5360040"/>
+            <a:ext cx="9376200" cy="5359680"/>
           </a:xfrm>
           <a:prstGeom prst="rect">
             <a:avLst/>
@@ -12734,7 +12087,7 @@
         <p:spPr>
           <a:xfrm>
             <a:off x="2365200" y="2396520"/>
-            <a:ext cx="5287680" cy="4259880"/>
+            <a:ext cx="5287320" cy="4259520"/>
           </a:xfrm>
           <a:prstGeom prst="rect">
             <a:avLst/>
@@ -12783,7 +12136,7 @@
         <p:spPr>
           <a:xfrm>
             <a:off x="360000" y="360000"/>
-            <a:ext cx="9350280" cy="890280"/>
+            <a:ext cx="9349920" cy="889920"/>
           </a:xfrm>
           <a:prstGeom prst="rect">
             <a:avLst/>
@@ -12818,287 +12171,7 @@
                 <a:latin typeface="Source Sans Pro Black"/>
                 <a:ea typeface="DejaVu Sans"/>
               </a:rPr>
-              <a:t>C</a:t>
-            </a:r>
-            <a:r>
-              <a:rPr b="1" lang="pt-BR" sz="2600" spc="-1" strike="noStrike">
-                <a:solidFill>
-                  <a:srgbClr val="ffffff"/>
-                </a:solidFill>
-                <a:latin typeface="Source Sans Pro Black"/>
-                <a:ea typeface="DejaVu Sans"/>
-              </a:rPr>
-              <a:t>o</a:t>
-            </a:r>
-            <a:r>
-              <a:rPr b="1" lang="pt-BR" sz="2600" spc="-1" strike="noStrike">
-                <a:solidFill>
-                  <a:srgbClr val="ffffff"/>
-                </a:solidFill>
-                <a:latin typeface="Source Sans Pro Black"/>
-                <a:ea typeface="DejaVu Sans"/>
-              </a:rPr>
-              <a:t>m</a:t>
-            </a:r>
-            <a:r>
-              <a:rPr b="1" lang="pt-BR" sz="2600" spc="-1" strike="noStrike">
-                <a:solidFill>
-                  <a:srgbClr val="ffffff"/>
-                </a:solidFill>
-                <a:latin typeface="Source Sans Pro Black"/>
-                <a:ea typeface="DejaVu Sans"/>
-              </a:rPr>
-              <a:t>b</a:t>
-            </a:r>
-            <a:r>
-              <a:rPr b="1" lang="pt-BR" sz="2600" spc="-1" strike="noStrike">
-                <a:solidFill>
-                  <a:srgbClr val="ffffff"/>
-                </a:solidFill>
-                <a:latin typeface="Source Sans Pro Black"/>
-                <a:ea typeface="DejaVu Sans"/>
-              </a:rPr>
-              <a:t>i</a:t>
-            </a:r>
-            <a:r>
-              <a:rPr b="1" lang="pt-BR" sz="2600" spc="-1" strike="noStrike">
-                <a:solidFill>
-                  <a:srgbClr val="ffffff"/>
-                </a:solidFill>
-                <a:latin typeface="Source Sans Pro Black"/>
-                <a:ea typeface="DejaVu Sans"/>
-              </a:rPr>
-              <a:t>n</a:t>
-            </a:r>
-            <a:r>
-              <a:rPr b="1" lang="pt-BR" sz="2600" spc="-1" strike="noStrike">
-                <a:solidFill>
-                  <a:srgbClr val="ffffff"/>
-                </a:solidFill>
-                <a:latin typeface="Source Sans Pro Black"/>
-                <a:ea typeface="DejaVu Sans"/>
-              </a:rPr>
-              <a:t>a</a:t>
-            </a:r>
-            <a:r>
-              <a:rPr b="1" lang="pt-BR" sz="2600" spc="-1" strike="noStrike">
-                <a:solidFill>
-                  <a:srgbClr val="ffffff"/>
-                </a:solidFill>
-                <a:latin typeface="Source Sans Pro Black"/>
-                <a:ea typeface="DejaVu Sans"/>
-              </a:rPr>
-              <a:t>ç</a:t>
-            </a:r>
-            <a:r>
-              <a:rPr b="1" lang="pt-BR" sz="2600" spc="-1" strike="noStrike">
-                <a:solidFill>
-                  <a:srgbClr val="ffffff"/>
-                </a:solidFill>
-                <a:latin typeface="Source Sans Pro Black"/>
-                <a:ea typeface="DejaVu Sans"/>
-              </a:rPr>
-              <a:t>ã</a:t>
-            </a:r>
-            <a:r>
-              <a:rPr b="1" lang="pt-BR" sz="2600" spc="-1" strike="noStrike">
-                <a:solidFill>
-                  <a:srgbClr val="ffffff"/>
-                </a:solidFill>
-                <a:latin typeface="Source Sans Pro Black"/>
-                <a:ea typeface="DejaVu Sans"/>
-              </a:rPr>
-              <a:t>o</a:t>
-            </a:r>
-            <a:r>
-              <a:rPr b="1" lang="pt-BR" sz="2600" spc="-1" strike="noStrike">
-                <a:solidFill>
-                  <a:srgbClr val="ffffff"/>
-                </a:solidFill>
-                <a:latin typeface="Source Sans Pro Black"/>
-                <a:ea typeface="DejaVu Sans"/>
-              </a:rPr>
-              <a:t> </a:t>
-            </a:r>
-            <a:r>
-              <a:rPr b="1" lang="pt-BR" sz="2600" spc="-1" strike="noStrike">
-                <a:solidFill>
-                  <a:srgbClr val="ffffff"/>
-                </a:solidFill>
-                <a:latin typeface="Source Sans Pro Black"/>
-                <a:ea typeface="DejaVu Sans"/>
-              </a:rPr>
-              <a:t>d</a:t>
-            </a:r>
-            <a:r>
-              <a:rPr b="1" lang="pt-BR" sz="2600" spc="-1" strike="noStrike">
-                <a:solidFill>
-                  <a:srgbClr val="ffffff"/>
-                </a:solidFill>
-                <a:latin typeface="Source Sans Pro Black"/>
-                <a:ea typeface="DejaVu Sans"/>
-              </a:rPr>
-              <a:t>e</a:t>
-            </a:r>
-            <a:r>
-              <a:rPr b="1" lang="pt-BR" sz="2600" spc="-1" strike="noStrike">
-                <a:solidFill>
-                  <a:srgbClr val="ffffff"/>
-                </a:solidFill>
-                <a:latin typeface="Source Sans Pro Black"/>
-                <a:ea typeface="DejaVu Sans"/>
-              </a:rPr>
-              <a:t> </a:t>
-            </a:r>
-            <a:r>
-              <a:rPr b="1" lang="pt-BR" sz="2600" spc="-1" strike="noStrike">
-                <a:solidFill>
-                  <a:srgbClr val="ffffff"/>
-                </a:solidFill>
-                <a:latin typeface="Source Sans Pro Black"/>
-                <a:ea typeface="DejaVu Sans"/>
-              </a:rPr>
-              <a:t>c</a:t>
-            </a:r>
-            <a:r>
-              <a:rPr b="1" lang="pt-BR" sz="2600" spc="-1" strike="noStrike">
-                <a:solidFill>
-                  <a:srgbClr val="ffffff"/>
-                </a:solidFill>
-                <a:latin typeface="Source Sans Pro Black"/>
-                <a:ea typeface="DejaVu Sans"/>
-              </a:rPr>
-              <a:t>l</a:t>
-            </a:r>
-            <a:r>
-              <a:rPr b="1" lang="pt-BR" sz="2600" spc="-1" strike="noStrike">
-                <a:solidFill>
-                  <a:srgbClr val="ffffff"/>
-                </a:solidFill>
-                <a:latin typeface="Source Sans Pro Black"/>
-                <a:ea typeface="DejaVu Sans"/>
-              </a:rPr>
-              <a:t>a</a:t>
-            </a:r>
-            <a:r>
-              <a:rPr b="1" lang="pt-BR" sz="2600" spc="-1" strike="noStrike">
-                <a:solidFill>
-                  <a:srgbClr val="ffffff"/>
-                </a:solidFill>
-                <a:latin typeface="Source Sans Pro Black"/>
-                <a:ea typeface="DejaVu Sans"/>
-              </a:rPr>
-              <a:t>s</a:t>
-            </a:r>
-            <a:r>
-              <a:rPr b="1" lang="pt-BR" sz="2600" spc="-1" strike="noStrike">
-                <a:solidFill>
-                  <a:srgbClr val="ffffff"/>
-                </a:solidFill>
-                <a:latin typeface="Source Sans Pro Black"/>
-                <a:ea typeface="DejaVu Sans"/>
-              </a:rPr>
-              <a:t>s</a:t>
-            </a:r>
-            <a:r>
-              <a:rPr b="1" lang="pt-BR" sz="2600" spc="-1" strike="noStrike">
-                <a:solidFill>
-                  <a:srgbClr val="ffffff"/>
-                </a:solidFill>
-                <a:latin typeface="Source Sans Pro Black"/>
-                <a:ea typeface="DejaVu Sans"/>
-              </a:rPr>
-              <a:t>i</a:t>
-            </a:r>
-            <a:r>
-              <a:rPr b="1" lang="pt-BR" sz="2600" spc="-1" strike="noStrike">
-                <a:solidFill>
-                  <a:srgbClr val="ffffff"/>
-                </a:solidFill>
-                <a:latin typeface="Source Sans Pro Black"/>
-                <a:ea typeface="DejaVu Sans"/>
-              </a:rPr>
-              <a:t>f</a:t>
-            </a:r>
-            <a:r>
-              <a:rPr b="1" lang="pt-BR" sz="2600" spc="-1" strike="noStrike">
-                <a:solidFill>
-                  <a:srgbClr val="ffffff"/>
-                </a:solidFill>
-                <a:latin typeface="Source Sans Pro Black"/>
-                <a:ea typeface="DejaVu Sans"/>
-              </a:rPr>
-              <a:t>i</a:t>
-            </a:r>
-            <a:r>
-              <a:rPr b="1" lang="pt-BR" sz="2600" spc="-1" strike="noStrike">
-                <a:solidFill>
-                  <a:srgbClr val="ffffff"/>
-                </a:solidFill>
-                <a:latin typeface="Source Sans Pro Black"/>
-                <a:ea typeface="DejaVu Sans"/>
-              </a:rPr>
-              <a:t>c</a:t>
-            </a:r>
-            <a:r>
-              <a:rPr b="1" lang="pt-BR" sz="2600" spc="-1" strike="noStrike">
-                <a:solidFill>
-                  <a:srgbClr val="ffffff"/>
-                </a:solidFill>
-                <a:latin typeface="Source Sans Pro Black"/>
-                <a:ea typeface="DejaVu Sans"/>
-              </a:rPr>
-              <a:t>a</a:t>
-            </a:r>
-            <a:r>
-              <a:rPr b="1" lang="pt-BR" sz="2600" spc="-1" strike="noStrike">
-                <a:solidFill>
-                  <a:srgbClr val="ffffff"/>
-                </a:solidFill>
-                <a:latin typeface="Source Sans Pro Black"/>
-                <a:ea typeface="DejaVu Sans"/>
-              </a:rPr>
-              <a:t>d</a:t>
-            </a:r>
-            <a:r>
-              <a:rPr b="1" lang="pt-BR" sz="2600" spc="-1" strike="noStrike">
-                <a:solidFill>
-                  <a:srgbClr val="ffffff"/>
-                </a:solidFill>
-                <a:latin typeface="Source Sans Pro Black"/>
-                <a:ea typeface="DejaVu Sans"/>
-              </a:rPr>
-              <a:t>o</a:t>
-            </a:r>
-            <a:r>
-              <a:rPr b="1" lang="pt-BR" sz="2600" spc="-1" strike="noStrike">
-                <a:solidFill>
-                  <a:srgbClr val="ffffff"/>
-                </a:solidFill>
-                <a:latin typeface="Source Sans Pro Black"/>
-                <a:ea typeface="DejaVu Sans"/>
-              </a:rPr>
-              <a:t>r</a:t>
-            </a:r>
-            <a:r>
-              <a:rPr b="1" lang="pt-BR" sz="2600" spc="-1" strike="noStrike">
-                <a:solidFill>
-                  <a:srgbClr val="ffffff"/>
-                </a:solidFill>
-                <a:latin typeface="Source Sans Pro Black"/>
-                <a:ea typeface="DejaVu Sans"/>
-              </a:rPr>
-              <a:t>e</a:t>
-            </a:r>
-            <a:r>
-              <a:rPr b="1" lang="pt-BR" sz="2600" spc="-1" strike="noStrike">
-                <a:solidFill>
-                  <a:srgbClr val="ffffff"/>
-                </a:solidFill>
-                <a:latin typeface="Source Sans Pro Black"/>
-                <a:ea typeface="DejaVu Sans"/>
-              </a:rPr>
-              <a:t>s</a:t>
+              <a:t>Combinação de classificadores</a:t>
             </a:r>
             <a:endParaRPr b="0" lang="pt-BR" sz="2600" spc="-1" strike="noStrike">
               <a:latin typeface="Arial"/>
@@ -13115,7 +12188,7 @@
         <p:spPr>
           <a:xfrm>
             <a:off x="360000" y="1980000"/>
-            <a:ext cx="9170280" cy="4670280"/>
+            <a:ext cx="9169920" cy="4669920"/>
           </a:xfrm>
           <a:prstGeom prst="rect">
             <a:avLst/>
@@ -13174,7 +12247,7 @@
         <p:spPr>
           <a:xfrm>
             <a:off x="897120" y="6886080"/>
-            <a:ext cx="6437520" cy="355320"/>
+            <a:ext cx="6437160" cy="354960"/>
           </a:xfrm>
           <a:prstGeom prst="rect">
             <a:avLst/>
@@ -13226,7 +12299,7 @@
         <p:spPr>
           <a:xfrm>
             <a:off x="7608600" y="6886080"/>
-            <a:ext cx="2275560" cy="355320"/>
+            <a:ext cx="2275200" cy="354960"/>
           </a:xfrm>
           <a:prstGeom prst="rect">
             <a:avLst/>
@@ -13278,7 +12351,7 @@
         <p:spPr>
           <a:xfrm>
             <a:off x="342360" y="1529280"/>
-            <a:ext cx="9376560" cy="5360040"/>
+            <a:ext cx="9376200" cy="5359680"/>
           </a:xfrm>
           <a:prstGeom prst="rect">
             <a:avLst/>
@@ -13691,7 +12764,7 @@
         <p:spPr>
           <a:xfrm>
             <a:off x="1397520" y="2413080"/>
-            <a:ext cx="6984720" cy="4114440"/>
+            <a:ext cx="6984360" cy="4114080"/>
           </a:xfrm>
           <a:prstGeom prst="rect">
             <a:avLst/>
@@ -13714,7 +12787,7 @@
         <p:spPr>
           <a:xfrm>
             <a:off x="1397520" y="2413440"/>
-            <a:ext cx="6984720" cy="4114440"/>
+            <a:ext cx="6984360" cy="4114080"/>
           </a:xfrm>
           <a:prstGeom prst="rect">
             <a:avLst/>
@@ -13763,7 +12836,7 @@
         <p:spPr>
           <a:xfrm>
             <a:off x="360000" y="360000"/>
-            <a:ext cx="9350280" cy="890280"/>
+            <a:ext cx="9349920" cy="889920"/>
           </a:xfrm>
           <a:prstGeom prst="rect">
             <a:avLst/>
@@ -13815,7 +12888,7 @@
         <p:spPr>
           <a:xfrm>
             <a:off x="360000" y="1980000"/>
-            <a:ext cx="9295560" cy="4670280"/>
+            <a:ext cx="9295200" cy="4669920"/>
           </a:xfrm>
           <a:prstGeom prst="rect">
             <a:avLst/>
@@ -13874,7 +12947,7 @@
         <p:spPr>
           <a:xfrm>
             <a:off x="897120" y="6886080"/>
-            <a:ext cx="6437520" cy="355320"/>
+            <a:ext cx="6437160" cy="354960"/>
           </a:xfrm>
           <a:prstGeom prst="rect">
             <a:avLst/>
@@ -13926,7 +12999,7 @@
         <p:spPr>
           <a:xfrm>
             <a:off x="7608600" y="6886080"/>
-            <a:ext cx="2275560" cy="355320"/>
+            <a:ext cx="2275200" cy="354960"/>
           </a:xfrm>
           <a:prstGeom prst="rect">
             <a:avLst/>
@@ -13978,7 +13051,7 @@
         <p:spPr>
           <a:xfrm>
             <a:off x="342360" y="1529280"/>
-            <a:ext cx="6521040" cy="5360040"/>
+            <a:ext cx="6520680" cy="5359680"/>
           </a:xfrm>
           <a:prstGeom prst="rect">
             <a:avLst/>
@@ -14114,112 +13187,77 @@
             </a:endParaRPr>
           </a:p>
           <a:p>
-            <a:pPr marL="216000" indent="-216000">
+            <a:pPr>
               <a:lnSpc>
                 <a:spcPct val="150000"/>
               </a:lnSpc>
-              <a:buClr>
-                <a:srgbClr val="000000"/>
-              </a:buClr>
-              <a:buSzPct val="45000"/>
-              <a:buFont typeface="Wingdings" charset="2"/>
-              <a:buChar char=""/>
+              <a:buNone/>
             </a:pPr>
             <a:endParaRPr b="0" lang="pt-BR" sz="1600" spc="-1" strike="noStrike">
               <a:latin typeface="Arial"/>
             </a:endParaRPr>
           </a:p>
           <a:p>
-            <a:pPr marL="216000" indent="-216000">
+            <a:pPr>
               <a:lnSpc>
                 <a:spcPct val="150000"/>
               </a:lnSpc>
-              <a:buClr>
-                <a:srgbClr val="000000"/>
-              </a:buClr>
-              <a:buSzPct val="45000"/>
-              <a:buFont typeface="Wingdings" charset="2"/>
-              <a:buChar char=""/>
+              <a:buNone/>
             </a:pPr>
             <a:endParaRPr b="0" lang="pt-BR" sz="1600" spc="-1" strike="noStrike">
               <a:latin typeface="Arial"/>
             </a:endParaRPr>
           </a:p>
           <a:p>
-            <a:pPr marL="216000" indent="-216000">
+            <a:pPr>
               <a:lnSpc>
                 <a:spcPct val="150000"/>
               </a:lnSpc>
-              <a:buClr>
-                <a:srgbClr val="000000"/>
-              </a:buClr>
-              <a:buSzPct val="45000"/>
-              <a:buFont typeface="Wingdings" charset="2"/>
-              <a:buChar char=""/>
+              <a:buNone/>
             </a:pPr>
             <a:endParaRPr b="0" lang="pt-BR" sz="1600" spc="-1" strike="noStrike">
               <a:latin typeface="Arial"/>
             </a:endParaRPr>
           </a:p>
           <a:p>
-            <a:pPr marL="216000" indent="-216000">
+            <a:pPr>
               <a:lnSpc>
                 <a:spcPct val="150000"/>
               </a:lnSpc>
-              <a:buClr>
-                <a:srgbClr val="000000"/>
-              </a:buClr>
-              <a:buSzPct val="45000"/>
-              <a:buFont typeface="Wingdings" charset="2"/>
-              <a:buChar char=""/>
+              <a:buNone/>
             </a:pPr>
             <a:endParaRPr b="0" lang="pt-BR" sz="1600" spc="-1" strike="noStrike">
               <a:latin typeface="Arial"/>
             </a:endParaRPr>
           </a:p>
           <a:p>
-            <a:pPr lvl="1" marL="432000" indent="-216000">
+            <a:pPr>
               <a:lnSpc>
                 <a:spcPct val="150000"/>
               </a:lnSpc>
-              <a:buClr>
-                <a:srgbClr val="000000"/>
-              </a:buClr>
-              <a:buSzPct val="45000"/>
-              <a:buFont typeface="Wingdings" charset="2"/>
-              <a:buChar char=""/>
+              <a:buNone/>
             </a:pPr>
             <a:endParaRPr b="0" lang="pt-BR" sz="1600" spc="-1" strike="noStrike">
               <a:latin typeface="Arial"/>
             </a:endParaRPr>
           </a:p>
           <a:p>
-            <a:pPr marL="216000" indent="-216000">
+            <a:pPr>
               <a:lnSpc>
                 <a:spcPct val="150000"/>
               </a:lnSpc>
-              <a:buClr>
-                <a:srgbClr val="000000"/>
-              </a:buClr>
-              <a:buSzPct val="45000"/>
-              <a:buFont typeface="Wingdings" charset="2"/>
-              <a:buChar char=""/>
+              <a:buNone/>
             </a:pPr>
             <a:endParaRPr b="0" lang="pt-BR" sz="1600" spc="-1" strike="noStrike">
               <a:latin typeface="Arial"/>
             </a:endParaRPr>
           </a:p>
           <a:p>
-            <a:pPr lvl="1" marL="432000" indent="-216000">
+            <a:pPr>
               <a:lnSpc>
                 <a:spcPct val="150000"/>
               </a:lnSpc>
-              <a:buClr>
-                <a:srgbClr val="000000"/>
-              </a:buClr>
-              <a:buSzPct val="45000"/>
-              <a:buFont typeface="Wingdings" charset="2"/>
-              <a:buChar char=""/>
+              <a:buNone/>
             </a:pPr>
             <a:endParaRPr b="0" lang="pt-BR" sz="1600" spc="-1" strike="noStrike">
               <a:latin typeface="Arial"/>
@@ -14581,7 +13619,7 @@
         <p:spPr>
           <a:xfrm>
             <a:off x="4653000" y="3444840"/>
-            <a:ext cx="4253400" cy="3170520"/>
+            <a:ext cx="4253040" cy="3170160"/>
           </a:xfrm>
           <a:prstGeom prst="rect">
             <a:avLst/>
@@ -14605,7 +13643,7 @@
         <p:spPr>
           <a:xfrm>
             <a:off x="1693080" y="3801600"/>
-            <a:ext cx="1607760" cy="2273760"/>
+            <a:ext cx="1607400" cy="2273400"/>
           </a:xfrm>
           <a:prstGeom prst="rect">
             <a:avLst/>

--- a/AprendizadoMaquina/Tópico 02 - Aprendizado Supervisionado/Ensembles/Tópico 02 - Aprendizado-Supervisionado - Ensembles.pptx
+++ b/AprendizadoMaquina/Tópico 02 - Aprendizado Supervisionado/Ensembles/Tópico 02 - Aprendizado-Supervisionado - Ensembles.pptx
@@ -21,6 +21,13 @@
     <p:sldId id="265" r:id="rId14"/>
     <p:sldId id="266" r:id="rId15"/>
     <p:sldId id="267" r:id="rId16"/>
+    <p:sldId id="268" r:id="rId17"/>
+    <p:sldId id="269" r:id="rId18"/>
+    <p:sldId id="270" r:id="rId19"/>
+    <p:sldId id="271" r:id="rId20"/>
+    <p:sldId id="272" r:id="rId21"/>
+    <p:sldId id="273" r:id="rId22"/>
+    <p:sldId id="274" r:id="rId23"/>
   </p:sldIdLst>
   <p:sldSz cx="10080625" cy="7559675"/>
   <p:notesSz cx="7559675" cy="10691813"/>
@@ -304,7 +311,7 @@
             <a:pPr algn="r">
               <a:buNone/>
             </a:pPr>
-            <a:fld id="{158381FE-8851-4B36-A796-4F83A1A22CA0}" type="slidenum">
+            <a:fld id="{B111F9ED-EF39-46FC-A014-541215C60090}" type="slidenum">
               <a:rPr b="0" lang="pt-BR" sz="1400" spc="-1" strike="noStrike">
                 <a:latin typeface="Times New Roman"/>
               </a:rPr>
@@ -341,7 +348,7 @@
       </p:grpSpPr>
       <p:sp>
         <p:nvSpPr>
-          <p:cNvPr id="159" name="PlaceHolder 1"/>
+          <p:cNvPr id="199" name="PlaceHolder 1"/>
           <p:cNvSpPr>
             <a:spLocks noGrp="1"/>
           </p:cNvSpPr>
@@ -352,19 +359,19 @@
         <p:spPr>
           <a:xfrm>
             <a:off x="1376280" y="1336680"/>
-            <a:ext cx="4797360" cy="3597120"/>
-          </a:xfrm>
-          <a:prstGeom prst="rect">
-            <a:avLst/>
-          </a:prstGeom>
-          <a:ln w="0">
-            <a:noFill/>
-          </a:ln>
-        </p:spPr>
-      </p:sp>
-      <p:sp>
-        <p:nvSpPr>
-          <p:cNvPr id="160" name="PlaceHolder 2"/>
+            <a:ext cx="4797000" cy="3596760"/>
+          </a:xfrm>
+          <a:prstGeom prst="rect">
+            <a:avLst/>
+          </a:prstGeom>
+          <a:ln w="0">
+            <a:noFill/>
+          </a:ln>
+        </p:spPr>
+      </p:sp>
+      <p:sp>
+        <p:nvSpPr>
+          <p:cNvPr id="200" name="PlaceHolder 2"/>
           <p:cNvSpPr>
             <a:spLocks noGrp="1"/>
           </p:cNvSpPr>
@@ -375,7 +382,7 @@
         <p:spPr>
           <a:xfrm>
             <a:off x="756000" y="5145120"/>
-            <a:ext cx="6037560" cy="4199760"/>
+            <a:ext cx="6037200" cy="4199400"/>
           </a:xfrm>
           <a:prstGeom prst="rect">
             <a:avLst/>
@@ -398,14 +405,14 @@
       </p:sp>
       <p:sp>
         <p:nvSpPr>
-          <p:cNvPr id="161" name="CustomShape 3"/>
+          <p:cNvPr id="201" name="CustomShape 3"/>
           <p:cNvSpPr/>
           <p:nvPr/>
         </p:nvSpPr>
         <p:spPr>
           <a:xfrm>
             <a:off x="0" y="10155240"/>
-            <a:ext cx="3265920" cy="526320"/>
+            <a:ext cx="3265560" cy="525960"/>
           </a:xfrm>
           <a:prstGeom prst="rect">
             <a:avLst/>
@@ -472,7 +479,7 @@
       </p:grpSpPr>
       <p:sp>
         <p:nvSpPr>
-          <p:cNvPr id="186" name="PlaceHolder 1"/>
+          <p:cNvPr id="226" name="PlaceHolder 1"/>
           <p:cNvSpPr>
             <a:spLocks noGrp="1"/>
           </p:cNvSpPr>
@@ -483,19 +490,19 @@
         <p:spPr>
           <a:xfrm>
             <a:off x="1376280" y="1336680"/>
-            <a:ext cx="4797360" cy="3597120"/>
-          </a:xfrm>
-          <a:prstGeom prst="rect">
-            <a:avLst/>
-          </a:prstGeom>
-          <a:ln w="0">
-            <a:noFill/>
-          </a:ln>
-        </p:spPr>
-      </p:sp>
-      <p:sp>
-        <p:nvSpPr>
-          <p:cNvPr id="187" name="PlaceHolder 2"/>
+            <a:ext cx="4797000" cy="3596760"/>
+          </a:xfrm>
+          <a:prstGeom prst="rect">
+            <a:avLst/>
+          </a:prstGeom>
+          <a:ln w="0">
+            <a:noFill/>
+          </a:ln>
+        </p:spPr>
+      </p:sp>
+      <p:sp>
+        <p:nvSpPr>
+          <p:cNvPr id="227" name="PlaceHolder 2"/>
           <p:cNvSpPr>
             <a:spLocks noGrp="1"/>
           </p:cNvSpPr>
@@ -506,7 +513,7 @@
         <p:spPr>
           <a:xfrm>
             <a:off x="756000" y="5145120"/>
-            <a:ext cx="6037560" cy="4199760"/>
+            <a:ext cx="6037200" cy="4199400"/>
           </a:xfrm>
           <a:prstGeom prst="rect">
             <a:avLst/>
@@ -529,14 +536,14 @@
       </p:sp>
       <p:sp>
         <p:nvSpPr>
-          <p:cNvPr id="188" name="CustomShape 44"/>
+          <p:cNvPr id="228" name="CustomShape 44"/>
           <p:cNvSpPr/>
           <p:nvPr/>
         </p:nvSpPr>
         <p:spPr>
           <a:xfrm>
             <a:off x="0" y="10155240"/>
-            <a:ext cx="3265920" cy="526320"/>
+            <a:ext cx="3265560" cy="525960"/>
           </a:xfrm>
           <a:prstGeom prst="rect">
             <a:avLst/>
@@ -603,7 +610,7 @@
       </p:grpSpPr>
       <p:sp>
         <p:nvSpPr>
-          <p:cNvPr id="189" name="PlaceHolder 1"/>
+          <p:cNvPr id="229" name="PlaceHolder 1"/>
           <p:cNvSpPr>
             <a:spLocks noGrp="1"/>
           </p:cNvSpPr>
@@ -614,19 +621,19 @@
         <p:spPr>
           <a:xfrm>
             <a:off x="1376280" y="1336680"/>
-            <a:ext cx="4797360" cy="3597120"/>
-          </a:xfrm>
-          <a:prstGeom prst="rect">
-            <a:avLst/>
-          </a:prstGeom>
-          <a:ln w="0">
-            <a:noFill/>
-          </a:ln>
-        </p:spPr>
-      </p:sp>
-      <p:sp>
-        <p:nvSpPr>
-          <p:cNvPr id="190" name="PlaceHolder 2"/>
+            <a:ext cx="4797000" cy="3596760"/>
+          </a:xfrm>
+          <a:prstGeom prst="rect">
+            <a:avLst/>
+          </a:prstGeom>
+          <a:ln w="0">
+            <a:noFill/>
+          </a:ln>
+        </p:spPr>
+      </p:sp>
+      <p:sp>
+        <p:nvSpPr>
+          <p:cNvPr id="230" name="PlaceHolder 2"/>
           <p:cNvSpPr>
             <a:spLocks noGrp="1"/>
           </p:cNvSpPr>
@@ -637,7 +644,7 @@
         <p:spPr>
           <a:xfrm>
             <a:off x="756000" y="5145120"/>
-            <a:ext cx="6037560" cy="4199760"/>
+            <a:ext cx="6037200" cy="4199400"/>
           </a:xfrm>
           <a:prstGeom prst="rect">
             <a:avLst/>
@@ -660,14 +667,14 @@
       </p:sp>
       <p:sp>
         <p:nvSpPr>
-          <p:cNvPr id="191" name="CustomShape 49"/>
+          <p:cNvPr id="231" name="CustomShape 49"/>
           <p:cNvSpPr/>
           <p:nvPr/>
         </p:nvSpPr>
         <p:spPr>
           <a:xfrm>
             <a:off x="0" y="10155240"/>
-            <a:ext cx="3265920" cy="526320"/>
+            <a:ext cx="3265560" cy="525960"/>
           </a:xfrm>
           <a:prstGeom prst="rect">
             <a:avLst/>
@@ -734,7 +741,7 @@
       </p:grpSpPr>
       <p:sp>
         <p:nvSpPr>
-          <p:cNvPr id="192" name="PlaceHolder 1"/>
+          <p:cNvPr id="232" name="PlaceHolder 1"/>
           <p:cNvSpPr>
             <a:spLocks noGrp="1"/>
           </p:cNvSpPr>
@@ -745,19 +752,19 @@
         <p:spPr>
           <a:xfrm>
             <a:off x="1376280" y="1336680"/>
-            <a:ext cx="4797360" cy="3597120"/>
-          </a:xfrm>
-          <a:prstGeom prst="rect">
-            <a:avLst/>
-          </a:prstGeom>
-          <a:ln w="0">
-            <a:noFill/>
-          </a:ln>
-        </p:spPr>
-      </p:sp>
-      <p:sp>
-        <p:nvSpPr>
-          <p:cNvPr id="193" name="PlaceHolder 2"/>
+            <a:ext cx="4797000" cy="3596760"/>
+          </a:xfrm>
+          <a:prstGeom prst="rect">
+            <a:avLst/>
+          </a:prstGeom>
+          <a:ln w="0">
+            <a:noFill/>
+          </a:ln>
+        </p:spPr>
+      </p:sp>
+      <p:sp>
+        <p:nvSpPr>
+          <p:cNvPr id="233" name="PlaceHolder 2"/>
           <p:cNvSpPr>
             <a:spLocks noGrp="1"/>
           </p:cNvSpPr>
@@ -768,7 +775,7 @@
         <p:spPr>
           <a:xfrm>
             <a:off x="756000" y="5145120"/>
-            <a:ext cx="6037560" cy="4199760"/>
+            <a:ext cx="6037200" cy="4199400"/>
           </a:xfrm>
           <a:prstGeom prst="rect">
             <a:avLst/>
@@ -791,14 +798,931 @@
       </p:sp>
       <p:sp>
         <p:nvSpPr>
-          <p:cNvPr id="194" name="CustomShape 53"/>
+          <p:cNvPr id="234" name="CustomShape 53"/>
           <p:cNvSpPr/>
           <p:nvPr/>
         </p:nvSpPr>
         <p:spPr>
           <a:xfrm>
             <a:off x="0" y="10155240"/>
-            <a:ext cx="3265920" cy="526320"/>
+            <a:ext cx="3265560" cy="525960"/>
+          </a:xfrm>
+          <a:prstGeom prst="rect">
+            <a:avLst/>
+          </a:prstGeom>
+          <a:noFill/>
+          <a:ln w="0">
+            <a:noFill/>
+          </a:ln>
+        </p:spPr>
+        <p:style>
+          <a:lnRef idx="0"/>
+          <a:fillRef idx="0"/>
+          <a:effectRef idx="0"/>
+          <a:fontRef idx="minor"/>
+        </p:style>
+        <p:txBody>
+          <a:bodyPr lIns="90000" rIns="90000" tIns="45000" bIns="45000" anchor="b">
+            <a:noAutofit/>
+          </a:bodyPr>
+          <a:p>
+            <a:pPr>
+              <a:lnSpc>
+                <a:spcPct val="100000"/>
+              </a:lnSpc>
+              <a:buNone/>
+            </a:pPr>
+            <a:r>
+              <a:rPr b="0" lang="pt-BR" sz="1200" spc="-1" strike="noStrike">
+                <a:solidFill>
+                  <a:srgbClr val="000000"/>
+                </a:solidFill>
+                <a:latin typeface="Times New Roman"/>
+                <a:ea typeface="+mn-ea"/>
+              </a:rPr>
+              <a:t>Prof. André Hochuli</a:t>
+            </a:r>
+            <a:endParaRPr b="0" lang="pt-BR" sz="1200" spc="-1" strike="noStrike">
+              <a:latin typeface="Arial"/>
+            </a:endParaRPr>
+          </a:p>
+        </p:txBody>
+      </p:sp>
+    </p:spTree>
+  </p:cSld>
+</p:notes>
+</file>
+
+<file path=ppt/notesSlides/notesSlide13.xml><?xml version="1.0" encoding="utf-8"?>
+<p:notes xmlns:a="http://schemas.openxmlformats.org/drawingml/2006/main" xmlns:p="http://schemas.openxmlformats.org/presentationml/2006/main" xmlns:r="http://schemas.openxmlformats.org/officeDocument/2006/relationships" xmlns:p14="http://schemas.microsoft.com/office/powerpoint/2010/main" xmlns:p15="http://schemas.microsoft.com/office/powerpoint/2012/main" xmlns:mc="http://schemas.openxmlformats.org/markup-compatibility/2006">
+  <p:cSld>
+    <p:spTree>
+      <p:nvGrpSpPr>
+        <p:cNvPr id="1" name=""/>
+        <p:cNvGrpSpPr/>
+        <p:nvPr/>
+      </p:nvGrpSpPr>
+      <p:grpSpPr>
+        <a:xfrm>
+          <a:off x="0" y="0"/>
+          <a:ext cx="0" cy="0"/>
+          <a:chOff x="0" y="0"/>
+          <a:chExt cx="0" cy="0"/>
+        </a:xfrm>
+      </p:grpSpPr>
+      <p:sp>
+        <p:nvSpPr>
+          <p:cNvPr id="235" name="PlaceHolder 1"/>
+          <p:cNvSpPr>
+            <a:spLocks noGrp="1"/>
+          </p:cNvSpPr>
+          <p:nvPr>
+            <p:ph type="sldImg"/>
+          </p:nvPr>
+        </p:nvSpPr>
+        <p:spPr>
+          <a:xfrm>
+            <a:off x="1376280" y="1336680"/>
+            <a:ext cx="4797000" cy="3596760"/>
+          </a:xfrm>
+          <a:prstGeom prst="rect">
+            <a:avLst/>
+          </a:prstGeom>
+          <a:ln w="0">
+            <a:noFill/>
+          </a:ln>
+        </p:spPr>
+      </p:sp>
+      <p:sp>
+        <p:nvSpPr>
+          <p:cNvPr id="236" name="PlaceHolder 2"/>
+          <p:cNvSpPr>
+            <a:spLocks noGrp="1"/>
+          </p:cNvSpPr>
+          <p:nvPr>
+            <p:ph type="body"/>
+          </p:nvPr>
+        </p:nvSpPr>
+        <p:spPr>
+          <a:xfrm>
+            <a:off x="756000" y="5145120"/>
+            <a:ext cx="6037200" cy="4199400"/>
+          </a:xfrm>
+          <a:prstGeom prst="rect">
+            <a:avLst/>
+          </a:prstGeom>
+          <a:noFill/>
+          <a:ln w="0">
+            <a:noFill/>
+          </a:ln>
+        </p:spPr>
+        <p:txBody>
+          <a:bodyPr lIns="0" rIns="0" tIns="0" bIns="0" anchor="t">
+            <a:noAutofit/>
+          </a:bodyPr>
+          <a:p>
+            <a:endParaRPr b="0" lang="pt-BR" sz="2000" spc="-1" strike="noStrike">
+              <a:latin typeface="Arial"/>
+            </a:endParaRPr>
+          </a:p>
+        </p:txBody>
+      </p:sp>
+      <p:sp>
+        <p:nvSpPr>
+          <p:cNvPr id="237" name="CustomShape 63"/>
+          <p:cNvSpPr/>
+          <p:nvPr/>
+        </p:nvSpPr>
+        <p:spPr>
+          <a:xfrm>
+            <a:off x="0" y="10155240"/>
+            <a:ext cx="3265560" cy="525960"/>
+          </a:xfrm>
+          <a:prstGeom prst="rect">
+            <a:avLst/>
+          </a:prstGeom>
+          <a:noFill/>
+          <a:ln w="0">
+            <a:noFill/>
+          </a:ln>
+        </p:spPr>
+        <p:style>
+          <a:lnRef idx="0"/>
+          <a:fillRef idx="0"/>
+          <a:effectRef idx="0"/>
+          <a:fontRef idx="minor"/>
+        </p:style>
+        <p:txBody>
+          <a:bodyPr lIns="90000" rIns="90000" tIns="45000" bIns="45000" anchor="b">
+            <a:noAutofit/>
+          </a:bodyPr>
+          <a:p>
+            <a:pPr>
+              <a:lnSpc>
+                <a:spcPct val="100000"/>
+              </a:lnSpc>
+              <a:buNone/>
+            </a:pPr>
+            <a:r>
+              <a:rPr b="0" lang="pt-BR" sz="1200" spc="-1" strike="noStrike">
+                <a:solidFill>
+                  <a:srgbClr val="000000"/>
+                </a:solidFill>
+                <a:latin typeface="Times New Roman"/>
+                <a:ea typeface="+mn-ea"/>
+              </a:rPr>
+              <a:t>Prof. André Hochuli</a:t>
+            </a:r>
+            <a:endParaRPr b="0" lang="pt-BR" sz="1200" spc="-1" strike="noStrike">
+              <a:latin typeface="Arial"/>
+            </a:endParaRPr>
+          </a:p>
+        </p:txBody>
+      </p:sp>
+    </p:spTree>
+  </p:cSld>
+</p:notes>
+</file>
+
+<file path=ppt/notesSlides/notesSlide14.xml><?xml version="1.0" encoding="utf-8"?>
+<p:notes xmlns:a="http://schemas.openxmlformats.org/drawingml/2006/main" xmlns:p="http://schemas.openxmlformats.org/presentationml/2006/main" xmlns:r="http://schemas.openxmlformats.org/officeDocument/2006/relationships" xmlns:p14="http://schemas.microsoft.com/office/powerpoint/2010/main" xmlns:p15="http://schemas.microsoft.com/office/powerpoint/2012/main" xmlns:mc="http://schemas.openxmlformats.org/markup-compatibility/2006">
+  <p:cSld>
+    <p:spTree>
+      <p:nvGrpSpPr>
+        <p:cNvPr id="1" name=""/>
+        <p:cNvGrpSpPr/>
+        <p:nvPr/>
+      </p:nvGrpSpPr>
+      <p:grpSpPr>
+        <a:xfrm>
+          <a:off x="0" y="0"/>
+          <a:ext cx="0" cy="0"/>
+          <a:chOff x="0" y="0"/>
+          <a:chExt cx="0" cy="0"/>
+        </a:xfrm>
+      </p:grpSpPr>
+      <p:sp>
+        <p:nvSpPr>
+          <p:cNvPr id="238" name="PlaceHolder 1"/>
+          <p:cNvSpPr>
+            <a:spLocks noGrp="1"/>
+          </p:cNvSpPr>
+          <p:nvPr>
+            <p:ph type="sldImg"/>
+          </p:nvPr>
+        </p:nvSpPr>
+        <p:spPr>
+          <a:xfrm>
+            <a:off x="1376280" y="1336680"/>
+            <a:ext cx="4797000" cy="3596760"/>
+          </a:xfrm>
+          <a:prstGeom prst="rect">
+            <a:avLst/>
+          </a:prstGeom>
+          <a:ln w="0">
+            <a:noFill/>
+          </a:ln>
+        </p:spPr>
+      </p:sp>
+      <p:sp>
+        <p:nvSpPr>
+          <p:cNvPr id="239" name="PlaceHolder 2"/>
+          <p:cNvSpPr>
+            <a:spLocks noGrp="1"/>
+          </p:cNvSpPr>
+          <p:nvPr>
+            <p:ph type="body"/>
+          </p:nvPr>
+        </p:nvSpPr>
+        <p:spPr>
+          <a:xfrm>
+            <a:off x="756000" y="5145120"/>
+            <a:ext cx="6037200" cy="4199400"/>
+          </a:xfrm>
+          <a:prstGeom prst="rect">
+            <a:avLst/>
+          </a:prstGeom>
+          <a:noFill/>
+          <a:ln w="0">
+            <a:noFill/>
+          </a:ln>
+        </p:spPr>
+        <p:txBody>
+          <a:bodyPr lIns="0" rIns="0" tIns="0" bIns="0" anchor="t">
+            <a:noAutofit/>
+          </a:bodyPr>
+          <a:p>
+            <a:endParaRPr b="0" lang="pt-BR" sz="2000" spc="-1" strike="noStrike">
+              <a:latin typeface="Arial"/>
+            </a:endParaRPr>
+          </a:p>
+        </p:txBody>
+      </p:sp>
+      <p:sp>
+        <p:nvSpPr>
+          <p:cNvPr id="240" name="CustomShape 58"/>
+          <p:cNvSpPr/>
+          <p:nvPr/>
+        </p:nvSpPr>
+        <p:spPr>
+          <a:xfrm>
+            <a:off x="0" y="10155240"/>
+            <a:ext cx="3265560" cy="525960"/>
+          </a:xfrm>
+          <a:prstGeom prst="rect">
+            <a:avLst/>
+          </a:prstGeom>
+          <a:noFill/>
+          <a:ln w="0">
+            <a:noFill/>
+          </a:ln>
+        </p:spPr>
+        <p:style>
+          <a:lnRef idx="0"/>
+          <a:fillRef idx="0"/>
+          <a:effectRef idx="0"/>
+          <a:fontRef idx="minor"/>
+        </p:style>
+        <p:txBody>
+          <a:bodyPr lIns="90000" rIns="90000" tIns="45000" bIns="45000" anchor="b">
+            <a:noAutofit/>
+          </a:bodyPr>
+          <a:p>
+            <a:pPr>
+              <a:lnSpc>
+                <a:spcPct val="100000"/>
+              </a:lnSpc>
+              <a:buNone/>
+            </a:pPr>
+            <a:r>
+              <a:rPr b="0" lang="pt-BR" sz="1200" spc="-1" strike="noStrike">
+                <a:solidFill>
+                  <a:srgbClr val="000000"/>
+                </a:solidFill>
+                <a:latin typeface="Times New Roman"/>
+                <a:ea typeface="+mn-ea"/>
+              </a:rPr>
+              <a:t>Prof. André Hochuli</a:t>
+            </a:r>
+            <a:endParaRPr b="0" lang="pt-BR" sz="1200" spc="-1" strike="noStrike">
+              <a:latin typeface="Arial"/>
+            </a:endParaRPr>
+          </a:p>
+        </p:txBody>
+      </p:sp>
+    </p:spTree>
+  </p:cSld>
+</p:notes>
+</file>
+
+<file path=ppt/notesSlides/notesSlide15.xml><?xml version="1.0" encoding="utf-8"?>
+<p:notes xmlns:a="http://schemas.openxmlformats.org/drawingml/2006/main" xmlns:p="http://schemas.openxmlformats.org/presentationml/2006/main" xmlns:r="http://schemas.openxmlformats.org/officeDocument/2006/relationships" xmlns:p14="http://schemas.microsoft.com/office/powerpoint/2010/main" xmlns:p15="http://schemas.microsoft.com/office/powerpoint/2012/main" xmlns:mc="http://schemas.openxmlformats.org/markup-compatibility/2006">
+  <p:cSld>
+    <p:spTree>
+      <p:nvGrpSpPr>
+        <p:cNvPr id="1" name=""/>
+        <p:cNvGrpSpPr/>
+        <p:nvPr/>
+      </p:nvGrpSpPr>
+      <p:grpSpPr>
+        <a:xfrm>
+          <a:off x="0" y="0"/>
+          <a:ext cx="0" cy="0"/>
+          <a:chOff x="0" y="0"/>
+          <a:chExt cx="0" cy="0"/>
+        </a:xfrm>
+      </p:grpSpPr>
+      <p:sp>
+        <p:nvSpPr>
+          <p:cNvPr id="241" name="PlaceHolder 1"/>
+          <p:cNvSpPr>
+            <a:spLocks noGrp="1"/>
+          </p:cNvSpPr>
+          <p:nvPr>
+            <p:ph type="sldImg"/>
+          </p:nvPr>
+        </p:nvSpPr>
+        <p:spPr>
+          <a:xfrm>
+            <a:off x="1376280" y="1336680"/>
+            <a:ext cx="4797000" cy="3596760"/>
+          </a:xfrm>
+          <a:prstGeom prst="rect">
+            <a:avLst/>
+          </a:prstGeom>
+          <a:ln w="0">
+            <a:noFill/>
+          </a:ln>
+        </p:spPr>
+      </p:sp>
+      <p:sp>
+        <p:nvSpPr>
+          <p:cNvPr id="242" name="PlaceHolder 2"/>
+          <p:cNvSpPr>
+            <a:spLocks noGrp="1"/>
+          </p:cNvSpPr>
+          <p:nvPr>
+            <p:ph type="body"/>
+          </p:nvPr>
+        </p:nvSpPr>
+        <p:spPr>
+          <a:xfrm>
+            <a:off x="756000" y="5145120"/>
+            <a:ext cx="6037200" cy="4199400"/>
+          </a:xfrm>
+          <a:prstGeom prst="rect">
+            <a:avLst/>
+          </a:prstGeom>
+          <a:noFill/>
+          <a:ln w="0">
+            <a:noFill/>
+          </a:ln>
+        </p:spPr>
+        <p:txBody>
+          <a:bodyPr lIns="0" rIns="0" tIns="0" bIns="0" anchor="t">
+            <a:noAutofit/>
+          </a:bodyPr>
+          <a:p>
+            <a:endParaRPr b="0" lang="pt-BR" sz="2000" spc="-1" strike="noStrike">
+              <a:latin typeface="Arial"/>
+            </a:endParaRPr>
+          </a:p>
+        </p:txBody>
+      </p:sp>
+      <p:sp>
+        <p:nvSpPr>
+          <p:cNvPr id="243" name="CustomShape 68"/>
+          <p:cNvSpPr/>
+          <p:nvPr/>
+        </p:nvSpPr>
+        <p:spPr>
+          <a:xfrm>
+            <a:off x="0" y="10155240"/>
+            <a:ext cx="3265560" cy="525960"/>
+          </a:xfrm>
+          <a:prstGeom prst="rect">
+            <a:avLst/>
+          </a:prstGeom>
+          <a:noFill/>
+          <a:ln w="0">
+            <a:noFill/>
+          </a:ln>
+        </p:spPr>
+        <p:style>
+          <a:lnRef idx="0"/>
+          <a:fillRef idx="0"/>
+          <a:effectRef idx="0"/>
+          <a:fontRef idx="minor"/>
+        </p:style>
+        <p:txBody>
+          <a:bodyPr lIns="90000" rIns="90000" tIns="45000" bIns="45000" anchor="b">
+            <a:noAutofit/>
+          </a:bodyPr>
+          <a:p>
+            <a:pPr>
+              <a:lnSpc>
+                <a:spcPct val="100000"/>
+              </a:lnSpc>
+              <a:buNone/>
+            </a:pPr>
+            <a:r>
+              <a:rPr b="0" lang="pt-BR" sz="1200" spc="-1" strike="noStrike">
+                <a:solidFill>
+                  <a:srgbClr val="000000"/>
+                </a:solidFill>
+                <a:latin typeface="Times New Roman"/>
+                <a:ea typeface="+mn-ea"/>
+              </a:rPr>
+              <a:t>Prof. André Hochuli</a:t>
+            </a:r>
+            <a:endParaRPr b="0" lang="pt-BR" sz="1200" spc="-1" strike="noStrike">
+              <a:latin typeface="Arial"/>
+            </a:endParaRPr>
+          </a:p>
+        </p:txBody>
+      </p:sp>
+    </p:spTree>
+  </p:cSld>
+</p:notes>
+</file>
+
+<file path=ppt/notesSlides/notesSlide16.xml><?xml version="1.0" encoding="utf-8"?>
+<p:notes xmlns:a="http://schemas.openxmlformats.org/drawingml/2006/main" xmlns:p="http://schemas.openxmlformats.org/presentationml/2006/main" xmlns:r="http://schemas.openxmlformats.org/officeDocument/2006/relationships" xmlns:p14="http://schemas.microsoft.com/office/powerpoint/2010/main" xmlns:p15="http://schemas.microsoft.com/office/powerpoint/2012/main" xmlns:mc="http://schemas.openxmlformats.org/markup-compatibility/2006">
+  <p:cSld>
+    <p:spTree>
+      <p:nvGrpSpPr>
+        <p:cNvPr id="1" name=""/>
+        <p:cNvGrpSpPr/>
+        <p:nvPr/>
+      </p:nvGrpSpPr>
+      <p:grpSpPr>
+        <a:xfrm>
+          <a:off x="0" y="0"/>
+          <a:ext cx="0" cy="0"/>
+          <a:chOff x="0" y="0"/>
+          <a:chExt cx="0" cy="0"/>
+        </a:xfrm>
+      </p:grpSpPr>
+      <p:sp>
+        <p:nvSpPr>
+          <p:cNvPr id="244" name="PlaceHolder 1"/>
+          <p:cNvSpPr>
+            <a:spLocks noGrp="1"/>
+          </p:cNvSpPr>
+          <p:nvPr>
+            <p:ph type="sldImg"/>
+          </p:nvPr>
+        </p:nvSpPr>
+        <p:spPr>
+          <a:xfrm>
+            <a:off x="1376280" y="1336680"/>
+            <a:ext cx="4797000" cy="3596760"/>
+          </a:xfrm>
+          <a:prstGeom prst="rect">
+            <a:avLst/>
+          </a:prstGeom>
+          <a:ln w="0">
+            <a:noFill/>
+          </a:ln>
+        </p:spPr>
+      </p:sp>
+      <p:sp>
+        <p:nvSpPr>
+          <p:cNvPr id="245" name="PlaceHolder 2"/>
+          <p:cNvSpPr>
+            <a:spLocks noGrp="1"/>
+          </p:cNvSpPr>
+          <p:nvPr>
+            <p:ph type="body"/>
+          </p:nvPr>
+        </p:nvSpPr>
+        <p:spPr>
+          <a:xfrm>
+            <a:off x="756000" y="5145120"/>
+            <a:ext cx="6037200" cy="4199400"/>
+          </a:xfrm>
+          <a:prstGeom prst="rect">
+            <a:avLst/>
+          </a:prstGeom>
+          <a:noFill/>
+          <a:ln w="0">
+            <a:noFill/>
+          </a:ln>
+        </p:spPr>
+        <p:txBody>
+          <a:bodyPr lIns="0" rIns="0" tIns="0" bIns="0" anchor="t">
+            <a:noAutofit/>
+          </a:bodyPr>
+          <a:p>
+            <a:endParaRPr b="0" lang="pt-BR" sz="2000" spc="-1" strike="noStrike">
+              <a:latin typeface="Arial"/>
+            </a:endParaRPr>
+          </a:p>
+        </p:txBody>
+      </p:sp>
+      <p:sp>
+        <p:nvSpPr>
+          <p:cNvPr id="246" name="CustomShape 77"/>
+          <p:cNvSpPr/>
+          <p:nvPr/>
+        </p:nvSpPr>
+        <p:spPr>
+          <a:xfrm>
+            <a:off x="0" y="10155240"/>
+            <a:ext cx="3265560" cy="525960"/>
+          </a:xfrm>
+          <a:prstGeom prst="rect">
+            <a:avLst/>
+          </a:prstGeom>
+          <a:noFill/>
+          <a:ln w="0">
+            <a:noFill/>
+          </a:ln>
+        </p:spPr>
+        <p:style>
+          <a:lnRef idx="0"/>
+          <a:fillRef idx="0"/>
+          <a:effectRef idx="0"/>
+          <a:fontRef idx="minor"/>
+        </p:style>
+        <p:txBody>
+          <a:bodyPr lIns="90000" rIns="90000" tIns="45000" bIns="45000" anchor="b">
+            <a:noAutofit/>
+          </a:bodyPr>
+          <a:p>
+            <a:pPr>
+              <a:lnSpc>
+                <a:spcPct val="100000"/>
+              </a:lnSpc>
+              <a:buNone/>
+            </a:pPr>
+            <a:r>
+              <a:rPr b="0" lang="pt-BR" sz="1200" spc="-1" strike="noStrike">
+                <a:solidFill>
+                  <a:srgbClr val="000000"/>
+                </a:solidFill>
+                <a:latin typeface="Times New Roman"/>
+                <a:ea typeface="+mn-ea"/>
+              </a:rPr>
+              <a:t>Prof. André Hochuli</a:t>
+            </a:r>
+            <a:endParaRPr b="0" lang="pt-BR" sz="1200" spc="-1" strike="noStrike">
+              <a:latin typeface="Arial"/>
+            </a:endParaRPr>
+          </a:p>
+        </p:txBody>
+      </p:sp>
+    </p:spTree>
+  </p:cSld>
+</p:notes>
+</file>
+
+<file path=ppt/notesSlides/notesSlide17.xml><?xml version="1.0" encoding="utf-8"?>
+<p:notes xmlns:a="http://schemas.openxmlformats.org/drawingml/2006/main" xmlns:p="http://schemas.openxmlformats.org/presentationml/2006/main" xmlns:r="http://schemas.openxmlformats.org/officeDocument/2006/relationships" xmlns:p14="http://schemas.microsoft.com/office/powerpoint/2010/main" xmlns:p15="http://schemas.microsoft.com/office/powerpoint/2012/main" xmlns:mc="http://schemas.openxmlformats.org/markup-compatibility/2006">
+  <p:cSld>
+    <p:spTree>
+      <p:nvGrpSpPr>
+        <p:cNvPr id="1" name=""/>
+        <p:cNvGrpSpPr/>
+        <p:nvPr/>
+      </p:nvGrpSpPr>
+      <p:grpSpPr>
+        <a:xfrm>
+          <a:off x="0" y="0"/>
+          <a:ext cx="0" cy="0"/>
+          <a:chOff x="0" y="0"/>
+          <a:chExt cx="0" cy="0"/>
+        </a:xfrm>
+      </p:grpSpPr>
+      <p:sp>
+        <p:nvSpPr>
+          <p:cNvPr id="247" name="PlaceHolder 1"/>
+          <p:cNvSpPr>
+            <a:spLocks noGrp="1"/>
+          </p:cNvSpPr>
+          <p:nvPr>
+            <p:ph type="sldImg"/>
+          </p:nvPr>
+        </p:nvSpPr>
+        <p:spPr>
+          <a:xfrm>
+            <a:off x="1376280" y="1336680"/>
+            <a:ext cx="4797000" cy="3596760"/>
+          </a:xfrm>
+          <a:prstGeom prst="rect">
+            <a:avLst/>
+          </a:prstGeom>
+          <a:ln w="0">
+            <a:noFill/>
+          </a:ln>
+        </p:spPr>
+      </p:sp>
+      <p:sp>
+        <p:nvSpPr>
+          <p:cNvPr id="248" name="PlaceHolder 2"/>
+          <p:cNvSpPr>
+            <a:spLocks noGrp="1"/>
+          </p:cNvSpPr>
+          <p:nvPr>
+            <p:ph type="body"/>
+          </p:nvPr>
+        </p:nvSpPr>
+        <p:spPr>
+          <a:xfrm>
+            <a:off x="756000" y="5145120"/>
+            <a:ext cx="6037200" cy="4199400"/>
+          </a:xfrm>
+          <a:prstGeom prst="rect">
+            <a:avLst/>
+          </a:prstGeom>
+          <a:noFill/>
+          <a:ln w="0">
+            <a:noFill/>
+          </a:ln>
+        </p:spPr>
+        <p:txBody>
+          <a:bodyPr lIns="0" rIns="0" tIns="0" bIns="0" anchor="t">
+            <a:noAutofit/>
+          </a:bodyPr>
+          <a:p>
+            <a:endParaRPr b="0" lang="pt-BR" sz="2000" spc="-1" strike="noStrike">
+              <a:latin typeface="Arial"/>
+            </a:endParaRPr>
+          </a:p>
+        </p:txBody>
+      </p:sp>
+      <p:sp>
+        <p:nvSpPr>
+          <p:cNvPr id="249" name="CustomShape 82"/>
+          <p:cNvSpPr/>
+          <p:nvPr/>
+        </p:nvSpPr>
+        <p:spPr>
+          <a:xfrm>
+            <a:off x="0" y="10155240"/>
+            <a:ext cx="3265560" cy="525960"/>
+          </a:xfrm>
+          <a:prstGeom prst="rect">
+            <a:avLst/>
+          </a:prstGeom>
+          <a:noFill/>
+          <a:ln w="0">
+            <a:noFill/>
+          </a:ln>
+        </p:spPr>
+        <p:style>
+          <a:lnRef idx="0"/>
+          <a:fillRef idx="0"/>
+          <a:effectRef idx="0"/>
+          <a:fontRef idx="minor"/>
+        </p:style>
+        <p:txBody>
+          <a:bodyPr lIns="90000" rIns="90000" tIns="45000" bIns="45000" anchor="b">
+            <a:noAutofit/>
+          </a:bodyPr>
+          <a:p>
+            <a:pPr>
+              <a:lnSpc>
+                <a:spcPct val="100000"/>
+              </a:lnSpc>
+              <a:buNone/>
+            </a:pPr>
+            <a:r>
+              <a:rPr b="0" lang="pt-BR" sz="1200" spc="-1" strike="noStrike">
+                <a:solidFill>
+                  <a:srgbClr val="000000"/>
+                </a:solidFill>
+                <a:latin typeface="Times New Roman"/>
+                <a:ea typeface="+mn-ea"/>
+              </a:rPr>
+              <a:t>Prof. André Hochuli</a:t>
+            </a:r>
+            <a:endParaRPr b="0" lang="pt-BR" sz="1200" spc="-1" strike="noStrike">
+              <a:latin typeface="Arial"/>
+            </a:endParaRPr>
+          </a:p>
+        </p:txBody>
+      </p:sp>
+    </p:spTree>
+  </p:cSld>
+</p:notes>
+</file>
+
+<file path=ppt/notesSlides/notesSlide18.xml><?xml version="1.0" encoding="utf-8"?>
+<p:notes xmlns:a="http://schemas.openxmlformats.org/drawingml/2006/main" xmlns:p="http://schemas.openxmlformats.org/presentationml/2006/main" xmlns:r="http://schemas.openxmlformats.org/officeDocument/2006/relationships" xmlns:p14="http://schemas.microsoft.com/office/powerpoint/2010/main" xmlns:p15="http://schemas.microsoft.com/office/powerpoint/2012/main" xmlns:mc="http://schemas.openxmlformats.org/markup-compatibility/2006">
+  <p:cSld>
+    <p:spTree>
+      <p:nvGrpSpPr>
+        <p:cNvPr id="1" name=""/>
+        <p:cNvGrpSpPr/>
+        <p:nvPr/>
+      </p:nvGrpSpPr>
+      <p:grpSpPr>
+        <a:xfrm>
+          <a:off x="0" y="0"/>
+          <a:ext cx="0" cy="0"/>
+          <a:chOff x="0" y="0"/>
+          <a:chExt cx="0" cy="0"/>
+        </a:xfrm>
+      </p:grpSpPr>
+      <p:sp>
+        <p:nvSpPr>
+          <p:cNvPr id="250" name="PlaceHolder 1"/>
+          <p:cNvSpPr>
+            <a:spLocks noGrp="1"/>
+          </p:cNvSpPr>
+          <p:nvPr>
+            <p:ph type="sldImg"/>
+          </p:nvPr>
+        </p:nvSpPr>
+        <p:spPr>
+          <a:xfrm>
+            <a:off x="1376280" y="1336680"/>
+            <a:ext cx="4797000" cy="3596760"/>
+          </a:xfrm>
+          <a:prstGeom prst="rect">
+            <a:avLst/>
+          </a:prstGeom>
+          <a:ln w="0">
+            <a:noFill/>
+          </a:ln>
+        </p:spPr>
+      </p:sp>
+      <p:sp>
+        <p:nvSpPr>
+          <p:cNvPr id="251" name="PlaceHolder 2"/>
+          <p:cNvSpPr>
+            <a:spLocks noGrp="1"/>
+          </p:cNvSpPr>
+          <p:nvPr>
+            <p:ph type="body"/>
+          </p:nvPr>
+        </p:nvSpPr>
+        <p:spPr>
+          <a:xfrm>
+            <a:off x="756000" y="5145120"/>
+            <a:ext cx="6037200" cy="4199400"/>
+          </a:xfrm>
+          <a:prstGeom prst="rect">
+            <a:avLst/>
+          </a:prstGeom>
+          <a:noFill/>
+          <a:ln w="0">
+            <a:noFill/>
+          </a:ln>
+        </p:spPr>
+        <p:txBody>
+          <a:bodyPr lIns="0" rIns="0" tIns="0" bIns="0" anchor="t">
+            <a:noAutofit/>
+          </a:bodyPr>
+          <a:p>
+            <a:endParaRPr b="0" lang="pt-BR" sz="2000" spc="-1" strike="noStrike">
+              <a:latin typeface="Arial"/>
+            </a:endParaRPr>
+          </a:p>
+        </p:txBody>
+      </p:sp>
+      <p:sp>
+        <p:nvSpPr>
+          <p:cNvPr id="252" name="CustomShape 73"/>
+          <p:cNvSpPr/>
+          <p:nvPr/>
+        </p:nvSpPr>
+        <p:spPr>
+          <a:xfrm>
+            <a:off x="0" y="10155240"/>
+            <a:ext cx="3265560" cy="525960"/>
+          </a:xfrm>
+          <a:prstGeom prst="rect">
+            <a:avLst/>
+          </a:prstGeom>
+          <a:noFill/>
+          <a:ln w="0">
+            <a:noFill/>
+          </a:ln>
+        </p:spPr>
+        <p:style>
+          <a:lnRef idx="0"/>
+          <a:fillRef idx="0"/>
+          <a:effectRef idx="0"/>
+          <a:fontRef idx="minor"/>
+        </p:style>
+        <p:txBody>
+          <a:bodyPr lIns="90000" rIns="90000" tIns="45000" bIns="45000" anchor="b">
+            <a:noAutofit/>
+          </a:bodyPr>
+          <a:p>
+            <a:pPr>
+              <a:lnSpc>
+                <a:spcPct val="100000"/>
+              </a:lnSpc>
+              <a:buNone/>
+            </a:pPr>
+            <a:r>
+              <a:rPr b="0" lang="pt-BR" sz="1200" spc="-1" strike="noStrike">
+                <a:solidFill>
+                  <a:srgbClr val="000000"/>
+                </a:solidFill>
+                <a:latin typeface="Times New Roman"/>
+                <a:ea typeface="+mn-ea"/>
+              </a:rPr>
+              <a:t>Prof. André Hochuli</a:t>
+            </a:r>
+            <a:endParaRPr b="0" lang="pt-BR" sz="1200" spc="-1" strike="noStrike">
+              <a:latin typeface="Arial"/>
+            </a:endParaRPr>
+          </a:p>
+        </p:txBody>
+      </p:sp>
+    </p:spTree>
+  </p:cSld>
+</p:notes>
+</file>
+
+<file path=ppt/notesSlides/notesSlide19.xml><?xml version="1.0" encoding="utf-8"?>
+<p:notes xmlns:a="http://schemas.openxmlformats.org/drawingml/2006/main" xmlns:p="http://schemas.openxmlformats.org/presentationml/2006/main" xmlns:r="http://schemas.openxmlformats.org/officeDocument/2006/relationships" xmlns:p14="http://schemas.microsoft.com/office/powerpoint/2010/main" xmlns:p15="http://schemas.microsoft.com/office/powerpoint/2012/main" xmlns:mc="http://schemas.openxmlformats.org/markup-compatibility/2006">
+  <p:cSld>
+    <p:spTree>
+      <p:nvGrpSpPr>
+        <p:cNvPr id="1" name=""/>
+        <p:cNvGrpSpPr/>
+        <p:nvPr/>
+      </p:nvGrpSpPr>
+      <p:grpSpPr>
+        <a:xfrm>
+          <a:off x="0" y="0"/>
+          <a:ext cx="0" cy="0"/>
+          <a:chOff x="0" y="0"/>
+          <a:chExt cx="0" cy="0"/>
+        </a:xfrm>
+      </p:grpSpPr>
+      <p:sp>
+        <p:nvSpPr>
+          <p:cNvPr id="253" name="PlaceHolder 1"/>
+          <p:cNvSpPr>
+            <a:spLocks noGrp="1"/>
+          </p:cNvSpPr>
+          <p:nvPr>
+            <p:ph type="sldImg"/>
+          </p:nvPr>
+        </p:nvSpPr>
+        <p:spPr>
+          <a:xfrm>
+            <a:off x="1376280" y="1336680"/>
+            <a:ext cx="4797000" cy="3596760"/>
+          </a:xfrm>
+          <a:prstGeom prst="rect">
+            <a:avLst/>
+          </a:prstGeom>
+          <a:ln w="0">
+            <a:noFill/>
+          </a:ln>
+        </p:spPr>
+      </p:sp>
+      <p:sp>
+        <p:nvSpPr>
+          <p:cNvPr id="254" name="PlaceHolder 2"/>
+          <p:cNvSpPr>
+            <a:spLocks noGrp="1"/>
+          </p:cNvSpPr>
+          <p:nvPr>
+            <p:ph type="body"/>
+          </p:nvPr>
+        </p:nvSpPr>
+        <p:spPr>
+          <a:xfrm>
+            <a:off x="756000" y="5145120"/>
+            <a:ext cx="6037200" cy="4199400"/>
+          </a:xfrm>
+          <a:prstGeom prst="rect">
+            <a:avLst/>
+          </a:prstGeom>
+          <a:noFill/>
+          <a:ln w="0">
+            <a:noFill/>
+          </a:ln>
+        </p:spPr>
+        <p:txBody>
+          <a:bodyPr lIns="0" rIns="0" tIns="0" bIns="0" anchor="t">
+            <a:noAutofit/>
+          </a:bodyPr>
+          <a:p>
+            <a:endParaRPr b="0" lang="pt-BR" sz="2000" spc="-1" strike="noStrike">
+              <a:latin typeface="Arial"/>
+            </a:endParaRPr>
+          </a:p>
+        </p:txBody>
+      </p:sp>
+      <p:sp>
+        <p:nvSpPr>
+          <p:cNvPr id="255" name="CustomShape 87"/>
+          <p:cNvSpPr/>
+          <p:nvPr/>
+        </p:nvSpPr>
+        <p:spPr>
+          <a:xfrm>
+            <a:off x="0" y="10155240"/>
+            <a:ext cx="3265560" cy="525960"/>
           </a:xfrm>
           <a:prstGeom prst="rect">
             <a:avLst/>
@@ -865,7 +1789,7 @@
       </p:grpSpPr>
       <p:sp>
         <p:nvSpPr>
-          <p:cNvPr id="162" name="PlaceHolder 1"/>
+          <p:cNvPr id="202" name="PlaceHolder 1"/>
           <p:cNvSpPr>
             <a:spLocks noGrp="1"/>
           </p:cNvSpPr>
@@ -876,19 +1800,19 @@
         <p:spPr>
           <a:xfrm>
             <a:off x="1376280" y="1336680"/>
-            <a:ext cx="4797360" cy="3597120"/>
-          </a:xfrm>
-          <a:prstGeom prst="rect">
-            <a:avLst/>
-          </a:prstGeom>
-          <a:ln w="0">
-            <a:noFill/>
-          </a:ln>
-        </p:spPr>
-      </p:sp>
-      <p:sp>
-        <p:nvSpPr>
-          <p:cNvPr id="163" name="PlaceHolder 2"/>
+            <a:ext cx="4797000" cy="3596760"/>
+          </a:xfrm>
+          <a:prstGeom prst="rect">
+            <a:avLst/>
+          </a:prstGeom>
+          <a:ln w="0">
+            <a:noFill/>
+          </a:ln>
+        </p:spPr>
+      </p:sp>
+      <p:sp>
+        <p:nvSpPr>
+          <p:cNvPr id="203" name="PlaceHolder 2"/>
           <p:cNvSpPr>
             <a:spLocks noGrp="1"/>
           </p:cNvSpPr>
@@ -899,7 +1823,7 @@
         <p:spPr>
           <a:xfrm>
             <a:off x="756000" y="5145120"/>
-            <a:ext cx="6037560" cy="4199760"/>
+            <a:ext cx="6037200" cy="4199400"/>
           </a:xfrm>
           <a:prstGeom prst="rect">
             <a:avLst/>
@@ -922,14 +1846,14 @@
       </p:sp>
       <p:sp>
         <p:nvSpPr>
-          <p:cNvPr id="164" name="CustomShape 3"/>
+          <p:cNvPr id="204" name="CustomShape 3"/>
           <p:cNvSpPr/>
           <p:nvPr/>
         </p:nvSpPr>
         <p:spPr>
           <a:xfrm>
             <a:off x="0" y="10155240"/>
-            <a:ext cx="3265920" cy="526320"/>
+            <a:ext cx="3265560" cy="525960"/>
           </a:xfrm>
           <a:prstGeom prst="rect">
             <a:avLst/>
@@ -996,7 +1920,7 @@
       </p:grpSpPr>
       <p:sp>
         <p:nvSpPr>
-          <p:cNvPr id="165" name="PlaceHolder 1"/>
+          <p:cNvPr id="205" name="PlaceHolder 1"/>
           <p:cNvSpPr>
             <a:spLocks noGrp="1"/>
           </p:cNvSpPr>
@@ -1007,19 +1931,19 @@
         <p:spPr>
           <a:xfrm>
             <a:off x="1376280" y="1336680"/>
-            <a:ext cx="4797360" cy="3597120"/>
-          </a:xfrm>
-          <a:prstGeom prst="rect">
-            <a:avLst/>
-          </a:prstGeom>
-          <a:ln w="0">
-            <a:noFill/>
-          </a:ln>
-        </p:spPr>
-      </p:sp>
-      <p:sp>
-        <p:nvSpPr>
-          <p:cNvPr id="166" name="PlaceHolder 2"/>
+            <a:ext cx="4797000" cy="3596760"/>
+          </a:xfrm>
+          <a:prstGeom prst="rect">
+            <a:avLst/>
+          </a:prstGeom>
+          <a:ln w="0">
+            <a:noFill/>
+          </a:ln>
+        </p:spPr>
+      </p:sp>
+      <p:sp>
+        <p:nvSpPr>
+          <p:cNvPr id="206" name="PlaceHolder 2"/>
           <p:cNvSpPr>
             <a:spLocks noGrp="1"/>
           </p:cNvSpPr>
@@ -1030,7 +1954,7 @@
         <p:spPr>
           <a:xfrm>
             <a:off x="756000" y="5145120"/>
-            <a:ext cx="6037560" cy="4199760"/>
+            <a:ext cx="6037200" cy="4199400"/>
           </a:xfrm>
           <a:prstGeom prst="rect">
             <a:avLst/>
@@ -1053,14 +1977,14 @@
       </p:sp>
       <p:sp>
         <p:nvSpPr>
-          <p:cNvPr id="167" name="CustomShape 14"/>
+          <p:cNvPr id="207" name="CustomShape 14"/>
           <p:cNvSpPr/>
           <p:nvPr/>
         </p:nvSpPr>
         <p:spPr>
           <a:xfrm>
             <a:off x="0" y="10155240"/>
-            <a:ext cx="3265920" cy="526320"/>
+            <a:ext cx="3265560" cy="525960"/>
           </a:xfrm>
           <a:prstGeom prst="rect">
             <a:avLst/>
@@ -1127,7 +2051,7 @@
       </p:grpSpPr>
       <p:sp>
         <p:nvSpPr>
-          <p:cNvPr id="168" name="PlaceHolder 1"/>
+          <p:cNvPr id="208" name="PlaceHolder 1"/>
           <p:cNvSpPr>
             <a:spLocks noGrp="1"/>
           </p:cNvSpPr>
@@ -1138,19 +2062,19 @@
         <p:spPr>
           <a:xfrm>
             <a:off x="1376280" y="1336680"/>
-            <a:ext cx="4797360" cy="3597120"/>
-          </a:xfrm>
-          <a:prstGeom prst="rect">
-            <a:avLst/>
-          </a:prstGeom>
-          <a:ln w="0">
-            <a:noFill/>
-          </a:ln>
-        </p:spPr>
-      </p:sp>
-      <p:sp>
-        <p:nvSpPr>
-          <p:cNvPr id="169" name="PlaceHolder 2"/>
+            <a:ext cx="4797000" cy="3596760"/>
+          </a:xfrm>
+          <a:prstGeom prst="rect">
+            <a:avLst/>
+          </a:prstGeom>
+          <a:ln w="0">
+            <a:noFill/>
+          </a:ln>
+        </p:spPr>
+      </p:sp>
+      <p:sp>
+        <p:nvSpPr>
+          <p:cNvPr id="209" name="PlaceHolder 2"/>
           <p:cNvSpPr>
             <a:spLocks noGrp="1"/>
           </p:cNvSpPr>
@@ -1161,7 +2085,7 @@
         <p:spPr>
           <a:xfrm>
             <a:off x="756000" y="5145120"/>
-            <a:ext cx="6037560" cy="4199760"/>
+            <a:ext cx="6037200" cy="4199400"/>
           </a:xfrm>
           <a:prstGeom prst="rect">
             <a:avLst/>
@@ -1184,14 +2108,14 @@
       </p:sp>
       <p:sp>
         <p:nvSpPr>
-          <p:cNvPr id="170" name="CustomShape 11"/>
+          <p:cNvPr id="210" name="CustomShape 11"/>
           <p:cNvSpPr/>
           <p:nvPr/>
         </p:nvSpPr>
         <p:spPr>
           <a:xfrm>
             <a:off x="0" y="10155240"/>
-            <a:ext cx="3265920" cy="526320"/>
+            <a:ext cx="3265560" cy="525960"/>
           </a:xfrm>
           <a:prstGeom prst="rect">
             <a:avLst/>
@@ -1258,7 +2182,7 @@
       </p:grpSpPr>
       <p:sp>
         <p:nvSpPr>
-          <p:cNvPr id="171" name="PlaceHolder 1"/>
+          <p:cNvPr id="211" name="PlaceHolder 1"/>
           <p:cNvSpPr>
             <a:spLocks noGrp="1"/>
           </p:cNvSpPr>
@@ -1269,19 +2193,19 @@
         <p:spPr>
           <a:xfrm>
             <a:off x="1376280" y="1336680"/>
-            <a:ext cx="4797360" cy="3597120"/>
-          </a:xfrm>
-          <a:prstGeom prst="rect">
-            <a:avLst/>
-          </a:prstGeom>
-          <a:ln w="0">
-            <a:noFill/>
-          </a:ln>
-        </p:spPr>
-      </p:sp>
-      <p:sp>
-        <p:nvSpPr>
-          <p:cNvPr id="172" name="PlaceHolder 2"/>
+            <a:ext cx="4797000" cy="3596760"/>
+          </a:xfrm>
+          <a:prstGeom prst="rect">
+            <a:avLst/>
+          </a:prstGeom>
+          <a:ln w="0">
+            <a:noFill/>
+          </a:ln>
+        </p:spPr>
+      </p:sp>
+      <p:sp>
+        <p:nvSpPr>
+          <p:cNvPr id="212" name="PlaceHolder 2"/>
           <p:cNvSpPr>
             <a:spLocks noGrp="1"/>
           </p:cNvSpPr>
@@ -1292,7 +2216,7 @@
         <p:spPr>
           <a:xfrm>
             <a:off x="756000" y="5145120"/>
-            <a:ext cx="6037560" cy="4199760"/>
+            <a:ext cx="6037200" cy="4199400"/>
           </a:xfrm>
           <a:prstGeom prst="rect">
             <a:avLst/>
@@ -1315,14 +2239,14 @@
       </p:sp>
       <p:sp>
         <p:nvSpPr>
-          <p:cNvPr id="173" name="CustomShape 34"/>
+          <p:cNvPr id="213" name="CustomShape 34"/>
           <p:cNvSpPr/>
           <p:nvPr/>
         </p:nvSpPr>
         <p:spPr>
           <a:xfrm>
             <a:off x="0" y="10155240"/>
-            <a:ext cx="3265920" cy="526320"/>
+            <a:ext cx="3265560" cy="525960"/>
           </a:xfrm>
           <a:prstGeom prst="rect">
             <a:avLst/>
@@ -1389,7 +2313,7 @@
       </p:grpSpPr>
       <p:sp>
         <p:nvSpPr>
-          <p:cNvPr id="174" name="PlaceHolder 1"/>
+          <p:cNvPr id="214" name="PlaceHolder 1"/>
           <p:cNvSpPr>
             <a:spLocks noGrp="1"/>
           </p:cNvSpPr>
@@ -1400,19 +2324,19 @@
         <p:spPr>
           <a:xfrm>
             <a:off x="1376280" y="1336680"/>
-            <a:ext cx="4797360" cy="3597120"/>
-          </a:xfrm>
-          <a:prstGeom prst="rect">
-            <a:avLst/>
-          </a:prstGeom>
-          <a:ln w="0">
-            <a:noFill/>
-          </a:ln>
-        </p:spPr>
-      </p:sp>
-      <p:sp>
-        <p:nvSpPr>
-          <p:cNvPr id="175" name="PlaceHolder 2"/>
+            <a:ext cx="4797000" cy="3596760"/>
+          </a:xfrm>
+          <a:prstGeom prst="rect">
+            <a:avLst/>
+          </a:prstGeom>
+          <a:ln w="0">
+            <a:noFill/>
+          </a:ln>
+        </p:spPr>
+      </p:sp>
+      <p:sp>
+        <p:nvSpPr>
+          <p:cNvPr id="215" name="PlaceHolder 2"/>
           <p:cNvSpPr>
             <a:spLocks noGrp="1"/>
           </p:cNvSpPr>
@@ -1423,7 +2347,7 @@
         <p:spPr>
           <a:xfrm>
             <a:off x="756000" y="5145120"/>
-            <a:ext cx="6037560" cy="4199760"/>
+            <a:ext cx="6037200" cy="4199400"/>
           </a:xfrm>
           <a:prstGeom prst="rect">
             <a:avLst/>
@@ -1446,14 +2370,14 @@
       </p:sp>
       <p:sp>
         <p:nvSpPr>
-          <p:cNvPr id="176" name="CustomShape 39"/>
+          <p:cNvPr id="216" name="CustomShape 39"/>
           <p:cNvSpPr/>
           <p:nvPr/>
         </p:nvSpPr>
         <p:spPr>
           <a:xfrm>
             <a:off x="0" y="10155240"/>
-            <a:ext cx="3265920" cy="526320"/>
+            <a:ext cx="3265560" cy="525960"/>
           </a:xfrm>
           <a:prstGeom prst="rect">
             <a:avLst/>
@@ -1520,7 +2444,7 @@
       </p:grpSpPr>
       <p:sp>
         <p:nvSpPr>
-          <p:cNvPr id="177" name="PlaceHolder 1"/>
+          <p:cNvPr id="217" name="PlaceHolder 1"/>
           <p:cNvSpPr>
             <a:spLocks noGrp="1"/>
           </p:cNvSpPr>
@@ -1531,19 +2455,19 @@
         <p:spPr>
           <a:xfrm>
             <a:off x="1376280" y="1336680"/>
-            <a:ext cx="4797360" cy="3597120"/>
-          </a:xfrm>
-          <a:prstGeom prst="rect">
-            <a:avLst/>
-          </a:prstGeom>
-          <a:ln w="0">
-            <a:noFill/>
-          </a:ln>
-        </p:spPr>
-      </p:sp>
-      <p:sp>
-        <p:nvSpPr>
-          <p:cNvPr id="178" name="PlaceHolder 2"/>
+            <a:ext cx="4797000" cy="3596760"/>
+          </a:xfrm>
+          <a:prstGeom prst="rect">
+            <a:avLst/>
+          </a:prstGeom>
+          <a:ln w="0">
+            <a:noFill/>
+          </a:ln>
+        </p:spPr>
+      </p:sp>
+      <p:sp>
+        <p:nvSpPr>
+          <p:cNvPr id="218" name="PlaceHolder 2"/>
           <p:cNvSpPr>
             <a:spLocks noGrp="1"/>
           </p:cNvSpPr>
@@ -1554,7 +2478,7 @@
         <p:spPr>
           <a:xfrm>
             <a:off x="756000" y="5145120"/>
-            <a:ext cx="6037560" cy="4199760"/>
+            <a:ext cx="6037200" cy="4199400"/>
           </a:xfrm>
           <a:prstGeom prst="rect">
             <a:avLst/>
@@ -1577,14 +2501,14 @@
       </p:sp>
       <p:sp>
         <p:nvSpPr>
-          <p:cNvPr id="179" name="CustomShape 19"/>
+          <p:cNvPr id="219" name="CustomShape 19"/>
           <p:cNvSpPr/>
           <p:nvPr/>
         </p:nvSpPr>
         <p:spPr>
           <a:xfrm>
             <a:off x="0" y="10155240"/>
-            <a:ext cx="3265920" cy="526320"/>
+            <a:ext cx="3265560" cy="525960"/>
           </a:xfrm>
           <a:prstGeom prst="rect">
             <a:avLst/>
@@ -1651,7 +2575,7 @@
       </p:grpSpPr>
       <p:sp>
         <p:nvSpPr>
-          <p:cNvPr id="180" name="PlaceHolder 1"/>
+          <p:cNvPr id="220" name="PlaceHolder 1"/>
           <p:cNvSpPr>
             <a:spLocks noGrp="1"/>
           </p:cNvSpPr>
@@ -1662,19 +2586,19 @@
         <p:spPr>
           <a:xfrm>
             <a:off x="1376280" y="1336680"/>
-            <a:ext cx="4797360" cy="3597120"/>
-          </a:xfrm>
-          <a:prstGeom prst="rect">
-            <a:avLst/>
-          </a:prstGeom>
-          <a:ln w="0">
-            <a:noFill/>
-          </a:ln>
-        </p:spPr>
-      </p:sp>
-      <p:sp>
-        <p:nvSpPr>
-          <p:cNvPr id="181" name="PlaceHolder 2"/>
+            <a:ext cx="4797000" cy="3596760"/>
+          </a:xfrm>
+          <a:prstGeom prst="rect">
+            <a:avLst/>
+          </a:prstGeom>
+          <a:ln w="0">
+            <a:noFill/>
+          </a:ln>
+        </p:spPr>
+      </p:sp>
+      <p:sp>
+        <p:nvSpPr>
+          <p:cNvPr id="221" name="PlaceHolder 2"/>
           <p:cNvSpPr>
             <a:spLocks noGrp="1"/>
           </p:cNvSpPr>
@@ -1685,7 +2609,7 @@
         <p:spPr>
           <a:xfrm>
             <a:off x="756000" y="5145120"/>
-            <a:ext cx="6037560" cy="4199760"/>
+            <a:ext cx="6037200" cy="4199400"/>
           </a:xfrm>
           <a:prstGeom prst="rect">
             <a:avLst/>
@@ -1708,14 +2632,14 @@
       </p:sp>
       <p:sp>
         <p:nvSpPr>
-          <p:cNvPr id="182" name="CustomShape 24"/>
+          <p:cNvPr id="222" name="CustomShape 24"/>
           <p:cNvSpPr/>
           <p:nvPr/>
         </p:nvSpPr>
         <p:spPr>
           <a:xfrm>
             <a:off x="0" y="10155240"/>
-            <a:ext cx="3265920" cy="526320"/>
+            <a:ext cx="3265560" cy="525960"/>
           </a:xfrm>
           <a:prstGeom prst="rect">
             <a:avLst/>
@@ -1782,7 +2706,7 @@
       </p:grpSpPr>
       <p:sp>
         <p:nvSpPr>
-          <p:cNvPr id="183" name="PlaceHolder 1"/>
+          <p:cNvPr id="223" name="PlaceHolder 1"/>
           <p:cNvSpPr>
             <a:spLocks noGrp="1"/>
           </p:cNvSpPr>
@@ -1793,19 +2717,19 @@
         <p:spPr>
           <a:xfrm>
             <a:off x="1376280" y="1336680"/>
-            <a:ext cx="4797360" cy="3597120"/>
-          </a:xfrm>
-          <a:prstGeom prst="rect">
-            <a:avLst/>
-          </a:prstGeom>
-          <a:ln w="0">
-            <a:noFill/>
-          </a:ln>
-        </p:spPr>
-      </p:sp>
-      <p:sp>
-        <p:nvSpPr>
-          <p:cNvPr id="184" name="PlaceHolder 2"/>
+            <a:ext cx="4797000" cy="3596760"/>
+          </a:xfrm>
+          <a:prstGeom prst="rect">
+            <a:avLst/>
+          </a:prstGeom>
+          <a:ln w="0">
+            <a:noFill/>
+          </a:ln>
+        </p:spPr>
+      </p:sp>
+      <p:sp>
+        <p:nvSpPr>
+          <p:cNvPr id="224" name="PlaceHolder 2"/>
           <p:cNvSpPr>
             <a:spLocks noGrp="1"/>
           </p:cNvSpPr>
@@ -1816,7 +2740,7 @@
         <p:spPr>
           <a:xfrm>
             <a:off x="756000" y="5145120"/>
-            <a:ext cx="6037560" cy="4199760"/>
+            <a:ext cx="6037200" cy="4199400"/>
           </a:xfrm>
           <a:prstGeom prst="rect">
             <a:avLst/>
@@ -1839,14 +2763,14 @@
       </p:sp>
       <p:sp>
         <p:nvSpPr>
-          <p:cNvPr id="185" name="CustomShape 29"/>
+          <p:cNvPr id="225" name="CustomShape 29"/>
           <p:cNvSpPr/>
           <p:nvPr/>
         </p:nvSpPr>
         <p:spPr>
           <a:xfrm>
             <a:off x="0" y="10155240"/>
-            <a:ext cx="3265920" cy="526320"/>
+            <a:ext cx="3265560" cy="525960"/>
           </a:xfrm>
           <a:prstGeom prst="rect">
             <a:avLst/>
@@ -4975,7 +5899,7 @@
         <p:spPr>
           <a:xfrm>
             <a:off x="0" y="3150000"/>
-            <a:ext cx="9709920" cy="1249920"/>
+            <a:ext cx="9709560" cy="1249560"/>
           </a:xfrm>
           <a:prstGeom prst="rect">
             <a:avLst/>
@@ -5273,7 +6197,7 @@
         <p:spPr>
           <a:xfrm>
             <a:off x="0" y="180000"/>
-            <a:ext cx="9709920" cy="1249920"/>
+            <a:ext cx="9709560" cy="1249560"/>
           </a:xfrm>
           <a:prstGeom prst="rect">
             <a:avLst/>
@@ -5301,7 +6225,7 @@
         <p:spPr>
           <a:xfrm>
             <a:off x="7560000" y="6840000"/>
-            <a:ext cx="2509920" cy="529920"/>
+            <a:ext cx="2509560" cy="529560"/>
           </a:xfrm>
           <a:prstGeom prst="rect">
             <a:avLst/>
@@ -5329,7 +6253,7 @@
         <p:spPr>
           <a:xfrm>
             <a:off x="900000" y="6840000"/>
-            <a:ext cx="6469920" cy="529920"/>
+            <a:ext cx="6469560" cy="529560"/>
           </a:xfrm>
           <a:prstGeom prst="rect">
             <a:avLst/>
@@ -5357,7 +6281,7 @@
         <p:spPr>
           <a:xfrm>
             <a:off x="180000" y="6840000"/>
-            <a:ext cx="529920" cy="529920"/>
+            <a:ext cx="529560" cy="529560"/>
           </a:xfrm>
           <a:prstGeom prst="rect">
             <a:avLst/>
@@ -5646,7 +6570,7 @@
         <p:spPr>
           <a:xfrm>
             <a:off x="360000" y="3330000"/>
-            <a:ext cx="9349920" cy="889920"/>
+            <a:ext cx="9349560" cy="889560"/>
           </a:xfrm>
           <a:prstGeom prst="rect">
             <a:avLst/>
@@ -5698,7 +6622,7 @@
         <p:spPr>
           <a:xfrm>
             <a:off x="540000" y="4680000"/>
-            <a:ext cx="9169920" cy="2509920"/>
+            <a:ext cx="9169560" cy="2509560"/>
           </a:xfrm>
           <a:prstGeom prst="rect">
             <a:avLst/>
@@ -5941,7 +6865,7 @@
         <p:spPr>
           <a:xfrm>
             <a:off x="4662360" y="1623960"/>
-            <a:ext cx="4931280" cy="5064840"/>
+            <a:ext cx="4930920" cy="5064480"/>
           </a:xfrm>
           <a:prstGeom prst="rect">
             <a:avLst/>
@@ -5960,7 +6884,7 @@
         <p:spPr>
           <a:xfrm>
             <a:off x="360000" y="360000"/>
-            <a:ext cx="9349920" cy="889920"/>
+            <a:ext cx="9349560" cy="889560"/>
           </a:xfrm>
           <a:prstGeom prst="rect">
             <a:avLst/>
@@ -6012,7 +6936,7 @@
         <p:spPr>
           <a:xfrm>
             <a:off x="897120" y="6886080"/>
-            <a:ext cx="6437160" cy="354960"/>
+            <a:ext cx="6436800" cy="354600"/>
           </a:xfrm>
           <a:prstGeom prst="rect">
             <a:avLst/>
@@ -6064,7 +6988,7 @@
         <p:spPr>
           <a:xfrm>
             <a:off x="7608600" y="6886080"/>
-            <a:ext cx="2275200" cy="354960"/>
+            <a:ext cx="2274840" cy="354600"/>
           </a:xfrm>
           <a:prstGeom prst="rect">
             <a:avLst/>
@@ -6116,7 +7040,7 @@
         <p:spPr>
           <a:xfrm>
             <a:off x="342360" y="1529280"/>
-            <a:ext cx="6050880" cy="5359680"/>
+            <a:ext cx="6050520" cy="5359320"/>
           </a:xfrm>
           <a:prstGeom prst="rect">
             <a:avLst/>
@@ -6662,7 +7586,7 @@
         <p:spPr>
           <a:xfrm>
             <a:off x="2025720" y="4066920"/>
-            <a:ext cx="1131480" cy="1940400"/>
+            <a:ext cx="1131120" cy="1940040"/>
           </a:xfrm>
           <a:prstGeom prst="rect">
             <a:avLst/>
@@ -6711,7 +7635,7 @@
         <p:spPr>
           <a:xfrm>
             <a:off x="360000" y="360000"/>
-            <a:ext cx="9349920" cy="889920"/>
+            <a:ext cx="9349560" cy="889560"/>
           </a:xfrm>
           <a:prstGeom prst="rect">
             <a:avLst/>
@@ -6763,7 +7687,7 @@
         <p:spPr>
           <a:xfrm>
             <a:off x="360000" y="1980000"/>
-            <a:ext cx="9169920" cy="4669920"/>
+            <a:ext cx="9169560" cy="4669560"/>
           </a:xfrm>
           <a:prstGeom prst="rect">
             <a:avLst/>
@@ -6822,7 +7746,7 @@
         <p:spPr>
           <a:xfrm>
             <a:off x="897120" y="6886080"/>
-            <a:ext cx="6437160" cy="354960"/>
+            <a:ext cx="6436800" cy="354600"/>
           </a:xfrm>
           <a:prstGeom prst="rect">
             <a:avLst/>
@@ -6874,7 +7798,7 @@
         <p:spPr>
           <a:xfrm>
             <a:off x="7608600" y="6886080"/>
-            <a:ext cx="2275200" cy="354960"/>
+            <a:ext cx="2274840" cy="354600"/>
           </a:xfrm>
           <a:prstGeom prst="rect">
             <a:avLst/>
@@ -6926,7 +7850,7 @@
         <p:spPr>
           <a:xfrm>
             <a:off x="342360" y="1529280"/>
-            <a:ext cx="9247680" cy="5359680"/>
+            <a:ext cx="9247320" cy="5359320"/>
           </a:xfrm>
           <a:prstGeom prst="rect">
             <a:avLst/>
@@ -7398,7 +8322,7 @@
         <p:spPr>
           <a:xfrm>
             <a:off x="620640" y="3024000"/>
-            <a:ext cx="8708760" cy="1457640"/>
+            <a:ext cx="8708400" cy="1457280"/>
           </a:xfrm>
           <a:prstGeom prst="rect">
             <a:avLst/>
@@ -7447,7 +8371,7 @@
         <p:spPr>
           <a:xfrm>
             <a:off x="360000" y="360000"/>
-            <a:ext cx="9349920" cy="889920"/>
+            <a:ext cx="9349560" cy="889560"/>
           </a:xfrm>
           <a:prstGeom prst="rect">
             <a:avLst/>
@@ -7499,7 +8423,7 @@
         <p:spPr>
           <a:xfrm>
             <a:off x="360000" y="1980000"/>
-            <a:ext cx="9169920" cy="4669920"/>
+            <a:ext cx="9169560" cy="4669560"/>
           </a:xfrm>
           <a:prstGeom prst="rect">
             <a:avLst/>
@@ -7558,7 +8482,7 @@
         <p:spPr>
           <a:xfrm>
             <a:off x="897120" y="6886080"/>
-            <a:ext cx="6437160" cy="354960"/>
+            <a:ext cx="6436800" cy="354600"/>
           </a:xfrm>
           <a:prstGeom prst="rect">
             <a:avLst/>
@@ -7610,7 +8534,7 @@
         <p:spPr>
           <a:xfrm>
             <a:off x="7608600" y="6886080"/>
-            <a:ext cx="2275200" cy="354960"/>
+            <a:ext cx="2274840" cy="354600"/>
           </a:xfrm>
           <a:prstGeom prst="rect">
             <a:avLst/>
@@ -7662,7 +8586,7 @@
         <p:spPr>
           <a:xfrm>
             <a:off x="342360" y="1529280"/>
-            <a:ext cx="9247680" cy="5359680"/>
+            <a:ext cx="9247320" cy="5359320"/>
           </a:xfrm>
           <a:prstGeom prst="rect">
             <a:avLst/>
@@ -7737,10 +8661,5171 @@
               <a:t>LINK: </a:t>
             </a:r>
             <a:r>
+              <a:rPr b="0" lang="pt-BR" sz="1600" spc="-1" strike="noStrike" u="sng">
+                <a:solidFill>
+                  <a:srgbClr val="0000ff"/>
+                </a:solidFill>
+                <a:uFillTx/>
+                <a:latin typeface="Latin Modern Sans"/>
+                <a:ea typeface="DejaVu Sans"/>
+                <a:hlinkClick r:id="rId1"/>
+              </a:rPr>
+              <a:t>Tópico 02 - Aprendizado-Supervisionado - Ensembles.ipynb</a:t>
+            </a:r>
+            <a:endParaRPr b="0" lang="pt-BR" sz="1600" spc="-1" strike="noStrike">
+              <a:latin typeface="Arial"/>
+            </a:endParaRPr>
+          </a:p>
+          <a:p>
+            <a:pPr>
+              <a:lnSpc>
+                <a:spcPct val="150000"/>
+              </a:lnSpc>
+              <a:buNone/>
+            </a:pPr>
+            <a:endParaRPr b="0" lang="pt-BR" sz="1600" spc="-1" strike="noStrike">
+              <a:latin typeface="Arial"/>
+            </a:endParaRPr>
+          </a:p>
+          <a:p>
+            <a:pPr>
+              <a:lnSpc>
+                <a:spcPct val="150000"/>
+              </a:lnSpc>
+              <a:buNone/>
+            </a:pPr>
+            <a:endParaRPr b="0" lang="pt-BR" sz="1600" spc="-1" strike="noStrike">
+              <a:latin typeface="Arial"/>
+            </a:endParaRPr>
+          </a:p>
+          <a:p>
+            <a:pPr>
+              <a:lnSpc>
+                <a:spcPct val="100000"/>
+              </a:lnSpc>
+              <a:buNone/>
+            </a:pPr>
+            <a:endParaRPr b="0" lang="pt-BR" sz="1600" spc="-1" strike="noStrike">
+              <a:latin typeface="Arial"/>
+            </a:endParaRPr>
+          </a:p>
+          <a:p>
+            <a:pPr>
+              <a:lnSpc>
+                <a:spcPct val="100000"/>
+              </a:lnSpc>
+              <a:buNone/>
+            </a:pPr>
+            <a:endParaRPr b="0" lang="pt-BR" sz="2000" spc="-1" strike="noStrike">
+              <a:latin typeface="Arial"/>
+            </a:endParaRPr>
+          </a:p>
+          <a:p>
+            <a:pPr>
+              <a:lnSpc>
+                <a:spcPct val="100000"/>
+              </a:lnSpc>
+              <a:buNone/>
+            </a:pPr>
+            <a:endParaRPr b="0" lang="pt-BR" sz="2000" spc="-1" strike="noStrike">
+              <a:latin typeface="Arial"/>
+            </a:endParaRPr>
+          </a:p>
+          <a:p>
+            <a:pPr>
+              <a:lnSpc>
+                <a:spcPct val="100000"/>
+              </a:lnSpc>
+              <a:buNone/>
+            </a:pPr>
+            <a:endParaRPr b="0" lang="pt-BR" sz="2000" spc="-1" strike="noStrike">
+              <a:latin typeface="Arial"/>
+            </a:endParaRPr>
+          </a:p>
+          <a:p>
+            <a:pPr>
+              <a:lnSpc>
+                <a:spcPct val="100000"/>
+              </a:lnSpc>
+              <a:buNone/>
+            </a:pPr>
+            <a:endParaRPr b="0" lang="pt-BR" sz="2000" spc="-1" strike="noStrike">
+              <a:latin typeface="Arial"/>
+            </a:endParaRPr>
+          </a:p>
+          <a:p>
+            <a:pPr>
+              <a:lnSpc>
+                <a:spcPct val="100000"/>
+              </a:lnSpc>
+              <a:buNone/>
+            </a:pPr>
+            <a:endParaRPr b="0" lang="pt-BR" sz="2000" spc="-1" strike="noStrike">
+              <a:latin typeface="Arial"/>
+            </a:endParaRPr>
+          </a:p>
+          <a:p>
+            <a:pPr>
+              <a:lnSpc>
+                <a:spcPct val="100000"/>
+              </a:lnSpc>
+              <a:buNone/>
+            </a:pPr>
+            <a:endParaRPr b="0" lang="pt-BR" sz="2000" spc="-1" strike="noStrike">
+              <a:latin typeface="Arial"/>
+            </a:endParaRPr>
+          </a:p>
+          <a:p>
+            <a:pPr>
+              <a:lnSpc>
+                <a:spcPct val="100000"/>
+              </a:lnSpc>
+              <a:buNone/>
+            </a:pPr>
+            <a:endParaRPr b="0" lang="pt-BR" sz="2000" spc="-1" strike="noStrike">
+              <a:latin typeface="Arial"/>
+            </a:endParaRPr>
+          </a:p>
+          <a:p>
+            <a:pPr>
+              <a:lnSpc>
+                <a:spcPct val="100000"/>
+              </a:lnSpc>
+              <a:buNone/>
+            </a:pPr>
+            <a:endParaRPr b="0" lang="pt-BR" sz="2000" spc="-1" strike="noStrike">
+              <a:latin typeface="Arial"/>
+            </a:endParaRPr>
+          </a:p>
+          <a:p>
+            <a:pPr>
+              <a:lnSpc>
+                <a:spcPct val="100000"/>
+              </a:lnSpc>
+              <a:buNone/>
+            </a:pPr>
+            <a:endParaRPr b="0" lang="pt-BR" sz="2000" spc="-1" strike="noStrike">
+              <a:latin typeface="Arial"/>
+            </a:endParaRPr>
+          </a:p>
+          <a:p>
+            <a:pPr>
+              <a:lnSpc>
+                <a:spcPct val="100000"/>
+              </a:lnSpc>
+              <a:buNone/>
+            </a:pPr>
+            <a:endParaRPr b="0" lang="pt-BR" sz="2000" spc="-1" strike="noStrike">
+              <a:latin typeface="Arial"/>
+            </a:endParaRPr>
+          </a:p>
+          <a:p>
+            <a:pPr>
+              <a:lnSpc>
+                <a:spcPct val="100000"/>
+              </a:lnSpc>
+              <a:buNone/>
+            </a:pPr>
+            <a:endParaRPr b="0" lang="pt-BR" sz="2000" spc="-1" strike="noStrike">
+              <a:latin typeface="Arial"/>
+            </a:endParaRPr>
+          </a:p>
+          <a:p>
+            <a:pPr>
+              <a:lnSpc>
+                <a:spcPct val="100000"/>
+              </a:lnSpc>
+              <a:buNone/>
+            </a:pPr>
+            <a:endParaRPr b="0" lang="pt-BR" sz="2000" spc="-1" strike="noStrike">
+              <a:latin typeface="Arial"/>
+            </a:endParaRPr>
+          </a:p>
+          <a:p>
+            <a:pPr>
+              <a:lnSpc>
+                <a:spcPct val="100000"/>
+              </a:lnSpc>
+              <a:buNone/>
+            </a:pPr>
+            <a:endParaRPr b="0" lang="pt-BR" sz="1600" spc="-1" strike="noStrike">
+              <a:latin typeface="Arial"/>
+            </a:endParaRPr>
+          </a:p>
+          <a:p>
+            <a:pPr>
+              <a:lnSpc>
+                <a:spcPct val="100000"/>
+              </a:lnSpc>
+              <a:buNone/>
+            </a:pPr>
+            <a:endParaRPr b="0" lang="pt-BR" sz="2000" spc="-1" strike="noStrike">
+              <a:latin typeface="Arial"/>
+            </a:endParaRPr>
+          </a:p>
+          <a:p>
+            <a:pPr>
+              <a:lnSpc>
+                <a:spcPct val="100000"/>
+              </a:lnSpc>
+              <a:buNone/>
+            </a:pPr>
+            <a:endParaRPr b="0" lang="pt-BR" sz="2000" spc="-1" strike="noStrike">
+              <a:latin typeface="Arial"/>
+            </a:endParaRPr>
+          </a:p>
+          <a:p>
+            <a:pPr>
+              <a:lnSpc>
+                <a:spcPct val="100000"/>
+              </a:lnSpc>
+              <a:buNone/>
+            </a:pPr>
+            <a:endParaRPr b="0" lang="pt-BR" sz="2000" spc="-1" strike="noStrike">
+              <a:latin typeface="Arial"/>
+            </a:endParaRPr>
+          </a:p>
+          <a:p>
+            <a:pPr>
+              <a:lnSpc>
+                <a:spcPct val="100000"/>
+              </a:lnSpc>
+              <a:buNone/>
+            </a:pPr>
+            <a:endParaRPr b="0" lang="pt-BR" sz="2000" spc="-1" strike="noStrike">
+              <a:latin typeface="Arial"/>
+            </a:endParaRPr>
+          </a:p>
+          <a:p>
+            <a:pPr>
+              <a:lnSpc>
+                <a:spcPct val="100000"/>
+              </a:lnSpc>
+              <a:buNone/>
+            </a:pPr>
+            <a:endParaRPr b="0" lang="pt-BR" sz="2000" spc="-1" strike="noStrike">
+              <a:latin typeface="Arial"/>
+            </a:endParaRPr>
+          </a:p>
+          <a:p>
+            <a:pPr>
+              <a:lnSpc>
+                <a:spcPct val="100000"/>
+              </a:lnSpc>
+              <a:buNone/>
+            </a:pPr>
+            <a:endParaRPr b="0" lang="pt-BR" sz="2000" spc="-1" strike="noStrike">
+              <a:latin typeface="Arial"/>
+            </a:endParaRPr>
+          </a:p>
+          <a:p>
+            <a:pPr>
+              <a:lnSpc>
+                <a:spcPct val="100000"/>
+              </a:lnSpc>
+              <a:buNone/>
+            </a:pPr>
+            <a:endParaRPr b="0" lang="pt-BR" sz="2000" spc="-1" strike="noStrike">
+              <a:latin typeface="Arial"/>
+            </a:endParaRPr>
+          </a:p>
+          <a:p>
+            <a:pPr>
+              <a:lnSpc>
+                <a:spcPct val="100000"/>
+              </a:lnSpc>
+              <a:buNone/>
+            </a:pPr>
+            <a:endParaRPr b="0" lang="pt-BR" sz="2000" spc="-1" strike="noStrike">
+              <a:latin typeface="Arial"/>
+            </a:endParaRPr>
+          </a:p>
+          <a:p>
+            <a:pPr>
+              <a:lnSpc>
+                <a:spcPct val="100000"/>
+              </a:lnSpc>
+              <a:buNone/>
+            </a:pPr>
+            <a:endParaRPr b="0" lang="pt-BR" sz="2000" spc="-1" strike="noStrike">
+              <a:latin typeface="Arial"/>
+            </a:endParaRPr>
+          </a:p>
+          <a:p>
+            <a:pPr marL="216000" indent="-216000">
+              <a:lnSpc>
+                <a:spcPct val="100000"/>
+              </a:lnSpc>
+              <a:buNone/>
+              <a:tabLst>
+                <a:tab algn="l" pos="0"/>
+              </a:tabLst>
+            </a:pPr>
+            <a:r>
+              <a:rPr b="0" lang="pt-BR" sz="2000" spc="-1" strike="noStrike">
+                <a:solidFill>
+                  <a:srgbClr val="1c1c1c"/>
+                </a:solidFill>
+                <a:latin typeface="Latin Modern Sans"/>
+                <a:ea typeface="DejaVu Sans"/>
+              </a:rPr>
+              <a:t> </a:t>
+            </a:r>
+            <a:endParaRPr b="0" lang="pt-BR" sz="2000" spc="-1" strike="noStrike">
+              <a:latin typeface="Arial"/>
+            </a:endParaRPr>
+          </a:p>
+          <a:p>
+            <a:pPr marL="216000" indent="-216000">
+              <a:lnSpc>
+                <a:spcPct val="100000"/>
+              </a:lnSpc>
+              <a:buNone/>
+              <a:tabLst>
+                <a:tab algn="l" pos="0"/>
+              </a:tabLst>
+            </a:pPr>
+            <a:endParaRPr b="0" lang="pt-BR" sz="2000" spc="-1" strike="noStrike">
+              <a:latin typeface="Arial"/>
+            </a:endParaRPr>
+          </a:p>
+          <a:p>
+            <a:pPr marL="216000" indent="-216000">
+              <a:lnSpc>
+                <a:spcPct val="100000"/>
+              </a:lnSpc>
+              <a:buNone/>
+              <a:tabLst>
+                <a:tab algn="l" pos="0"/>
+              </a:tabLst>
+            </a:pPr>
+            <a:endParaRPr b="0" lang="pt-BR" sz="2000" spc="-1" strike="noStrike">
+              <a:latin typeface="Arial"/>
+            </a:endParaRPr>
+          </a:p>
+          <a:p>
+            <a:pPr marL="216000" indent="-216000">
+              <a:lnSpc>
+                <a:spcPct val="100000"/>
+              </a:lnSpc>
+              <a:buNone/>
+              <a:tabLst>
+                <a:tab algn="l" pos="0"/>
+              </a:tabLst>
+            </a:pPr>
+            <a:endParaRPr b="0" lang="pt-BR" sz="2000" spc="-1" strike="noStrike">
+              <a:latin typeface="Arial"/>
+            </a:endParaRPr>
+          </a:p>
+        </p:txBody>
+      </p:sp>
+    </p:spTree>
+  </p:cSld>
+  <mc:AlternateContent>
+    <mc:Choice Requires="p14">
+      <p:transition spd="slow" p14:dur="2000"/>
+    </mc:Choice>
+    <mc:Fallback>
+      <p:transition spd="slow"/>
+    </mc:Fallback>
+  </mc:AlternateContent>
+</p:sld>
+</file>
+
+<file path=ppt/slides/slide13.xml><?xml version="1.0" encoding="utf-8"?>
+<p:sld xmlns:a="http://schemas.openxmlformats.org/drawingml/2006/main" xmlns:p="http://schemas.openxmlformats.org/presentationml/2006/main" xmlns:r="http://schemas.openxmlformats.org/officeDocument/2006/relationships" xmlns:p14="http://schemas.microsoft.com/office/powerpoint/2010/main" xmlns:p15="http://schemas.microsoft.com/office/powerpoint/2012/main" xmlns:mc="http://schemas.openxmlformats.org/markup-compatibility/2006">
+  <p:cSld>
+    <p:spTree>
+      <p:nvGrpSpPr>
+        <p:cNvPr id="1" name=""/>
+        <p:cNvGrpSpPr/>
+        <p:nvPr/>
+      </p:nvGrpSpPr>
+      <p:grpSpPr>
+        <a:xfrm>
+          <a:off x="0" y="0"/>
+          <a:ext cx="0" cy="0"/>
+          <a:chOff x="0" y="0"/>
+          <a:chExt cx="0" cy="0"/>
+        </a:xfrm>
+      </p:grpSpPr>
+      <p:sp>
+        <p:nvSpPr>
+          <p:cNvPr id="159" name="CustomShape 59"/>
+          <p:cNvSpPr/>
+          <p:nvPr/>
+        </p:nvSpPr>
+        <p:spPr>
+          <a:xfrm>
+            <a:off x="360000" y="360000"/>
+            <a:ext cx="9349560" cy="889560"/>
+          </a:xfrm>
+          <a:prstGeom prst="rect">
+            <a:avLst/>
+          </a:prstGeom>
+          <a:noFill/>
+          <a:ln w="0">
+            <a:noFill/>
+          </a:ln>
+        </p:spPr>
+        <p:style>
+          <a:lnRef idx="0"/>
+          <a:fillRef idx="0"/>
+          <a:effectRef idx="0"/>
+          <a:fontRef idx="minor"/>
+        </p:style>
+        <p:txBody>
+          <a:bodyPr lIns="0" rIns="0" tIns="0" bIns="0" anchor="b">
+            <a:noAutofit/>
+          </a:bodyPr>
+          <a:p>
+            <a:pPr>
+              <a:lnSpc>
+                <a:spcPct val="100000"/>
+              </a:lnSpc>
+              <a:buNone/>
+            </a:pPr>
+            <a:r>
+              <a:rPr b="1" lang="pt-BR" sz="2600" spc="-1" strike="noStrike">
+                <a:solidFill>
+                  <a:srgbClr val="ffffff"/>
+                </a:solidFill>
+                <a:latin typeface="Source Sans Pro Black"/>
+                <a:ea typeface="DejaVu Sans"/>
+              </a:rPr>
+              <a:t>B</a:t>
+            </a:r>
+            <a:r>
+              <a:rPr b="1" lang="pt-BR" sz="2600" spc="-1" strike="noStrike">
+                <a:solidFill>
+                  <a:srgbClr val="ffffff"/>
+                </a:solidFill>
+                <a:latin typeface="Source Sans Pro Black"/>
+                <a:ea typeface="DejaVu Sans"/>
+              </a:rPr>
+              <a:t>o</a:t>
+            </a:r>
+            <a:r>
+              <a:rPr b="1" lang="pt-BR" sz="2600" spc="-1" strike="noStrike">
+                <a:solidFill>
+                  <a:srgbClr val="ffffff"/>
+                </a:solidFill>
+                <a:latin typeface="Source Sans Pro Black"/>
+                <a:ea typeface="DejaVu Sans"/>
+              </a:rPr>
+              <a:t>o</a:t>
+            </a:r>
+            <a:r>
+              <a:rPr b="1" lang="pt-BR" sz="2600" spc="-1" strike="noStrike">
+                <a:solidFill>
+                  <a:srgbClr val="ffffff"/>
+                </a:solidFill>
+                <a:latin typeface="Source Sans Pro Black"/>
+                <a:ea typeface="DejaVu Sans"/>
+              </a:rPr>
+              <a:t>s</a:t>
+            </a:r>
+            <a:r>
+              <a:rPr b="1" lang="pt-BR" sz="2600" spc="-1" strike="noStrike">
+                <a:solidFill>
+                  <a:srgbClr val="ffffff"/>
+                </a:solidFill>
+                <a:latin typeface="Source Sans Pro Black"/>
+                <a:ea typeface="DejaVu Sans"/>
+              </a:rPr>
+              <a:t>t</a:t>
+            </a:r>
+            <a:r>
+              <a:rPr b="1" lang="pt-BR" sz="2600" spc="-1" strike="noStrike">
+                <a:solidFill>
+                  <a:srgbClr val="ffffff"/>
+                </a:solidFill>
+                <a:latin typeface="Source Sans Pro Black"/>
+                <a:ea typeface="DejaVu Sans"/>
+              </a:rPr>
+              <a:t>i</a:t>
+            </a:r>
+            <a:r>
+              <a:rPr b="1" lang="pt-BR" sz="2600" spc="-1" strike="noStrike">
+                <a:solidFill>
+                  <a:srgbClr val="ffffff"/>
+                </a:solidFill>
+                <a:latin typeface="Source Sans Pro Black"/>
+                <a:ea typeface="DejaVu Sans"/>
+              </a:rPr>
+              <a:t>n</a:t>
+            </a:r>
+            <a:r>
+              <a:rPr b="1" lang="pt-BR" sz="2600" spc="-1" strike="noStrike">
+                <a:solidFill>
+                  <a:srgbClr val="ffffff"/>
+                </a:solidFill>
+                <a:latin typeface="Source Sans Pro Black"/>
+                <a:ea typeface="DejaVu Sans"/>
+              </a:rPr>
+              <a:t>g</a:t>
+            </a:r>
+            <a:endParaRPr b="0" lang="pt-BR" sz="2600" spc="-1" strike="noStrike">
+              <a:latin typeface="Arial"/>
+            </a:endParaRPr>
+          </a:p>
+        </p:txBody>
+      </p:sp>
+      <p:sp>
+        <p:nvSpPr>
+          <p:cNvPr id="160" name="CustomShape 60"/>
+          <p:cNvSpPr/>
+          <p:nvPr/>
+        </p:nvSpPr>
+        <p:spPr>
+          <a:xfrm>
+            <a:off x="360000" y="1980000"/>
+            <a:ext cx="9169560" cy="4669560"/>
+          </a:xfrm>
+          <a:prstGeom prst="rect">
+            <a:avLst/>
+          </a:prstGeom>
+          <a:noFill/>
+          <a:ln w="0">
+            <a:noFill/>
+          </a:ln>
+        </p:spPr>
+        <p:style>
+          <a:lnRef idx="0"/>
+          <a:fillRef idx="0"/>
+          <a:effectRef idx="0"/>
+          <a:fontRef idx="minor"/>
+        </p:style>
+        <p:txBody>
+          <a:bodyPr lIns="0" rIns="0" tIns="0" bIns="0" anchor="t">
+            <a:normAutofit/>
+          </a:bodyPr>
+          <a:p>
+            <a:pPr>
+              <a:lnSpc>
+                <a:spcPct val="100000"/>
+              </a:lnSpc>
+              <a:spcAft>
+                <a:spcPts val="1140"/>
+              </a:spcAft>
+              <a:buNone/>
+            </a:pPr>
+            <a:endParaRPr b="0" lang="pt-BR" sz="1600" spc="-1" strike="noStrike">
+              <a:latin typeface="Arial"/>
+            </a:endParaRPr>
+          </a:p>
+          <a:p>
+            <a:pPr>
+              <a:lnSpc>
+                <a:spcPct val="100000"/>
+              </a:lnSpc>
+              <a:spcAft>
+                <a:spcPts val="1140"/>
+              </a:spcAft>
+              <a:buNone/>
+            </a:pPr>
+            <a:endParaRPr b="0" lang="pt-BR" sz="2000" spc="-1" strike="noStrike">
+              <a:latin typeface="Arial"/>
+            </a:endParaRPr>
+          </a:p>
+        </p:txBody>
+      </p:sp>
+      <p:sp>
+        <p:nvSpPr>
+          <p:cNvPr id="161" name="CustomShape 61"/>
+          <p:cNvSpPr/>
+          <p:nvPr/>
+        </p:nvSpPr>
+        <p:spPr>
+          <a:xfrm>
+            <a:off x="897120" y="6886080"/>
+            <a:ext cx="6436800" cy="354600"/>
+          </a:xfrm>
+          <a:prstGeom prst="rect">
+            <a:avLst/>
+          </a:prstGeom>
+          <a:noFill/>
+          <a:ln w="0">
+            <a:noFill/>
+          </a:ln>
+        </p:spPr>
+        <p:style>
+          <a:lnRef idx="0"/>
+          <a:fillRef idx="0"/>
+          <a:effectRef idx="0"/>
+          <a:fontRef idx="minor"/>
+        </p:style>
+        <p:txBody>
+          <a:bodyPr lIns="90000" rIns="90000" tIns="45000" bIns="45000" anchor="t">
+            <a:noAutofit/>
+          </a:bodyPr>
+          <a:p>
+            <a:pPr>
+              <a:lnSpc>
+                <a:spcPct val="100000"/>
+              </a:lnSpc>
+              <a:buNone/>
+            </a:pPr>
+            <a:r>
+              <a:rPr b="0" lang="pt-BR" sz="1800" spc="-1" strike="noStrike">
+                <a:solidFill>
+                  <a:srgbClr val="000000"/>
+                </a:solidFill>
+                <a:latin typeface="Arial"/>
+                <a:ea typeface="DejaVu Sans"/>
+              </a:rPr>
+              <a:t>Aprendizado de Máquina - Prof. André Hochuli</a:t>
+            </a:r>
+            <a:endParaRPr b="0" lang="pt-BR" sz="1800" spc="-1" strike="noStrike">
+              <a:latin typeface="Arial"/>
+            </a:endParaRPr>
+          </a:p>
+        </p:txBody>
+      </p:sp>
+      <p:sp>
+        <p:nvSpPr>
+          <p:cNvPr id="162" name="CustomShape 62"/>
+          <p:cNvSpPr/>
+          <p:nvPr/>
+        </p:nvSpPr>
+        <p:spPr>
+          <a:xfrm>
+            <a:off x="7608600" y="6886080"/>
+            <a:ext cx="2274840" cy="354600"/>
+          </a:xfrm>
+          <a:prstGeom prst="rect">
+            <a:avLst/>
+          </a:prstGeom>
+          <a:noFill/>
+          <a:ln w="0">
+            <a:noFill/>
+          </a:ln>
+        </p:spPr>
+        <p:style>
+          <a:lnRef idx="0"/>
+          <a:fillRef idx="0"/>
+          <a:effectRef idx="0"/>
+          <a:fontRef idx="minor"/>
+        </p:style>
+        <p:txBody>
+          <a:bodyPr lIns="90000" rIns="90000" tIns="45000" bIns="45000" anchor="t">
+            <a:noAutofit/>
+          </a:bodyPr>
+          <a:p>
+            <a:pPr>
+              <a:lnSpc>
+                <a:spcPct val="100000"/>
+              </a:lnSpc>
+              <a:buNone/>
+            </a:pPr>
+            <a:r>
+              <a:rPr b="0" lang="pt-BR" sz="1800" spc="-1" strike="noStrike">
+                <a:solidFill>
+                  <a:srgbClr val="000000"/>
+                </a:solidFill>
+                <a:latin typeface="Arial"/>
+                <a:ea typeface="DejaVu Sans"/>
+              </a:rPr>
+              <a:t>Combinação</a:t>
+            </a:r>
+            <a:endParaRPr b="0" lang="pt-BR" sz="1800" spc="-1" strike="noStrike">
+              <a:latin typeface="Arial"/>
+            </a:endParaRPr>
+          </a:p>
+        </p:txBody>
+      </p:sp>
+      <p:sp>
+        <p:nvSpPr>
+          <p:cNvPr id="163" name=""/>
+          <p:cNvSpPr/>
+          <p:nvPr/>
+        </p:nvSpPr>
+        <p:spPr>
+          <a:xfrm>
+            <a:off x="342360" y="1529280"/>
+            <a:ext cx="9247320" cy="5359320"/>
+          </a:xfrm>
+          <a:prstGeom prst="rect">
+            <a:avLst/>
+          </a:prstGeom>
+          <a:noFill/>
+          <a:ln w="0">
+            <a:noFill/>
+          </a:ln>
+        </p:spPr>
+        <p:style>
+          <a:lnRef idx="0"/>
+          <a:fillRef idx="0"/>
+          <a:effectRef idx="0"/>
+          <a:fontRef idx="minor"/>
+        </p:style>
+        <p:txBody>
+          <a:bodyPr lIns="90000" rIns="90000" tIns="45000" bIns="45000" anchor="t">
+            <a:noAutofit/>
+          </a:bodyPr>
+          <a:p>
+            <a:pPr>
+              <a:lnSpc>
+                <a:spcPct val="100000"/>
+              </a:lnSpc>
+              <a:buNone/>
+            </a:pPr>
+            <a:endParaRPr b="0" lang="pt-BR" sz="2000" spc="-1" strike="noStrike">
+              <a:latin typeface="Arial"/>
+            </a:endParaRPr>
+          </a:p>
+          <a:p>
+            <a:pPr marL="216000" indent="-216000">
+              <a:lnSpc>
+                <a:spcPct val="150000"/>
+              </a:lnSpc>
+              <a:buClr>
+                <a:srgbClr val="000000"/>
+              </a:buClr>
+              <a:buSzPct val="45000"/>
+              <a:buFont typeface="Wingdings" charset="2"/>
+              <a:buChar char=""/>
+            </a:pPr>
+            <a:r>
               <a:rPr b="0" lang="pt-BR" sz="1600" spc="-1" strike="noStrike">
                 <a:solidFill>
                   <a:srgbClr val="1c1c1c"/>
                 </a:solidFill>
+                <a:latin typeface="Latin Modern Sans"/>
+                <a:ea typeface="DejaVu Sans"/>
+              </a:rPr>
+              <a:t>N classificadores ‘fracos’ organizados sequencialmente </a:t>
+            </a:r>
+            <a:endParaRPr b="0" lang="pt-BR" sz="1600" spc="-1" strike="noStrike">
+              <a:latin typeface="Arial"/>
+            </a:endParaRPr>
+          </a:p>
+          <a:p>
+            <a:pPr marL="216000" indent="-216000">
+              <a:lnSpc>
+                <a:spcPct val="150000"/>
+              </a:lnSpc>
+              <a:buClr>
+                <a:srgbClr val="000000"/>
+              </a:buClr>
+              <a:buSzPct val="45000"/>
+              <a:buFont typeface="Wingdings" charset="2"/>
+              <a:buChar char=""/>
+            </a:pPr>
+            <a:r>
+              <a:rPr b="0" lang="pt-BR" sz="1600" spc="-1" strike="noStrike">
+                <a:solidFill>
+                  <a:srgbClr val="1c1c1c"/>
+                </a:solidFill>
+                <a:latin typeface="Latin Modern Sans"/>
+                <a:ea typeface="DejaVu Sans"/>
+              </a:rPr>
+              <a:t>O classificador N aprende sobre os erros do classificador N-1</a:t>
+            </a:r>
+            <a:endParaRPr b="0" lang="pt-BR" sz="1600" spc="-1" strike="noStrike">
+              <a:latin typeface="Arial"/>
+            </a:endParaRPr>
+          </a:p>
+          <a:p>
+            <a:pPr marL="216000" indent="-216000">
+              <a:lnSpc>
+                <a:spcPct val="150000"/>
+              </a:lnSpc>
+              <a:buClr>
+                <a:srgbClr val="000000"/>
+              </a:buClr>
+              <a:buSzPct val="45000"/>
+              <a:buFont typeface="Wingdings" charset="2"/>
+              <a:buChar char=""/>
+            </a:pPr>
+            <a:r>
+              <a:rPr b="0" lang="pt-BR" sz="1600" spc="-1" strike="noStrike">
+                <a:solidFill>
+                  <a:srgbClr val="1c1c1c"/>
+                </a:solidFill>
+                <a:latin typeface="Latin Modern Sans"/>
+                <a:ea typeface="DejaVu Sans"/>
+              </a:rPr>
+              <a:t>Cada classificador tem um peso no conjunto, determinado pelo seu erro</a:t>
+            </a:r>
+            <a:endParaRPr b="0" lang="pt-BR" sz="1600" spc="-1" strike="noStrike">
+              <a:latin typeface="Arial"/>
+            </a:endParaRPr>
+          </a:p>
+          <a:p>
+            <a:pPr>
+              <a:lnSpc>
+                <a:spcPct val="150000"/>
+              </a:lnSpc>
+              <a:buNone/>
+            </a:pPr>
+            <a:endParaRPr b="0" lang="pt-BR" sz="1600" spc="-1" strike="noStrike">
+              <a:latin typeface="Arial"/>
+            </a:endParaRPr>
+          </a:p>
+          <a:p>
+            <a:pPr>
+              <a:lnSpc>
+                <a:spcPct val="150000"/>
+              </a:lnSpc>
+              <a:buNone/>
+            </a:pPr>
+            <a:endParaRPr b="0" lang="pt-BR" sz="1600" spc="-1" strike="noStrike">
+              <a:latin typeface="Arial"/>
+            </a:endParaRPr>
+          </a:p>
+          <a:p>
+            <a:pPr>
+              <a:lnSpc>
+                <a:spcPct val="100000"/>
+              </a:lnSpc>
+              <a:buNone/>
+            </a:pPr>
+            <a:endParaRPr b="0" lang="pt-BR" sz="1600" spc="-1" strike="noStrike">
+              <a:latin typeface="Arial"/>
+            </a:endParaRPr>
+          </a:p>
+          <a:p>
+            <a:pPr>
+              <a:lnSpc>
+                <a:spcPct val="100000"/>
+              </a:lnSpc>
+              <a:buNone/>
+            </a:pPr>
+            <a:endParaRPr b="0" lang="pt-BR" sz="2000" spc="-1" strike="noStrike">
+              <a:latin typeface="Arial"/>
+            </a:endParaRPr>
+          </a:p>
+          <a:p>
+            <a:pPr>
+              <a:lnSpc>
+                <a:spcPct val="100000"/>
+              </a:lnSpc>
+              <a:buNone/>
+            </a:pPr>
+            <a:endParaRPr b="0" lang="pt-BR" sz="2000" spc="-1" strike="noStrike">
+              <a:latin typeface="Arial"/>
+            </a:endParaRPr>
+          </a:p>
+          <a:p>
+            <a:pPr>
+              <a:lnSpc>
+                <a:spcPct val="100000"/>
+              </a:lnSpc>
+              <a:buNone/>
+            </a:pPr>
+            <a:endParaRPr b="0" lang="pt-BR" sz="2000" spc="-1" strike="noStrike">
+              <a:latin typeface="Arial"/>
+            </a:endParaRPr>
+          </a:p>
+          <a:p>
+            <a:pPr>
+              <a:lnSpc>
+                <a:spcPct val="100000"/>
+              </a:lnSpc>
+              <a:buNone/>
+            </a:pPr>
+            <a:endParaRPr b="0" lang="pt-BR" sz="2000" spc="-1" strike="noStrike">
+              <a:latin typeface="Arial"/>
+            </a:endParaRPr>
+          </a:p>
+          <a:p>
+            <a:pPr>
+              <a:lnSpc>
+                <a:spcPct val="100000"/>
+              </a:lnSpc>
+              <a:buNone/>
+            </a:pPr>
+            <a:endParaRPr b="0" lang="pt-BR" sz="2000" spc="-1" strike="noStrike">
+              <a:latin typeface="Arial"/>
+            </a:endParaRPr>
+          </a:p>
+          <a:p>
+            <a:pPr>
+              <a:lnSpc>
+                <a:spcPct val="100000"/>
+              </a:lnSpc>
+              <a:buNone/>
+            </a:pPr>
+            <a:endParaRPr b="0" lang="pt-BR" sz="2000" spc="-1" strike="noStrike">
+              <a:latin typeface="Arial"/>
+            </a:endParaRPr>
+          </a:p>
+          <a:p>
+            <a:pPr>
+              <a:lnSpc>
+                <a:spcPct val="100000"/>
+              </a:lnSpc>
+              <a:buNone/>
+            </a:pPr>
+            <a:endParaRPr b="0" lang="pt-BR" sz="2000" spc="-1" strike="noStrike">
+              <a:latin typeface="Arial"/>
+            </a:endParaRPr>
+          </a:p>
+          <a:p>
+            <a:pPr>
+              <a:lnSpc>
+                <a:spcPct val="100000"/>
+              </a:lnSpc>
+              <a:buNone/>
+            </a:pPr>
+            <a:endParaRPr b="0" lang="pt-BR" sz="2000" spc="-1" strike="noStrike">
+              <a:latin typeface="Arial"/>
+            </a:endParaRPr>
+          </a:p>
+          <a:p>
+            <a:pPr>
+              <a:lnSpc>
+                <a:spcPct val="100000"/>
+              </a:lnSpc>
+              <a:buNone/>
+            </a:pPr>
+            <a:endParaRPr b="0" lang="pt-BR" sz="2000" spc="-1" strike="noStrike">
+              <a:latin typeface="Arial"/>
+            </a:endParaRPr>
+          </a:p>
+          <a:p>
+            <a:pPr>
+              <a:lnSpc>
+                <a:spcPct val="100000"/>
+              </a:lnSpc>
+              <a:buNone/>
+            </a:pPr>
+            <a:endParaRPr b="0" lang="pt-BR" sz="2000" spc="-1" strike="noStrike">
+              <a:latin typeface="Arial"/>
+            </a:endParaRPr>
+          </a:p>
+          <a:p>
+            <a:pPr>
+              <a:lnSpc>
+                <a:spcPct val="100000"/>
+              </a:lnSpc>
+              <a:buNone/>
+            </a:pPr>
+            <a:endParaRPr b="0" lang="pt-BR" sz="2000" spc="-1" strike="noStrike">
+              <a:latin typeface="Arial"/>
+            </a:endParaRPr>
+          </a:p>
+          <a:p>
+            <a:pPr>
+              <a:lnSpc>
+                <a:spcPct val="100000"/>
+              </a:lnSpc>
+              <a:buNone/>
+            </a:pPr>
+            <a:endParaRPr b="0" lang="pt-BR" sz="2000" spc="-1" strike="noStrike">
+              <a:latin typeface="Arial"/>
+            </a:endParaRPr>
+          </a:p>
+          <a:p>
+            <a:pPr>
+              <a:lnSpc>
+                <a:spcPct val="100000"/>
+              </a:lnSpc>
+              <a:buNone/>
+            </a:pPr>
+            <a:endParaRPr b="0" lang="pt-BR" sz="1600" spc="-1" strike="noStrike">
+              <a:latin typeface="Arial"/>
+            </a:endParaRPr>
+          </a:p>
+          <a:p>
+            <a:pPr>
+              <a:lnSpc>
+                <a:spcPct val="100000"/>
+              </a:lnSpc>
+              <a:buNone/>
+            </a:pPr>
+            <a:endParaRPr b="0" lang="pt-BR" sz="2000" spc="-1" strike="noStrike">
+              <a:latin typeface="Arial"/>
+            </a:endParaRPr>
+          </a:p>
+          <a:p>
+            <a:pPr>
+              <a:lnSpc>
+                <a:spcPct val="100000"/>
+              </a:lnSpc>
+              <a:buNone/>
+            </a:pPr>
+            <a:endParaRPr b="0" lang="pt-BR" sz="2000" spc="-1" strike="noStrike">
+              <a:latin typeface="Arial"/>
+            </a:endParaRPr>
+          </a:p>
+          <a:p>
+            <a:pPr>
+              <a:lnSpc>
+                <a:spcPct val="100000"/>
+              </a:lnSpc>
+              <a:buNone/>
+            </a:pPr>
+            <a:endParaRPr b="0" lang="pt-BR" sz="2000" spc="-1" strike="noStrike">
+              <a:latin typeface="Arial"/>
+            </a:endParaRPr>
+          </a:p>
+          <a:p>
+            <a:pPr>
+              <a:lnSpc>
+                <a:spcPct val="100000"/>
+              </a:lnSpc>
+              <a:buNone/>
+            </a:pPr>
+            <a:endParaRPr b="0" lang="pt-BR" sz="2000" spc="-1" strike="noStrike">
+              <a:latin typeface="Arial"/>
+            </a:endParaRPr>
+          </a:p>
+          <a:p>
+            <a:pPr>
+              <a:lnSpc>
+                <a:spcPct val="100000"/>
+              </a:lnSpc>
+              <a:buNone/>
+            </a:pPr>
+            <a:endParaRPr b="0" lang="pt-BR" sz="2000" spc="-1" strike="noStrike">
+              <a:latin typeface="Arial"/>
+            </a:endParaRPr>
+          </a:p>
+          <a:p>
+            <a:pPr>
+              <a:lnSpc>
+                <a:spcPct val="100000"/>
+              </a:lnSpc>
+              <a:buNone/>
+            </a:pPr>
+            <a:endParaRPr b="0" lang="pt-BR" sz="2000" spc="-1" strike="noStrike">
+              <a:latin typeface="Arial"/>
+            </a:endParaRPr>
+          </a:p>
+          <a:p>
+            <a:pPr>
+              <a:lnSpc>
+                <a:spcPct val="100000"/>
+              </a:lnSpc>
+              <a:buNone/>
+            </a:pPr>
+            <a:endParaRPr b="0" lang="pt-BR" sz="2000" spc="-1" strike="noStrike">
+              <a:latin typeface="Arial"/>
+            </a:endParaRPr>
+          </a:p>
+          <a:p>
+            <a:pPr>
+              <a:lnSpc>
+                <a:spcPct val="100000"/>
+              </a:lnSpc>
+              <a:buNone/>
+            </a:pPr>
+            <a:endParaRPr b="0" lang="pt-BR" sz="2000" spc="-1" strike="noStrike">
+              <a:latin typeface="Arial"/>
+            </a:endParaRPr>
+          </a:p>
+          <a:p>
+            <a:pPr>
+              <a:lnSpc>
+                <a:spcPct val="100000"/>
+              </a:lnSpc>
+              <a:buNone/>
+            </a:pPr>
+            <a:endParaRPr b="0" lang="pt-BR" sz="2000" spc="-1" strike="noStrike">
+              <a:latin typeface="Arial"/>
+            </a:endParaRPr>
+          </a:p>
+          <a:p>
+            <a:pPr marL="216000" indent="-216000">
+              <a:lnSpc>
+                <a:spcPct val="100000"/>
+              </a:lnSpc>
+              <a:buNone/>
+              <a:tabLst>
+                <a:tab algn="l" pos="0"/>
+              </a:tabLst>
+            </a:pPr>
+            <a:r>
+              <a:rPr b="0" lang="pt-BR" sz="2000" spc="-1" strike="noStrike">
+                <a:solidFill>
+                  <a:srgbClr val="1c1c1c"/>
+                </a:solidFill>
+                <a:latin typeface="Latin Modern Sans"/>
+                <a:ea typeface="DejaVu Sans"/>
+              </a:rPr>
+              <a:t> </a:t>
+            </a:r>
+            <a:endParaRPr b="0" lang="pt-BR" sz="2000" spc="-1" strike="noStrike">
+              <a:latin typeface="Arial"/>
+            </a:endParaRPr>
+          </a:p>
+          <a:p>
+            <a:pPr marL="216000" indent="-216000">
+              <a:lnSpc>
+                <a:spcPct val="100000"/>
+              </a:lnSpc>
+              <a:buNone/>
+              <a:tabLst>
+                <a:tab algn="l" pos="0"/>
+              </a:tabLst>
+            </a:pPr>
+            <a:endParaRPr b="0" lang="pt-BR" sz="2000" spc="-1" strike="noStrike">
+              <a:latin typeface="Arial"/>
+            </a:endParaRPr>
+          </a:p>
+          <a:p>
+            <a:pPr marL="216000" indent="-216000">
+              <a:lnSpc>
+                <a:spcPct val="100000"/>
+              </a:lnSpc>
+              <a:buNone/>
+              <a:tabLst>
+                <a:tab algn="l" pos="0"/>
+              </a:tabLst>
+            </a:pPr>
+            <a:endParaRPr b="0" lang="pt-BR" sz="2000" spc="-1" strike="noStrike">
+              <a:latin typeface="Arial"/>
+            </a:endParaRPr>
+          </a:p>
+          <a:p>
+            <a:pPr marL="216000" indent="-216000">
+              <a:lnSpc>
+                <a:spcPct val="100000"/>
+              </a:lnSpc>
+              <a:buNone/>
+              <a:tabLst>
+                <a:tab algn="l" pos="0"/>
+              </a:tabLst>
+            </a:pPr>
+            <a:endParaRPr b="0" lang="pt-BR" sz="2000" spc="-1" strike="noStrike">
+              <a:latin typeface="Arial"/>
+            </a:endParaRPr>
+          </a:p>
+        </p:txBody>
+      </p:sp>
+      <p:pic>
+        <p:nvPicPr>
+          <p:cNvPr id="164" name="" descr=""/>
+          <p:cNvPicPr/>
+          <p:nvPr/>
+        </p:nvPicPr>
+        <p:blipFill>
+          <a:blip r:embed="rId1"/>
+          <a:stretch/>
+        </p:blipFill>
+        <p:spPr>
+          <a:xfrm>
+            <a:off x="2880000" y="3600000"/>
+            <a:ext cx="4284720" cy="2406600"/>
+          </a:xfrm>
+          <a:prstGeom prst="rect">
+            <a:avLst/>
+          </a:prstGeom>
+          <a:ln w="0">
+            <a:noFill/>
+          </a:ln>
+        </p:spPr>
+      </p:pic>
+    </p:spTree>
+  </p:cSld>
+  <mc:AlternateContent>
+    <mc:Choice Requires="p14">
+      <p:transition spd="slow" p14:dur="2000"/>
+    </mc:Choice>
+    <mc:Fallback>
+      <p:transition spd="slow"/>
+    </mc:Fallback>
+  </mc:AlternateContent>
+</p:sld>
+</file>
+
+<file path=ppt/slides/slide14.xml><?xml version="1.0" encoding="utf-8"?>
+<p:sld xmlns:a="http://schemas.openxmlformats.org/drawingml/2006/main" xmlns:p="http://schemas.openxmlformats.org/presentationml/2006/main" xmlns:r="http://schemas.openxmlformats.org/officeDocument/2006/relationships" xmlns:p14="http://schemas.microsoft.com/office/powerpoint/2010/main" xmlns:p15="http://schemas.microsoft.com/office/powerpoint/2012/main" xmlns:mc="http://schemas.openxmlformats.org/markup-compatibility/2006">
+  <p:cSld>
+    <p:spTree>
+      <p:nvGrpSpPr>
+        <p:cNvPr id="1" name=""/>
+        <p:cNvGrpSpPr/>
+        <p:nvPr/>
+      </p:nvGrpSpPr>
+      <p:grpSpPr>
+        <a:xfrm>
+          <a:off x="0" y="0"/>
+          <a:ext cx="0" cy="0"/>
+          <a:chOff x="0" y="0"/>
+          <a:chExt cx="0" cy="0"/>
+        </a:xfrm>
+      </p:grpSpPr>
+      <p:sp>
+        <p:nvSpPr>
+          <p:cNvPr id="165" name="CustomShape 54"/>
+          <p:cNvSpPr/>
+          <p:nvPr/>
+        </p:nvSpPr>
+        <p:spPr>
+          <a:xfrm>
+            <a:off x="360000" y="360000"/>
+            <a:ext cx="9349560" cy="889560"/>
+          </a:xfrm>
+          <a:prstGeom prst="rect">
+            <a:avLst/>
+          </a:prstGeom>
+          <a:noFill/>
+          <a:ln w="0">
+            <a:noFill/>
+          </a:ln>
+        </p:spPr>
+        <p:style>
+          <a:lnRef idx="0"/>
+          <a:fillRef idx="0"/>
+          <a:effectRef idx="0"/>
+          <a:fontRef idx="minor"/>
+        </p:style>
+        <p:txBody>
+          <a:bodyPr lIns="0" rIns="0" tIns="0" bIns="0" anchor="b">
+            <a:noAutofit/>
+          </a:bodyPr>
+          <a:p>
+            <a:pPr>
+              <a:lnSpc>
+                <a:spcPct val="100000"/>
+              </a:lnSpc>
+              <a:buNone/>
+            </a:pPr>
+            <a:r>
+              <a:rPr b="1" lang="pt-BR" sz="2600" spc="-1" strike="noStrike">
+                <a:solidFill>
+                  <a:srgbClr val="ffffff"/>
+                </a:solidFill>
+                <a:latin typeface="Source Sans Pro Black"/>
+                <a:ea typeface="DejaVu Sans"/>
+              </a:rPr>
+              <a:t>Boosting</a:t>
+            </a:r>
+            <a:endParaRPr b="0" lang="pt-BR" sz="2600" spc="-1" strike="noStrike">
+              <a:latin typeface="Arial"/>
+            </a:endParaRPr>
+          </a:p>
+        </p:txBody>
+      </p:sp>
+      <p:sp>
+        <p:nvSpPr>
+          <p:cNvPr id="166" name="CustomShape 55"/>
+          <p:cNvSpPr/>
+          <p:nvPr/>
+        </p:nvSpPr>
+        <p:spPr>
+          <a:xfrm>
+            <a:off x="360000" y="1980000"/>
+            <a:ext cx="9169560" cy="4669560"/>
+          </a:xfrm>
+          <a:prstGeom prst="rect">
+            <a:avLst/>
+          </a:prstGeom>
+          <a:noFill/>
+          <a:ln w="0">
+            <a:noFill/>
+          </a:ln>
+        </p:spPr>
+        <p:style>
+          <a:lnRef idx="0"/>
+          <a:fillRef idx="0"/>
+          <a:effectRef idx="0"/>
+          <a:fontRef idx="minor"/>
+        </p:style>
+        <p:txBody>
+          <a:bodyPr lIns="0" rIns="0" tIns="0" bIns="0" anchor="t">
+            <a:normAutofit/>
+          </a:bodyPr>
+          <a:p>
+            <a:pPr>
+              <a:lnSpc>
+                <a:spcPct val="100000"/>
+              </a:lnSpc>
+              <a:spcAft>
+                <a:spcPts val="1140"/>
+              </a:spcAft>
+              <a:buNone/>
+            </a:pPr>
+            <a:endParaRPr b="0" lang="pt-BR" sz="1600" spc="-1" strike="noStrike">
+              <a:latin typeface="Arial"/>
+            </a:endParaRPr>
+          </a:p>
+          <a:p>
+            <a:pPr>
+              <a:lnSpc>
+                <a:spcPct val="100000"/>
+              </a:lnSpc>
+              <a:spcAft>
+                <a:spcPts val="1140"/>
+              </a:spcAft>
+              <a:buNone/>
+            </a:pPr>
+            <a:endParaRPr b="0" lang="pt-BR" sz="2000" spc="-1" strike="noStrike">
+              <a:latin typeface="Arial"/>
+            </a:endParaRPr>
+          </a:p>
+        </p:txBody>
+      </p:sp>
+      <p:sp>
+        <p:nvSpPr>
+          <p:cNvPr id="167" name="CustomShape 56"/>
+          <p:cNvSpPr/>
+          <p:nvPr/>
+        </p:nvSpPr>
+        <p:spPr>
+          <a:xfrm>
+            <a:off x="897120" y="6886080"/>
+            <a:ext cx="6436800" cy="354600"/>
+          </a:xfrm>
+          <a:prstGeom prst="rect">
+            <a:avLst/>
+          </a:prstGeom>
+          <a:noFill/>
+          <a:ln w="0">
+            <a:noFill/>
+          </a:ln>
+        </p:spPr>
+        <p:style>
+          <a:lnRef idx="0"/>
+          <a:fillRef idx="0"/>
+          <a:effectRef idx="0"/>
+          <a:fontRef idx="minor"/>
+        </p:style>
+        <p:txBody>
+          <a:bodyPr lIns="90000" rIns="90000" tIns="45000" bIns="45000" anchor="t">
+            <a:noAutofit/>
+          </a:bodyPr>
+          <a:p>
+            <a:pPr>
+              <a:lnSpc>
+                <a:spcPct val="100000"/>
+              </a:lnSpc>
+              <a:buNone/>
+            </a:pPr>
+            <a:r>
+              <a:rPr b="0" lang="pt-BR" sz="1800" spc="-1" strike="noStrike">
+                <a:solidFill>
+                  <a:srgbClr val="000000"/>
+                </a:solidFill>
+                <a:latin typeface="Arial"/>
+                <a:ea typeface="DejaVu Sans"/>
+              </a:rPr>
+              <a:t>Aprendizado de Máquina - Prof. André Hochuli</a:t>
+            </a:r>
+            <a:endParaRPr b="0" lang="pt-BR" sz="1800" spc="-1" strike="noStrike">
+              <a:latin typeface="Arial"/>
+            </a:endParaRPr>
+          </a:p>
+        </p:txBody>
+      </p:sp>
+      <p:sp>
+        <p:nvSpPr>
+          <p:cNvPr id="168" name="CustomShape 57"/>
+          <p:cNvSpPr/>
+          <p:nvPr/>
+        </p:nvSpPr>
+        <p:spPr>
+          <a:xfrm>
+            <a:off x="7608600" y="6886080"/>
+            <a:ext cx="2274840" cy="354600"/>
+          </a:xfrm>
+          <a:prstGeom prst="rect">
+            <a:avLst/>
+          </a:prstGeom>
+          <a:noFill/>
+          <a:ln w="0">
+            <a:noFill/>
+          </a:ln>
+        </p:spPr>
+        <p:style>
+          <a:lnRef idx="0"/>
+          <a:fillRef idx="0"/>
+          <a:effectRef idx="0"/>
+          <a:fontRef idx="minor"/>
+        </p:style>
+        <p:txBody>
+          <a:bodyPr lIns="90000" rIns="90000" tIns="45000" bIns="45000" anchor="t">
+            <a:noAutofit/>
+          </a:bodyPr>
+          <a:p>
+            <a:pPr>
+              <a:lnSpc>
+                <a:spcPct val="100000"/>
+              </a:lnSpc>
+              <a:buNone/>
+            </a:pPr>
+            <a:r>
+              <a:rPr b="0" lang="pt-BR" sz="1800" spc="-1" strike="noStrike">
+                <a:solidFill>
+                  <a:srgbClr val="000000"/>
+                </a:solidFill>
+                <a:latin typeface="Arial"/>
+                <a:ea typeface="DejaVu Sans"/>
+              </a:rPr>
+              <a:t>Combinação</a:t>
+            </a:r>
+            <a:endParaRPr b="0" lang="pt-BR" sz="1800" spc="-1" strike="noStrike">
+              <a:latin typeface="Arial"/>
+            </a:endParaRPr>
+          </a:p>
+        </p:txBody>
+      </p:sp>
+      <p:sp>
+        <p:nvSpPr>
+          <p:cNvPr id="169" name=""/>
+          <p:cNvSpPr/>
+          <p:nvPr/>
+        </p:nvSpPr>
+        <p:spPr>
+          <a:xfrm>
+            <a:off x="342360" y="1529280"/>
+            <a:ext cx="9247320" cy="5359320"/>
+          </a:xfrm>
+          <a:prstGeom prst="rect">
+            <a:avLst/>
+          </a:prstGeom>
+          <a:noFill/>
+          <a:ln w="0">
+            <a:noFill/>
+          </a:ln>
+        </p:spPr>
+        <p:style>
+          <a:lnRef idx="0"/>
+          <a:fillRef idx="0"/>
+          <a:effectRef idx="0"/>
+          <a:fontRef idx="minor"/>
+        </p:style>
+        <p:txBody>
+          <a:bodyPr lIns="90000" rIns="90000" tIns="45000" bIns="45000" anchor="t">
+            <a:noAutofit/>
+          </a:bodyPr>
+          <a:p>
+            <a:pPr>
+              <a:lnSpc>
+                <a:spcPct val="100000"/>
+              </a:lnSpc>
+              <a:buNone/>
+            </a:pPr>
+            <a:endParaRPr b="0" lang="pt-BR" sz="2000" spc="-1" strike="noStrike">
+              <a:latin typeface="Arial"/>
+            </a:endParaRPr>
+          </a:p>
+          <a:p>
+            <a:pPr marL="216000" indent="-216000">
+              <a:lnSpc>
+                <a:spcPct val="150000"/>
+              </a:lnSpc>
+              <a:buClr>
+                <a:srgbClr val="000000"/>
+              </a:buClr>
+              <a:buSzPct val="45000"/>
+              <a:buFont typeface="Wingdings" charset="2"/>
+              <a:buChar char=""/>
+            </a:pPr>
+            <a:r>
+              <a:rPr b="0" lang="pt-BR" sz="1600" spc="-1" strike="noStrike">
+                <a:solidFill>
+                  <a:srgbClr val="1c1c1c"/>
+                </a:solidFill>
+                <a:latin typeface="Latin Modern Sans"/>
+                <a:ea typeface="DejaVu Sans"/>
+              </a:rPr>
+              <a:t>Pseudo-algoritmo:</a:t>
+            </a:r>
+            <a:endParaRPr b="0" lang="pt-BR" sz="1600" spc="-1" strike="noStrike">
+              <a:latin typeface="Arial"/>
+            </a:endParaRPr>
+          </a:p>
+          <a:p>
+            <a:pPr lvl="1" marL="432000" indent="-216000">
+              <a:lnSpc>
+                <a:spcPct val="150000"/>
+              </a:lnSpc>
+              <a:buClr>
+                <a:srgbClr val="000000"/>
+              </a:buClr>
+              <a:buSzPct val="45000"/>
+              <a:buFont typeface="Wingdings" charset="2"/>
+              <a:buChar char=""/>
+            </a:pPr>
+            <a:r>
+              <a:rPr b="0" lang="pt-BR" sz="1600" spc="-1" strike="noStrike">
+                <a:solidFill>
+                  <a:srgbClr val="1c1c1c"/>
+                </a:solidFill>
+                <a:latin typeface="Latin Modern Sans"/>
+                <a:ea typeface="DejaVu Sans"/>
+              </a:rPr>
+              <a:t>Treinar um classificador ‘fraco’ ponderando as instâncias </a:t>
+            </a:r>
+            <a:endParaRPr b="0" lang="pt-BR" sz="1600" spc="-1" strike="noStrike">
+              <a:latin typeface="Arial"/>
+            </a:endParaRPr>
+          </a:p>
+          <a:p>
+            <a:pPr lvl="1" marL="432000" indent="-216000">
+              <a:lnSpc>
+                <a:spcPct val="150000"/>
+              </a:lnSpc>
+              <a:buClr>
+                <a:srgbClr val="000000"/>
+              </a:buClr>
+              <a:buSzPct val="45000"/>
+              <a:buFont typeface="Wingdings" charset="2"/>
+              <a:buChar char=""/>
+            </a:pPr>
+            <a:r>
+              <a:rPr b="0" lang="pt-BR" sz="1600" spc="-1" strike="noStrike">
+                <a:solidFill>
+                  <a:srgbClr val="1c1c1c"/>
+                </a:solidFill>
+                <a:latin typeface="Latin Modern Sans"/>
+                <a:ea typeface="DejaVu Sans"/>
+              </a:rPr>
+              <a:t>Determinar o erro</a:t>
+            </a:r>
+            <a:endParaRPr b="0" lang="pt-BR" sz="1600" spc="-1" strike="noStrike">
+              <a:latin typeface="Arial"/>
+            </a:endParaRPr>
+          </a:p>
+          <a:p>
+            <a:pPr lvl="1" marL="432000" indent="-216000">
+              <a:lnSpc>
+                <a:spcPct val="150000"/>
+              </a:lnSpc>
+              <a:buClr>
+                <a:srgbClr val="000000"/>
+              </a:buClr>
+              <a:buSzPct val="45000"/>
+              <a:buFont typeface="Wingdings" charset="2"/>
+              <a:buChar char=""/>
+            </a:pPr>
+            <a:r>
+              <a:rPr b="0" lang="pt-BR" sz="1600" spc="-1" strike="noStrike">
+                <a:solidFill>
+                  <a:srgbClr val="1c1c1c"/>
+                </a:solidFill>
+                <a:latin typeface="Latin Modern Sans"/>
+                <a:ea typeface="DejaVu Sans"/>
+              </a:rPr>
+              <a:t>Ponderar as instâncias de acordo com o erro</a:t>
+            </a:r>
+            <a:endParaRPr b="0" lang="pt-BR" sz="1600" spc="-1" strike="noStrike">
+              <a:latin typeface="Arial"/>
+            </a:endParaRPr>
+          </a:p>
+          <a:p>
+            <a:pPr lvl="1" marL="432000" indent="-216000">
+              <a:lnSpc>
+                <a:spcPct val="150000"/>
+              </a:lnSpc>
+              <a:buClr>
+                <a:srgbClr val="000000"/>
+              </a:buClr>
+              <a:buSzPct val="45000"/>
+              <a:buFont typeface="Wingdings" charset="2"/>
+              <a:buChar char=""/>
+            </a:pPr>
+            <a:r>
+              <a:rPr b="0" lang="pt-BR" sz="1600" spc="-1" strike="noStrike">
+                <a:solidFill>
+                  <a:srgbClr val="1c1c1c"/>
+                </a:solidFill>
+                <a:latin typeface="Latin Modern Sans"/>
+                <a:ea typeface="DejaVu Sans"/>
+              </a:rPr>
+              <a:t>Determinar o coeficiente do classificador (erro)</a:t>
+            </a:r>
+            <a:endParaRPr b="0" lang="pt-BR" sz="1600" spc="-1" strike="noStrike">
+              <a:latin typeface="Arial"/>
+            </a:endParaRPr>
+          </a:p>
+          <a:p>
+            <a:pPr lvl="1" marL="432000" indent="-216000">
+              <a:lnSpc>
+                <a:spcPct val="150000"/>
+              </a:lnSpc>
+              <a:buClr>
+                <a:srgbClr val="000000"/>
+              </a:buClr>
+              <a:buSzPct val="45000"/>
+              <a:buFont typeface="Wingdings" charset="2"/>
+              <a:buChar char=""/>
+            </a:pPr>
+            <a:r>
+              <a:rPr b="0" lang="pt-BR" sz="1600" spc="-1" strike="noStrike">
+                <a:solidFill>
+                  <a:srgbClr val="1c1c1c"/>
+                </a:solidFill>
+                <a:latin typeface="Latin Modern Sans"/>
+                <a:ea typeface="DejaVu Sans"/>
+              </a:rPr>
+              <a:t>Adicionar ao ensemble</a:t>
+            </a:r>
+            <a:endParaRPr b="0" lang="pt-BR" sz="1600" spc="-1" strike="noStrike">
+              <a:latin typeface="Arial"/>
+            </a:endParaRPr>
+          </a:p>
+          <a:p>
+            <a:pPr marL="216000" indent="-216000">
+              <a:lnSpc>
+                <a:spcPct val="150000"/>
+              </a:lnSpc>
+              <a:buClr>
+                <a:srgbClr val="000000"/>
+              </a:buClr>
+              <a:buSzPct val="45000"/>
+              <a:buFont typeface="Wingdings" charset="2"/>
+              <a:buChar char=""/>
+            </a:pPr>
+            <a:endParaRPr b="0" lang="pt-BR" sz="1600" spc="-1" strike="noStrike">
+              <a:latin typeface="Arial"/>
+            </a:endParaRPr>
+          </a:p>
+          <a:p>
+            <a:pPr>
+              <a:lnSpc>
+                <a:spcPct val="150000"/>
+              </a:lnSpc>
+              <a:buNone/>
+            </a:pPr>
+            <a:endParaRPr b="0" lang="pt-BR" sz="1600" spc="-1" strike="noStrike">
+              <a:latin typeface="Arial"/>
+            </a:endParaRPr>
+          </a:p>
+          <a:p>
+            <a:pPr>
+              <a:lnSpc>
+                <a:spcPct val="150000"/>
+              </a:lnSpc>
+              <a:buNone/>
+            </a:pPr>
+            <a:endParaRPr b="0" lang="pt-BR" sz="1600" spc="-1" strike="noStrike">
+              <a:latin typeface="Arial"/>
+            </a:endParaRPr>
+          </a:p>
+          <a:p>
+            <a:pPr>
+              <a:lnSpc>
+                <a:spcPct val="100000"/>
+              </a:lnSpc>
+              <a:buNone/>
+            </a:pPr>
+            <a:endParaRPr b="0" lang="pt-BR" sz="1600" spc="-1" strike="noStrike">
+              <a:latin typeface="Arial"/>
+            </a:endParaRPr>
+          </a:p>
+          <a:p>
+            <a:pPr>
+              <a:lnSpc>
+                <a:spcPct val="100000"/>
+              </a:lnSpc>
+              <a:buNone/>
+            </a:pPr>
+            <a:endParaRPr b="0" lang="pt-BR" sz="2000" spc="-1" strike="noStrike">
+              <a:latin typeface="Arial"/>
+            </a:endParaRPr>
+          </a:p>
+          <a:p>
+            <a:pPr>
+              <a:lnSpc>
+                <a:spcPct val="100000"/>
+              </a:lnSpc>
+              <a:buNone/>
+            </a:pPr>
+            <a:endParaRPr b="0" lang="pt-BR" sz="2000" spc="-1" strike="noStrike">
+              <a:latin typeface="Arial"/>
+            </a:endParaRPr>
+          </a:p>
+          <a:p>
+            <a:pPr>
+              <a:lnSpc>
+                <a:spcPct val="100000"/>
+              </a:lnSpc>
+              <a:buNone/>
+            </a:pPr>
+            <a:endParaRPr b="0" lang="pt-BR" sz="2000" spc="-1" strike="noStrike">
+              <a:latin typeface="Arial"/>
+            </a:endParaRPr>
+          </a:p>
+          <a:p>
+            <a:pPr>
+              <a:lnSpc>
+                <a:spcPct val="100000"/>
+              </a:lnSpc>
+              <a:buNone/>
+            </a:pPr>
+            <a:endParaRPr b="0" lang="pt-BR" sz="2000" spc="-1" strike="noStrike">
+              <a:latin typeface="Arial"/>
+            </a:endParaRPr>
+          </a:p>
+          <a:p>
+            <a:pPr>
+              <a:lnSpc>
+                <a:spcPct val="100000"/>
+              </a:lnSpc>
+              <a:buNone/>
+            </a:pPr>
+            <a:endParaRPr b="0" lang="pt-BR" sz="2000" spc="-1" strike="noStrike">
+              <a:latin typeface="Arial"/>
+            </a:endParaRPr>
+          </a:p>
+          <a:p>
+            <a:pPr>
+              <a:lnSpc>
+                <a:spcPct val="100000"/>
+              </a:lnSpc>
+              <a:buNone/>
+            </a:pPr>
+            <a:endParaRPr b="0" lang="pt-BR" sz="2000" spc="-1" strike="noStrike">
+              <a:latin typeface="Arial"/>
+            </a:endParaRPr>
+          </a:p>
+          <a:p>
+            <a:pPr>
+              <a:lnSpc>
+                <a:spcPct val="100000"/>
+              </a:lnSpc>
+              <a:buNone/>
+            </a:pPr>
+            <a:endParaRPr b="0" lang="pt-BR" sz="2000" spc="-1" strike="noStrike">
+              <a:latin typeface="Arial"/>
+            </a:endParaRPr>
+          </a:p>
+          <a:p>
+            <a:pPr>
+              <a:lnSpc>
+                <a:spcPct val="100000"/>
+              </a:lnSpc>
+              <a:buNone/>
+            </a:pPr>
+            <a:endParaRPr b="0" lang="pt-BR" sz="2000" spc="-1" strike="noStrike">
+              <a:latin typeface="Arial"/>
+            </a:endParaRPr>
+          </a:p>
+          <a:p>
+            <a:pPr>
+              <a:lnSpc>
+                <a:spcPct val="100000"/>
+              </a:lnSpc>
+              <a:buNone/>
+            </a:pPr>
+            <a:endParaRPr b="0" lang="pt-BR" sz="2000" spc="-1" strike="noStrike">
+              <a:latin typeface="Arial"/>
+            </a:endParaRPr>
+          </a:p>
+          <a:p>
+            <a:pPr>
+              <a:lnSpc>
+                <a:spcPct val="100000"/>
+              </a:lnSpc>
+              <a:buNone/>
+            </a:pPr>
+            <a:endParaRPr b="0" lang="pt-BR" sz="2000" spc="-1" strike="noStrike">
+              <a:latin typeface="Arial"/>
+            </a:endParaRPr>
+          </a:p>
+          <a:p>
+            <a:pPr>
+              <a:lnSpc>
+                <a:spcPct val="100000"/>
+              </a:lnSpc>
+              <a:buNone/>
+            </a:pPr>
+            <a:endParaRPr b="0" lang="pt-BR" sz="2000" spc="-1" strike="noStrike">
+              <a:latin typeface="Arial"/>
+            </a:endParaRPr>
+          </a:p>
+          <a:p>
+            <a:pPr>
+              <a:lnSpc>
+                <a:spcPct val="100000"/>
+              </a:lnSpc>
+              <a:buNone/>
+            </a:pPr>
+            <a:endParaRPr b="0" lang="pt-BR" sz="2000" spc="-1" strike="noStrike">
+              <a:latin typeface="Arial"/>
+            </a:endParaRPr>
+          </a:p>
+          <a:p>
+            <a:pPr>
+              <a:lnSpc>
+                <a:spcPct val="100000"/>
+              </a:lnSpc>
+              <a:buNone/>
+            </a:pPr>
+            <a:endParaRPr b="0" lang="pt-BR" sz="1600" spc="-1" strike="noStrike">
+              <a:latin typeface="Arial"/>
+            </a:endParaRPr>
+          </a:p>
+          <a:p>
+            <a:pPr>
+              <a:lnSpc>
+                <a:spcPct val="100000"/>
+              </a:lnSpc>
+              <a:buNone/>
+            </a:pPr>
+            <a:endParaRPr b="0" lang="pt-BR" sz="2000" spc="-1" strike="noStrike">
+              <a:latin typeface="Arial"/>
+            </a:endParaRPr>
+          </a:p>
+          <a:p>
+            <a:pPr>
+              <a:lnSpc>
+                <a:spcPct val="100000"/>
+              </a:lnSpc>
+              <a:buNone/>
+            </a:pPr>
+            <a:endParaRPr b="0" lang="pt-BR" sz="2000" spc="-1" strike="noStrike">
+              <a:latin typeface="Arial"/>
+            </a:endParaRPr>
+          </a:p>
+          <a:p>
+            <a:pPr>
+              <a:lnSpc>
+                <a:spcPct val="100000"/>
+              </a:lnSpc>
+              <a:buNone/>
+            </a:pPr>
+            <a:endParaRPr b="0" lang="pt-BR" sz="2000" spc="-1" strike="noStrike">
+              <a:latin typeface="Arial"/>
+            </a:endParaRPr>
+          </a:p>
+          <a:p>
+            <a:pPr>
+              <a:lnSpc>
+                <a:spcPct val="100000"/>
+              </a:lnSpc>
+              <a:buNone/>
+            </a:pPr>
+            <a:endParaRPr b="0" lang="pt-BR" sz="2000" spc="-1" strike="noStrike">
+              <a:latin typeface="Arial"/>
+            </a:endParaRPr>
+          </a:p>
+          <a:p>
+            <a:pPr>
+              <a:lnSpc>
+                <a:spcPct val="100000"/>
+              </a:lnSpc>
+              <a:buNone/>
+            </a:pPr>
+            <a:endParaRPr b="0" lang="pt-BR" sz="2000" spc="-1" strike="noStrike">
+              <a:latin typeface="Arial"/>
+            </a:endParaRPr>
+          </a:p>
+          <a:p>
+            <a:pPr>
+              <a:lnSpc>
+                <a:spcPct val="100000"/>
+              </a:lnSpc>
+              <a:buNone/>
+            </a:pPr>
+            <a:endParaRPr b="0" lang="pt-BR" sz="2000" spc="-1" strike="noStrike">
+              <a:latin typeface="Arial"/>
+            </a:endParaRPr>
+          </a:p>
+          <a:p>
+            <a:pPr>
+              <a:lnSpc>
+                <a:spcPct val="100000"/>
+              </a:lnSpc>
+              <a:buNone/>
+            </a:pPr>
+            <a:endParaRPr b="0" lang="pt-BR" sz="2000" spc="-1" strike="noStrike">
+              <a:latin typeface="Arial"/>
+            </a:endParaRPr>
+          </a:p>
+          <a:p>
+            <a:pPr>
+              <a:lnSpc>
+                <a:spcPct val="100000"/>
+              </a:lnSpc>
+              <a:buNone/>
+            </a:pPr>
+            <a:endParaRPr b="0" lang="pt-BR" sz="2000" spc="-1" strike="noStrike">
+              <a:latin typeface="Arial"/>
+            </a:endParaRPr>
+          </a:p>
+          <a:p>
+            <a:pPr>
+              <a:lnSpc>
+                <a:spcPct val="100000"/>
+              </a:lnSpc>
+              <a:buNone/>
+            </a:pPr>
+            <a:endParaRPr b="0" lang="pt-BR" sz="2000" spc="-1" strike="noStrike">
+              <a:latin typeface="Arial"/>
+            </a:endParaRPr>
+          </a:p>
+          <a:p>
+            <a:pPr marL="216000" indent="-216000">
+              <a:lnSpc>
+                <a:spcPct val="100000"/>
+              </a:lnSpc>
+              <a:buNone/>
+              <a:tabLst>
+                <a:tab algn="l" pos="0"/>
+              </a:tabLst>
+            </a:pPr>
+            <a:r>
+              <a:rPr b="0" lang="pt-BR" sz="2000" spc="-1" strike="noStrike">
+                <a:solidFill>
+                  <a:srgbClr val="1c1c1c"/>
+                </a:solidFill>
+                <a:latin typeface="Latin Modern Sans"/>
+                <a:ea typeface="DejaVu Sans"/>
+              </a:rPr>
+              <a:t> </a:t>
+            </a:r>
+            <a:endParaRPr b="0" lang="pt-BR" sz="2000" spc="-1" strike="noStrike">
+              <a:latin typeface="Arial"/>
+            </a:endParaRPr>
+          </a:p>
+          <a:p>
+            <a:pPr marL="216000" indent="-216000">
+              <a:lnSpc>
+                <a:spcPct val="100000"/>
+              </a:lnSpc>
+              <a:buNone/>
+              <a:tabLst>
+                <a:tab algn="l" pos="0"/>
+              </a:tabLst>
+            </a:pPr>
+            <a:endParaRPr b="0" lang="pt-BR" sz="2000" spc="-1" strike="noStrike">
+              <a:latin typeface="Arial"/>
+            </a:endParaRPr>
+          </a:p>
+          <a:p>
+            <a:pPr marL="216000" indent="-216000">
+              <a:lnSpc>
+                <a:spcPct val="100000"/>
+              </a:lnSpc>
+              <a:buNone/>
+              <a:tabLst>
+                <a:tab algn="l" pos="0"/>
+              </a:tabLst>
+            </a:pPr>
+            <a:endParaRPr b="0" lang="pt-BR" sz="2000" spc="-1" strike="noStrike">
+              <a:latin typeface="Arial"/>
+            </a:endParaRPr>
+          </a:p>
+          <a:p>
+            <a:pPr marL="216000" indent="-216000">
+              <a:lnSpc>
+                <a:spcPct val="100000"/>
+              </a:lnSpc>
+              <a:buNone/>
+              <a:tabLst>
+                <a:tab algn="l" pos="0"/>
+              </a:tabLst>
+            </a:pPr>
+            <a:endParaRPr b="0" lang="pt-BR" sz="2000" spc="-1" strike="noStrike">
+              <a:latin typeface="Arial"/>
+            </a:endParaRPr>
+          </a:p>
+        </p:txBody>
+      </p:sp>
+      <p:pic>
+        <p:nvPicPr>
+          <p:cNvPr id="170" name="" descr=""/>
+          <p:cNvPicPr/>
+          <p:nvPr/>
+        </p:nvPicPr>
+        <p:blipFill>
+          <a:blip r:embed="rId1"/>
+          <a:srcRect l="4420" t="14352" r="730" b="11040"/>
+          <a:stretch/>
+        </p:blipFill>
+        <p:spPr>
+          <a:xfrm>
+            <a:off x="1620000" y="4068000"/>
+            <a:ext cx="7199640" cy="2699640"/>
+          </a:xfrm>
+          <a:prstGeom prst="rect">
+            <a:avLst/>
+          </a:prstGeom>
+          <a:ln w="0">
+            <a:noFill/>
+          </a:ln>
+        </p:spPr>
+      </p:pic>
+    </p:spTree>
+  </p:cSld>
+  <mc:AlternateContent>
+    <mc:Choice Requires="p14">
+      <p:transition spd="slow" p14:dur="2000"/>
+    </mc:Choice>
+    <mc:Fallback>
+      <p:transition spd="slow"/>
+    </mc:Fallback>
+  </mc:AlternateContent>
+</p:sld>
+</file>
+
+<file path=ppt/slides/slide15.xml><?xml version="1.0" encoding="utf-8"?>
+<p:sld xmlns:a="http://schemas.openxmlformats.org/drawingml/2006/main" xmlns:p="http://schemas.openxmlformats.org/presentationml/2006/main" xmlns:r="http://schemas.openxmlformats.org/officeDocument/2006/relationships" xmlns:p14="http://schemas.microsoft.com/office/powerpoint/2010/main" xmlns:p15="http://schemas.microsoft.com/office/powerpoint/2012/main" xmlns:mc="http://schemas.openxmlformats.org/markup-compatibility/2006">
+  <p:cSld>
+    <p:spTree>
+      <p:nvGrpSpPr>
+        <p:cNvPr id="1" name=""/>
+        <p:cNvGrpSpPr/>
+        <p:nvPr/>
+      </p:nvGrpSpPr>
+      <p:grpSpPr>
+        <a:xfrm>
+          <a:off x="0" y="0"/>
+          <a:ext cx="0" cy="0"/>
+          <a:chOff x="0" y="0"/>
+          <a:chExt cx="0" cy="0"/>
+        </a:xfrm>
+      </p:grpSpPr>
+      <p:sp>
+        <p:nvSpPr>
+          <p:cNvPr id="171" name="CustomShape 64"/>
+          <p:cNvSpPr/>
+          <p:nvPr/>
+        </p:nvSpPr>
+        <p:spPr>
+          <a:xfrm>
+            <a:off x="360000" y="360000"/>
+            <a:ext cx="9349560" cy="889560"/>
+          </a:xfrm>
+          <a:prstGeom prst="rect">
+            <a:avLst/>
+          </a:prstGeom>
+          <a:noFill/>
+          <a:ln w="0">
+            <a:noFill/>
+          </a:ln>
+        </p:spPr>
+        <p:style>
+          <a:lnRef idx="0"/>
+          <a:fillRef idx="0"/>
+          <a:effectRef idx="0"/>
+          <a:fontRef idx="minor"/>
+        </p:style>
+        <p:txBody>
+          <a:bodyPr lIns="0" rIns="0" tIns="0" bIns="0" anchor="b">
+            <a:noAutofit/>
+          </a:bodyPr>
+          <a:p>
+            <a:pPr>
+              <a:lnSpc>
+                <a:spcPct val="100000"/>
+              </a:lnSpc>
+              <a:buNone/>
+            </a:pPr>
+            <a:r>
+              <a:rPr b="1" lang="pt-BR" sz="2600" spc="-1" strike="noStrike">
+                <a:solidFill>
+                  <a:srgbClr val="ffffff"/>
+                </a:solidFill>
+                <a:latin typeface="Source Sans Pro Black"/>
+                <a:ea typeface="DejaVu Sans"/>
+              </a:rPr>
+              <a:t>Boosting</a:t>
+            </a:r>
+            <a:endParaRPr b="0" lang="pt-BR" sz="2600" spc="-1" strike="noStrike">
+              <a:latin typeface="Arial"/>
+            </a:endParaRPr>
+          </a:p>
+        </p:txBody>
+      </p:sp>
+      <p:sp>
+        <p:nvSpPr>
+          <p:cNvPr id="172" name="CustomShape 65"/>
+          <p:cNvSpPr/>
+          <p:nvPr/>
+        </p:nvSpPr>
+        <p:spPr>
+          <a:xfrm>
+            <a:off x="360000" y="1980000"/>
+            <a:ext cx="9169560" cy="4669560"/>
+          </a:xfrm>
+          <a:prstGeom prst="rect">
+            <a:avLst/>
+          </a:prstGeom>
+          <a:noFill/>
+          <a:ln w="0">
+            <a:noFill/>
+          </a:ln>
+        </p:spPr>
+        <p:style>
+          <a:lnRef idx="0"/>
+          <a:fillRef idx="0"/>
+          <a:effectRef idx="0"/>
+          <a:fontRef idx="minor"/>
+        </p:style>
+        <p:txBody>
+          <a:bodyPr lIns="0" rIns="0" tIns="0" bIns="0" anchor="t">
+            <a:normAutofit/>
+          </a:bodyPr>
+          <a:p>
+            <a:pPr>
+              <a:lnSpc>
+                <a:spcPct val="100000"/>
+              </a:lnSpc>
+              <a:spcAft>
+                <a:spcPts val="1140"/>
+              </a:spcAft>
+              <a:buNone/>
+            </a:pPr>
+            <a:endParaRPr b="0" lang="pt-BR" sz="1600" spc="-1" strike="noStrike">
+              <a:latin typeface="Arial"/>
+            </a:endParaRPr>
+          </a:p>
+          <a:p>
+            <a:pPr>
+              <a:lnSpc>
+                <a:spcPct val="100000"/>
+              </a:lnSpc>
+              <a:spcAft>
+                <a:spcPts val="1140"/>
+              </a:spcAft>
+              <a:buNone/>
+            </a:pPr>
+            <a:endParaRPr b="0" lang="pt-BR" sz="2000" spc="-1" strike="noStrike">
+              <a:latin typeface="Arial"/>
+            </a:endParaRPr>
+          </a:p>
+        </p:txBody>
+      </p:sp>
+      <p:sp>
+        <p:nvSpPr>
+          <p:cNvPr id="173" name="CustomShape 66"/>
+          <p:cNvSpPr/>
+          <p:nvPr/>
+        </p:nvSpPr>
+        <p:spPr>
+          <a:xfrm>
+            <a:off x="897120" y="6886080"/>
+            <a:ext cx="6436800" cy="354600"/>
+          </a:xfrm>
+          <a:prstGeom prst="rect">
+            <a:avLst/>
+          </a:prstGeom>
+          <a:noFill/>
+          <a:ln w="0">
+            <a:noFill/>
+          </a:ln>
+        </p:spPr>
+        <p:style>
+          <a:lnRef idx="0"/>
+          <a:fillRef idx="0"/>
+          <a:effectRef idx="0"/>
+          <a:fontRef idx="minor"/>
+        </p:style>
+        <p:txBody>
+          <a:bodyPr lIns="90000" rIns="90000" tIns="45000" bIns="45000" anchor="t">
+            <a:noAutofit/>
+          </a:bodyPr>
+          <a:p>
+            <a:pPr>
+              <a:lnSpc>
+                <a:spcPct val="100000"/>
+              </a:lnSpc>
+              <a:buNone/>
+            </a:pPr>
+            <a:r>
+              <a:rPr b="0" lang="pt-BR" sz="1800" spc="-1" strike="noStrike">
+                <a:solidFill>
+                  <a:srgbClr val="000000"/>
+                </a:solidFill>
+                <a:latin typeface="Arial"/>
+                <a:ea typeface="DejaVu Sans"/>
+              </a:rPr>
+              <a:t>Aprendizado de Máquina - Prof. André Hochuli</a:t>
+            </a:r>
+            <a:endParaRPr b="0" lang="pt-BR" sz="1800" spc="-1" strike="noStrike">
+              <a:latin typeface="Arial"/>
+            </a:endParaRPr>
+          </a:p>
+        </p:txBody>
+      </p:sp>
+      <p:sp>
+        <p:nvSpPr>
+          <p:cNvPr id="174" name="CustomShape 67"/>
+          <p:cNvSpPr/>
+          <p:nvPr/>
+        </p:nvSpPr>
+        <p:spPr>
+          <a:xfrm>
+            <a:off x="7608600" y="6886080"/>
+            <a:ext cx="2274840" cy="354600"/>
+          </a:xfrm>
+          <a:prstGeom prst="rect">
+            <a:avLst/>
+          </a:prstGeom>
+          <a:noFill/>
+          <a:ln w="0">
+            <a:noFill/>
+          </a:ln>
+        </p:spPr>
+        <p:style>
+          <a:lnRef idx="0"/>
+          <a:fillRef idx="0"/>
+          <a:effectRef idx="0"/>
+          <a:fontRef idx="minor"/>
+        </p:style>
+        <p:txBody>
+          <a:bodyPr lIns="90000" rIns="90000" tIns="45000" bIns="45000" anchor="t">
+            <a:noAutofit/>
+          </a:bodyPr>
+          <a:p>
+            <a:pPr>
+              <a:lnSpc>
+                <a:spcPct val="100000"/>
+              </a:lnSpc>
+              <a:buNone/>
+            </a:pPr>
+            <a:r>
+              <a:rPr b="0" lang="pt-BR" sz="1800" spc="-1" strike="noStrike">
+                <a:solidFill>
+                  <a:srgbClr val="000000"/>
+                </a:solidFill>
+                <a:latin typeface="Arial"/>
+                <a:ea typeface="DejaVu Sans"/>
+              </a:rPr>
+              <a:t>Combinação</a:t>
+            </a:r>
+            <a:endParaRPr b="0" lang="pt-BR" sz="1800" spc="-1" strike="noStrike">
+              <a:latin typeface="Arial"/>
+            </a:endParaRPr>
+          </a:p>
+        </p:txBody>
+      </p:sp>
+      <p:sp>
+        <p:nvSpPr>
+          <p:cNvPr id="175" name=""/>
+          <p:cNvSpPr/>
+          <p:nvPr/>
+        </p:nvSpPr>
+        <p:spPr>
+          <a:xfrm>
+            <a:off x="342360" y="1529280"/>
+            <a:ext cx="9247320" cy="5359320"/>
+          </a:xfrm>
+          <a:prstGeom prst="rect">
+            <a:avLst/>
+          </a:prstGeom>
+          <a:noFill/>
+          <a:ln w="0">
+            <a:noFill/>
+          </a:ln>
+        </p:spPr>
+        <p:style>
+          <a:lnRef idx="0"/>
+          <a:fillRef idx="0"/>
+          <a:effectRef idx="0"/>
+          <a:fontRef idx="minor"/>
+        </p:style>
+        <p:txBody>
+          <a:bodyPr lIns="90000" rIns="90000" tIns="45000" bIns="45000" anchor="t">
+            <a:noAutofit/>
+          </a:bodyPr>
+          <a:p>
+            <a:pPr>
+              <a:lnSpc>
+                <a:spcPct val="100000"/>
+              </a:lnSpc>
+              <a:buNone/>
+            </a:pPr>
+            <a:endParaRPr b="0" lang="pt-BR" sz="2000" spc="-1" strike="noStrike">
+              <a:latin typeface="Arial"/>
+            </a:endParaRPr>
+          </a:p>
+          <a:p>
+            <a:pPr marL="216000" indent="-216000">
+              <a:lnSpc>
+                <a:spcPct val="150000"/>
+              </a:lnSpc>
+              <a:buClr>
+                <a:srgbClr val="000000"/>
+              </a:buClr>
+              <a:buSzPct val="45000"/>
+              <a:buFont typeface="Wingdings" charset="2"/>
+              <a:buChar char=""/>
+            </a:pPr>
+            <a:r>
+              <a:rPr b="0" lang="pt-BR" sz="1600" spc="-1" strike="noStrike">
+                <a:solidFill>
+                  <a:srgbClr val="1c1c1c"/>
+                </a:solidFill>
+                <a:latin typeface="Latin Modern Sans"/>
+                <a:ea typeface="DejaVu Sans"/>
+              </a:rPr>
+              <a:t>Pseudo-algoritmo:</a:t>
+            </a:r>
+            <a:endParaRPr b="0" lang="pt-BR" sz="1600" spc="-1" strike="noStrike">
+              <a:latin typeface="Arial"/>
+            </a:endParaRPr>
+          </a:p>
+          <a:p>
+            <a:pPr lvl="1" marL="432000" indent="-216000">
+              <a:lnSpc>
+                <a:spcPct val="150000"/>
+              </a:lnSpc>
+              <a:buClr>
+                <a:srgbClr val="000000"/>
+              </a:buClr>
+              <a:buSzPct val="45000"/>
+              <a:buFont typeface="Wingdings" charset="2"/>
+              <a:buChar char=""/>
+            </a:pPr>
+            <a:r>
+              <a:rPr b="0" lang="pt-BR" sz="1600" spc="-1" strike="noStrike">
+                <a:solidFill>
+                  <a:srgbClr val="1c1c1c"/>
+                </a:solidFill>
+                <a:latin typeface="Latin Modern Sans"/>
+                <a:ea typeface="DejaVu Sans"/>
+              </a:rPr>
+              <a:t>Treinar um classificador ‘fraco’ ponderando as instâncias </a:t>
+            </a:r>
+            <a:endParaRPr b="0" lang="pt-BR" sz="1600" spc="-1" strike="noStrike">
+              <a:latin typeface="Arial"/>
+            </a:endParaRPr>
+          </a:p>
+          <a:p>
+            <a:pPr lvl="1" marL="432000" indent="-216000">
+              <a:lnSpc>
+                <a:spcPct val="150000"/>
+              </a:lnSpc>
+              <a:buClr>
+                <a:srgbClr val="000000"/>
+              </a:buClr>
+              <a:buSzPct val="45000"/>
+              <a:buFont typeface="Wingdings" charset="2"/>
+              <a:buChar char=""/>
+            </a:pPr>
+            <a:r>
+              <a:rPr b="0" lang="pt-BR" sz="1600" spc="-1" strike="noStrike">
+                <a:solidFill>
+                  <a:srgbClr val="1c1c1c"/>
+                </a:solidFill>
+                <a:latin typeface="Latin Modern Sans"/>
+                <a:ea typeface="DejaVu Sans"/>
+              </a:rPr>
+              <a:t>Determinar o erro</a:t>
+            </a:r>
+            <a:endParaRPr b="0" lang="pt-BR" sz="1600" spc="-1" strike="noStrike">
+              <a:latin typeface="Arial"/>
+            </a:endParaRPr>
+          </a:p>
+          <a:p>
+            <a:pPr lvl="1" marL="432000" indent="-216000">
+              <a:lnSpc>
+                <a:spcPct val="150000"/>
+              </a:lnSpc>
+              <a:buClr>
+                <a:srgbClr val="000000"/>
+              </a:buClr>
+              <a:buSzPct val="45000"/>
+              <a:buFont typeface="Wingdings" charset="2"/>
+              <a:buChar char=""/>
+            </a:pPr>
+            <a:r>
+              <a:rPr b="0" lang="pt-BR" sz="1600" spc="-1" strike="noStrike">
+                <a:solidFill>
+                  <a:srgbClr val="1c1c1c"/>
+                </a:solidFill>
+                <a:latin typeface="Latin Modern Sans"/>
+                <a:ea typeface="DejaVu Sans"/>
+              </a:rPr>
+              <a:t>Ponderar as instâncias de acordo com o erro</a:t>
+            </a:r>
+            <a:endParaRPr b="0" lang="pt-BR" sz="1600" spc="-1" strike="noStrike">
+              <a:latin typeface="Arial"/>
+            </a:endParaRPr>
+          </a:p>
+          <a:p>
+            <a:pPr lvl="1" marL="432000" indent="-216000">
+              <a:lnSpc>
+                <a:spcPct val="150000"/>
+              </a:lnSpc>
+              <a:buClr>
+                <a:srgbClr val="000000"/>
+              </a:buClr>
+              <a:buSzPct val="45000"/>
+              <a:buFont typeface="Wingdings" charset="2"/>
+              <a:buChar char=""/>
+            </a:pPr>
+            <a:r>
+              <a:rPr b="0" lang="pt-BR" sz="1600" spc="-1" strike="noStrike">
+                <a:solidFill>
+                  <a:srgbClr val="1c1c1c"/>
+                </a:solidFill>
+                <a:latin typeface="Latin Modern Sans"/>
+                <a:ea typeface="DejaVu Sans"/>
+              </a:rPr>
+              <a:t>Determinar o coeficiente do classificador (erro)</a:t>
+            </a:r>
+            <a:endParaRPr b="0" lang="pt-BR" sz="1600" spc="-1" strike="noStrike">
+              <a:latin typeface="Arial"/>
+            </a:endParaRPr>
+          </a:p>
+          <a:p>
+            <a:pPr lvl="1" marL="432000" indent="-216000">
+              <a:lnSpc>
+                <a:spcPct val="150000"/>
+              </a:lnSpc>
+              <a:buClr>
+                <a:srgbClr val="000000"/>
+              </a:buClr>
+              <a:buSzPct val="45000"/>
+              <a:buFont typeface="Wingdings" charset="2"/>
+              <a:buChar char=""/>
+            </a:pPr>
+            <a:r>
+              <a:rPr b="0" lang="pt-BR" sz="1600" spc="-1" strike="noStrike">
+                <a:solidFill>
+                  <a:srgbClr val="1c1c1c"/>
+                </a:solidFill>
+                <a:latin typeface="Latin Modern Sans"/>
+                <a:ea typeface="DejaVu Sans"/>
+              </a:rPr>
+              <a:t>Adicionar ao ensemble</a:t>
+            </a:r>
+            <a:endParaRPr b="0" lang="pt-BR" sz="1600" spc="-1" strike="noStrike">
+              <a:latin typeface="Arial"/>
+            </a:endParaRPr>
+          </a:p>
+          <a:p>
+            <a:pPr marL="216000" indent="-216000">
+              <a:lnSpc>
+                <a:spcPct val="150000"/>
+              </a:lnSpc>
+              <a:buClr>
+                <a:srgbClr val="000000"/>
+              </a:buClr>
+              <a:buSzPct val="45000"/>
+              <a:buFont typeface="Wingdings" charset="2"/>
+              <a:buChar char=""/>
+            </a:pPr>
+            <a:endParaRPr b="0" lang="pt-BR" sz="1600" spc="-1" strike="noStrike">
+              <a:latin typeface="Arial"/>
+            </a:endParaRPr>
+          </a:p>
+          <a:p>
+            <a:pPr>
+              <a:lnSpc>
+                <a:spcPct val="150000"/>
+              </a:lnSpc>
+              <a:buNone/>
+            </a:pPr>
+            <a:endParaRPr b="0" lang="pt-BR" sz="1600" spc="-1" strike="noStrike">
+              <a:latin typeface="Arial"/>
+            </a:endParaRPr>
+          </a:p>
+          <a:p>
+            <a:pPr>
+              <a:lnSpc>
+                <a:spcPct val="150000"/>
+              </a:lnSpc>
+              <a:buNone/>
+            </a:pPr>
+            <a:endParaRPr b="0" lang="pt-BR" sz="1600" spc="-1" strike="noStrike">
+              <a:latin typeface="Arial"/>
+            </a:endParaRPr>
+          </a:p>
+          <a:p>
+            <a:pPr>
+              <a:lnSpc>
+                <a:spcPct val="100000"/>
+              </a:lnSpc>
+              <a:buNone/>
+            </a:pPr>
+            <a:endParaRPr b="0" lang="pt-BR" sz="1600" spc="-1" strike="noStrike">
+              <a:latin typeface="Arial"/>
+            </a:endParaRPr>
+          </a:p>
+          <a:p>
+            <a:pPr>
+              <a:lnSpc>
+                <a:spcPct val="100000"/>
+              </a:lnSpc>
+              <a:buNone/>
+            </a:pPr>
+            <a:endParaRPr b="0" lang="pt-BR" sz="2000" spc="-1" strike="noStrike">
+              <a:latin typeface="Arial"/>
+            </a:endParaRPr>
+          </a:p>
+          <a:p>
+            <a:pPr>
+              <a:lnSpc>
+                <a:spcPct val="100000"/>
+              </a:lnSpc>
+              <a:buNone/>
+            </a:pPr>
+            <a:endParaRPr b="0" lang="pt-BR" sz="2000" spc="-1" strike="noStrike">
+              <a:latin typeface="Arial"/>
+            </a:endParaRPr>
+          </a:p>
+          <a:p>
+            <a:pPr>
+              <a:lnSpc>
+                <a:spcPct val="100000"/>
+              </a:lnSpc>
+              <a:buNone/>
+            </a:pPr>
+            <a:endParaRPr b="0" lang="pt-BR" sz="2000" spc="-1" strike="noStrike">
+              <a:latin typeface="Arial"/>
+            </a:endParaRPr>
+          </a:p>
+          <a:p>
+            <a:pPr>
+              <a:lnSpc>
+                <a:spcPct val="100000"/>
+              </a:lnSpc>
+              <a:buNone/>
+            </a:pPr>
+            <a:endParaRPr b="0" lang="pt-BR" sz="2000" spc="-1" strike="noStrike">
+              <a:latin typeface="Arial"/>
+            </a:endParaRPr>
+          </a:p>
+          <a:p>
+            <a:pPr>
+              <a:lnSpc>
+                <a:spcPct val="100000"/>
+              </a:lnSpc>
+              <a:buNone/>
+            </a:pPr>
+            <a:endParaRPr b="0" lang="pt-BR" sz="2000" spc="-1" strike="noStrike">
+              <a:latin typeface="Arial"/>
+            </a:endParaRPr>
+          </a:p>
+          <a:p>
+            <a:pPr>
+              <a:lnSpc>
+                <a:spcPct val="100000"/>
+              </a:lnSpc>
+              <a:buNone/>
+            </a:pPr>
+            <a:endParaRPr b="0" lang="pt-BR" sz="2000" spc="-1" strike="noStrike">
+              <a:latin typeface="Arial"/>
+            </a:endParaRPr>
+          </a:p>
+          <a:p>
+            <a:pPr>
+              <a:lnSpc>
+                <a:spcPct val="100000"/>
+              </a:lnSpc>
+              <a:buNone/>
+            </a:pPr>
+            <a:endParaRPr b="0" lang="pt-BR" sz="2000" spc="-1" strike="noStrike">
+              <a:latin typeface="Arial"/>
+            </a:endParaRPr>
+          </a:p>
+          <a:p>
+            <a:pPr>
+              <a:lnSpc>
+                <a:spcPct val="100000"/>
+              </a:lnSpc>
+              <a:buNone/>
+            </a:pPr>
+            <a:endParaRPr b="0" lang="pt-BR" sz="2000" spc="-1" strike="noStrike">
+              <a:latin typeface="Arial"/>
+            </a:endParaRPr>
+          </a:p>
+          <a:p>
+            <a:pPr>
+              <a:lnSpc>
+                <a:spcPct val="100000"/>
+              </a:lnSpc>
+              <a:buNone/>
+            </a:pPr>
+            <a:endParaRPr b="0" lang="pt-BR" sz="2000" spc="-1" strike="noStrike">
+              <a:latin typeface="Arial"/>
+            </a:endParaRPr>
+          </a:p>
+          <a:p>
+            <a:pPr>
+              <a:lnSpc>
+                <a:spcPct val="100000"/>
+              </a:lnSpc>
+              <a:buNone/>
+            </a:pPr>
+            <a:endParaRPr b="0" lang="pt-BR" sz="2000" spc="-1" strike="noStrike">
+              <a:latin typeface="Arial"/>
+            </a:endParaRPr>
+          </a:p>
+          <a:p>
+            <a:pPr>
+              <a:lnSpc>
+                <a:spcPct val="100000"/>
+              </a:lnSpc>
+              <a:buNone/>
+            </a:pPr>
+            <a:endParaRPr b="0" lang="pt-BR" sz="2000" spc="-1" strike="noStrike">
+              <a:latin typeface="Arial"/>
+            </a:endParaRPr>
+          </a:p>
+          <a:p>
+            <a:pPr>
+              <a:lnSpc>
+                <a:spcPct val="100000"/>
+              </a:lnSpc>
+              <a:buNone/>
+            </a:pPr>
+            <a:endParaRPr b="0" lang="pt-BR" sz="2000" spc="-1" strike="noStrike">
+              <a:latin typeface="Arial"/>
+            </a:endParaRPr>
+          </a:p>
+          <a:p>
+            <a:pPr>
+              <a:lnSpc>
+                <a:spcPct val="100000"/>
+              </a:lnSpc>
+              <a:buNone/>
+            </a:pPr>
+            <a:endParaRPr b="0" lang="pt-BR" sz="1600" spc="-1" strike="noStrike">
+              <a:latin typeface="Arial"/>
+            </a:endParaRPr>
+          </a:p>
+          <a:p>
+            <a:pPr>
+              <a:lnSpc>
+                <a:spcPct val="100000"/>
+              </a:lnSpc>
+              <a:buNone/>
+            </a:pPr>
+            <a:endParaRPr b="0" lang="pt-BR" sz="2000" spc="-1" strike="noStrike">
+              <a:latin typeface="Arial"/>
+            </a:endParaRPr>
+          </a:p>
+          <a:p>
+            <a:pPr>
+              <a:lnSpc>
+                <a:spcPct val="100000"/>
+              </a:lnSpc>
+              <a:buNone/>
+            </a:pPr>
+            <a:endParaRPr b="0" lang="pt-BR" sz="2000" spc="-1" strike="noStrike">
+              <a:latin typeface="Arial"/>
+            </a:endParaRPr>
+          </a:p>
+          <a:p>
+            <a:pPr>
+              <a:lnSpc>
+                <a:spcPct val="100000"/>
+              </a:lnSpc>
+              <a:buNone/>
+            </a:pPr>
+            <a:endParaRPr b="0" lang="pt-BR" sz="2000" spc="-1" strike="noStrike">
+              <a:latin typeface="Arial"/>
+            </a:endParaRPr>
+          </a:p>
+          <a:p>
+            <a:pPr>
+              <a:lnSpc>
+                <a:spcPct val="100000"/>
+              </a:lnSpc>
+              <a:buNone/>
+            </a:pPr>
+            <a:endParaRPr b="0" lang="pt-BR" sz="2000" spc="-1" strike="noStrike">
+              <a:latin typeface="Arial"/>
+            </a:endParaRPr>
+          </a:p>
+          <a:p>
+            <a:pPr>
+              <a:lnSpc>
+                <a:spcPct val="100000"/>
+              </a:lnSpc>
+              <a:buNone/>
+            </a:pPr>
+            <a:endParaRPr b="0" lang="pt-BR" sz="2000" spc="-1" strike="noStrike">
+              <a:latin typeface="Arial"/>
+            </a:endParaRPr>
+          </a:p>
+          <a:p>
+            <a:pPr>
+              <a:lnSpc>
+                <a:spcPct val="100000"/>
+              </a:lnSpc>
+              <a:buNone/>
+            </a:pPr>
+            <a:endParaRPr b="0" lang="pt-BR" sz="2000" spc="-1" strike="noStrike">
+              <a:latin typeface="Arial"/>
+            </a:endParaRPr>
+          </a:p>
+          <a:p>
+            <a:pPr>
+              <a:lnSpc>
+                <a:spcPct val="100000"/>
+              </a:lnSpc>
+              <a:buNone/>
+            </a:pPr>
+            <a:endParaRPr b="0" lang="pt-BR" sz="2000" spc="-1" strike="noStrike">
+              <a:latin typeface="Arial"/>
+            </a:endParaRPr>
+          </a:p>
+          <a:p>
+            <a:pPr>
+              <a:lnSpc>
+                <a:spcPct val="100000"/>
+              </a:lnSpc>
+              <a:buNone/>
+            </a:pPr>
+            <a:endParaRPr b="0" lang="pt-BR" sz="2000" spc="-1" strike="noStrike">
+              <a:latin typeface="Arial"/>
+            </a:endParaRPr>
+          </a:p>
+          <a:p>
+            <a:pPr>
+              <a:lnSpc>
+                <a:spcPct val="100000"/>
+              </a:lnSpc>
+              <a:buNone/>
+            </a:pPr>
+            <a:endParaRPr b="0" lang="pt-BR" sz="2000" spc="-1" strike="noStrike">
+              <a:latin typeface="Arial"/>
+            </a:endParaRPr>
+          </a:p>
+          <a:p>
+            <a:pPr marL="216000" indent="-216000">
+              <a:lnSpc>
+                <a:spcPct val="100000"/>
+              </a:lnSpc>
+              <a:buNone/>
+              <a:tabLst>
+                <a:tab algn="l" pos="0"/>
+              </a:tabLst>
+            </a:pPr>
+            <a:r>
+              <a:rPr b="0" lang="pt-BR" sz="2000" spc="-1" strike="noStrike">
+                <a:solidFill>
+                  <a:srgbClr val="1c1c1c"/>
+                </a:solidFill>
+                <a:latin typeface="Latin Modern Sans"/>
+                <a:ea typeface="DejaVu Sans"/>
+              </a:rPr>
+              <a:t> </a:t>
+            </a:r>
+            <a:endParaRPr b="0" lang="pt-BR" sz="2000" spc="-1" strike="noStrike">
+              <a:latin typeface="Arial"/>
+            </a:endParaRPr>
+          </a:p>
+          <a:p>
+            <a:pPr marL="216000" indent="-216000">
+              <a:lnSpc>
+                <a:spcPct val="100000"/>
+              </a:lnSpc>
+              <a:buNone/>
+              <a:tabLst>
+                <a:tab algn="l" pos="0"/>
+              </a:tabLst>
+            </a:pPr>
+            <a:endParaRPr b="0" lang="pt-BR" sz="2000" spc="-1" strike="noStrike">
+              <a:latin typeface="Arial"/>
+            </a:endParaRPr>
+          </a:p>
+          <a:p>
+            <a:pPr marL="216000" indent="-216000">
+              <a:lnSpc>
+                <a:spcPct val="100000"/>
+              </a:lnSpc>
+              <a:buNone/>
+              <a:tabLst>
+                <a:tab algn="l" pos="0"/>
+              </a:tabLst>
+            </a:pPr>
+            <a:endParaRPr b="0" lang="pt-BR" sz="2000" spc="-1" strike="noStrike">
+              <a:latin typeface="Arial"/>
+            </a:endParaRPr>
+          </a:p>
+          <a:p>
+            <a:pPr marL="216000" indent="-216000">
+              <a:lnSpc>
+                <a:spcPct val="100000"/>
+              </a:lnSpc>
+              <a:buNone/>
+              <a:tabLst>
+                <a:tab algn="l" pos="0"/>
+              </a:tabLst>
+            </a:pPr>
+            <a:endParaRPr b="0" lang="pt-BR" sz="2000" spc="-1" strike="noStrike">
+              <a:latin typeface="Arial"/>
+            </a:endParaRPr>
+          </a:p>
+        </p:txBody>
+      </p:sp>
+      <p:pic>
+        <p:nvPicPr>
+          <p:cNvPr id="176" name="" descr=""/>
+          <p:cNvPicPr/>
+          <p:nvPr/>
+        </p:nvPicPr>
+        <p:blipFill>
+          <a:blip r:embed="rId1"/>
+          <a:srcRect l="4420" t="14352" r="730" b="11040"/>
+          <a:stretch/>
+        </p:blipFill>
+        <p:spPr>
+          <a:xfrm>
+            <a:off x="1620000" y="4068000"/>
+            <a:ext cx="7199640" cy="2699640"/>
+          </a:xfrm>
+          <a:prstGeom prst="rect">
+            <a:avLst/>
+          </a:prstGeom>
+          <a:ln w="0">
+            <a:noFill/>
+          </a:ln>
+        </p:spPr>
+      </p:pic>
+    </p:spTree>
+  </p:cSld>
+  <mc:AlternateContent>
+    <mc:Choice Requires="p14">
+      <p:transition spd="slow" p14:dur="2000"/>
+    </mc:Choice>
+    <mc:Fallback>
+      <p:transition spd="slow"/>
+    </mc:Fallback>
+  </mc:AlternateContent>
+</p:sld>
+</file>
+
+<file path=ppt/slides/slide16.xml><?xml version="1.0" encoding="utf-8"?>
+<p:sld xmlns:a="http://schemas.openxmlformats.org/drawingml/2006/main" xmlns:p="http://schemas.openxmlformats.org/presentationml/2006/main" xmlns:r="http://schemas.openxmlformats.org/officeDocument/2006/relationships" xmlns:p14="http://schemas.microsoft.com/office/powerpoint/2010/main" xmlns:p15="http://schemas.microsoft.com/office/powerpoint/2012/main" xmlns:mc="http://schemas.openxmlformats.org/markup-compatibility/2006">
+  <p:cSld>
+    <p:spTree>
+      <p:nvGrpSpPr>
+        <p:cNvPr id="1" name=""/>
+        <p:cNvGrpSpPr/>
+        <p:nvPr/>
+      </p:nvGrpSpPr>
+      <p:grpSpPr>
+        <a:xfrm>
+          <a:off x="0" y="0"/>
+          <a:ext cx="0" cy="0"/>
+          <a:chOff x="0" y="0"/>
+          <a:chExt cx="0" cy="0"/>
+        </a:xfrm>
+      </p:grpSpPr>
+      <p:sp>
+        <p:nvSpPr>
+          <p:cNvPr id="177" name="CustomShape 70"/>
+          <p:cNvSpPr/>
+          <p:nvPr/>
+        </p:nvSpPr>
+        <p:spPr>
+          <a:xfrm>
+            <a:off x="360000" y="360000"/>
+            <a:ext cx="9349560" cy="889560"/>
+          </a:xfrm>
+          <a:prstGeom prst="rect">
+            <a:avLst/>
+          </a:prstGeom>
+          <a:noFill/>
+          <a:ln w="0">
+            <a:noFill/>
+          </a:ln>
+        </p:spPr>
+        <p:style>
+          <a:lnRef idx="0"/>
+          <a:fillRef idx="0"/>
+          <a:effectRef idx="0"/>
+          <a:fontRef idx="minor"/>
+        </p:style>
+        <p:txBody>
+          <a:bodyPr lIns="0" rIns="0" tIns="0" bIns="0" anchor="b">
+            <a:noAutofit/>
+          </a:bodyPr>
+          <a:p>
+            <a:pPr>
+              <a:lnSpc>
+                <a:spcPct val="100000"/>
+              </a:lnSpc>
+              <a:buNone/>
+            </a:pPr>
+            <a:r>
+              <a:rPr b="1" lang="pt-BR" sz="2600" spc="-1" strike="noStrike">
+                <a:solidFill>
+                  <a:srgbClr val="ffffff"/>
+                </a:solidFill>
+                <a:latin typeface="Source Sans Pro Black"/>
+                <a:ea typeface="DejaVu Sans"/>
+              </a:rPr>
+              <a:t>Stacking</a:t>
+            </a:r>
+            <a:endParaRPr b="0" lang="pt-BR" sz="2600" spc="-1" strike="noStrike">
+              <a:latin typeface="Arial"/>
+            </a:endParaRPr>
+          </a:p>
+        </p:txBody>
+      </p:sp>
+      <p:sp>
+        <p:nvSpPr>
+          <p:cNvPr id="178" name="CustomShape 74"/>
+          <p:cNvSpPr/>
+          <p:nvPr/>
+        </p:nvSpPr>
+        <p:spPr>
+          <a:xfrm>
+            <a:off x="360000" y="1980000"/>
+            <a:ext cx="9169560" cy="4669560"/>
+          </a:xfrm>
+          <a:prstGeom prst="rect">
+            <a:avLst/>
+          </a:prstGeom>
+          <a:noFill/>
+          <a:ln w="0">
+            <a:noFill/>
+          </a:ln>
+        </p:spPr>
+        <p:style>
+          <a:lnRef idx="0"/>
+          <a:fillRef idx="0"/>
+          <a:effectRef idx="0"/>
+          <a:fontRef idx="minor"/>
+        </p:style>
+        <p:txBody>
+          <a:bodyPr lIns="0" rIns="0" tIns="0" bIns="0" anchor="t">
+            <a:normAutofit/>
+          </a:bodyPr>
+          <a:p>
+            <a:pPr>
+              <a:lnSpc>
+                <a:spcPct val="100000"/>
+              </a:lnSpc>
+              <a:spcAft>
+                <a:spcPts val="1140"/>
+              </a:spcAft>
+              <a:buNone/>
+            </a:pPr>
+            <a:endParaRPr b="0" lang="pt-BR" sz="1600" spc="-1" strike="noStrike">
+              <a:latin typeface="Arial"/>
+            </a:endParaRPr>
+          </a:p>
+          <a:p>
+            <a:pPr>
+              <a:lnSpc>
+                <a:spcPct val="100000"/>
+              </a:lnSpc>
+              <a:spcAft>
+                <a:spcPts val="1140"/>
+              </a:spcAft>
+              <a:buNone/>
+            </a:pPr>
+            <a:endParaRPr b="0" lang="pt-BR" sz="2000" spc="-1" strike="noStrike">
+              <a:latin typeface="Arial"/>
+            </a:endParaRPr>
+          </a:p>
+        </p:txBody>
+      </p:sp>
+      <p:sp>
+        <p:nvSpPr>
+          <p:cNvPr id="179" name="CustomShape 75"/>
+          <p:cNvSpPr/>
+          <p:nvPr/>
+        </p:nvSpPr>
+        <p:spPr>
+          <a:xfrm>
+            <a:off x="897120" y="6886080"/>
+            <a:ext cx="6436800" cy="354600"/>
+          </a:xfrm>
+          <a:prstGeom prst="rect">
+            <a:avLst/>
+          </a:prstGeom>
+          <a:noFill/>
+          <a:ln w="0">
+            <a:noFill/>
+          </a:ln>
+        </p:spPr>
+        <p:style>
+          <a:lnRef idx="0"/>
+          <a:fillRef idx="0"/>
+          <a:effectRef idx="0"/>
+          <a:fontRef idx="minor"/>
+        </p:style>
+        <p:txBody>
+          <a:bodyPr lIns="90000" rIns="90000" tIns="45000" bIns="45000" anchor="t">
+            <a:noAutofit/>
+          </a:bodyPr>
+          <a:p>
+            <a:pPr>
+              <a:lnSpc>
+                <a:spcPct val="100000"/>
+              </a:lnSpc>
+              <a:buNone/>
+            </a:pPr>
+            <a:r>
+              <a:rPr b="0" lang="pt-BR" sz="1800" spc="-1" strike="noStrike">
+                <a:solidFill>
+                  <a:srgbClr val="000000"/>
+                </a:solidFill>
+                <a:latin typeface="Arial"/>
+                <a:ea typeface="DejaVu Sans"/>
+              </a:rPr>
+              <a:t>Aprendizado de Máquina - Prof. André Hochuli</a:t>
+            </a:r>
+            <a:endParaRPr b="0" lang="pt-BR" sz="1800" spc="-1" strike="noStrike">
+              <a:latin typeface="Arial"/>
+            </a:endParaRPr>
+          </a:p>
+        </p:txBody>
+      </p:sp>
+      <p:sp>
+        <p:nvSpPr>
+          <p:cNvPr id="180" name="CustomShape 76"/>
+          <p:cNvSpPr/>
+          <p:nvPr/>
+        </p:nvSpPr>
+        <p:spPr>
+          <a:xfrm>
+            <a:off x="7608600" y="6886080"/>
+            <a:ext cx="2274840" cy="354600"/>
+          </a:xfrm>
+          <a:prstGeom prst="rect">
+            <a:avLst/>
+          </a:prstGeom>
+          <a:noFill/>
+          <a:ln w="0">
+            <a:noFill/>
+          </a:ln>
+        </p:spPr>
+        <p:style>
+          <a:lnRef idx="0"/>
+          <a:fillRef idx="0"/>
+          <a:effectRef idx="0"/>
+          <a:fontRef idx="minor"/>
+        </p:style>
+        <p:txBody>
+          <a:bodyPr lIns="90000" rIns="90000" tIns="45000" bIns="45000" anchor="t">
+            <a:noAutofit/>
+          </a:bodyPr>
+          <a:p>
+            <a:pPr>
+              <a:lnSpc>
+                <a:spcPct val="100000"/>
+              </a:lnSpc>
+              <a:buNone/>
+            </a:pPr>
+            <a:r>
+              <a:rPr b="0" lang="pt-BR" sz="1800" spc="-1" strike="noStrike">
+                <a:solidFill>
+                  <a:srgbClr val="000000"/>
+                </a:solidFill>
+                <a:latin typeface="Arial"/>
+                <a:ea typeface="DejaVu Sans"/>
+              </a:rPr>
+              <a:t>Combinação</a:t>
+            </a:r>
+            <a:endParaRPr b="0" lang="pt-BR" sz="1800" spc="-1" strike="noStrike">
+              <a:latin typeface="Arial"/>
+            </a:endParaRPr>
+          </a:p>
+        </p:txBody>
+      </p:sp>
+      <p:sp>
+        <p:nvSpPr>
+          <p:cNvPr id="181" name=""/>
+          <p:cNvSpPr/>
+          <p:nvPr/>
+        </p:nvSpPr>
+        <p:spPr>
+          <a:xfrm>
+            <a:off x="342360" y="1529280"/>
+            <a:ext cx="9247320" cy="5359320"/>
+          </a:xfrm>
+          <a:prstGeom prst="rect">
+            <a:avLst/>
+          </a:prstGeom>
+          <a:noFill/>
+          <a:ln w="0">
+            <a:noFill/>
+          </a:ln>
+        </p:spPr>
+        <p:style>
+          <a:lnRef idx="0"/>
+          <a:fillRef idx="0"/>
+          <a:effectRef idx="0"/>
+          <a:fontRef idx="minor"/>
+        </p:style>
+        <p:txBody>
+          <a:bodyPr lIns="90000" rIns="90000" tIns="45000" bIns="45000" anchor="t">
+            <a:noAutofit/>
+          </a:bodyPr>
+          <a:p>
+            <a:pPr>
+              <a:lnSpc>
+                <a:spcPct val="100000"/>
+              </a:lnSpc>
+              <a:buNone/>
+            </a:pPr>
+            <a:endParaRPr b="0" lang="pt-BR" sz="2000" spc="-1" strike="noStrike">
+              <a:latin typeface="Arial"/>
+            </a:endParaRPr>
+          </a:p>
+          <a:p>
+            <a:pPr marL="216000" indent="-216000">
+              <a:lnSpc>
+                <a:spcPct val="150000"/>
+              </a:lnSpc>
+              <a:buClr>
+                <a:srgbClr val="000000"/>
+              </a:buClr>
+              <a:buSzPct val="45000"/>
+              <a:buFont typeface="Wingdings" charset="2"/>
+              <a:buChar char=""/>
+            </a:pPr>
+            <a:r>
+              <a:rPr b="0" lang="pt-BR" sz="1600" spc="-1" strike="noStrike">
+                <a:solidFill>
+                  <a:srgbClr val="1c1c1c"/>
+                </a:solidFill>
+                <a:latin typeface="Latin Modern Sans"/>
+                <a:ea typeface="DejaVu Sans"/>
+              </a:rPr>
+              <a:t>Meta-classificador: Aprende com a saída dos classificadores</a:t>
+            </a:r>
+            <a:endParaRPr b="0" lang="pt-BR" sz="1600" spc="-1" strike="noStrike">
+              <a:latin typeface="Arial"/>
+            </a:endParaRPr>
+          </a:p>
+          <a:p>
+            <a:pPr lvl="1" marL="432000" indent="-216000">
+              <a:lnSpc>
+                <a:spcPct val="150000"/>
+              </a:lnSpc>
+              <a:buClr>
+                <a:srgbClr val="000000"/>
+              </a:buClr>
+              <a:buSzPct val="45000"/>
+              <a:buFont typeface="Wingdings" charset="2"/>
+              <a:buChar char=""/>
+            </a:pPr>
+            <a:endParaRPr b="0" lang="pt-BR" sz="1600" spc="-1" strike="noStrike">
+              <a:latin typeface="Arial"/>
+            </a:endParaRPr>
+          </a:p>
+          <a:p>
+            <a:pPr>
+              <a:lnSpc>
+                <a:spcPct val="150000"/>
+              </a:lnSpc>
+              <a:buNone/>
+            </a:pPr>
+            <a:endParaRPr b="0" lang="pt-BR" sz="1600" spc="-1" strike="noStrike">
+              <a:latin typeface="Arial"/>
+            </a:endParaRPr>
+          </a:p>
+          <a:p>
+            <a:pPr>
+              <a:lnSpc>
+                <a:spcPct val="150000"/>
+              </a:lnSpc>
+              <a:buNone/>
+            </a:pPr>
+            <a:endParaRPr b="0" lang="pt-BR" sz="1600" spc="-1" strike="noStrike">
+              <a:latin typeface="Arial"/>
+            </a:endParaRPr>
+          </a:p>
+          <a:p>
+            <a:pPr>
+              <a:lnSpc>
+                <a:spcPct val="100000"/>
+              </a:lnSpc>
+              <a:buNone/>
+            </a:pPr>
+            <a:endParaRPr b="0" lang="pt-BR" sz="1600" spc="-1" strike="noStrike">
+              <a:latin typeface="Arial"/>
+            </a:endParaRPr>
+          </a:p>
+          <a:p>
+            <a:pPr>
+              <a:lnSpc>
+                <a:spcPct val="100000"/>
+              </a:lnSpc>
+              <a:buNone/>
+            </a:pPr>
+            <a:endParaRPr b="0" lang="pt-BR" sz="2000" spc="-1" strike="noStrike">
+              <a:latin typeface="Arial"/>
+            </a:endParaRPr>
+          </a:p>
+          <a:p>
+            <a:pPr>
+              <a:lnSpc>
+                <a:spcPct val="100000"/>
+              </a:lnSpc>
+              <a:buNone/>
+            </a:pPr>
+            <a:endParaRPr b="0" lang="pt-BR" sz="2000" spc="-1" strike="noStrike">
+              <a:latin typeface="Arial"/>
+            </a:endParaRPr>
+          </a:p>
+          <a:p>
+            <a:pPr>
+              <a:lnSpc>
+                <a:spcPct val="100000"/>
+              </a:lnSpc>
+              <a:buNone/>
+            </a:pPr>
+            <a:endParaRPr b="0" lang="pt-BR" sz="2000" spc="-1" strike="noStrike">
+              <a:latin typeface="Arial"/>
+            </a:endParaRPr>
+          </a:p>
+          <a:p>
+            <a:pPr>
+              <a:lnSpc>
+                <a:spcPct val="100000"/>
+              </a:lnSpc>
+              <a:buNone/>
+            </a:pPr>
+            <a:endParaRPr b="0" lang="pt-BR" sz="2000" spc="-1" strike="noStrike">
+              <a:latin typeface="Arial"/>
+            </a:endParaRPr>
+          </a:p>
+          <a:p>
+            <a:pPr>
+              <a:lnSpc>
+                <a:spcPct val="100000"/>
+              </a:lnSpc>
+              <a:buNone/>
+            </a:pPr>
+            <a:endParaRPr b="0" lang="pt-BR" sz="2000" spc="-1" strike="noStrike">
+              <a:latin typeface="Arial"/>
+            </a:endParaRPr>
+          </a:p>
+          <a:p>
+            <a:pPr>
+              <a:lnSpc>
+                <a:spcPct val="100000"/>
+              </a:lnSpc>
+              <a:buNone/>
+            </a:pPr>
+            <a:endParaRPr b="0" lang="pt-BR" sz="2000" spc="-1" strike="noStrike">
+              <a:latin typeface="Arial"/>
+            </a:endParaRPr>
+          </a:p>
+          <a:p>
+            <a:pPr>
+              <a:lnSpc>
+                <a:spcPct val="100000"/>
+              </a:lnSpc>
+              <a:buNone/>
+            </a:pPr>
+            <a:endParaRPr b="0" lang="pt-BR" sz="2000" spc="-1" strike="noStrike">
+              <a:latin typeface="Arial"/>
+            </a:endParaRPr>
+          </a:p>
+          <a:p>
+            <a:pPr>
+              <a:lnSpc>
+                <a:spcPct val="100000"/>
+              </a:lnSpc>
+              <a:buNone/>
+            </a:pPr>
+            <a:endParaRPr b="0" lang="pt-BR" sz="2000" spc="-1" strike="noStrike">
+              <a:latin typeface="Arial"/>
+            </a:endParaRPr>
+          </a:p>
+          <a:p>
+            <a:pPr>
+              <a:lnSpc>
+                <a:spcPct val="100000"/>
+              </a:lnSpc>
+              <a:buNone/>
+            </a:pPr>
+            <a:endParaRPr b="0" lang="pt-BR" sz="2000" spc="-1" strike="noStrike">
+              <a:latin typeface="Arial"/>
+            </a:endParaRPr>
+          </a:p>
+          <a:p>
+            <a:pPr>
+              <a:lnSpc>
+                <a:spcPct val="100000"/>
+              </a:lnSpc>
+              <a:buNone/>
+            </a:pPr>
+            <a:endParaRPr b="0" lang="pt-BR" sz="2000" spc="-1" strike="noStrike">
+              <a:latin typeface="Arial"/>
+            </a:endParaRPr>
+          </a:p>
+          <a:p>
+            <a:pPr>
+              <a:lnSpc>
+                <a:spcPct val="100000"/>
+              </a:lnSpc>
+              <a:buNone/>
+            </a:pPr>
+            <a:endParaRPr b="0" lang="pt-BR" sz="2000" spc="-1" strike="noStrike">
+              <a:latin typeface="Arial"/>
+            </a:endParaRPr>
+          </a:p>
+          <a:p>
+            <a:pPr>
+              <a:lnSpc>
+                <a:spcPct val="100000"/>
+              </a:lnSpc>
+              <a:buNone/>
+            </a:pPr>
+            <a:endParaRPr b="0" lang="pt-BR" sz="2000" spc="-1" strike="noStrike">
+              <a:latin typeface="Arial"/>
+            </a:endParaRPr>
+          </a:p>
+          <a:p>
+            <a:pPr>
+              <a:lnSpc>
+                <a:spcPct val="100000"/>
+              </a:lnSpc>
+              <a:buNone/>
+            </a:pPr>
+            <a:endParaRPr b="0" lang="pt-BR" sz="1600" spc="-1" strike="noStrike">
+              <a:latin typeface="Arial"/>
+            </a:endParaRPr>
+          </a:p>
+          <a:p>
+            <a:pPr>
+              <a:lnSpc>
+                <a:spcPct val="100000"/>
+              </a:lnSpc>
+              <a:buNone/>
+            </a:pPr>
+            <a:endParaRPr b="0" lang="pt-BR" sz="2000" spc="-1" strike="noStrike">
+              <a:latin typeface="Arial"/>
+            </a:endParaRPr>
+          </a:p>
+          <a:p>
+            <a:pPr>
+              <a:lnSpc>
+                <a:spcPct val="100000"/>
+              </a:lnSpc>
+              <a:buNone/>
+            </a:pPr>
+            <a:endParaRPr b="0" lang="pt-BR" sz="2000" spc="-1" strike="noStrike">
+              <a:latin typeface="Arial"/>
+            </a:endParaRPr>
+          </a:p>
+          <a:p>
+            <a:pPr>
+              <a:lnSpc>
+                <a:spcPct val="100000"/>
+              </a:lnSpc>
+              <a:buNone/>
+            </a:pPr>
+            <a:endParaRPr b="0" lang="pt-BR" sz="2000" spc="-1" strike="noStrike">
+              <a:latin typeface="Arial"/>
+            </a:endParaRPr>
+          </a:p>
+          <a:p>
+            <a:pPr>
+              <a:lnSpc>
+                <a:spcPct val="100000"/>
+              </a:lnSpc>
+              <a:buNone/>
+            </a:pPr>
+            <a:endParaRPr b="0" lang="pt-BR" sz="2000" spc="-1" strike="noStrike">
+              <a:latin typeface="Arial"/>
+            </a:endParaRPr>
+          </a:p>
+          <a:p>
+            <a:pPr>
+              <a:lnSpc>
+                <a:spcPct val="100000"/>
+              </a:lnSpc>
+              <a:buNone/>
+            </a:pPr>
+            <a:endParaRPr b="0" lang="pt-BR" sz="2000" spc="-1" strike="noStrike">
+              <a:latin typeface="Arial"/>
+            </a:endParaRPr>
+          </a:p>
+          <a:p>
+            <a:pPr>
+              <a:lnSpc>
+                <a:spcPct val="100000"/>
+              </a:lnSpc>
+              <a:buNone/>
+            </a:pPr>
+            <a:endParaRPr b="0" lang="pt-BR" sz="2000" spc="-1" strike="noStrike">
+              <a:latin typeface="Arial"/>
+            </a:endParaRPr>
+          </a:p>
+          <a:p>
+            <a:pPr>
+              <a:lnSpc>
+                <a:spcPct val="100000"/>
+              </a:lnSpc>
+              <a:buNone/>
+            </a:pPr>
+            <a:endParaRPr b="0" lang="pt-BR" sz="2000" spc="-1" strike="noStrike">
+              <a:latin typeface="Arial"/>
+            </a:endParaRPr>
+          </a:p>
+          <a:p>
+            <a:pPr>
+              <a:lnSpc>
+                <a:spcPct val="100000"/>
+              </a:lnSpc>
+              <a:buNone/>
+            </a:pPr>
+            <a:endParaRPr b="0" lang="pt-BR" sz="2000" spc="-1" strike="noStrike">
+              <a:latin typeface="Arial"/>
+            </a:endParaRPr>
+          </a:p>
+          <a:p>
+            <a:pPr>
+              <a:lnSpc>
+                <a:spcPct val="100000"/>
+              </a:lnSpc>
+              <a:buNone/>
+            </a:pPr>
+            <a:endParaRPr b="0" lang="pt-BR" sz="2000" spc="-1" strike="noStrike">
+              <a:latin typeface="Arial"/>
+            </a:endParaRPr>
+          </a:p>
+          <a:p>
+            <a:pPr marL="216000" indent="-216000">
+              <a:lnSpc>
+                <a:spcPct val="100000"/>
+              </a:lnSpc>
+              <a:buNone/>
+              <a:tabLst>
+                <a:tab algn="l" pos="0"/>
+              </a:tabLst>
+            </a:pPr>
+            <a:r>
+              <a:rPr b="0" lang="pt-BR" sz="2000" spc="-1" strike="noStrike">
+                <a:solidFill>
+                  <a:srgbClr val="1c1c1c"/>
+                </a:solidFill>
+                <a:latin typeface="Latin Modern Sans"/>
+                <a:ea typeface="DejaVu Sans"/>
+              </a:rPr>
+              <a:t> </a:t>
+            </a:r>
+            <a:endParaRPr b="0" lang="pt-BR" sz="2000" spc="-1" strike="noStrike">
+              <a:latin typeface="Arial"/>
+            </a:endParaRPr>
+          </a:p>
+          <a:p>
+            <a:pPr marL="216000" indent="-216000">
+              <a:lnSpc>
+                <a:spcPct val="100000"/>
+              </a:lnSpc>
+              <a:buNone/>
+              <a:tabLst>
+                <a:tab algn="l" pos="0"/>
+              </a:tabLst>
+            </a:pPr>
+            <a:endParaRPr b="0" lang="pt-BR" sz="2000" spc="-1" strike="noStrike">
+              <a:latin typeface="Arial"/>
+            </a:endParaRPr>
+          </a:p>
+          <a:p>
+            <a:pPr marL="216000" indent="-216000">
+              <a:lnSpc>
+                <a:spcPct val="100000"/>
+              </a:lnSpc>
+              <a:buNone/>
+              <a:tabLst>
+                <a:tab algn="l" pos="0"/>
+              </a:tabLst>
+            </a:pPr>
+            <a:endParaRPr b="0" lang="pt-BR" sz="2000" spc="-1" strike="noStrike">
+              <a:latin typeface="Arial"/>
+            </a:endParaRPr>
+          </a:p>
+          <a:p>
+            <a:pPr marL="216000" indent="-216000">
+              <a:lnSpc>
+                <a:spcPct val="100000"/>
+              </a:lnSpc>
+              <a:buNone/>
+              <a:tabLst>
+                <a:tab algn="l" pos="0"/>
+              </a:tabLst>
+            </a:pPr>
+            <a:endParaRPr b="0" lang="pt-BR" sz="2000" spc="-1" strike="noStrike">
+              <a:latin typeface="Arial"/>
+            </a:endParaRPr>
+          </a:p>
+        </p:txBody>
+      </p:sp>
+      <p:pic>
+        <p:nvPicPr>
+          <p:cNvPr id="182" name="" descr=""/>
+          <p:cNvPicPr/>
+          <p:nvPr/>
+        </p:nvPicPr>
+        <p:blipFill>
+          <a:blip r:embed="rId1"/>
+          <a:stretch/>
+        </p:blipFill>
+        <p:spPr>
+          <a:xfrm>
+            <a:off x="2700000" y="2520000"/>
+            <a:ext cx="4723920" cy="3885840"/>
+          </a:xfrm>
+          <a:prstGeom prst="rect">
+            <a:avLst/>
+          </a:prstGeom>
+          <a:ln w="0">
+            <a:noFill/>
+          </a:ln>
+        </p:spPr>
+      </p:pic>
+    </p:spTree>
+  </p:cSld>
+  <mc:AlternateContent>
+    <mc:Choice Requires="p14">
+      <p:transition spd="slow" p14:dur="2000"/>
+    </mc:Choice>
+    <mc:Fallback>
+      <p:transition spd="slow"/>
+    </mc:Fallback>
+  </mc:AlternateContent>
+</p:sld>
+</file>
+
+<file path=ppt/slides/slide17.xml><?xml version="1.0" encoding="utf-8"?>
+<p:sld xmlns:a="http://schemas.openxmlformats.org/drawingml/2006/main" xmlns:p="http://schemas.openxmlformats.org/presentationml/2006/main" xmlns:r="http://schemas.openxmlformats.org/officeDocument/2006/relationships" xmlns:p14="http://schemas.microsoft.com/office/powerpoint/2010/main" xmlns:p15="http://schemas.microsoft.com/office/powerpoint/2012/main" xmlns:mc="http://schemas.openxmlformats.org/markup-compatibility/2006">
+  <p:cSld>
+    <p:spTree>
+      <p:nvGrpSpPr>
+        <p:cNvPr id="1" name=""/>
+        <p:cNvGrpSpPr/>
+        <p:nvPr/>
+      </p:nvGrpSpPr>
+      <p:grpSpPr>
+        <a:xfrm>
+          <a:off x="0" y="0"/>
+          <a:ext cx="0" cy="0"/>
+          <a:chOff x="0" y="0"/>
+          <a:chExt cx="0" cy="0"/>
+        </a:xfrm>
+      </p:grpSpPr>
+      <p:sp>
+        <p:nvSpPr>
+          <p:cNvPr id="183" name="CustomShape 78"/>
+          <p:cNvSpPr/>
+          <p:nvPr/>
+        </p:nvSpPr>
+        <p:spPr>
+          <a:xfrm>
+            <a:off x="360000" y="360000"/>
+            <a:ext cx="9349560" cy="889560"/>
+          </a:xfrm>
+          <a:prstGeom prst="rect">
+            <a:avLst/>
+          </a:prstGeom>
+          <a:noFill/>
+          <a:ln w="0">
+            <a:noFill/>
+          </a:ln>
+        </p:spPr>
+        <p:style>
+          <a:lnRef idx="0"/>
+          <a:fillRef idx="0"/>
+          <a:effectRef idx="0"/>
+          <a:fontRef idx="minor"/>
+        </p:style>
+        <p:txBody>
+          <a:bodyPr lIns="0" rIns="0" tIns="0" bIns="0" anchor="b">
+            <a:noAutofit/>
+          </a:bodyPr>
+          <a:p>
+            <a:pPr>
+              <a:lnSpc>
+                <a:spcPct val="100000"/>
+              </a:lnSpc>
+              <a:buNone/>
+            </a:pPr>
+            <a:r>
+              <a:rPr b="1" lang="pt-BR" sz="2600" spc="-1" strike="noStrike">
+                <a:solidFill>
+                  <a:srgbClr val="ffffff"/>
+                </a:solidFill>
+                <a:latin typeface="Source Sans Pro Black"/>
+                <a:ea typeface="DejaVu Sans"/>
+              </a:rPr>
+              <a:t>Seleção Dinâmica</a:t>
+            </a:r>
+            <a:endParaRPr b="0" lang="pt-BR" sz="2600" spc="-1" strike="noStrike">
+              <a:latin typeface="Arial"/>
+            </a:endParaRPr>
+          </a:p>
+        </p:txBody>
+      </p:sp>
+      <p:sp>
+        <p:nvSpPr>
+          <p:cNvPr id="184" name="CustomShape 79"/>
+          <p:cNvSpPr/>
+          <p:nvPr/>
+        </p:nvSpPr>
+        <p:spPr>
+          <a:xfrm>
+            <a:off x="360000" y="1980000"/>
+            <a:ext cx="9169560" cy="4669560"/>
+          </a:xfrm>
+          <a:prstGeom prst="rect">
+            <a:avLst/>
+          </a:prstGeom>
+          <a:noFill/>
+          <a:ln w="0">
+            <a:noFill/>
+          </a:ln>
+        </p:spPr>
+        <p:style>
+          <a:lnRef idx="0"/>
+          <a:fillRef idx="0"/>
+          <a:effectRef idx="0"/>
+          <a:fontRef idx="minor"/>
+        </p:style>
+        <p:txBody>
+          <a:bodyPr lIns="0" rIns="0" tIns="0" bIns="0" anchor="t">
+            <a:normAutofit/>
+          </a:bodyPr>
+          <a:p>
+            <a:pPr>
+              <a:lnSpc>
+                <a:spcPct val="100000"/>
+              </a:lnSpc>
+              <a:spcAft>
+                <a:spcPts val="1140"/>
+              </a:spcAft>
+              <a:buNone/>
+            </a:pPr>
+            <a:endParaRPr b="0" lang="pt-BR" sz="1600" spc="-1" strike="noStrike">
+              <a:latin typeface="Arial"/>
+            </a:endParaRPr>
+          </a:p>
+          <a:p>
+            <a:pPr>
+              <a:lnSpc>
+                <a:spcPct val="100000"/>
+              </a:lnSpc>
+              <a:spcAft>
+                <a:spcPts val="1140"/>
+              </a:spcAft>
+              <a:buNone/>
+            </a:pPr>
+            <a:endParaRPr b="0" lang="pt-BR" sz="2000" spc="-1" strike="noStrike">
+              <a:latin typeface="Arial"/>
+            </a:endParaRPr>
+          </a:p>
+        </p:txBody>
+      </p:sp>
+      <p:sp>
+        <p:nvSpPr>
+          <p:cNvPr id="185" name="CustomShape 80"/>
+          <p:cNvSpPr/>
+          <p:nvPr/>
+        </p:nvSpPr>
+        <p:spPr>
+          <a:xfrm>
+            <a:off x="897120" y="6886080"/>
+            <a:ext cx="6436800" cy="354600"/>
+          </a:xfrm>
+          <a:prstGeom prst="rect">
+            <a:avLst/>
+          </a:prstGeom>
+          <a:noFill/>
+          <a:ln w="0">
+            <a:noFill/>
+          </a:ln>
+        </p:spPr>
+        <p:style>
+          <a:lnRef idx="0"/>
+          <a:fillRef idx="0"/>
+          <a:effectRef idx="0"/>
+          <a:fontRef idx="minor"/>
+        </p:style>
+        <p:txBody>
+          <a:bodyPr lIns="90000" rIns="90000" tIns="45000" bIns="45000" anchor="t">
+            <a:noAutofit/>
+          </a:bodyPr>
+          <a:p>
+            <a:pPr>
+              <a:lnSpc>
+                <a:spcPct val="100000"/>
+              </a:lnSpc>
+              <a:buNone/>
+            </a:pPr>
+            <a:r>
+              <a:rPr b="0" lang="pt-BR" sz="1800" spc="-1" strike="noStrike">
+                <a:solidFill>
+                  <a:srgbClr val="000000"/>
+                </a:solidFill>
+                <a:latin typeface="Arial"/>
+                <a:ea typeface="DejaVu Sans"/>
+              </a:rPr>
+              <a:t>Aprendizado de Máquina - Prof. André Hochuli</a:t>
+            </a:r>
+            <a:endParaRPr b="0" lang="pt-BR" sz="1800" spc="-1" strike="noStrike">
+              <a:latin typeface="Arial"/>
+            </a:endParaRPr>
+          </a:p>
+        </p:txBody>
+      </p:sp>
+      <p:sp>
+        <p:nvSpPr>
+          <p:cNvPr id="186" name="CustomShape 81"/>
+          <p:cNvSpPr/>
+          <p:nvPr/>
+        </p:nvSpPr>
+        <p:spPr>
+          <a:xfrm>
+            <a:off x="7608600" y="6886080"/>
+            <a:ext cx="2274840" cy="354600"/>
+          </a:xfrm>
+          <a:prstGeom prst="rect">
+            <a:avLst/>
+          </a:prstGeom>
+          <a:noFill/>
+          <a:ln w="0">
+            <a:noFill/>
+          </a:ln>
+        </p:spPr>
+        <p:style>
+          <a:lnRef idx="0"/>
+          <a:fillRef idx="0"/>
+          <a:effectRef idx="0"/>
+          <a:fontRef idx="minor"/>
+        </p:style>
+        <p:txBody>
+          <a:bodyPr lIns="90000" rIns="90000" tIns="45000" bIns="45000" anchor="t">
+            <a:noAutofit/>
+          </a:bodyPr>
+          <a:p>
+            <a:pPr>
+              <a:lnSpc>
+                <a:spcPct val="100000"/>
+              </a:lnSpc>
+              <a:buNone/>
+            </a:pPr>
+            <a:r>
+              <a:rPr b="0" lang="pt-BR" sz="1800" spc="-1" strike="noStrike">
+                <a:solidFill>
+                  <a:srgbClr val="000000"/>
+                </a:solidFill>
+                <a:latin typeface="Arial"/>
+                <a:ea typeface="DejaVu Sans"/>
+              </a:rPr>
+              <a:t>Combinação</a:t>
+            </a:r>
+            <a:endParaRPr b="0" lang="pt-BR" sz="1800" spc="-1" strike="noStrike">
+              <a:latin typeface="Arial"/>
+            </a:endParaRPr>
+          </a:p>
+        </p:txBody>
+      </p:sp>
+      <p:sp>
+        <p:nvSpPr>
+          <p:cNvPr id="187" name=""/>
+          <p:cNvSpPr/>
+          <p:nvPr/>
+        </p:nvSpPr>
+        <p:spPr>
+          <a:xfrm>
+            <a:off x="342360" y="1529280"/>
+            <a:ext cx="9247320" cy="5359320"/>
+          </a:xfrm>
+          <a:prstGeom prst="rect">
+            <a:avLst/>
+          </a:prstGeom>
+          <a:noFill/>
+          <a:ln w="0">
+            <a:noFill/>
+          </a:ln>
+        </p:spPr>
+        <p:style>
+          <a:lnRef idx="0"/>
+          <a:fillRef idx="0"/>
+          <a:effectRef idx="0"/>
+          <a:fontRef idx="minor"/>
+        </p:style>
+        <p:txBody>
+          <a:bodyPr lIns="90000" rIns="90000" tIns="45000" bIns="45000" anchor="t">
+            <a:noAutofit/>
+          </a:bodyPr>
+          <a:p>
+            <a:pPr>
+              <a:lnSpc>
+                <a:spcPct val="100000"/>
+              </a:lnSpc>
+              <a:buNone/>
+            </a:pPr>
+            <a:endParaRPr b="0" lang="pt-BR" sz="2000" spc="-1" strike="noStrike">
+              <a:latin typeface="Arial"/>
+            </a:endParaRPr>
+          </a:p>
+          <a:p>
+            <a:pPr marL="216000" indent="-216000">
+              <a:lnSpc>
+                <a:spcPct val="150000"/>
+              </a:lnSpc>
+              <a:buClr>
+                <a:srgbClr val="000000"/>
+              </a:buClr>
+              <a:buSzPct val="45000"/>
+              <a:buFont typeface="Wingdings" charset="2"/>
+              <a:buChar char=""/>
+            </a:pPr>
+            <a:r>
+              <a:rPr b="0" lang="pt-BR" sz="1600" spc="-1" strike="noStrike">
+                <a:solidFill>
+                  <a:srgbClr val="1c1c1c"/>
+                </a:solidFill>
+                <a:latin typeface="Latin Modern Sans"/>
+                <a:ea typeface="DejaVu Sans"/>
+              </a:rPr>
+              <a:t>Meta-Classifier determina a região de competência e seleciona o melhor classificador(es)</a:t>
+            </a:r>
+            <a:endParaRPr b="0" lang="pt-BR" sz="1600" spc="-1" strike="noStrike">
+              <a:latin typeface="Arial"/>
+            </a:endParaRPr>
+          </a:p>
+          <a:p>
+            <a:pPr lvl="1" marL="432000" indent="-216000">
+              <a:lnSpc>
+                <a:spcPct val="150000"/>
+              </a:lnSpc>
+              <a:buClr>
+                <a:srgbClr val="000000"/>
+              </a:buClr>
+              <a:buSzPct val="45000"/>
+              <a:buFont typeface="Wingdings" charset="2"/>
+              <a:buChar char=""/>
+            </a:pPr>
+            <a:endParaRPr b="0" lang="pt-BR" sz="1600" spc="-1" strike="noStrike">
+              <a:latin typeface="Arial"/>
+            </a:endParaRPr>
+          </a:p>
+          <a:p>
+            <a:pPr>
+              <a:lnSpc>
+                <a:spcPct val="150000"/>
+              </a:lnSpc>
+              <a:buNone/>
+            </a:pPr>
+            <a:endParaRPr b="0" lang="pt-BR" sz="1600" spc="-1" strike="noStrike">
+              <a:latin typeface="Arial"/>
+            </a:endParaRPr>
+          </a:p>
+          <a:p>
+            <a:pPr>
+              <a:lnSpc>
+                <a:spcPct val="150000"/>
+              </a:lnSpc>
+              <a:buNone/>
+            </a:pPr>
+            <a:endParaRPr b="0" lang="pt-BR" sz="1600" spc="-1" strike="noStrike">
+              <a:latin typeface="Arial"/>
+            </a:endParaRPr>
+          </a:p>
+          <a:p>
+            <a:pPr>
+              <a:lnSpc>
+                <a:spcPct val="100000"/>
+              </a:lnSpc>
+              <a:buNone/>
+            </a:pPr>
+            <a:endParaRPr b="0" lang="pt-BR" sz="1600" spc="-1" strike="noStrike">
+              <a:latin typeface="Arial"/>
+            </a:endParaRPr>
+          </a:p>
+          <a:p>
+            <a:pPr>
+              <a:lnSpc>
+                <a:spcPct val="100000"/>
+              </a:lnSpc>
+              <a:buNone/>
+            </a:pPr>
+            <a:endParaRPr b="0" lang="pt-BR" sz="2000" spc="-1" strike="noStrike">
+              <a:latin typeface="Arial"/>
+            </a:endParaRPr>
+          </a:p>
+          <a:p>
+            <a:pPr>
+              <a:lnSpc>
+                <a:spcPct val="100000"/>
+              </a:lnSpc>
+              <a:buNone/>
+            </a:pPr>
+            <a:endParaRPr b="0" lang="pt-BR" sz="2000" spc="-1" strike="noStrike">
+              <a:latin typeface="Arial"/>
+            </a:endParaRPr>
+          </a:p>
+          <a:p>
+            <a:pPr>
+              <a:lnSpc>
+                <a:spcPct val="100000"/>
+              </a:lnSpc>
+              <a:buNone/>
+            </a:pPr>
+            <a:endParaRPr b="0" lang="pt-BR" sz="2000" spc="-1" strike="noStrike">
+              <a:latin typeface="Arial"/>
+            </a:endParaRPr>
+          </a:p>
+          <a:p>
+            <a:pPr>
+              <a:lnSpc>
+                <a:spcPct val="100000"/>
+              </a:lnSpc>
+              <a:buNone/>
+            </a:pPr>
+            <a:endParaRPr b="0" lang="pt-BR" sz="2000" spc="-1" strike="noStrike">
+              <a:latin typeface="Arial"/>
+            </a:endParaRPr>
+          </a:p>
+          <a:p>
+            <a:pPr>
+              <a:lnSpc>
+                <a:spcPct val="100000"/>
+              </a:lnSpc>
+              <a:buNone/>
+            </a:pPr>
+            <a:endParaRPr b="0" lang="pt-BR" sz="2000" spc="-1" strike="noStrike">
+              <a:latin typeface="Arial"/>
+            </a:endParaRPr>
+          </a:p>
+          <a:p>
+            <a:pPr>
+              <a:lnSpc>
+                <a:spcPct val="100000"/>
+              </a:lnSpc>
+              <a:buNone/>
+            </a:pPr>
+            <a:endParaRPr b="0" lang="pt-BR" sz="2000" spc="-1" strike="noStrike">
+              <a:latin typeface="Arial"/>
+            </a:endParaRPr>
+          </a:p>
+          <a:p>
+            <a:pPr>
+              <a:lnSpc>
+                <a:spcPct val="100000"/>
+              </a:lnSpc>
+              <a:buNone/>
+            </a:pPr>
+            <a:endParaRPr b="0" lang="pt-BR" sz="2000" spc="-1" strike="noStrike">
+              <a:latin typeface="Arial"/>
+            </a:endParaRPr>
+          </a:p>
+          <a:p>
+            <a:pPr>
+              <a:lnSpc>
+                <a:spcPct val="100000"/>
+              </a:lnSpc>
+              <a:buNone/>
+            </a:pPr>
+            <a:endParaRPr b="0" lang="pt-BR" sz="2000" spc="-1" strike="noStrike">
+              <a:latin typeface="Arial"/>
+            </a:endParaRPr>
+          </a:p>
+          <a:p>
+            <a:pPr>
+              <a:lnSpc>
+                <a:spcPct val="100000"/>
+              </a:lnSpc>
+              <a:buNone/>
+            </a:pPr>
+            <a:endParaRPr b="0" lang="pt-BR" sz="2000" spc="-1" strike="noStrike">
+              <a:latin typeface="Arial"/>
+            </a:endParaRPr>
+          </a:p>
+          <a:p>
+            <a:pPr>
+              <a:lnSpc>
+                <a:spcPct val="100000"/>
+              </a:lnSpc>
+              <a:buNone/>
+            </a:pPr>
+            <a:endParaRPr b="0" lang="pt-BR" sz="2000" spc="-1" strike="noStrike">
+              <a:latin typeface="Arial"/>
+            </a:endParaRPr>
+          </a:p>
+          <a:p>
+            <a:pPr>
+              <a:lnSpc>
+                <a:spcPct val="100000"/>
+              </a:lnSpc>
+              <a:buNone/>
+            </a:pPr>
+            <a:endParaRPr b="0" lang="pt-BR" sz="2000" spc="-1" strike="noStrike">
+              <a:latin typeface="Arial"/>
+            </a:endParaRPr>
+          </a:p>
+          <a:p>
+            <a:pPr>
+              <a:lnSpc>
+                <a:spcPct val="100000"/>
+              </a:lnSpc>
+              <a:buNone/>
+            </a:pPr>
+            <a:endParaRPr b="0" lang="pt-BR" sz="2000" spc="-1" strike="noStrike">
+              <a:latin typeface="Arial"/>
+            </a:endParaRPr>
+          </a:p>
+          <a:p>
+            <a:pPr>
+              <a:lnSpc>
+                <a:spcPct val="100000"/>
+              </a:lnSpc>
+              <a:buNone/>
+            </a:pPr>
+            <a:endParaRPr b="0" lang="pt-BR" sz="1600" spc="-1" strike="noStrike">
+              <a:latin typeface="Arial"/>
+            </a:endParaRPr>
+          </a:p>
+          <a:p>
+            <a:pPr>
+              <a:lnSpc>
+                <a:spcPct val="100000"/>
+              </a:lnSpc>
+              <a:buNone/>
+            </a:pPr>
+            <a:endParaRPr b="0" lang="pt-BR" sz="2000" spc="-1" strike="noStrike">
+              <a:latin typeface="Arial"/>
+            </a:endParaRPr>
+          </a:p>
+          <a:p>
+            <a:pPr>
+              <a:lnSpc>
+                <a:spcPct val="100000"/>
+              </a:lnSpc>
+              <a:buNone/>
+            </a:pPr>
+            <a:endParaRPr b="0" lang="pt-BR" sz="2000" spc="-1" strike="noStrike">
+              <a:latin typeface="Arial"/>
+            </a:endParaRPr>
+          </a:p>
+          <a:p>
+            <a:pPr>
+              <a:lnSpc>
+                <a:spcPct val="100000"/>
+              </a:lnSpc>
+              <a:buNone/>
+            </a:pPr>
+            <a:endParaRPr b="0" lang="pt-BR" sz="2000" spc="-1" strike="noStrike">
+              <a:latin typeface="Arial"/>
+            </a:endParaRPr>
+          </a:p>
+          <a:p>
+            <a:pPr>
+              <a:lnSpc>
+                <a:spcPct val="100000"/>
+              </a:lnSpc>
+              <a:buNone/>
+            </a:pPr>
+            <a:endParaRPr b="0" lang="pt-BR" sz="2000" spc="-1" strike="noStrike">
+              <a:latin typeface="Arial"/>
+            </a:endParaRPr>
+          </a:p>
+          <a:p>
+            <a:pPr>
+              <a:lnSpc>
+                <a:spcPct val="100000"/>
+              </a:lnSpc>
+              <a:buNone/>
+            </a:pPr>
+            <a:endParaRPr b="0" lang="pt-BR" sz="2000" spc="-1" strike="noStrike">
+              <a:latin typeface="Arial"/>
+            </a:endParaRPr>
+          </a:p>
+          <a:p>
+            <a:pPr>
+              <a:lnSpc>
+                <a:spcPct val="100000"/>
+              </a:lnSpc>
+              <a:buNone/>
+            </a:pPr>
+            <a:endParaRPr b="0" lang="pt-BR" sz="2000" spc="-1" strike="noStrike">
+              <a:latin typeface="Arial"/>
+            </a:endParaRPr>
+          </a:p>
+          <a:p>
+            <a:pPr>
+              <a:lnSpc>
+                <a:spcPct val="100000"/>
+              </a:lnSpc>
+              <a:buNone/>
+            </a:pPr>
+            <a:endParaRPr b="0" lang="pt-BR" sz="2000" spc="-1" strike="noStrike">
+              <a:latin typeface="Arial"/>
+            </a:endParaRPr>
+          </a:p>
+          <a:p>
+            <a:pPr>
+              <a:lnSpc>
+                <a:spcPct val="100000"/>
+              </a:lnSpc>
+              <a:buNone/>
+            </a:pPr>
+            <a:endParaRPr b="0" lang="pt-BR" sz="2000" spc="-1" strike="noStrike">
+              <a:latin typeface="Arial"/>
+            </a:endParaRPr>
+          </a:p>
+          <a:p>
+            <a:pPr>
+              <a:lnSpc>
+                <a:spcPct val="100000"/>
+              </a:lnSpc>
+              <a:buNone/>
+            </a:pPr>
+            <a:endParaRPr b="0" lang="pt-BR" sz="2000" spc="-1" strike="noStrike">
+              <a:latin typeface="Arial"/>
+            </a:endParaRPr>
+          </a:p>
+          <a:p>
+            <a:pPr marL="216000" indent="-216000">
+              <a:lnSpc>
+                <a:spcPct val="100000"/>
+              </a:lnSpc>
+              <a:buNone/>
+              <a:tabLst>
+                <a:tab algn="l" pos="0"/>
+              </a:tabLst>
+            </a:pPr>
+            <a:r>
+              <a:rPr b="0" lang="pt-BR" sz="2000" spc="-1" strike="noStrike">
+                <a:solidFill>
+                  <a:srgbClr val="1c1c1c"/>
+                </a:solidFill>
+                <a:latin typeface="Latin Modern Sans"/>
+                <a:ea typeface="DejaVu Sans"/>
+              </a:rPr>
+              <a:t> </a:t>
+            </a:r>
+            <a:endParaRPr b="0" lang="pt-BR" sz="2000" spc="-1" strike="noStrike">
+              <a:latin typeface="Arial"/>
+            </a:endParaRPr>
+          </a:p>
+          <a:p>
+            <a:pPr marL="216000" indent="-216000">
+              <a:lnSpc>
+                <a:spcPct val="100000"/>
+              </a:lnSpc>
+              <a:buNone/>
+              <a:tabLst>
+                <a:tab algn="l" pos="0"/>
+              </a:tabLst>
+            </a:pPr>
+            <a:endParaRPr b="0" lang="pt-BR" sz="2000" spc="-1" strike="noStrike">
+              <a:latin typeface="Arial"/>
+            </a:endParaRPr>
+          </a:p>
+          <a:p>
+            <a:pPr marL="216000" indent="-216000">
+              <a:lnSpc>
+                <a:spcPct val="100000"/>
+              </a:lnSpc>
+              <a:buNone/>
+              <a:tabLst>
+                <a:tab algn="l" pos="0"/>
+              </a:tabLst>
+            </a:pPr>
+            <a:endParaRPr b="0" lang="pt-BR" sz="2000" spc="-1" strike="noStrike">
+              <a:latin typeface="Arial"/>
+            </a:endParaRPr>
+          </a:p>
+          <a:p>
+            <a:pPr marL="216000" indent="-216000">
+              <a:lnSpc>
+                <a:spcPct val="100000"/>
+              </a:lnSpc>
+              <a:buNone/>
+              <a:tabLst>
+                <a:tab algn="l" pos="0"/>
+              </a:tabLst>
+            </a:pPr>
+            <a:endParaRPr b="0" lang="pt-BR" sz="2000" spc="-1" strike="noStrike">
+              <a:latin typeface="Arial"/>
+            </a:endParaRPr>
+          </a:p>
+        </p:txBody>
+      </p:sp>
+      <p:pic>
+        <p:nvPicPr>
+          <p:cNvPr id="188" name="" descr=""/>
+          <p:cNvPicPr/>
+          <p:nvPr/>
+        </p:nvPicPr>
+        <p:blipFill>
+          <a:blip r:embed="rId1"/>
+          <a:stretch/>
+        </p:blipFill>
+        <p:spPr>
+          <a:xfrm>
+            <a:off x="900000" y="3240000"/>
+            <a:ext cx="8432280" cy="2160000"/>
+          </a:xfrm>
+          <a:prstGeom prst="rect">
+            <a:avLst/>
+          </a:prstGeom>
+          <a:ln w="0">
+            <a:noFill/>
+          </a:ln>
+        </p:spPr>
+      </p:pic>
+    </p:spTree>
+  </p:cSld>
+  <mc:AlternateContent>
+    <mc:Choice Requires="p14">
+      <p:transition spd="slow" p14:dur="2000"/>
+    </mc:Choice>
+    <mc:Fallback>
+      <p:transition spd="slow"/>
+    </mc:Fallback>
+  </mc:AlternateContent>
+</p:sld>
+</file>
+
+<file path=ppt/slides/slide18.xml><?xml version="1.0" encoding="utf-8"?>
+<p:sld xmlns:a="http://schemas.openxmlformats.org/drawingml/2006/main" xmlns:p="http://schemas.openxmlformats.org/presentationml/2006/main" xmlns:r="http://schemas.openxmlformats.org/officeDocument/2006/relationships" xmlns:p14="http://schemas.microsoft.com/office/powerpoint/2010/main" xmlns:p15="http://schemas.microsoft.com/office/powerpoint/2012/main" xmlns:mc="http://schemas.openxmlformats.org/markup-compatibility/2006">
+  <p:cSld>
+    <p:spTree>
+      <p:nvGrpSpPr>
+        <p:cNvPr id="1" name=""/>
+        <p:cNvGrpSpPr/>
+        <p:nvPr/>
+      </p:nvGrpSpPr>
+      <p:grpSpPr>
+        <a:xfrm>
+          <a:off x="0" y="0"/>
+          <a:ext cx="0" cy="0"/>
+          <a:chOff x="0" y="0"/>
+          <a:chExt cx="0" cy="0"/>
+        </a:xfrm>
+      </p:grpSpPr>
+      <p:sp>
+        <p:nvSpPr>
+          <p:cNvPr id="189" name="CustomShape 69"/>
+          <p:cNvSpPr/>
+          <p:nvPr/>
+        </p:nvSpPr>
+        <p:spPr>
+          <a:xfrm>
+            <a:off x="360000" y="360000"/>
+            <a:ext cx="9349560" cy="889560"/>
+          </a:xfrm>
+          <a:prstGeom prst="rect">
+            <a:avLst/>
+          </a:prstGeom>
+          <a:noFill/>
+          <a:ln w="0">
+            <a:noFill/>
+          </a:ln>
+        </p:spPr>
+        <p:style>
+          <a:lnRef idx="0"/>
+          <a:fillRef idx="0"/>
+          <a:effectRef idx="0"/>
+          <a:fontRef idx="minor"/>
+        </p:style>
+        <p:txBody>
+          <a:bodyPr lIns="0" rIns="0" tIns="0" bIns="0" anchor="b">
+            <a:noAutofit/>
+          </a:bodyPr>
+          <a:p>
+            <a:pPr>
+              <a:lnSpc>
+                <a:spcPct val="100000"/>
+              </a:lnSpc>
+              <a:buNone/>
+            </a:pPr>
+            <a:r>
+              <a:rPr b="1" lang="pt-BR" sz="2600" spc="-1" strike="noStrike">
+                <a:solidFill>
+                  <a:srgbClr val="ffffff"/>
+                </a:solidFill>
+                <a:latin typeface="Source Sans Pro Black"/>
+                <a:ea typeface="DejaVu Sans"/>
+              </a:rPr>
+              <a:t>Bagging vs Boosting</a:t>
+            </a:r>
+            <a:endParaRPr b="0" lang="pt-BR" sz="2600" spc="-1" strike="noStrike">
+              <a:latin typeface="Arial"/>
+            </a:endParaRPr>
+          </a:p>
+        </p:txBody>
+      </p:sp>
+      <p:sp>
+        <p:nvSpPr>
+          <p:cNvPr id="190" name="CustomShape 71"/>
+          <p:cNvSpPr/>
+          <p:nvPr/>
+        </p:nvSpPr>
+        <p:spPr>
+          <a:xfrm>
+            <a:off x="897120" y="6886080"/>
+            <a:ext cx="6436800" cy="354600"/>
+          </a:xfrm>
+          <a:prstGeom prst="rect">
+            <a:avLst/>
+          </a:prstGeom>
+          <a:noFill/>
+          <a:ln w="0">
+            <a:noFill/>
+          </a:ln>
+        </p:spPr>
+        <p:style>
+          <a:lnRef idx="0"/>
+          <a:fillRef idx="0"/>
+          <a:effectRef idx="0"/>
+          <a:fontRef idx="minor"/>
+        </p:style>
+        <p:txBody>
+          <a:bodyPr lIns="90000" rIns="90000" tIns="45000" bIns="45000" anchor="t">
+            <a:noAutofit/>
+          </a:bodyPr>
+          <a:p>
+            <a:pPr>
+              <a:lnSpc>
+                <a:spcPct val="100000"/>
+              </a:lnSpc>
+              <a:buNone/>
+            </a:pPr>
+            <a:r>
+              <a:rPr b="0" lang="pt-BR" sz="1800" spc="-1" strike="noStrike">
+                <a:solidFill>
+                  <a:srgbClr val="000000"/>
+                </a:solidFill>
+                <a:latin typeface="Arial"/>
+                <a:ea typeface="DejaVu Sans"/>
+              </a:rPr>
+              <a:t>Aprendizado de Máquina - Prof. André Hochuli</a:t>
+            </a:r>
+            <a:endParaRPr b="0" lang="pt-BR" sz="1800" spc="-1" strike="noStrike">
+              <a:latin typeface="Arial"/>
+            </a:endParaRPr>
+          </a:p>
+        </p:txBody>
+      </p:sp>
+      <p:sp>
+        <p:nvSpPr>
+          <p:cNvPr id="191" name="CustomShape 72"/>
+          <p:cNvSpPr/>
+          <p:nvPr/>
+        </p:nvSpPr>
+        <p:spPr>
+          <a:xfrm>
+            <a:off x="7608600" y="6886080"/>
+            <a:ext cx="2274840" cy="354600"/>
+          </a:xfrm>
+          <a:prstGeom prst="rect">
+            <a:avLst/>
+          </a:prstGeom>
+          <a:noFill/>
+          <a:ln w="0">
+            <a:noFill/>
+          </a:ln>
+        </p:spPr>
+        <p:style>
+          <a:lnRef idx="0"/>
+          <a:fillRef idx="0"/>
+          <a:effectRef idx="0"/>
+          <a:fontRef idx="minor"/>
+        </p:style>
+        <p:txBody>
+          <a:bodyPr lIns="90000" rIns="90000" tIns="45000" bIns="45000" anchor="t">
+            <a:noAutofit/>
+          </a:bodyPr>
+          <a:p>
+            <a:pPr>
+              <a:lnSpc>
+                <a:spcPct val="100000"/>
+              </a:lnSpc>
+              <a:buNone/>
+            </a:pPr>
+            <a:r>
+              <a:rPr b="0" lang="pt-BR" sz="1800" spc="-1" strike="noStrike">
+                <a:solidFill>
+                  <a:srgbClr val="000000"/>
+                </a:solidFill>
+                <a:latin typeface="Arial"/>
+                <a:ea typeface="DejaVu Sans"/>
+              </a:rPr>
+              <a:t>Combinação</a:t>
+            </a:r>
+            <a:endParaRPr b="0" lang="pt-BR" sz="1800" spc="-1" strike="noStrike">
+              <a:latin typeface="Arial"/>
+            </a:endParaRPr>
+          </a:p>
+        </p:txBody>
+      </p:sp>
+      <p:sp>
+        <p:nvSpPr>
+          <p:cNvPr id="192" name=""/>
+          <p:cNvSpPr/>
+          <p:nvPr/>
+        </p:nvSpPr>
+        <p:spPr>
+          <a:xfrm>
+            <a:off x="342360" y="1529280"/>
+            <a:ext cx="9247320" cy="5359320"/>
+          </a:xfrm>
+          <a:prstGeom prst="rect">
+            <a:avLst/>
+          </a:prstGeom>
+          <a:noFill/>
+          <a:ln w="0">
+            <a:noFill/>
+          </a:ln>
+        </p:spPr>
+        <p:style>
+          <a:lnRef idx="0"/>
+          <a:fillRef idx="0"/>
+          <a:effectRef idx="0"/>
+          <a:fontRef idx="minor"/>
+        </p:style>
+        <p:txBody>
+          <a:bodyPr lIns="90000" rIns="90000" tIns="45000" bIns="45000" anchor="t">
+            <a:noAutofit/>
+          </a:bodyPr>
+          <a:p>
+            <a:pPr>
+              <a:lnSpc>
+                <a:spcPct val="100000"/>
+              </a:lnSpc>
+              <a:buNone/>
+            </a:pPr>
+            <a:endParaRPr b="0" lang="pt-BR" sz="2000" spc="-1" strike="noStrike">
+              <a:latin typeface="Arial"/>
+            </a:endParaRPr>
+          </a:p>
+          <a:p>
+            <a:pPr marL="216000" indent="-216000">
+              <a:lnSpc>
+                <a:spcPct val="150000"/>
+              </a:lnSpc>
+              <a:buClr>
+                <a:srgbClr val="000000"/>
+              </a:buClr>
+              <a:buSzPct val="45000"/>
+              <a:buFont typeface="Wingdings" charset="2"/>
+              <a:buChar char=""/>
+            </a:pPr>
+            <a:endParaRPr b="0" lang="pt-BR" sz="1600" spc="-1" strike="noStrike">
+              <a:latin typeface="Arial"/>
+            </a:endParaRPr>
+          </a:p>
+          <a:p>
+            <a:pPr marL="216000" indent="-216000">
+              <a:lnSpc>
+                <a:spcPct val="150000"/>
+              </a:lnSpc>
+              <a:buClr>
+                <a:srgbClr val="000000"/>
+              </a:buClr>
+              <a:buSzPct val="45000"/>
+              <a:buFont typeface="Wingdings" charset="2"/>
+              <a:buChar char=""/>
+            </a:pPr>
+            <a:endParaRPr b="0" lang="pt-BR" sz="1600" spc="-1" strike="noStrike">
+              <a:latin typeface="Arial"/>
+            </a:endParaRPr>
+          </a:p>
+          <a:p>
+            <a:pPr>
+              <a:lnSpc>
+                <a:spcPct val="150000"/>
+              </a:lnSpc>
+              <a:buNone/>
+            </a:pPr>
+            <a:endParaRPr b="0" lang="pt-BR" sz="1600" spc="-1" strike="noStrike">
+              <a:latin typeface="Arial"/>
+            </a:endParaRPr>
+          </a:p>
+          <a:p>
+            <a:pPr>
+              <a:lnSpc>
+                <a:spcPct val="150000"/>
+              </a:lnSpc>
+              <a:buNone/>
+            </a:pPr>
+            <a:endParaRPr b="0" lang="pt-BR" sz="1600" spc="-1" strike="noStrike">
+              <a:latin typeface="Arial"/>
+            </a:endParaRPr>
+          </a:p>
+          <a:p>
+            <a:pPr>
+              <a:lnSpc>
+                <a:spcPct val="100000"/>
+              </a:lnSpc>
+              <a:buNone/>
+            </a:pPr>
+            <a:endParaRPr b="0" lang="pt-BR" sz="1600" spc="-1" strike="noStrike">
+              <a:latin typeface="Arial"/>
+            </a:endParaRPr>
+          </a:p>
+          <a:p>
+            <a:pPr>
+              <a:lnSpc>
+                <a:spcPct val="100000"/>
+              </a:lnSpc>
+              <a:buNone/>
+            </a:pPr>
+            <a:endParaRPr b="0" lang="pt-BR" sz="2000" spc="-1" strike="noStrike">
+              <a:latin typeface="Arial"/>
+            </a:endParaRPr>
+          </a:p>
+          <a:p>
+            <a:pPr>
+              <a:lnSpc>
+                <a:spcPct val="100000"/>
+              </a:lnSpc>
+              <a:buNone/>
+            </a:pPr>
+            <a:endParaRPr b="0" lang="pt-BR" sz="2000" spc="-1" strike="noStrike">
+              <a:latin typeface="Arial"/>
+            </a:endParaRPr>
+          </a:p>
+          <a:p>
+            <a:pPr>
+              <a:lnSpc>
+                <a:spcPct val="100000"/>
+              </a:lnSpc>
+              <a:buNone/>
+            </a:pPr>
+            <a:endParaRPr b="0" lang="pt-BR" sz="2000" spc="-1" strike="noStrike">
+              <a:latin typeface="Arial"/>
+            </a:endParaRPr>
+          </a:p>
+          <a:p>
+            <a:pPr>
+              <a:lnSpc>
+                <a:spcPct val="100000"/>
+              </a:lnSpc>
+              <a:buNone/>
+            </a:pPr>
+            <a:endParaRPr b="0" lang="pt-BR" sz="2000" spc="-1" strike="noStrike">
+              <a:latin typeface="Arial"/>
+            </a:endParaRPr>
+          </a:p>
+          <a:p>
+            <a:pPr>
+              <a:lnSpc>
+                <a:spcPct val="100000"/>
+              </a:lnSpc>
+              <a:buNone/>
+            </a:pPr>
+            <a:endParaRPr b="0" lang="pt-BR" sz="2000" spc="-1" strike="noStrike">
+              <a:latin typeface="Arial"/>
+            </a:endParaRPr>
+          </a:p>
+          <a:p>
+            <a:pPr>
+              <a:lnSpc>
+                <a:spcPct val="100000"/>
+              </a:lnSpc>
+              <a:buNone/>
+            </a:pPr>
+            <a:endParaRPr b="0" lang="pt-BR" sz="2000" spc="-1" strike="noStrike">
+              <a:latin typeface="Arial"/>
+            </a:endParaRPr>
+          </a:p>
+          <a:p>
+            <a:pPr>
+              <a:lnSpc>
+                <a:spcPct val="100000"/>
+              </a:lnSpc>
+              <a:buNone/>
+            </a:pPr>
+            <a:endParaRPr b="0" lang="pt-BR" sz="2000" spc="-1" strike="noStrike">
+              <a:latin typeface="Arial"/>
+            </a:endParaRPr>
+          </a:p>
+          <a:p>
+            <a:pPr>
+              <a:lnSpc>
+                <a:spcPct val="100000"/>
+              </a:lnSpc>
+              <a:buNone/>
+            </a:pPr>
+            <a:endParaRPr b="0" lang="pt-BR" sz="2000" spc="-1" strike="noStrike">
+              <a:latin typeface="Arial"/>
+            </a:endParaRPr>
+          </a:p>
+          <a:p>
+            <a:pPr>
+              <a:lnSpc>
+                <a:spcPct val="100000"/>
+              </a:lnSpc>
+              <a:buNone/>
+            </a:pPr>
+            <a:endParaRPr b="0" lang="pt-BR" sz="2000" spc="-1" strike="noStrike">
+              <a:latin typeface="Arial"/>
+            </a:endParaRPr>
+          </a:p>
+          <a:p>
+            <a:pPr>
+              <a:lnSpc>
+                <a:spcPct val="100000"/>
+              </a:lnSpc>
+              <a:buNone/>
+            </a:pPr>
+            <a:endParaRPr b="0" lang="pt-BR" sz="2000" spc="-1" strike="noStrike">
+              <a:latin typeface="Arial"/>
+            </a:endParaRPr>
+          </a:p>
+          <a:p>
+            <a:pPr>
+              <a:lnSpc>
+                <a:spcPct val="100000"/>
+              </a:lnSpc>
+              <a:buNone/>
+            </a:pPr>
+            <a:endParaRPr b="0" lang="pt-BR" sz="2000" spc="-1" strike="noStrike">
+              <a:latin typeface="Arial"/>
+            </a:endParaRPr>
+          </a:p>
+          <a:p>
+            <a:pPr>
+              <a:lnSpc>
+                <a:spcPct val="100000"/>
+              </a:lnSpc>
+              <a:buNone/>
+            </a:pPr>
+            <a:endParaRPr b="0" lang="pt-BR" sz="2000" spc="-1" strike="noStrike">
+              <a:latin typeface="Arial"/>
+            </a:endParaRPr>
+          </a:p>
+          <a:p>
+            <a:pPr>
+              <a:lnSpc>
+                <a:spcPct val="100000"/>
+              </a:lnSpc>
+              <a:buNone/>
+            </a:pPr>
+            <a:endParaRPr b="0" lang="pt-BR" sz="1600" spc="-1" strike="noStrike">
+              <a:latin typeface="Arial"/>
+            </a:endParaRPr>
+          </a:p>
+          <a:p>
+            <a:pPr>
+              <a:lnSpc>
+                <a:spcPct val="100000"/>
+              </a:lnSpc>
+              <a:buNone/>
+            </a:pPr>
+            <a:endParaRPr b="0" lang="pt-BR" sz="2000" spc="-1" strike="noStrike">
+              <a:latin typeface="Arial"/>
+            </a:endParaRPr>
+          </a:p>
+          <a:p>
+            <a:pPr>
+              <a:lnSpc>
+                <a:spcPct val="100000"/>
+              </a:lnSpc>
+              <a:buNone/>
+            </a:pPr>
+            <a:endParaRPr b="0" lang="pt-BR" sz="2000" spc="-1" strike="noStrike">
+              <a:latin typeface="Arial"/>
+            </a:endParaRPr>
+          </a:p>
+          <a:p>
+            <a:pPr>
+              <a:lnSpc>
+                <a:spcPct val="100000"/>
+              </a:lnSpc>
+              <a:buNone/>
+            </a:pPr>
+            <a:endParaRPr b="0" lang="pt-BR" sz="2000" spc="-1" strike="noStrike">
+              <a:latin typeface="Arial"/>
+            </a:endParaRPr>
+          </a:p>
+          <a:p>
+            <a:pPr>
+              <a:lnSpc>
+                <a:spcPct val="100000"/>
+              </a:lnSpc>
+              <a:buNone/>
+            </a:pPr>
+            <a:endParaRPr b="0" lang="pt-BR" sz="2000" spc="-1" strike="noStrike">
+              <a:latin typeface="Arial"/>
+            </a:endParaRPr>
+          </a:p>
+          <a:p>
+            <a:pPr>
+              <a:lnSpc>
+                <a:spcPct val="100000"/>
+              </a:lnSpc>
+              <a:buNone/>
+            </a:pPr>
+            <a:endParaRPr b="0" lang="pt-BR" sz="2000" spc="-1" strike="noStrike">
+              <a:latin typeface="Arial"/>
+            </a:endParaRPr>
+          </a:p>
+          <a:p>
+            <a:pPr>
+              <a:lnSpc>
+                <a:spcPct val="100000"/>
+              </a:lnSpc>
+              <a:buNone/>
+            </a:pPr>
+            <a:endParaRPr b="0" lang="pt-BR" sz="2000" spc="-1" strike="noStrike">
+              <a:latin typeface="Arial"/>
+            </a:endParaRPr>
+          </a:p>
+          <a:p>
+            <a:pPr>
+              <a:lnSpc>
+                <a:spcPct val="100000"/>
+              </a:lnSpc>
+              <a:buNone/>
+            </a:pPr>
+            <a:endParaRPr b="0" lang="pt-BR" sz="2000" spc="-1" strike="noStrike">
+              <a:latin typeface="Arial"/>
+            </a:endParaRPr>
+          </a:p>
+          <a:p>
+            <a:pPr>
+              <a:lnSpc>
+                <a:spcPct val="100000"/>
+              </a:lnSpc>
+              <a:buNone/>
+            </a:pPr>
+            <a:endParaRPr b="0" lang="pt-BR" sz="2000" spc="-1" strike="noStrike">
+              <a:latin typeface="Arial"/>
+            </a:endParaRPr>
+          </a:p>
+          <a:p>
+            <a:pPr>
+              <a:lnSpc>
+                <a:spcPct val="100000"/>
+              </a:lnSpc>
+              <a:buNone/>
+            </a:pPr>
+            <a:endParaRPr b="0" lang="pt-BR" sz="2000" spc="-1" strike="noStrike">
+              <a:latin typeface="Arial"/>
+            </a:endParaRPr>
+          </a:p>
+          <a:p>
+            <a:pPr marL="216000" indent="-216000">
+              <a:lnSpc>
+                <a:spcPct val="100000"/>
+              </a:lnSpc>
+              <a:buNone/>
+              <a:tabLst>
+                <a:tab algn="l" pos="0"/>
+              </a:tabLst>
+            </a:pPr>
+            <a:r>
+              <a:rPr b="0" lang="pt-BR" sz="2000" spc="-1" strike="noStrike">
+                <a:solidFill>
+                  <a:srgbClr val="1c1c1c"/>
+                </a:solidFill>
+                <a:latin typeface="Latin Modern Sans"/>
+                <a:ea typeface="DejaVu Sans"/>
+              </a:rPr>
+              <a:t> </a:t>
+            </a:r>
+            <a:endParaRPr b="0" lang="pt-BR" sz="2000" spc="-1" strike="noStrike">
+              <a:latin typeface="Arial"/>
+            </a:endParaRPr>
+          </a:p>
+          <a:p>
+            <a:pPr marL="216000" indent="-216000">
+              <a:lnSpc>
+                <a:spcPct val="100000"/>
+              </a:lnSpc>
+              <a:buNone/>
+              <a:tabLst>
+                <a:tab algn="l" pos="0"/>
+              </a:tabLst>
+            </a:pPr>
+            <a:endParaRPr b="0" lang="pt-BR" sz="2000" spc="-1" strike="noStrike">
+              <a:latin typeface="Arial"/>
+            </a:endParaRPr>
+          </a:p>
+          <a:p>
+            <a:pPr marL="216000" indent="-216000">
+              <a:lnSpc>
+                <a:spcPct val="100000"/>
+              </a:lnSpc>
+              <a:buNone/>
+              <a:tabLst>
+                <a:tab algn="l" pos="0"/>
+              </a:tabLst>
+            </a:pPr>
+            <a:endParaRPr b="0" lang="pt-BR" sz="2000" spc="-1" strike="noStrike">
+              <a:latin typeface="Arial"/>
+            </a:endParaRPr>
+          </a:p>
+          <a:p>
+            <a:pPr marL="216000" indent="-216000">
+              <a:lnSpc>
+                <a:spcPct val="100000"/>
+              </a:lnSpc>
+              <a:buNone/>
+              <a:tabLst>
+                <a:tab algn="l" pos="0"/>
+              </a:tabLst>
+            </a:pPr>
+            <a:endParaRPr b="0" lang="pt-BR" sz="2000" spc="-1" strike="noStrike">
+              <a:latin typeface="Arial"/>
+            </a:endParaRPr>
+          </a:p>
+        </p:txBody>
+      </p:sp>
+      <p:pic>
+        <p:nvPicPr>
+          <p:cNvPr id="193" name="" descr=""/>
+          <p:cNvPicPr/>
+          <p:nvPr/>
+        </p:nvPicPr>
+        <p:blipFill>
+          <a:blip r:embed="rId1"/>
+          <a:stretch/>
+        </p:blipFill>
+        <p:spPr>
+          <a:xfrm>
+            <a:off x="1284480" y="1670760"/>
+            <a:ext cx="7590960" cy="4638240"/>
+          </a:xfrm>
+          <a:prstGeom prst="rect">
+            <a:avLst/>
+          </a:prstGeom>
+          <a:ln w="0">
+            <a:noFill/>
+          </a:ln>
+        </p:spPr>
+      </p:pic>
+    </p:spTree>
+  </p:cSld>
+  <mc:AlternateContent>
+    <mc:Choice Requires="p14">
+      <p:transition spd="slow" p14:dur="2000"/>
+    </mc:Choice>
+    <mc:Fallback>
+      <p:transition spd="slow"/>
+    </mc:Fallback>
+  </mc:AlternateContent>
+</p:sld>
+</file>
+
+<file path=ppt/slides/slide19.xml><?xml version="1.0" encoding="utf-8"?>
+<p:sld xmlns:a="http://schemas.openxmlformats.org/drawingml/2006/main" xmlns:p="http://schemas.openxmlformats.org/presentationml/2006/main" xmlns:r="http://schemas.openxmlformats.org/officeDocument/2006/relationships" xmlns:p14="http://schemas.microsoft.com/office/powerpoint/2010/main" xmlns:p15="http://schemas.microsoft.com/office/powerpoint/2012/main" xmlns:mc="http://schemas.openxmlformats.org/markup-compatibility/2006">
+  <p:cSld>
+    <p:spTree>
+      <p:nvGrpSpPr>
+        <p:cNvPr id="1" name=""/>
+        <p:cNvGrpSpPr/>
+        <p:nvPr/>
+      </p:nvGrpSpPr>
+      <p:grpSpPr>
+        <a:xfrm>
+          <a:off x="0" y="0"/>
+          <a:ext cx="0" cy="0"/>
+          <a:chOff x="0" y="0"/>
+          <a:chExt cx="0" cy="0"/>
+        </a:xfrm>
+      </p:grpSpPr>
+      <p:sp>
+        <p:nvSpPr>
+          <p:cNvPr id="194" name="CustomShape 83"/>
+          <p:cNvSpPr/>
+          <p:nvPr/>
+        </p:nvSpPr>
+        <p:spPr>
+          <a:xfrm>
+            <a:off x="360000" y="360000"/>
+            <a:ext cx="9349560" cy="889560"/>
+          </a:xfrm>
+          <a:prstGeom prst="rect">
+            <a:avLst/>
+          </a:prstGeom>
+          <a:noFill/>
+          <a:ln w="0">
+            <a:noFill/>
+          </a:ln>
+        </p:spPr>
+        <p:style>
+          <a:lnRef idx="0"/>
+          <a:fillRef idx="0"/>
+          <a:effectRef idx="0"/>
+          <a:fontRef idx="minor"/>
+        </p:style>
+        <p:txBody>
+          <a:bodyPr lIns="0" rIns="0" tIns="0" bIns="0" anchor="b">
+            <a:noAutofit/>
+          </a:bodyPr>
+          <a:p>
+            <a:pPr>
+              <a:lnSpc>
+                <a:spcPct val="100000"/>
+              </a:lnSpc>
+              <a:buNone/>
+            </a:pPr>
+            <a:r>
+              <a:rPr b="1" lang="pt-BR" sz="2600" spc="-1" strike="noStrike">
+                <a:solidFill>
+                  <a:srgbClr val="ffffff"/>
+                </a:solidFill>
+                <a:latin typeface="Source Sans Pro Black"/>
+                <a:ea typeface="DejaVu Sans"/>
+              </a:rPr>
+              <a:t>Let’s Code!</a:t>
+            </a:r>
+            <a:endParaRPr b="0" lang="pt-BR" sz="2600" spc="-1" strike="noStrike">
+              <a:latin typeface="Arial"/>
+            </a:endParaRPr>
+          </a:p>
+        </p:txBody>
+      </p:sp>
+      <p:sp>
+        <p:nvSpPr>
+          <p:cNvPr id="195" name="CustomShape 84"/>
+          <p:cNvSpPr/>
+          <p:nvPr/>
+        </p:nvSpPr>
+        <p:spPr>
+          <a:xfrm>
+            <a:off x="360000" y="1980000"/>
+            <a:ext cx="9169560" cy="4669560"/>
+          </a:xfrm>
+          <a:prstGeom prst="rect">
+            <a:avLst/>
+          </a:prstGeom>
+          <a:noFill/>
+          <a:ln w="0">
+            <a:noFill/>
+          </a:ln>
+        </p:spPr>
+        <p:style>
+          <a:lnRef idx="0"/>
+          <a:fillRef idx="0"/>
+          <a:effectRef idx="0"/>
+          <a:fontRef idx="minor"/>
+        </p:style>
+        <p:txBody>
+          <a:bodyPr lIns="0" rIns="0" tIns="0" bIns="0" anchor="t">
+            <a:normAutofit/>
+          </a:bodyPr>
+          <a:p>
+            <a:pPr>
+              <a:lnSpc>
+                <a:spcPct val="100000"/>
+              </a:lnSpc>
+              <a:spcAft>
+                <a:spcPts val="1140"/>
+              </a:spcAft>
+              <a:buNone/>
+            </a:pPr>
+            <a:endParaRPr b="0" lang="pt-BR" sz="1600" spc="-1" strike="noStrike">
+              <a:latin typeface="Arial"/>
+            </a:endParaRPr>
+          </a:p>
+          <a:p>
+            <a:pPr>
+              <a:lnSpc>
+                <a:spcPct val="100000"/>
+              </a:lnSpc>
+              <a:spcAft>
+                <a:spcPts val="1140"/>
+              </a:spcAft>
+              <a:buNone/>
+            </a:pPr>
+            <a:endParaRPr b="0" lang="pt-BR" sz="2000" spc="-1" strike="noStrike">
+              <a:latin typeface="Arial"/>
+            </a:endParaRPr>
+          </a:p>
+        </p:txBody>
+      </p:sp>
+      <p:sp>
+        <p:nvSpPr>
+          <p:cNvPr id="196" name="CustomShape 85"/>
+          <p:cNvSpPr/>
+          <p:nvPr/>
+        </p:nvSpPr>
+        <p:spPr>
+          <a:xfrm>
+            <a:off x="897120" y="6886080"/>
+            <a:ext cx="6436800" cy="354600"/>
+          </a:xfrm>
+          <a:prstGeom prst="rect">
+            <a:avLst/>
+          </a:prstGeom>
+          <a:noFill/>
+          <a:ln w="0">
+            <a:noFill/>
+          </a:ln>
+        </p:spPr>
+        <p:style>
+          <a:lnRef idx="0"/>
+          <a:fillRef idx="0"/>
+          <a:effectRef idx="0"/>
+          <a:fontRef idx="minor"/>
+        </p:style>
+        <p:txBody>
+          <a:bodyPr lIns="90000" rIns="90000" tIns="45000" bIns="45000" anchor="t">
+            <a:noAutofit/>
+          </a:bodyPr>
+          <a:p>
+            <a:pPr>
+              <a:lnSpc>
+                <a:spcPct val="100000"/>
+              </a:lnSpc>
+              <a:buNone/>
+            </a:pPr>
+            <a:r>
+              <a:rPr b="0" lang="pt-BR" sz="1800" spc="-1" strike="noStrike">
+                <a:solidFill>
+                  <a:srgbClr val="000000"/>
+                </a:solidFill>
+                <a:latin typeface="Arial"/>
+                <a:ea typeface="DejaVu Sans"/>
+              </a:rPr>
+              <a:t>Aprendizado de Máquina - Prof. André Hochuli</a:t>
+            </a:r>
+            <a:endParaRPr b="0" lang="pt-BR" sz="1800" spc="-1" strike="noStrike">
+              <a:latin typeface="Arial"/>
+            </a:endParaRPr>
+          </a:p>
+        </p:txBody>
+      </p:sp>
+      <p:sp>
+        <p:nvSpPr>
+          <p:cNvPr id="197" name="CustomShape 86"/>
+          <p:cNvSpPr/>
+          <p:nvPr/>
+        </p:nvSpPr>
+        <p:spPr>
+          <a:xfrm>
+            <a:off x="7608600" y="6886080"/>
+            <a:ext cx="2274840" cy="354600"/>
+          </a:xfrm>
+          <a:prstGeom prst="rect">
+            <a:avLst/>
+          </a:prstGeom>
+          <a:noFill/>
+          <a:ln w="0">
+            <a:noFill/>
+          </a:ln>
+        </p:spPr>
+        <p:style>
+          <a:lnRef idx="0"/>
+          <a:fillRef idx="0"/>
+          <a:effectRef idx="0"/>
+          <a:fontRef idx="minor"/>
+        </p:style>
+        <p:txBody>
+          <a:bodyPr lIns="90000" rIns="90000" tIns="45000" bIns="45000" anchor="t">
+            <a:noAutofit/>
+          </a:bodyPr>
+          <a:p>
+            <a:pPr>
+              <a:lnSpc>
+                <a:spcPct val="100000"/>
+              </a:lnSpc>
+              <a:buNone/>
+            </a:pPr>
+            <a:r>
+              <a:rPr b="0" lang="pt-BR" sz="1800" spc="-1" strike="noStrike">
+                <a:solidFill>
+                  <a:srgbClr val="000000"/>
+                </a:solidFill>
+                <a:latin typeface="Arial"/>
+                <a:ea typeface="DejaVu Sans"/>
+              </a:rPr>
+              <a:t>Combinação</a:t>
+            </a:r>
+            <a:endParaRPr b="0" lang="pt-BR" sz="1800" spc="-1" strike="noStrike">
+              <a:latin typeface="Arial"/>
+            </a:endParaRPr>
+          </a:p>
+        </p:txBody>
+      </p:sp>
+      <p:sp>
+        <p:nvSpPr>
+          <p:cNvPr id="198" name=""/>
+          <p:cNvSpPr/>
+          <p:nvPr/>
+        </p:nvSpPr>
+        <p:spPr>
+          <a:xfrm>
+            <a:off x="342360" y="1529280"/>
+            <a:ext cx="9247320" cy="5359320"/>
+          </a:xfrm>
+          <a:prstGeom prst="rect">
+            <a:avLst/>
+          </a:prstGeom>
+          <a:noFill/>
+          <a:ln w="0">
+            <a:noFill/>
+          </a:ln>
+        </p:spPr>
+        <p:style>
+          <a:lnRef idx="0"/>
+          <a:fillRef idx="0"/>
+          <a:effectRef idx="0"/>
+          <a:fontRef idx="minor"/>
+        </p:style>
+        <p:txBody>
+          <a:bodyPr lIns="90000" rIns="90000" tIns="45000" bIns="45000" anchor="t">
+            <a:noAutofit/>
+          </a:bodyPr>
+          <a:p>
+            <a:pPr>
+              <a:lnSpc>
+                <a:spcPct val="100000"/>
+              </a:lnSpc>
+              <a:buNone/>
+            </a:pPr>
+            <a:endParaRPr b="0" lang="pt-BR" sz="2000" spc="-1" strike="noStrike">
+              <a:latin typeface="Arial"/>
+            </a:endParaRPr>
+          </a:p>
+          <a:p>
+            <a:pPr marL="216000" indent="-216000">
+              <a:lnSpc>
+                <a:spcPct val="150000"/>
+              </a:lnSpc>
+              <a:buClr>
+                <a:srgbClr val="000000"/>
+              </a:buClr>
+              <a:buSzPct val="45000"/>
+              <a:buFont typeface="Wingdings" charset="2"/>
+              <a:buChar char=""/>
+            </a:pPr>
+            <a:r>
+              <a:rPr b="0" lang="pt-BR" sz="1600" spc="-1" strike="noStrike">
+                <a:solidFill>
+                  <a:srgbClr val="1c1c1c"/>
+                </a:solidFill>
+                <a:latin typeface="Latin Modern Sans"/>
+                <a:ea typeface="DejaVu Sans"/>
+              </a:rPr>
+              <a:t>Continuando no tutorial anterior, vamos analisar o AdaBoost</a:t>
+            </a:r>
+            <a:endParaRPr b="0" lang="pt-BR" sz="1600" spc="-1" strike="noStrike">
+              <a:latin typeface="Arial"/>
+            </a:endParaRPr>
+          </a:p>
+          <a:p>
+            <a:pPr marL="216000" indent="-216000">
+              <a:lnSpc>
+                <a:spcPct val="150000"/>
+              </a:lnSpc>
+              <a:buClr>
+                <a:srgbClr val="000000"/>
+              </a:buClr>
+              <a:buSzPct val="45000"/>
+              <a:buFont typeface="Wingdings" charset="2"/>
+              <a:buChar char=""/>
+            </a:pPr>
+            <a:endParaRPr b="0" lang="pt-BR" sz="1600" spc="-1" strike="noStrike">
+              <a:latin typeface="Arial"/>
+            </a:endParaRPr>
+          </a:p>
+          <a:p>
+            <a:pPr>
+              <a:lnSpc>
+                <a:spcPct val="150000"/>
+              </a:lnSpc>
+              <a:buNone/>
+            </a:pPr>
+            <a:r>
+              <a:rPr b="0" lang="pt-BR" sz="1600" spc="-1" strike="noStrike">
+                <a:solidFill>
+                  <a:srgbClr val="1c1c1c"/>
+                </a:solidFill>
+                <a:latin typeface="Latin Modern Sans"/>
+                <a:ea typeface="DejaVu Sans"/>
+              </a:rPr>
+              <a:t>LINK: </a:t>
+            </a:r>
+            <a:r>
+              <a:rPr b="0" lang="pt-BR" sz="1600" spc="-1" strike="noStrike" u="sng">
+                <a:solidFill>
+                  <a:srgbClr val="0000ff"/>
+                </a:solidFill>
+                <a:uFillTx/>
                 <a:latin typeface="Latin Modern Sans"/>
                 <a:ea typeface="DejaVu Sans"/>
                 <a:hlinkClick r:id="rId1"/>
@@ -8137,7 +14222,7 @@
         <p:spPr>
           <a:xfrm>
             <a:off x="1602000" y="4112280"/>
-            <a:ext cx="7426800" cy="2216520"/>
+            <a:ext cx="7426440" cy="2216160"/>
           </a:xfrm>
           <a:prstGeom prst="rect">
             <a:avLst/>
@@ -8156,7 +14241,7 @@
         <p:spPr>
           <a:xfrm>
             <a:off x="360000" y="360000"/>
-            <a:ext cx="9349920" cy="889920"/>
+            <a:ext cx="9349560" cy="889560"/>
           </a:xfrm>
           <a:prstGeom prst="rect">
             <a:avLst/>
@@ -8208,7 +14293,7 @@
         <p:spPr>
           <a:xfrm>
             <a:off x="360000" y="1980000"/>
-            <a:ext cx="9169920" cy="4669920"/>
+            <a:ext cx="9169560" cy="4669560"/>
           </a:xfrm>
           <a:prstGeom prst="rect">
             <a:avLst/>
@@ -8456,7 +14541,7 @@
         <p:spPr>
           <a:xfrm>
             <a:off x="897120" y="6886080"/>
-            <a:ext cx="6437160" cy="354960"/>
+            <a:ext cx="6436800" cy="354600"/>
           </a:xfrm>
           <a:prstGeom prst="rect">
             <a:avLst/>
@@ -8508,7 +14593,7 @@
         <p:spPr>
           <a:xfrm>
             <a:off x="7608600" y="6886080"/>
-            <a:ext cx="2275200" cy="354960"/>
+            <a:ext cx="2274840" cy="354600"/>
           </a:xfrm>
           <a:prstGeom prst="rect">
             <a:avLst/>
@@ -8564,7 +14649,7 @@
         <p:spPr>
           <a:xfrm>
             <a:off x="3332880" y="5882760"/>
-            <a:ext cx="417240" cy="446040"/>
+            <a:ext cx="416880" cy="445680"/>
           </a:xfrm>
           <a:prstGeom prst="rect">
             <a:avLst/>
@@ -8587,7 +14672,7 @@
         <p:spPr>
           <a:xfrm>
             <a:off x="3837240" y="5883120"/>
-            <a:ext cx="417240" cy="446040"/>
+            <a:ext cx="416880" cy="445680"/>
           </a:xfrm>
           <a:prstGeom prst="rect">
             <a:avLst/>
@@ -8610,7 +14695,7 @@
         <p:spPr>
           <a:xfrm>
             <a:off x="4377600" y="5883480"/>
-            <a:ext cx="417240" cy="446040"/>
+            <a:ext cx="416880" cy="445680"/>
           </a:xfrm>
           <a:prstGeom prst="rect">
             <a:avLst/>
@@ -8633,7 +14718,7 @@
         <p:spPr>
           <a:xfrm>
             <a:off x="4917960" y="5883840"/>
-            <a:ext cx="417240" cy="446040"/>
+            <a:ext cx="416880" cy="445680"/>
           </a:xfrm>
           <a:prstGeom prst="rect">
             <a:avLst/>
@@ -8682,7 +14767,7 @@
         <p:spPr>
           <a:xfrm>
             <a:off x="360000" y="360000"/>
-            <a:ext cx="9349920" cy="889920"/>
+            <a:ext cx="9349560" cy="889560"/>
           </a:xfrm>
           <a:prstGeom prst="rect">
             <a:avLst/>
@@ -8734,7 +14819,7 @@
         <p:spPr>
           <a:xfrm>
             <a:off x="360000" y="1980000"/>
-            <a:ext cx="9169920" cy="4669920"/>
+            <a:ext cx="9169560" cy="4669560"/>
           </a:xfrm>
           <a:prstGeom prst="rect">
             <a:avLst/>
@@ -8793,7 +14878,7 @@
         <p:spPr>
           <a:xfrm>
             <a:off x="897120" y="6886080"/>
-            <a:ext cx="6437160" cy="354960"/>
+            <a:ext cx="6436800" cy="354600"/>
           </a:xfrm>
           <a:prstGeom prst="rect">
             <a:avLst/>
@@ -8845,7 +14930,7 @@
         <p:spPr>
           <a:xfrm>
             <a:off x="7608600" y="6886080"/>
-            <a:ext cx="2275200" cy="354960"/>
+            <a:ext cx="2274840" cy="354600"/>
           </a:xfrm>
           <a:prstGeom prst="rect">
             <a:avLst/>
@@ -8897,7 +14982,7 @@
         <p:spPr>
           <a:xfrm>
             <a:off x="342360" y="1529280"/>
-            <a:ext cx="9376200" cy="5359680"/>
+            <a:ext cx="9375840" cy="5359320"/>
           </a:xfrm>
           <a:prstGeom prst="rect">
             <a:avLst/>
@@ -9347,7 +15432,7 @@
         <p:spPr>
           <a:xfrm>
             <a:off x="1435320" y="3052080"/>
-            <a:ext cx="7635960" cy="2936520"/>
+            <a:ext cx="7635600" cy="2936160"/>
           </a:xfrm>
           <a:prstGeom prst="rect">
             <a:avLst/>
@@ -9396,7 +15481,7 @@
         <p:spPr>
           <a:xfrm>
             <a:off x="360000" y="360000"/>
-            <a:ext cx="9349920" cy="889920"/>
+            <a:ext cx="9349560" cy="889560"/>
           </a:xfrm>
           <a:prstGeom prst="rect">
             <a:avLst/>
@@ -9448,7 +15533,7 @@
         <p:spPr>
           <a:xfrm>
             <a:off x="360000" y="1980000"/>
-            <a:ext cx="9169920" cy="4669920"/>
+            <a:ext cx="9169560" cy="4669560"/>
           </a:xfrm>
           <a:prstGeom prst="rect">
             <a:avLst/>
@@ -9507,7 +15592,7 @@
         <p:spPr>
           <a:xfrm>
             <a:off x="897120" y="6886080"/>
-            <a:ext cx="6437160" cy="354960"/>
+            <a:ext cx="6436800" cy="354600"/>
           </a:xfrm>
           <a:prstGeom prst="rect">
             <a:avLst/>
@@ -9559,7 +15644,7 @@
         <p:spPr>
           <a:xfrm>
             <a:off x="7608600" y="6886080"/>
-            <a:ext cx="2275200" cy="354960"/>
+            <a:ext cx="2274840" cy="354600"/>
           </a:xfrm>
           <a:prstGeom prst="rect">
             <a:avLst/>
@@ -9611,7 +15696,7 @@
         <p:spPr>
           <a:xfrm>
             <a:off x="342360" y="1529280"/>
-            <a:ext cx="9376200" cy="5359680"/>
+            <a:ext cx="9375840" cy="5359320"/>
           </a:xfrm>
           <a:prstGeom prst="rect">
             <a:avLst/>
@@ -10061,7 +16146,7 @@
         <p:spPr>
           <a:xfrm>
             <a:off x="3046680" y="3056400"/>
-            <a:ext cx="4619520" cy="3721680"/>
+            <a:ext cx="4619160" cy="3721320"/>
           </a:xfrm>
           <a:prstGeom prst="rect">
             <a:avLst/>
@@ -10110,7 +16195,7 @@
         <p:spPr>
           <a:xfrm>
             <a:off x="360000" y="360000"/>
-            <a:ext cx="9349920" cy="889920"/>
+            <a:ext cx="9349560" cy="889560"/>
           </a:xfrm>
           <a:prstGeom prst="rect">
             <a:avLst/>
@@ -10162,7 +16247,7 @@
         <p:spPr>
           <a:xfrm>
             <a:off x="360000" y="1980000"/>
-            <a:ext cx="9169920" cy="4669920"/>
+            <a:ext cx="9169560" cy="4669560"/>
           </a:xfrm>
           <a:prstGeom prst="rect">
             <a:avLst/>
@@ -10221,7 +16306,7 @@
         <p:spPr>
           <a:xfrm>
             <a:off x="897120" y="6886080"/>
-            <a:ext cx="6437160" cy="354960"/>
+            <a:ext cx="6436800" cy="354600"/>
           </a:xfrm>
           <a:prstGeom prst="rect">
             <a:avLst/>
@@ -10273,7 +16358,7 @@
         <p:spPr>
           <a:xfrm>
             <a:off x="7608600" y="6886080"/>
-            <a:ext cx="2275200" cy="354960"/>
+            <a:ext cx="2274840" cy="354600"/>
           </a:xfrm>
           <a:prstGeom prst="rect">
             <a:avLst/>
@@ -10325,7 +16410,7 @@
         <p:spPr>
           <a:xfrm>
             <a:off x="342360" y="1529280"/>
-            <a:ext cx="9376200" cy="5359680"/>
+            <a:ext cx="9375840" cy="5359320"/>
           </a:xfrm>
           <a:prstGeom prst="rect">
             <a:avLst/>
@@ -10738,7 +16823,7 @@
         <p:spPr>
           <a:xfrm>
             <a:off x="2332440" y="2633040"/>
-            <a:ext cx="5420520" cy="4068360"/>
+            <a:ext cx="5420160" cy="4068000"/>
           </a:xfrm>
           <a:prstGeom prst="rect">
             <a:avLst/>
@@ -10787,7 +16872,7 @@
         <p:spPr>
           <a:xfrm>
             <a:off x="360000" y="360000"/>
-            <a:ext cx="9349920" cy="889920"/>
+            <a:ext cx="9349560" cy="889560"/>
           </a:xfrm>
           <a:prstGeom prst="rect">
             <a:avLst/>
@@ -10839,7 +16924,7 @@
         <p:spPr>
           <a:xfrm>
             <a:off x="360000" y="1980000"/>
-            <a:ext cx="9169920" cy="4669920"/>
+            <a:ext cx="9169560" cy="4669560"/>
           </a:xfrm>
           <a:prstGeom prst="rect">
             <a:avLst/>
@@ -10898,7 +16983,7 @@
         <p:spPr>
           <a:xfrm>
             <a:off x="897120" y="6886080"/>
-            <a:ext cx="6437160" cy="354960"/>
+            <a:ext cx="6436800" cy="354600"/>
           </a:xfrm>
           <a:prstGeom prst="rect">
             <a:avLst/>
@@ -10950,7 +17035,7 @@
         <p:spPr>
           <a:xfrm>
             <a:off x="7608600" y="6886080"/>
-            <a:ext cx="2275200" cy="354960"/>
+            <a:ext cx="2274840" cy="354600"/>
           </a:xfrm>
           <a:prstGeom prst="rect">
             <a:avLst/>
@@ -11002,7 +17087,7 @@
         <p:spPr>
           <a:xfrm>
             <a:off x="342360" y="1529280"/>
-            <a:ext cx="9376200" cy="5359680"/>
+            <a:ext cx="9375840" cy="5359320"/>
           </a:xfrm>
           <a:prstGeom prst="rect">
             <a:avLst/>
@@ -11410,7 +17495,7 @@
         <p:spPr>
           <a:xfrm>
             <a:off x="2286000" y="2409480"/>
-            <a:ext cx="5281560" cy="4254840"/>
+            <a:ext cx="5281200" cy="4254480"/>
           </a:xfrm>
           <a:prstGeom prst="rect">
             <a:avLst/>
@@ -11459,7 +17544,7 @@
         <p:spPr>
           <a:xfrm>
             <a:off x="360000" y="360000"/>
-            <a:ext cx="9349920" cy="889920"/>
+            <a:ext cx="9349560" cy="889560"/>
           </a:xfrm>
           <a:prstGeom prst="rect">
             <a:avLst/>
@@ -11511,7 +17596,7 @@
         <p:spPr>
           <a:xfrm>
             <a:off x="360000" y="1980000"/>
-            <a:ext cx="9169920" cy="4669920"/>
+            <a:ext cx="9169560" cy="4669560"/>
           </a:xfrm>
           <a:prstGeom prst="rect">
             <a:avLst/>
@@ -11570,7 +17655,7 @@
         <p:spPr>
           <a:xfrm>
             <a:off x="897120" y="6886080"/>
-            <a:ext cx="6437160" cy="354960"/>
+            <a:ext cx="6436800" cy="354600"/>
           </a:xfrm>
           <a:prstGeom prst="rect">
             <a:avLst/>
@@ -11622,7 +17707,7 @@
         <p:spPr>
           <a:xfrm>
             <a:off x="7608600" y="6886080"/>
-            <a:ext cx="2275200" cy="354960"/>
+            <a:ext cx="2274840" cy="354600"/>
           </a:xfrm>
           <a:prstGeom prst="rect">
             <a:avLst/>
@@ -11674,7 +17759,7 @@
         <p:spPr>
           <a:xfrm>
             <a:off x="342360" y="1529280"/>
-            <a:ext cx="9376200" cy="5359680"/>
+            <a:ext cx="9375840" cy="5359320"/>
           </a:xfrm>
           <a:prstGeom prst="rect">
             <a:avLst/>
@@ -12087,7 +18172,7 @@
         <p:spPr>
           <a:xfrm>
             <a:off x="2365200" y="2396520"/>
-            <a:ext cx="5287320" cy="4259520"/>
+            <a:ext cx="5286960" cy="4259160"/>
           </a:xfrm>
           <a:prstGeom prst="rect">
             <a:avLst/>
@@ -12136,7 +18221,7 @@
         <p:spPr>
           <a:xfrm>
             <a:off x="360000" y="360000"/>
-            <a:ext cx="9349920" cy="889920"/>
+            <a:ext cx="9349560" cy="889560"/>
           </a:xfrm>
           <a:prstGeom prst="rect">
             <a:avLst/>
@@ -12188,7 +18273,7 @@
         <p:spPr>
           <a:xfrm>
             <a:off x="360000" y="1980000"/>
-            <a:ext cx="9169920" cy="4669920"/>
+            <a:ext cx="9169560" cy="4669560"/>
           </a:xfrm>
           <a:prstGeom prst="rect">
             <a:avLst/>
@@ -12247,7 +18332,7 @@
         <p:spPr>
           <a:xfrm>
             <a:off x="897120" y="6886080"/>
-            <a:ext cx="6437160" cy="354960"/>
+            <a:ext cx="6436800" cy="354600"/>
           </a:xfrm>
           <a:prstGeom prst="rect">
             <a:avLst/>
@@ -12299,7 +18384,7 @@
         <p:spPr>
           <a:xfrm>
             <a:off x="7608600" y="6886080"/>
-            <a:ext cx="2275200" cy="354960"/>
+            <a:ext cx="2274840" cy="354600"/>
           </a:xfrm>
           <a:prstGeom prst="rect">
             <a:avLst/>
@@ -12351,7 +18436,7 @@
         <p:spPr>
           <a:xfrm>
             <a:off x="342360" y="1529280"/>
-            <a:ext cx="9376200" cy="5359680"/>
+            <a:ext cx="9375840" cy="5359320"/>
           </a:xfrm>
           <a:prstGeom prst="rect">
             <a:avLst/>
@@ -12764,7 +18849,7 @@
         <p:spPr>
           <a:xfrm>
             <a:off x="1397520" y="2413080"/>
-            <a:ext cx="6984360" cy="4114080"/>
+            <a:ext cx="6984000" cy="4113720"/>
           </a:xfrm>
           <a:prstGeom prst="rect">
             <a:avLst/>
@@ -12787,7 +18872,7 @@
         <p:spPr>
           <a:xfrm>
             <a:off x="1397520" y="2413440"/>
-            <a:ext cx="6984360" cy="4114080"/>
+            <a:ext cx="6984000" cy="4113720"/>
           </a:xfrm>
           <a:prstGeom prst="rect">
             <a:avLst/>
@@ -12836,7 +18921,7 @@
         <p:spPr>
           <a:xfrm>
             <a:off x="360000" y="360000"/>
-            <a:ext cx="9349920" cy="889920"/>
+            <a:ext cx="9349560" cy="889560"/>
           </a:xfrm>
           <a:prstGeom prst="rect">
             <a:avLst/>
@@ -12888,7 +18973,7 @@
         <p:spPr>
           <a:xfrm>
             <a:off x="360000" y="1980000"/>
-            <a:ext cx="9295200" cy="4669920"/>
+            <a:ext cx="9294840" cy="4669560"/>
           </a:xfrm>
           <a:prstGeom prst="rect">
             <a:avLst/>
@@ -12947,7 +19032,7 @@
         <p:spPr>
           <a:xfrm>
             <a:off x="897120" y="6886080"/>
-            <a:ext cx="6437160" cy="354960"/>
+            <a:ext cx="6436800" cy="354600"/>
           </a:xfrm>
           <a:prstGeom prst="rect">
             <a:avLst/>
@@ -12999,7 +19084,7 @@
         <p:spPr>
           <a:xfrm>
             <a:off x="7608600" y="6886080"/>
-            <a:ext cx="2275200" cy="354960"/>
+            <a:ext cx="2274840" cy="354600"/>
           </a:xfrm>
           <a:prstGeom prst="rect">
             <a:avLst/>
@@ -13051,7 +19136,7 @@
         <p:spPr>
           <a:xfrm>
             <a:off x="342360" y="1529280"/>
-            <a:ext cx="6520680" cy="5359680"/>
+            <a:ext cx="6520320" cy="5359320"/>
           </a:xfrm>
           <a:prstGeom prst="rect">
             <a:avLst/>
@@ -13619,7 +19704,7 @@
         <p:spPr>
           <a:xfrm>
             <a:off x="4653000" y="3444840"/>
-            <a:ext cx="4253040" cy="3170160"/>
+            <a:ext cx="4252680" cy="3169800"/>
           </a:xfrm>
           <a:prstGeom prst="rect">
             <a:avLst/>
@@ -13643,7 +19728,7 @@
         <p:spPr>
           <a:xfrm>
             <a:off x="1693080" y="3801600"/>
-            <a:ext cx="1607400" cy="2273400"/>
+            <a:ext cx="1607040" cy="2273040"/>
           </a:xfrm>
           <a:prstGeom prst="rect">
             <a:avLst/>
